--- a/3章/PRML3章.pptx
+++ b/3章/PRML3章.pptx
@@ -5,7 +5,7 @@
     <p:sldMasterId id="2147483660" r:id="rId1"/>
   </p:sldMasterIdLst>
   <p:notesMasterIdLst>
-    <p:notesMasterId r:id="rId20"/>
+    <p:notesMasterId r:id="rId22"/>
   </p:notesMasterIdLst>
   <p:sldIdLst>
     <p:sldId id="256" r:id="rId2"/>
@@ -26,6 +26,8 @@
     <p:sldId id="273" r:id="rId17"/>
     <p:sldId id="274" r:id="rId18"/>
     <p:sldId id="275" r:id="rId19"/>
+    <p:sldId id="276" r:id="rId20"/>
+    <p:sldId id="277" r:id="rId21"/>
   </p:sldIdLst>
   <p:sldSz cx="9144000" cy="6858000" type="screen4x3"/>
   <p:notesSz cx="6858000" cy="9144000"/>
@@ -6090,7 +6092,7 @@
         </p:nvSpPr>
         <p:spPr>
           <a:xfrm>
-            <a:off x="1442435" y="1481070"/>
+            <a:off x="1442435" y="1017427"/>
             <a:ext cx="6439436" cy="1077218"/>
           </a:xfrm>
           <a:prstGeom prst="rect">
@@ -6140,7 +6142,7 @@
         </p:nvSpPr>
         <p:spPr>
           <a:xfrm>
-            <a:off x="141668" y="3039414"/>
+            <a:off x="141668" y="2575771"/>
             <a:ext cx="9272789" cy="584775"/>
           </a:xfrm>
           <a:prstGeom prst="rect">
@@ -6226,7 +6228,7 @@
         </p:nvSpPr>
         <p:spPr>
           <a:xfrm>
-            <a:off x="553792" y="4105315"/>
+            <a:off x="553792" y="3641672"/>
             <a:ext cx="8216722" cy="954107"/>
           </a:xfrm>
           <a:prstGeom prst="rect">
@@ -6287,7 +6289,7 @@
         </p:nvSpPr>
         <p:spPr>
           <a:xfrm>
-            <a:off x="553792" y="5306095"/>
+            <a:off x="553792" y="4842452"/>
             <a:ext cx="7096259" cy="954107"/>
           </a:xfrm>
           <a:prstGeom prst="rect">
@@ -6360,7 +6362,7 @@
         </p:nvSpPr>
         <p:spPr>
           <a:xfrm>
-            <a:off x="103031" y="2807594"/>
+            <a:off x="103031" y="2343951"/>
             <a:ext cx="8899302" cy="978794"/>
           </a:xfrm>
           <a:prstGeom prst="rect">
@@ -7304,10 +7306,683 @@
           <a:chExt cx="0" cy="0"/>
         </a:xfrm>
       </p:grpSpPr>
+      <p:sp>
+        <p:nvSpPr>
+          <p:cNvPr id="2" name="テキスト ボックス 1"/>
+          <p:cNvSpPr txBox="1"/>
+          <p:nvPr/>
+        </p:nvSpPr>
+        <p:spPr>
+          <a:xfrm>
+            <a:off x="811368" y="859057"/>
+            <a:ext cx="7534141" cy="584775"/>
+          </a:xfrm>
+          <a:prstGeom prst="rect">
+            <a:avLst/>
+          </a:prstGeom>
+          <a:noFill/>
+        </p:spPr>
+        <p:txBody>
+          <a:bodyPr wrap="square" rtlCol="0">
+            <a:spAutoFit/>
+          </a:bodyPr>
+          <a:lstStyle/>
+          <a:p>
+            <a:r>
+              <a:rPr kumimoji="1" lang="en-US" altLang="ja-JP" sz="3200" b="1" dirty="0" smtClean="0">
+                <a:latin typeface="メイリオ" panose="020B0604030504040204" pitchFamily="50" charset="-128"/>
+                <a:ea typeface="メイリオ" panose="020B0604030504040204" pitchFamily="50" charset="-128"/>
+              </a:rPr>
+              <a:t>1.2.5,1.2.6</a:t>
+            </a:r>
+            <a:r>
+              <a:rPr kumimoji="1" lang="ja-JP" altLang="en-US" sz="3200" b="1" dirty="0" smtClean="0">
+                <a:latin typeface="メイリオ" panose="020B0604030504040204" pitchFamily="50" charset="-128"/>
+                <a:ea typeface="メイリオ" panose="020B0604030504040204" pitchFamily="50" charset="-128"/>
+              </a:rPr>
+              <a:t>節の議論を再考</a:t>
+            </a:r>
+            <a:r>
+              <a:rPr kumimoji="1" lang="en-US" altLang="ja-JP" sz="3200" b="1" dirty="0" smtClean="0">
+                <a:latin typeface="メイリオ" panose="020B0604030504040204" pitchFamily="50" charset="-128"/>
+                <a:ea typeface="メイリオ" panose="020B0604030504040204" pitchFamily="50" charset="-128"/>
+              </a:rPr>
+              <a:t>(</a:t>
+            </a:r>
+            <a:r>
+              <a:rPr lang="ja-JP" altLang="en-US" sz="3200" b="1" dirty="0" smtClean="0">
+                <a:latin typeface="メイリオ" panose="020B0604030504040204" pitchFamily="50" charset="-128"/>
+                <a:ea typeface="メイリオ" panose="020B0604030504040204" pitchFamily="50" charset="-128"/>
+              </a:rPr>
+              <a:t>復</a:t>
+            </a:r>
+            <a:r>
+              <a:rPr lang="ja-JP" altLang="en-US" sz="3200" b="1" dirty="0">
+                <a:latin typeface="メイリオ" panose="020B0604030504040204" pitchFamily="50" charset="-128"/>
+                <a:ea typeface="メイリオ" panose="020B0604030504040204" pitchFamily="50" charset="-128"/>
+              </a:rPr>
+              <a:t>習</a:t>
+            </a:r>
+            <a:r>
+              <a:rPr kumimoji="1" lang="en-US" altLang="ja-JP" sz="3200" b="1" dirty="0" smtClean="0">
+                <a:latin typeface="メイリオ" panose="020B0604030504040204" pitchFamily="50" charset="-128"/>
+                <a:ea typeface="メイリオ" panose="020B0604030504040204" pitchFamily="50" charset="-128"/>
+              </a:rPr>
+              <a:t>)</a:t>
+            </a:r>
+            <a:r>
+              <a:rPr kumimoji="1" lang="ja-JP" altLang="en-US" sz="3200" b="1" dirty="0" smtClean="0">
+                <a:latin typeface="メイリオ" panose="020B0604030504040204" pitchFamily="50" charset="-128"/>
+                <a:ea typeface="メイリオ" panose="020B0604030504040204" pitchFamily="50" charset="-128"/>
+              </a:rPr>
+              <a:t>する</a:t>
+            </a:r>
+            <a:endParaRPr kumimoji="1" lang="ja-JP" altLang="en-US" sz="3200" b="1" dirty="0">
+              <a:latin typeface="メイリオ" panose="020B0604030504040204" pitchFamily="50" charset="-128"/>
+              <a:ea typeface="メイリオ" panose="020B0604030504040204" pitchFamily="50" charset="-128"/>
+            </a:endParaRPr>
+          </a:p>
+        </p:txBody>
+      </p:sp>
+      <p:sp>
+        <p:nvSpPr>
+          <p:cNvPr id="3" name="テキスト ボックス 2"/>
+          <p:cNvSpPr txBox="1"/>
+          <p:nvPr/>
+        </p:nvSpPr>
+        <p:spPr>
+          <a:xfrm>
+            <a:off x="605306" y="1941663"/>
+            <a:ext cx="8474299" cy="1077218"/>
+          </a:xfrm>
+          <a:prstGeom prst="rect">
+            <a:avLst/>
+          </a:prstGeom>
+          <a:noFill/>
+        </p:spPr>
+        <p:txBody>
+          <a:bodyPr wrap="square" rtlCol="0">
+            <a:spAutoFit/>
+          </a:bodyPr>
+          <a:lstStyle/>
+          <a:p>
+            <a:r>
+              <a:rPr lang="en-US" altLang="ja-JP" sz="3200" b="1" dirty="0" smtClean="0">
+                <a:latin typeface="メイリオ" panose="020B0604030504040204" pitchFamily="50" charset="-128"/>
+                <a:ea typeface="メイリオ" panose="020B0604030504040204" pitchFamily="50" charset="-128"/>
+              </a:rPr>
+              <a:t>MAP</a:t>
+            </a:r>
+            <a:r>
+              <a:rPr kumimoji="1" lang="ja-JP" altLang="en-US" sz="3200" b="1" dirty="0" smtClean="0">
+                <a:latin typeface="メイリオ" panose="020B0604030504040204" pitchFamily="50" charset="-128"/>
+                <a:ea typeface="メイリオ" panose="020B0604030504040204" pitchFamily="50" charset="-128"/>
+              </a:rPr>
+              <a:t>推定を行うことを考える</a:t>
+            </a:r>
+            <a:endParaRPr kumimoji="1" lang="en-US" altLang="ja-JP" sz="3200" b="1" dirty="0" smtClean="0">
+              <a:latin typeface="メイリオ" panose="020B0604030504040204" pitchFamily="50" charset="-128"/>
+              <a:ea typeface="メイリオ" panose="020B0604030504040204" pitchFamily="50" charset="-128"/>
+            </a:endParaRPr>
+          </a:p>
+          <a:p>
+            <a:r>
+              <a:rPr lang="ja-JP" altLang="en-US" sz="3200" b="1" dirty="0" smtClean="0">
+                <a:latin typeface="メイリオ" panose="020B0604030504040204" pitchFamily="50" charset="-128"/>
+                <a:ea typeface="メイリオ" panose="020B0604030504040204" pitchFamily="50" charset="-128"/>
+              </a:rPr>
+              <a:t>→パラメータの事前分布を</a:t>
+            </a:r>
+            <a:r>
+              <a:rPr lang="en-US" altLang="ja-JP" sz="3200" b="1" dirty="0" smtClean="0">
+                <a:latin typeface="メイリオ" panose="020B0604030504040204" pitchFamily="50" charset="-128"/>
+                <a:ea typeface="メイリオ" panose="020B0604030504040204" pitchFamily="50" charset="-128"/>
+              </a:rPr>
+              <a:t>(3.48)</a:t>
+            </a:r>
+            <a:r>
+              <a:rPr lang="ja-JP" altLang="en-US" sz="3200" b="1" dirty="0" smtClean="0">
+                <a:latin typeface="メイリオ" panose="020B0604030504040204" pitchFamily="50" charset="-128"/>
+                <a:ea typeface="メイリオ" panose="020B0604030504040204" pitchFamily="50" charset="-128"/>
+              </a:rPr>
+              <a:t>と与える</a:t>
+            </a:r>
+            <a:endParaRPr kumimoji="1" lang="ja-JP" altLang="en-US" sz="3200" b="1" dirty="0">
+              <a:latin typeface="メイリオ" panose="020B0604030504040204" pitchFamily="50" charset="-128"/>
+              <a:ea typeface="メイリオ" panose="020B0604030504040204" pitchFamily="50" charset="-128"/>
+            </a:endParaRPr>
+          </a:p>
+        </p:txBody>
+      </p:sp>
+      <p:sp>
+        <p:nvSpPr>
+          <p:cNvPr id="4" name="テキスト ボックス 3"/>
+          <p:cNvSpPr txBox="1"/>
+          <p:nvPr/>
+        </p:nvSpPr>
+        <p:spPr>
+          <a:xfrm>
+            <a:off x="1126901" y="3219720"/>
+            <a:ext cx="6903076" cy="1077218"/>
+          </a:xfrm>
+          <a:prstGeom prst="rect">
+            <a:avLst/>
+          </a:prstGeom>
+          <a:noFill/>
+        </p:spPr>
+        <p:txBody>
+          <a:bodyPr wrap="square" rtlCol="0">
+            <a:spAutoFit/>
+          </a:bodyPr>
+          <a:lstStyle/>
+          <a:p>
+            <a:r>
+              <a:rPr kumimoji="1" lang="ja-JP" altLang="en-US" sz="3200" b="1" dirty="0" smtClean="0">
+                <a:latin typeface="メイリオ" panose="020B0604030504040204" pitchFamily="50" charset="-128"/>
+                <a:ea typeface="メイリオ" panose="020B0604030504040204" pitchFamily="50" charset="-128"/>
+              </a:rPr>
+              <a:t>事後分布</a:t>
+            </a:r>
+            <a:r>
+              <a:rPr lang="ja-JP" altLang="en-US" sz="3200" b="1" dirty="0" smtClean="0">
+                <a:latin typeface="メイリオ" panose="020B0604030504040204" pitchFamily="50" charset="-128"/>
+                <a:ea typeface="メイリオ" panose="020B0604030504040204" pitchFamily="50" charset="-128"/>
+              </a:rPr>
+              <a:t>は</a:t>
+            </a:r>
+            <a:r>
+              <a:rPr lang="en-US" altLang="ja-JP" sz="3200" b="1" dirty="0" smtClean="0">
+                <a:latin typeface="メイリオ" panose="020B0604030504040204" pitchFamily="50" charset="-128"/>
+                <a:ea typeface="メイリオ" panose="020B0604030504040204" pitchFamily="50" charset="-128"/>
+              </a:rPr>
+              <a:t>(3.49)</a:t>
+            </a:r>
+            <a:r>
+              <a:rPr lang="ja-JP" altLang="en-US" sz="3200" b="1" dirty="0" smtClean="0">
+                <a:latin typeface="メイリオ" panose="020B0604030504040204" pitchFamily="50" charset="-128"/>
+                <a:ea typeface="メイリオ" panose="020B0604030504040204" pitchFamily="50" charset="-128"/>
+              </a:rPr>
+              <a:t>式のように書ける</a:t>
+            </a:r>
+            <a:endParaRPr lang="en-US" altLang="ja-JP" sz="3200" b="1" dirty="0" smtClean="0">
+              <a:latin typeface="メイリオ" panose="020B0604030504040204" pitchFamily="50" charset="-128"/>
+              <a:ea typeface="メイリオ" panose="020B0604030504040204" pitchFamily="50" charset="-128"/>
+            </a:endParaRPr>
+          </a:p>
+          <a:p>
+            <a:r>
+              <a:rPr kumimoji="1" lang="en-US" altLang="ja-JP" sz="3200" b="1" dirty="0" smtClean="0">
+                <a:latin typeface="メイリオ" panose="020B0604030504040204" pitchFamily="50" charset="-128"/>
+                <a:ea typeface="メイリオ" panose="020B0604030504040204" pitchFamily="50" charset="-128"/>
+              </a:rPr>
+              <a:t>(</a:t>
+            </a:r>
+            <a:r>
+              <a:rPr kumimoji="1" lang="ja-JP" altLang="en-US" sz="3200" b="1" dirty="0" smtClean="0">
+                <a:latin typeface="メイリオ" panose="020B0604030504040204" pitchFamily="50" charset="-128"/>
+                <a:ea typeface="メイリオ" panose="020B0604030504040204" pitchFamily="50" charset="-128"/>
+              </a:rPr>
+              <a:t>計算ノート</a:t>
+            </a:r>
+            <a:r>
+              <a:rPr kumimoji="1" lang="en-US" altLang="ja-JP" sz="3200" b="1" dirty="0" smtClean="0">
+                <a:latin typeface="メイリオ" panose="020B0604030504040204" pitchFamily="50" charset="-128"/>
+                <a:ea typeface="メイリオ" panose="020B0604030504040204" pitchFamily="50" charset="-128"/>
+              </a:rPr>
+              <a:t>)</a:t>
+            </a:r>
+            <a:endParaRPr kumimoji="1" lang="ja-JP" altLang="en-US" sz="3200" b="1" dirty="0">
+              <a:latin typeface="メイリオ" panose="020B0604030504040204" pitchFamily="50" charset="-128"/>
+              <a:ea typeface="メイリオ" panose="020B0604030504040204" pitchFamily="50" charset="-128"/>
+            </a:endParaRPr>
+          </a:p>
+        </p:txBody>
+      </p:sp>
+      <p:sp>
+        <p:nvSpPr>
+          <p:cNvPr id="5" name="テキスト ボックス 4"/>
+          <p:cNvSpPr txBox="1"/>
+          <p:nvPr/>
+        </p:nvSpPr>
+        <p:spPr>
+          <a:xfrm>
+            <a:off x="811368" y="5460643"/>
+            <a:ext cx="7160654" cy="1077218"/>
+          </a:xfrm>
+          <a:prstGeom prst="rect">
+            <a:avLst/>
+          </a:prstGeom>
+          <a:noFill/>
+        </p:spPr>
+        <p:txBody>
+          <a:bodyPr wrap="square" rtlCol="0">
+            <a:spAutoFit/>
+          </a:bodyPr>
+          <a:lstStyle/>
+          <a:p>
+            <a:r>
+              <a:rPr kumimoji="1" lang="en-US" altLang="ja-JP" sz="3200" b="1" dirty="0" smtClean="0">
+                <a:latin typeface="メイリオ" panose="020B0604030504040204" pitchFamily="50" charset="-128"/>
+                <a:ea typeface="メイリオ" panose="020B0604030504040204" pitchFamily="50" charset="-128"/>
+              </a:rPr>
+              <a:t>※</a:t>
+            </a:r>
+            <a:r>
+              <a:rPr kumimoji="1" lang="ja-JP" altLang="en-US" sz="3200" b="1" dirty="0" smtClean="0">
+                <a:latin typeface="メイリオ" panose="020B0604030504040204" pitchFamily="50" charset="-128"/>
+                <a:ea typeface="メイリオ" panose="020B0604030504040204" pitchFamily="50" charset="-128"/>
+              </a:rPr>
+              <a:t>事前分布がガウス分布であるため、</a:t>
+            </a:r>
+            <a:endParaRPr kumimoji="1" lang="en-US" altLang="ja-JP" sz="3200" b="1" dirty="0" smtClean="0">
+              <a:latin typeface="メイリオ" panose="020B0604030504040204" pitchFamily="50" charset="-128"/>
+              <a:ea typeface="メイリオ" panose="020B0604030504040204" pitchFamily="50" charset="-128"/>
+            </a:endParaRPr>
+          </a:p>
+          <a:p>
+            <a:r>
+              <a:rPr lang="ja-JP" altLang="en-US" sz="3200" b="1" dirty="0">
+                <a:latin typeface="メイリオ" panose="020B0604030504040204" pitchFamily="50" charset="-128"/>
+                <a:ea typeface="メイリオ" panose="020B0604030504040204" pitchFamily="50" charset="-128"/>
+              </a:rPr>
+              <a:t>　</a:t>
+            </a:r>
+            <a:r>
+              <a:rPr kumimoji="1" lang="ja-JP" altLang="en-US" sz="3200" b="1" dirty="0" smtClean="0">
+                <a:latin typeface="メイリオ" panose="020B0604030504040204" pitchFamily="50" charset="-128"/>
+                <a:ea typeface="メイリオ" panose="020B0604030504040204" pitchFamily="50" charset="-128"/>
+              </a:rPr>
+              <a:t>事後分布もガウス分布となる</a:t>
+            </a:r>
+            <a:endParaRPr kumimoji="1" lang="ja-JP" altLang="en-US" sz="3200" b="1" dirty="0">
+              <a:latin typeface="メイリオ" panose="020B0604030504040204" pitchFamily="50" charset="-128"/>
+              <a:ea typeface="メイリオ" panose="020B0604030504040204" pitchFamily="50" charset="-128"/>
+            </a:endParaRPr>
+          </a:p>
+        </p:txBody>
+      </p:sp>
     </p:spTree>
     <p:extLst>
       <p:ext uri="{BB962C8B-B14F-4D97-AF65-F5344CB8AC3E}">
         <p14:creationId xmlns:p14="http://schemas.microsoft.com/office/powerpoint/2010/main" val="4262123277"/>
+      </p:ext>
+    </p:extLst>
+  </p:cSld>
+  <p:clrMapOvr>
+    <a:masterClrMapping/>
+  </p:clrMapOvr>
+</p:sld>
+</file>
+
+<file path=ppt/slides/slide19.xml><?xml version="1.0" encoding="utf-8"?>
+<p:sld xmlns:a="http://schemas.openxmlformats.org/drawingml/2006/main" xmlns:r="http://schemas.openxmlformats.org/officeDocument/2006/relationships" xmlns:p="http://schemas.openxmlformats.org/presentationml/2006/main">
+  <p:cSld>
+    <p:spTree>
+      <p:nvGrpSpPr>
+        <p:cNvPr id="1" name=""/>
+        <p:cNvGrpSpPr/>
+        <p:nvPr/>
+      </p:nvGrpSpPr>
+      <p:grpSpPr>
+        <a:xfrm>
+          <a:off x="0" y="0"/>
+          <a:ext cx="0" cy="0"/>
+          <a:chOff x="0" y="0"/>
+          <a:chExt cx="0" cy="0"/>
+        </a:xfrm>
+      </p:grpSpPr>
+      <p:sp>
+        <p:nvSpPr>
+          <p:cNvPr id="2" name="テキスト ボックス 1"/>
+          <p:cNvSpPr txBox="1"/>
+          <p:nvPr/>
+        </p:nvSpPr>
+        <p:spPr>
+          <a:xfrm>
+            <a:off x="251137" y="1656616"/>
+            <a:ext cx="8693240" cy="1077218"/>
+          </a:xfrm>
+          <a:prstGeom prst="rect">
+            <a:avLst/>
+          </a:prstGeom>
+          <a:noFill/>
+        </p:spPr>
+        <p:txBody>
+          <a:bodyPr wrap="square" rtlCol="0">
+            <a:spAutoFit/>
+          </a:bodyPr>
+          <a:lstStyle/>
+          <a:p>
+            <a:r>
+              <a:rPr kumimoji="1" lang="ja-JP" altLang="en-US" sz="3200" b="1" dirty="0" smtClean="0">
+                <a:latin typeface="メイリオ" panose="020B0604030504040204" pitchFamily="50" charset="-128"/>
+                <a:ea typeface="メイリオ" panose="020B0604030504040204" pitchFamily="50" charset="-128"/>
+              </a:rPr>
+              <a:t>　対数事後確率の最大化</a:t>
+            </a:r>
+            <a:r>
+              <a:rPr kumimoji="1" lang="en-US" altLang="ja-JP" sz="3200" b="1" dirty="0" smtClean="0">
+                <a:latin typeface="メイリオ" panose="020B0604030504040204" pitchFamily="50" charset="-128"/>
+                <a:ea typeface="メイリオ" panose="020B0604030504040204" pitchFamily="50" charset="-128"/>
+              </a:rPr>
+              <a:t>(MAP</a:t>
+            </a:r>
+            <a:r>
+              <a:rPr kumimoji="1" lang="ja-JP" altLang="en-US" sz="3200" b="1" dirty="0" smtClean="0">
+                <a:latin typeface="メイリオ" panose="020B0604030504040204" pitchFamily="50" charset="-128"/>
+                <a:ea typeface="メイリオ" panose="020B0604030504040204" pitchFamily="50" charset="-128"/>
+              </a:rPr>
+              <a:t>推定</a:t>
+            </a:r>
+            <a:r>
+              <a:rPr kumimoji="1" lang="en-US" altLang="ja-JP" sz="3200" b="1" dirty="0" smtClean="0">
+                <a:latin typeface="メイリオ" panose="020B0604030504040204" pitchFamily="50" charset="-128"/>
+                <a:ea typeface="メイリオ" panose="020B0604030504040204" pitchFamily="50" charset="-128"/>
+              </a:rPr>
+              <a:t>)</a:t>
+            </a:r>
+          </a:p>
+          <a:p>
+            <a:r>
+              <a:rPr lang="ja-JP" altLang="en-US" sz="3200" b="1" dirty="0" smtClean="0">
+                <a:latin typeface="メイリオ" panose="020B0604030504040204" pitchFamily="50" charset="-128"/>
+                <a:ea typeface="メイリオ" panose="020B0604030504040204" pitchFamily="50" charset="-128"/>
+              </a:rPr>
+              <a:t>＝</a:t>
+            </a:r>
+            <a:r>
+              <a:rPr kumimoji="1" lang="ja-JP" altLang="en-US" sz="3200" b="1" dirty="0" smtClean="0">
+                <a:latin typeface="メイリオ" panose="020B0604030504040204" pitchFamily="50" charset="-128"/>
+                <a:ea typeface="メイリオ" panose="020B0604030504040204" pitchFamily="50" charset="-128"/>
+              </a:rPr>
+              <a:t>二乗和誤差</a:t>
+            </a:r>
+            <a:r>
+              <a:rPr kumimoji="1" lang="en-US" altLang="ja-JP" sz="3200" b="1" dirty="0" smtClean="0">
+                <a:latin typeface="メイリオ" panose="020B0604030504040204" pitchFamily="50" charset="-128"/>
+                <a:ea typeface="メイリオ" panose="020B0604030504040204" pitchFamily="50" charset="-128"/>
+              </a:rPr>
+              <a:t>+</a:t>
+            </a:r>
+            <a:r>
+              <a:rPr kumimoji="1" lang="ja-JP" altLang="en-US" sz="3200" b="1" dirty="0" smtClean="0">
+                <a:latin typeface="メイリオ" panose="020B0604030504040204" pitchFamily="50" charset="-128"/>
+                <a:ea typeface="メイリオ" panose="020B0604030504040204" pitchFamily="50" charset="-128"/>
+              </a:rPr>
+              <a:t>二次の正則化項の最小化</a:t>
+            </a:r>
+            <a:r>
+              <a:rPr kumimoji="1" lang="en-US" altLang="ja-JP" sz="3200" b="1" dirty="0" smtClean="0">
+                <a:latin typeface="メイリオ" panose="020B0604030504040204" pitchFamily="50" charset="-128"/>
+                <a:ea typeface="メイリオ" panose="020B0604030504040204" pitchFamily="50" charset="-128"/>
+              </a:rPr>
+              <a:t>(</a:t>
+            </a:r>
+            <a:r>
+              <a:rPr kumimoji="1" lang="ja-JP" altLang="en-US" sz="3200" b="1" dirty="0" smtClean="0">
+                <a:latin typeface="メイリオ" panose="020B0604030504040204" pitchFamily="50" charset="-128"/>
+                <a:ea typeface="メイリオ" panose="020B0604030504040204" pitchFamily="50" charset="-128"/>
+              </a:rPr>
+              <a:t>復習</a:t>
+            </a:r>
+            <a:r>
+              <a:rPr kumimoji="1" lang="en-US" altLang="ja-JP" sz="3200" b="1" dirty="0" smtClean="0">
+                <a:latin typeface="メイリオ" panose="020B0604030504040204" pitchFamily="50" charset="-128"/>
+                <a:ea typeface="メイリオ" panose="020B0604030504040204" pitchFamily="50" charset="-128"/>
+              </a:rPr>
+              <a:t>)</a:t>
+            </a:r>
+            <a:endParaRPr kumimoji="1" lang="ja-JP" altLang="en-US" sz="3200" b="1" dirty="0">
+              <a:latin typeface="メイリオ" panose="020B0604030504040204" pitchFamily="50" charset="-128"/>
+              <a:ea typeface="メイリオ" panose="020B0604030504040204" pitchFamily="50" charset="-128"/>
+            </a:endParaRPr>
+          </a:p>
+        </p:txBody>
+      </p:sp>
+      <p:sp>
+        <p:nvSpPr>
+          <p:cNvPr id="3" name="テキスト ボックス 2"/>
+          <p:cNvSpPr txBox="1"/>
+          <p:nvPr/>
+        </p:nvSpPr>
+        <p:spPr>
+          <a:xfrm>
+            <a:off x="334851" y="5009882"/>
+            <a:ext cx="8809149" cy="1077218"/>
+          </a:xfrm>
+          <a:prstGeom prst="rect">
+            <a:avLst/>
+          </a:prstGeom>
+          <a:noFill/>
+        </p:spPr>
+        <p:txBody>
+          <a:bodyPr wrap="square" rtlCol="0">
+            <a:spAutoFit/>
+          </a:bodyPr>
+          <a:lstStyle/>
+          <a:p>
+            <a:r>
+              <a:rPr lang="ja-JP" altLang="en-US" sz="3200" b="1" dirty="0" smtClean="0">
+                <a:latin typeface="メイリオ" panose="020B0604030504040204" pitchFamily="50" charset="-128"/>
+                <a:ea typeface="メイリオ" panose="020B0604030504040204" pitchFamily="50" charset="-128"/>
+              </a:rPr>
+              <a:t>事後</a:t>
+            </a:r>
+            <a:r>
+              <a:rPr lang="ja-JP" altLang="en-US" sz="3200" b="1" dirty="0">
+                <a:latin typeface="メイリオ" panose="020B0604030504040204" pitchFamily="50" charset="-128"/>
+                <a:ea typeface="メイリオ" panose="020B0604030504040204" pitchFamily="50" charset="-128"/>
+              </a:rPr>
+              <a:t>確率</a:t>
+            </a:r>
+            <a:r>
+              <a:rPr lang="ja-JP" altLang="en-US" sz="3200" b="1" dirty="0" smtClean="0">
+                <a:latin typeface="メイリオ" panose="020B0604030504040204" pitchFamily="50" charset="-128"/>
+                <a:ea typeface="メイリオ" panose="020B0604030504040204" pitchFamily="50" charset="-128"/>
+              </a:rPr>
+              <a:t>の</a:t>
+            </a:r>
+            <a:r>
+              <a:rPr kumimoji="1" lang="ja-JP" altLang="en-US" sz="3200" b="1" dirty="0" smtClean="0">
+                <a:latin typeface="メイリオ" panose="020B0604030504040204" pitchFamily="50" charset="-128"/>
+                <a:ea typeface="メイリオ" panose="020B0604030504040204" pitchFamily="50" charset="-128"/>
+              </a:rPr>
+              <a:t>逐次学習におけるふるまいを確認</a:t>
+            </a:r>
+            <a:r>
+              <a:rPr kumimoji="1" lang="en-US" altLang="ja-JP" sz="3200" b="1" dirty="0" smtClean="0">
+                <a:latin typeface="メイリオ" panose="020B0604030504040204" pitchFamily="50" charset="-128"/>
+                <a:ea typeface="メイリオ" panose="020B0604030504040204" pitchFamily="50" charset="-128"/>
+              </a:rPr>
+              <a:t>(</a:t>
+            </a:r>
+            <a:r>
+              <a:rPr kumimoji="1" lang="ja-JP" altLang="en-US" sz="3200" b="1" dirty="0" smtClean="0">
+                <a:latin typeface="メイリオ" panose="020B0604030504040204" pitchFamily="50" charset="-128"/>
+                <a:ea typeface="メイリオ" panose="020B0604030504040204" pitchFamily="50" charset="-128"/>
+              </a:rPr>
+              <a:t>図</a:t>
+            </a:r>
+            <a:r>
+              <a:rPr kumimoji="1" lang="en-US" altLang="ja-JP" sz="3200" b="1" dirty="0" smtClean="0">
+                <a:latin typeface="メイリオ" panose="020B0604030504040204" pitchFamily="50" charset="-128"/>
+                <a:ea typeface="メイリオ" panose="020B0604030504040204" pitchFamily="50" charset="-128"/>
+              </a:rPr>
+              <a:t>2.3,</a:t>
+            </a:r>
+            <a:r>
+              <a:rPr kumimoji="1" lang="ja-JP" altLang="en-US" sz="3200" b="1" dirty="0" smtClean="0">
+                <a:latin typeface="メイリオ" panose="020B0604030504040204" pitchFamily="50" charset="-128"/>
+                <a:ea typeface="メイリオ" panose="020B0604030504040204" pitchFamily="50" charset="-128"/>
+              </a:rPr>
+              <a:t>図</a:t>
+            </a:r>
+            <a:r>
+              <a:rPr kumimoji="1" lang="en-US" altLang="ja-JP" sz="3200" b="1" dirty="0" smtClean="0">
+                <a:latin typeface="メイリオ" panose="020B0604030504040204" pitchFamily="50" charset="-128"/>
+                <a:ea typeface="メイリオ" panose="020B0604030504040204" pitchFamily="50" charset="-128"/>
+              </a:rPr>
+              <a:t>3.7</a:t>
+            </a:r>
+            <a:r>
+              <a:rPr kumimoji="1" lang="ja-JP" altLang="en-US" sz="3200" b="1" dirty="0" smtClean="0">
+                <a:latin typeface="メイリオ" panose="020B0604030504040204" pitchFamily="50" charset="-128"/>
+                <a:ea typeface="メイリオ" panose="020B0604030504040204" pitchFamily="50" charset="-128"/>
+              </a:rPr>
+              <a:t>参照</a:t>
+            </a:r>
+            <a:r>
+              <a:rPr kumimoji="1" lang="en-US" altLang="ja-JP" sz="3200" b="1" dirty="0" smtClean="0">
+                <a:latin typeface="メイリオ" panose="020B0604030504040204" pitchFamily="50" charset="-128"/>
+                <a:ea typeface="メイリオ" panose="020B0604030504040204" pitchFamily="50" charset="-128"/>
+              </a:rPr>
+              <a:t>)</a:t>
+            </a:r>
+            <a:endParaRPr kumimoji="1" lang="ja-JP" altLang="en-US" sz="3200" b="1" dirty="0">
+              <a:latin typeface="メイリオ" panose="020B0604030504040204" pitchFamily="50" charset="-128"/>
+              <a:ea typeface="メイリオ" panose="020B0604030504040204" pitchFamily="50" charset="-128"/>
+            </a:endParaRPr>
+          </a:p>
+        </p:txBody>
+      </p:sp>
+      <p:sp>
+        <p:nvSpPr>
+          <p:cNvPr id="4" name="テキスト ボックス 3"/>
+          <p:cNvSpPr txBox="1"/>
+          <p:nvPr/>
+        </p:nvSpPr>
+        <p:spPr>
+          <a:xfrm>
+            <a:off x="669701" y="3069137"/>
+            <a:ext cx="8139448" cy="1569660"/>
+          </a:xfrm>
+          <a:prstGeom prst="rect">
+            <a:avLst/>
+          </a:prstGeom>
+          <a:noFill/>
+        </p:spPr>
+        <p:txBody>
+          <a:bodyPr wrap="square" rtlCol="0">
+            <a:spAutoFit/>
+          </a:bodyPr>
+          <a:lstStyle/>
+          <a:p>
+            <a:r>
+              <a:rPr lang="ja-JP" altLang="en-US" sz="3200" b="1" dirty="0" smtClean="0">
+                <a:latin typeface="メイリオ" panose="020B0604030504040204" pitchFamily="50" charset="-128"/>
+                <a:ea typeface="メイリオ" panose="020B0604030504040204" pitchFamily="50" charset="-128"/>
+              </a:rPr>
+              <a:t>パラメータ空間全域を</a:t>
+            </a:r>
+            <a:r>
+              <a:rPr kumimoji="1" lang="ja-JP" altLang="en-US" sz="3200" b="1" dirty="0" smtClean="0">
+                <a:latin typeface="メイリオ" panose="020B0604030504040204" pitchFamily="50" charset="-128"/>
+                <a:ea typeface="メイリオ" panose="020B0604030504040204" pitchFamily="50" charset="-128"/>
+              </a:rPr>
+              <a:t>一様に分布しているような分布を事前分布とした場合</a:t>
+            </a:r>
+            <a:endParaRPr kumimoji="1" lang="en-US" altLang="ja-JP" sz="3200" b="1" dirty="0" smtClean="0">
+              <a:latin typeface="メイリオ" panose="020B0604030504040204" pitchFamily="50" charset="-128"/>
+              <a:ea typeface="メイリオ" panose="020B0604030504040204" pitchFamily="50" charset="-128"/>
+            </a:endParaRPr>
+          </a:p>
+          <a:p>
+            <a:r>
+              <a:rPr lang="ja-JP" altLang="en-US" sz="3200" b="1" dirty="0" smtClean="0">
+                <a:latin typeface="メイリオ" panose="020B0604030504040204" pitchFamily="50" charset="-128"/>
+                <a:ea typeface="メイリオ" panose="020B0604030504040204" pitchFamily="50" charset="-128"/>
+              </a:rPr>
+              <a:t>→</a:t>
+            </a:r>
+            <a:r>
+              <a:rPr lang="en-US" altLang="ja-JP" sz="3200" b="1" dirty="0" smtClean="0">
+                <a:latin typeface="メイリオ" panose="020B0604030504040204" pitchFamily="50" charset="-128"/>
+                <a:ea typeface="メイリオ" panose="020B0604030504040204" pitchFamily="50" charset="-128"/>
+              </a:rPr>
+              <a:t>MAP</a:t>
+            </a:r>
+            <a:r>
+              <a:rPr lang="ja-JP" altLang="en-US" sz="3200" b="1" dirty="0" smtClean="0">
+                <a:latin typeface="メイリオ" panose="020B0604030504040204" pitchFamily="50" charset="-128"/>
+                <a:ea typeface="メイリオ" panose="020B0604030504040204" pitchFamily="50" charset="-128"/>
+              </a:rPr>
+              <a:t>推定量＝</a:t>
+            </a:r>
+            <a:r>
+              <a:rPr lang="ja-JP" altLang="en-US" sz="3200" b="1" dirty="0">
+                <a:latin typeface="メイリオ" panose="020B0604030504040204" pitchFamily="50" charset="-128"/>
+                <a:ea typeface="メイリオ" panose="020B0604030504040204" pitchFamily="50" charset="-128"/>
+              </a:rPr>
+              <a:t>最尤</a:t>
+            </a:r>
+            <a:r>
+              <a:rPr lang="ja-JP" altLang="en-US" sz="3200" b="1" dirty="0" smtClean="0">
+                <a:latin typeface="メイリオ" panose="020B0604030504040204" pitchFamily="50" charset="-128"/>
+                <a:ea typeface="メイリオ" panose="020B0604030504040204" pitchFamily="50" charset="-128"/>
+              </a:rPr>
+              <a:t>推定</a:t>
+            </a:r>
+            <a:r>
+              <a:rPr lang="ja-JP" altLang="en-US" sz="3200" b="1" dirty="0">
+                <a:latin typeface="メイリオ" panose="020B0604030504040204" pitchFamily="50" charset="-128"/>
+                <a:ea typeface="メイリオ" panose="020B0604030504040204" pitchFamily="50" charset="-128"/>
+              </a:rPr>
+              <a:t>量</a:t>
+            </a:r>
+            <a:endParaRPr kumimoji="1" lang="ja-JP" altLang="en-US" sz="3200" b="1" dirty="0">
+              <a:latin typeface="メイリオ" panose="020B0604030504040204" pitchFamily="50" charset="-128"/>
+              <a:ea typeface="メイリオ" panose="020B0604030504040204" pitchFamily="50" charset="-128"/>
+            </a:endParaRPr>
+          </a:p>
+        </p:txBody>
+      </p:sp>
+      <p:sp>
+        <p:nvSpPr>
+          <p:cNvPr id="5" name="テキスト ボックス 4"/>
+          <p:cNvSpPr txBox="1"/>
+          <p:nvPr/>
+        </p:nvSpPr>
+        <p:spPr>
+          <a:xfrm>
+            <a:off x="2163653" y="528034"/>
+            <a:ext cx="4584879" cy="707886"/>
+          </a:xfrm>
+          <a:prstGeom prst="rect">
+            <a:avLst/>
+          </a:prstGeom>
+          <a:noFill/>
+        </p:spPr>
+        <p:txBody>
+          <a:bodyPr wrap="square" rtlCol="0">
+            <a:spAutoFit/>
+          </a:bodyPr>
+          <a:lstStyle/>
+          <a:p>
+            <a:r>
+              <a:rPr kumimoji="1" lang="en-US" altLang="ja-JP" sz="4000" b="1" dirty="0" smtClean="0">
+                <a:latin typeface="メイリオ" panose="020B0604030504040204" pitchFamily="50" charset="-128"/>
+                <a:ea typeface="メイリオ" panose="020B0604030504040204" pitchFamily="50" charset="-128"/>
+              </a:rPr>
+              <a:t>MAP</a:t>
+            </a:r>
+            <a:r>
+              <a:rPr kumimoji="1" lang="ja-JP" altLang="en-US" sz="4000" b="1" dirty="0" smtClean="0">
+                <a:latin typeface="メイリオ" panose="020B0604030504040204" pitchFamily="50" charset="-128"/>
+                <a:ea typeface="メイリオ" panose="020B0604030504040204" pitchFamily="50" charset="-128"/>
+              </a:rPr>
+              <a:t>推定について</a:t>
+            </a:r>
+            <a:endParaRPr kumimoji="1" lang="ja-JP" altLang="en-US" sz="4000" b="1" dirty="0">
+              <a:latin typeface="メイリオ" panose="020B0604030504040204" pitchFamily="50" charset="-128"/>
+              <a:ea typeface="メイリオ" panose="020B0604030504040204" pitchFamily="50" charset="-128"/>
+            </a:endParaRPr>
+          </a:p>
+        </p:txBody>
+      </p:sp>
+    </p:spTree>
+    <p:extLst>
+      <p:ext uri="{BB962C8B-B14F-4D97-AF65-F5344CB8AC3E}">
+        <p14:creationId xmlns:p14="http://schemas.microsoft.com/office/powerpoint/2010/main" val="3223120729"/>
       </p:ext>
     </p:extLst>
   </p:cSld>
@@ -7511,6 +8186,36 @@
       </p:par>
     </p:tnLst>
   </p:timing>
+</p:sld>
+</file>
+
+<file path=ppt/slides/slide20.xml><?xml version="1.0" encoding="utf-8"?>
+<p:sld xmlns:a="http://schemas.openxmlformats.org/drawingml/2006/main" xmlns:r="http://schemas.openxmlformats.org/officeDocument/2006/relationships" xmlns:p="http://schemas.openxmlformats.org/presentationml/2006/main">
+  <p:cSld>
+    <p:spTree>
+      <p:nvGrpSpPr>
+        <p:cNvPr id="1" name=""/>
+        <p:cNvGrpSpPr/>
+        <p:nvPr/>
+      </p:nvGrpSpPr>
+      <p:grpSpPr>
+        <a:xfrm>
+          <a:off x="0" y="0"/>
+          <a:ext cx="0" cy="0"/>
+          <a:chOff x="0" y="0"/>
+          <a:chExt cx="0" cy="0"/>
+        </a:xfrm>
+      </p:grpSpPr>
+    </p:spTree>
+    <p:extLst>
+      <p:ext uri="{BB962C8B-B14F-4D97-AF65-F5344CB8AC3E}">
+        <p14:creationId xmlns:p14="http://schemas.microsoft.com/office/powerpoint/2010/main" val="794740552"/>
+      </p:ext>
+    </p:extLst>
+  </p:cSld>
+  <p:clrMapOvr>
+    <a:masterClrMapping/>
+  </p:clrMapOvr>
 </p:sld>
 </file>
 

--- a/3章/PRML3章.pptx
+++ b/3章/PRML3章.pptx
@@ -5,7 +5,7 @@
     <p:sldMasterId id="2147483660" r:id="rId1"/>
   </p:sldMasterIdLst>
   <p:notesMasterIdLst>
-    <p:notesMasterId r:id="rId22"/>
+    <p:notesMasterId r:id="rId29"/>
   </p:notesMasterIdLst>
   <p:sldIdLst>
     <p:sldId id="256" r:id="rId2"/>
@@ -28,6 +28,13 @@
     <p:sldId id="275" r:id="rId19"/>
     <p:sldId id="276" r:id="rId20"/>
     <p:sldId id="277" r:id="rId21"/>
+    <p:sldId id="278" r:id="rId22"/>
+    <p:sldId id="279" r:id="rId23"/>
+    <p:sldId id="280" r:id="rId24"/>
+    <p:sldId id="281" r:id="rId25"/>
+    <p:sldId id="282" r:id="rId26"/>
+    <p:sldId id="283" r:id="rId27"/>
+    <p:sldId id="284" r:id="rId28"/>
   </p:sldIdLst>
   <p:sldSz cx="9144000" cy="6858000" type="screen4x3"/>
   <p:notesSz cx="6858000" cy="9144000"/>
@@ -216,7 +223,7 @@
           <a:p>
             <a:fld id="{2F5C9CA0-5B1C-4019-9CAE-C712A74B81F6}" type="datetimeFigureOut">
               <a:rPr kumimoji="1" lang="ja-JP" altLang="en-US" smtClean="0"/>
-              <a:t>2017/6/7</a:t>
+              <a:t>2017/6/14</a:t>
             </a:fld>
             <a:endParaRPr kumimoji="1" lang="ja-JP" altLang="en-US"/>
           </a:p>
@@ -731,7 +738,7 @@
           <a:p>
             <a:fld id="{08032E79-3937-4168-BC15-4516387E8D1F}" type="datetimeFigureOut">
               <a:rPr kumimoji="1" lang="ja-JP" altLang="en-US" smtClean="0"/>
-              <a:t>2017/6/7</a:t>
+              <a:t>2017/6/14</a:t>
             </a:fld>
             <a:endParaRPr kumimoji="1" lang="ja-JP" altLang="en-US"/>
           </a:p>
@@ -933,7 +940,7 @@
           <a:p>
             <a:fld id="{08032E79-3937-4168-BC15-4516387E8D1F}" type="datetimeFigureOut">
               <a:rPr kumimoji="1" lang="ja-JP" altLang="en-US" smtClean="0"/>
-              <a:t>2017/6/7</a:t>
+              <a:t>2017/6/14</a:t>
             </a:fld>
             <a:endParaRPr kumimoji="1" lang="ja-JP" altLang="en-US"/>
           </a:p>
@@ -1145,7 +1152,7 @@
           <a:p>
             <a:fld id="{08032E79-3937-4168-BC15-4516387E8D1F}" type="datetimeFigureOut">
               <a:rPr kumimoji="1" lang="ja-JP" altLang="en-US" smtClean="0"/>
-              <a:t>2017/6/7</a:t>
+              <a:t>2017/6/14</a:t>
             </a:fld>
             <a:endParaRPr kumimoji="1" lang="ja-JP" altLang="en-US"/>
           </a:p>
@@ -1347,7 +1354,7 @@
           <a:p>
             <a:fld id="{08032E79-3937-4168-BC15-4516387E8D1F}" type="datetimeFigureOut">
               <a:rPr kumimoji="1" lang="ja-JP" altLang="en-US" smtClean="0"/>
-              <a:t>2017/6/7</a:t>
+              <a:t>2017/6/14</a:t>
             </a:fld>
             <a:endParaRPr kumimoji="1" lang="ja-JP" altLang="en-US"/>
           </a:p>
@@ -1591,7 +1598,7 @@
           <a:p>
             <a:fld id="{08032E79-3937-4168-BC15-4516387E8D1F}" type="datetimeFigureOut">
               <a:rPr kumimoji="1" lang="ja-JP" altLang="en-US" smtClean="0"/>
-              <a:t>2017/6/7</a:t>
+              <a:t>2017/6/14</a:t>
             </a:fld>
             <a:endParaRPr kumimoji="1" lang="ja-JP" altLang="en-US"/>
           </a:p>
@@ -1887,7 +1894,7 @@
           <a:p>
             <a:fld id="{08032E79-3937-4168-BC15-4516387E8D1F}" type="datetimeFigureOut">
               <a:rPr kumimoji="1" lang="ja-JP" altLang="en-US" smtClean="0"/>
-              <a:t>2017/6/7</a:t>
+              <a:t>2017/6/14</a:t>
             </a:fld>
             <a:endParaRPr kumimoji="1" lang="ja-JP" altLang="en-US"/>
           </a:p>
@@ -2318,7 +2325,7 @@
           <a:p>
             <a:fld id="{08032E79-3937-4168-BC15-4516387E8D1F}" type="datetimeFigureOut">
               <a:rPr kumimoji="1" lang="ja-JP" altLang="en-US" smtClean="0"/>
-              <a:t>2017/6/7</a:t>
+              <a:t>2017/6/14</a:t>
             </a:fld>
             <a:endParaRPr kumimoji="1" lang="ja-JP" altLang="en-US"/>
           </a:p>
@@ -2436,7 +2443,7 @@
           <a:p>
             <a:fld id="{08032E79-3937-4168-BC15-4516387E8D1F}" type="datetimeFigureOut">
               <a:rPr kumimoji="1" lang="ja-JP" altLang="en-US" smtClean="0"/>
-              <a:t>2017/6/7</a:t>
+              <a:t>2017/6/14</a:t>
             </a:fld>
             <a:endParaRPr kumimoji="1" lang="ja-JP" altLang="en-US"/>
           </a:p>
@@ -2531,7 +2538,7 @@
           <a:p>
             <a:fld id="{08032E79-3937-4168-BC15-4516387E8D1F}" type="datetimeFigureOut">
               <a:rPr kumimoji="1" lang="ja-JP" altLang="en-US" smtClean="0"/>
-              <a:t>2017/6/7</a:t>
+              <a:t>2017/6/14</a:t>
             </a:fld>
             <a:endParaRPr kumimoji="1" lang="ja-JP" altLang="en-US"/>
           </a:p>
@@ -2840,7 +2847,7 @@
           <a:p>
             <a:fld id="{08032E79-3937-4168-BC15-4516387E8D1F}" type="datetimeFigureOut">
               <a:rPr kumimoji="1" lang="ja-JP" altLang="en-US" smtClean="0"/>
-              <a:t>2017/6/7</a:t>
+              <a:t>2017/6/14</a:t>
             </a:fld>
             <a:endParaRPr kumimoji="1" lang="ja-JP" altLang="en-US"/>
           </a:p>
@@ -3097,7 +3104,7 @@
           <a:p>
             <a:fld id="{08032E79-3937-4168-BC15-4516387E8D1F}" type="datetimeFigureOut">
               <a:rPr kumimoji="1" lang="ja-JP" altLang="en-US" smtClean="0"/>
-              <a:t>2017/6/7</a:t>
+              <a:t>2017/6/14</a:t>
             </a:fld>
             <a:endParaRPr kumimoji="1" lang="ja-JP" altLang="en-US"/>
           </a:p>
@@ -3342,7 +3349,7 @@
           <a:p>
             <a:fld id="{08032E79-3937-4168-BC15-4516387E8D1F}" type="datetimeFigureOut">
               <a:rPr kumimoji="1" lang="ja-JP" altLang="en-US" smtClean="0"/>
-              <a:t>2017/6/7</a:t>
+              <a:t>2017/6/14</a:t>
             </a:fld>
             <a:endParaRPr kumimoji="1" lang="ja-JP" altLang="en-US"/>
           </a:p>
@@ -8206,10 +8213,2696 @@
           <a:chExt cx="0" cy="0"/>
         </a:xfrm>
       </p:grpSpPr>
+      <p:sp>
+        <p:nvSpPr>
+          <p:cNvPr id="2" name="テキスト ボックス 1"/>
+          <p:cNvSpPr txBox="1"/>
+          <p:nvPr/>
+        </p:nvSpPr>
+        <p:spPr>
+          <a:xfrm>
+            <a:off x="1017945" y="540912"/>
+            <a:ext cx="7585142" cy="584775"/>
+          </a:xfrm>
+          <a:prstGeom prst="rect">
+            <a:avLst/>
+          </a:prstGeom>
+          <a:noFill/>
+        </p:spPr>
+        <p:txBody>
+          <a:bodyPr wrap="square" rtlCol="0">
+            <a:spAutoFit/>
+          </a:bodyPr>
+          <a:lstStyle/>
+          <a:p>
+            <a:r>
+              <a:rPr kumimoji="1" lang="ja-JP" altLang="en-US" sz="3200" b="1" dirty="0" smtClean="0">
+                <a:latin typeface="メイリオ" panose="020B0604030504040204" pitchFamily="50" charset="-128"/>
+                <a:ea typeface="メイリオ" panose="020B0604030504040204" pitchFamily="50" charset="-128"/>
+              </a:rPr>
+              <a:t>確率の乗法・加法定理より、予測分布</a:t>
+            </a:r>
+            <a:endParaRPr kumimoji="1" lang="ja-JP" altLang="en-US" sz="3200" b="1" dirty="0">
+              <a:latin typeface="メイリオ" panose="020B0604030504040204" pitchFamily="50" charset="-128"/>
+              <a:ea typeface="メイリオ" panose="020B0604030504040204" pitchFamily="50" charset="-128"/>
+            </a:endParaRPr>
+          </a:p>
+        </p:txBody>
+      </p:sp>
+      <p:pic>
+        <p:nvPicPr>
+          <p:cNvPr id="1026" name="Picture 2" descr="$p(t|{\bf t},\alpha,\beta)=\int p(t|{\bf w},\beta)p({\bf w}|{\bf t},\alpha,\beta)d{\bf w}$">
+            <a:hlinkClick r:id="rId2"/>
+          </p:cNvPr>
+          <p:cNvPicPr>
+            <a:picLocks noChangeAspect="1" noChangeArrowheads="1"/>
+          </p:cNvPicPr>
+          <p:nvPr/>
+        </p:nvPicPr>
+        <p:blipFill>
+          <a:blip r:embed="rId3">
+            <a:extLst>
+              <a:ext uri="{28A0092B-C50C-407E-A947-70E740481C1C}">
+                <a14:useLocalDpi xmlns:a14="http://schemas.microsoft.com/office/drawing/2010/main" val="0"/>
+              </a:ext>
+            </a:extLst>
+          </a:blip>
+          <a:srcRect/>
+          <a:stretch>
+            <a:fillRect/>
+          </a:stretch>
+        </p:blipFill>
+        <p:spPr bwMode="auto">
+          <a:xfrm>
+            <a:off x="852639" y="1382288"/>
+            <a:ext cx="7471993" cy="510906"/>
+          </a:xfrm>
+          <a:prstGeom prst="rect">
+            <a:avLst/>
+          </a:prstGeom>
+          <a:noFill/>
+          <a:extLst>
+            <a:ext uri="{909E8E84-426E-40DD-AFC4-6F175D3DCCD1}">
+              <a14:hiddenFill xmlns:a14="http://schemas.microsoft.com/office/drawing/2010/main">
+                <a:solidFill>
+                  <a:srgbClr val="FFFFFF"/>
+                </a:solidFill>
+              </a14:hiddenFill>
+            </a:ext>
+          </a:extLst>
+        </p:spPr>
+      </p:pic>
+      <p:pic>
+        <p:nvPicPr>
+          <p:cNvPr id="1028" name="Picture 4" descr="$p(t|{\bf w},\beta)$">
+            <a:hlinkClick r:id="rId4"/>
+          </p:cNvPr>
+          <p:cNvPicPr>
+            <a:picLocks noChangeAspect="1" noChangeArrowheads="1"/>
+          </p:cNvPicPr>
+          <p:nvPr/>
+        </p:nvPicPr>
+        <p:blipFill>
+          <a:blip r:embed="rId5">
+            <a:extLst>
+              <a:ext uri="{28A0092B-C50C-407E-A947-70E740481C1C}">
+                <a14:useLocalDpi xmlns:a14="http://schemas.microsoft.com/office/drawing/2010/main" val="0"/>
+              </a:ext>
+            </a:extLst>
+          </a:blip>
+          <a:srcRect/>
+          <a:stretch>
+            <a:fillRect/>
+          </a:stretch>
+        </p:blipFill>
+        <p:spPr bwMode="auto">
+          <a:xfrm>
+            <a:off x="1731520" y="2381084"/>
+            <a:ext cx="1495425" cy="409575"/>
+          </a:xfrm>
+          <a:prstGeom prst="rect">
+            <a:avLst/>
+          </a:prstGeom>
+          <a:noFill/>
+          <a:extLst>
+            <a:ext uri="{909E8E84-426E-40DD-AFC4-6F175D3DCCD1}">
+              <a14:hiddenFill xmlns:a14="http://schemas.microsoft.com/office/drawing/2010/main">
+                <a:solidFill>
+                  <a:srgbClr val="FFFFFF"/>
+                </a:solidFill>
+              </a14:hiddenFill>
+            </a:ext>
+          </a:extLst>
+        </p:spPr>
+      </p:pic>
+      <p:pic>
+        <p:nvPicPr>
+          <p:cNvPr id="1030" name="Picture 6" descr="$p({\bf w}|{\bf t},\alpha,\beta)$">
+            <a:hlinkClick r:id="rId6"/>
+          </p:cNvPr>
+          <p:cNvPicPr>
+            <a:picLocks noChangeAspect="1" noChangeArrowheads="1"/>
+          </p:cNvPicPr>
+          <p:nvPr/>
+        </p:nvPicPr>
+        <p:blipFill>
+          <a:blip r:embed="rId7">
+            <a:extLst>
+              <a:ext uri="{28A0092B-C50C-407E-A947-70E740481C1C}">
+                <a14:useLocalDpi xmlns:a14="http://schemas.microsoft.com/office/drawing/2010/main" val="0"/>
+              </a:ext>
+            </a:extLst>
+          </a:blip>
+          <a:srcRect/>
+          <a:stretch>
+            <a:fillRect/>
+          </a:stretch>
+        </p:blipFill>
+        <p:spPr bwMode="auto">
+          <a:xfrm>
+            <a:off x="1731520" y="3034381"/>
+            <a:ext cx="1962150" cy="409575"/>
+          </a:xfrm>
+          <a:prstGeom prst="rect">
+            <a:avLst/>
+          </a:prstGeom>
+          <a:noFill/>
+          <a:extLst>
+            <a:ext uri="{909E8E84-426E-40DD-AFC4-6F175D3DCCD1}">
+              <a14:hiddenFill xmlns:a14="http://schemas.microsoft.com/office/drawing/2010/main">
+                <a:solidFill>
+                  <a:srgbClr val="FFFFFF"/>
+                </a:solidFill>
+              </a14:hiddenFill>
+            </a:ext>
+          </a:extLst>
+        </p:spPr>
+      </p:pic>
+      <p:sp>
+        <p:nvSpPr>
+          <p:cNvPr id="3" name="テキスト ボックス 2"/>
+          <p:cNvSpPr txBox="1"/>
+          <p:nvPr/>
+        </p:nvSpPr>
+        <p:spPr>
+          <a:xfrm>
+            <a:off x="4601515" y="2654394"/>
+            <a:ext cx="3615205" cy="584775"/>
+          </a:xfrm>
+          <a:prstGeom prst="rect">
+            <a:avLst/>
+          </a:prstGeom>
+          <a:noFill/>
+        </p:spPr>
+        <p:txBody>
+          <a:bodyPr wrap="square" rtlCol="0">
+            <a:spAutoFit/>
+          </a:bodyPr>
+          <a:lstStyle/>
+          <a:p>
+            <a:r>
+              <a:rPr lang="en-US" altLang="ja-JP" sz="3200" b="1" dirty="0" smtClean="0">
+                <a:latin typeface="メイリオ" panose="020B0604030504040204" pitchFamily="50" charset="-128"/>
+                <a:ea typeface="メイリオ" panose="020B0604030504040204" pitchFamily="50" charset="-128"/>
+              </a:rPr>
+              <a:t>(3.8),(3.49)</a:t>
+            </a:r>
+            <a:r>
+              <a:rPr lang="ja-JP" altLang="en-US" sz="3200" b="1" dirty="0" smtClean="0">
+                <a:latin typeface="メイリオ" panose="020B0604030504040204" pitchFamily="50" charset="-128"/>
+                <a:ea typeface="メイリオ" panose="020B0604030504040204" pitchFamily="50" charset="-128"/>
+              </a:rPr>
+              <a:t>参照</a:t>
+            </a:r>
+            <a:endParaRPr kumimoji="1" lang="ja-JP" altLang="en-US" sz="3200" b="1" dirty="0">
+              <a:latin typeface="メイリオ" panose="020B0604030504040204" pitchFamily="50" charset="-128"/>
+              <a:ea typeface="メイリオ" panose="020B0604030504040204" pitchFamily="50" charset="-128"/>
+            </a:endParaRPr>
+          </a:p>
+        </p:txBody>
+      </p:sp>
+      <p:sp>
+        <p:nvSpPr>
+          <p:cNvPr id="4" name="左中かっこ 3"/>
+          <p:cNvSpPr/>
+          <p:nvPr/>
+        </p:nvSpPr>
+        <p:spPr>
+          <a:xfrm rot="10800000">
+            <a:off x="4089099" y="2381084"/>
+            <a:ext cx="192152" cy="1131395"/>
+          </a:xfrm>
+          <a:prstGeom prst="leftBrace">
+            <a:avLst>
+              <a:gd name="adj1" fmla="val 25999"/>
+              <a:gd name="adj2" fmla="val 49307"/>
+            </a:avLst>
+          </a:prstGeom>
+          <a:ln w="28575">
+            <a:solidFill>
+              <a:schemeClr val="tx1"/>
+            </a:solidFill>
+          </a:ln>
+        </p:spPr>
+        <p:style>
+          <a:lnRef idx="1">
+            <a:schemeClr val="accent1"/>
+          </a:lnRef>
+          <a:fillRef idx="0">
+            <a:schemeClr val="accent1"/>
+          </a:fillRef>
+          <a:effectRef idx="0">
+            <a:schemeClr val="accent1"/>
+          </a:effectRef>
+          <a:fontRef idx="minor">
+            <a:schemeClr val="tx1"/>
+          </a:fontRef>
+        </p:style>
+        <p:txBody>
+          <a:bodyPr rtlCol="0" anchor="ctr"/>
+          <a:lstStyle/>
+          <a:p>
+            <a:pPr algn="ctr"/>
+            <a:endParaRPr kumimoji="1" lang="ja-JP" altLang="en-US"/>
+          </a:p>
+        </p:txBody>
+      </p:sp>
+      <p:sp>
+        <p:nvSpPr>
+          <p:cNvPr id="5" name="テキスト ボックス 4"/>
+          <p:cNvSpPr txBox="1"/>
+          <p:nvPr/>
+        </p:nvSpPr>
+        <p:spPr>
+          <a:xfrm>
+            <a:off x="1483268" y="3879994"/>
+            <a:ext cx="6970153" cy="1077218"/>
+          </a:xfrm>
+          <a:prstGeom prst="rect">
+            <a:avLst/>
+          </a:prstGeom>
+          <a:noFill/>
+        </p:spPr>
+        <p:txBody>
+          <a:bodyPr wrap="square" rtlCol="0">
+            <a:spAutoFit/>
+          </a:bodyPr>
+          <a:lstStyle/>
+          <a:p>
+            <a:r>
+              <a:rPr kumimoji="1" lang="en-US" altLang="ja-JP" sz="3200" b="1" dirty="0" smtClean="0">
+                <a:latin typeface="メイリオ" panose="020B0604030504040204" pitchFamily="50" charset="-128"/>
+                <a:ea typeface="メイリオ" panose="020B0604030504040204" pitchFamily="50" charset="-128"/>
+              </a:rPr>
+              <a:t>(2.115)</a:t>
+            </a:r>
+            <a:r>
+              <a:rPr kumimoji="1" lang="ja-JP" altLang="en-US" sz="3200" b="1" dirty="0" smtClean="0">
+                <a:latin typeface="メイリオ" panose="020B0604030504040204" pitchFamily="50" charset="-128"/>
+                <a:ea typeface="メイリオ" panose="020B0604030504040204" pitchFamily="50" charset="-128"/>
+              </a:rPr>
+              <a:t>から、予測分布は</a:t>
+            </a:r>
+            <a:endParaRPr kumimoji="1" lang="en-US" altLang="ja-JP" sz="3200" b="1" dirty="0" smtClean="0">
+              <a:latin typeface="メイリオ" panose="020B0604030504040204" pitchFamily="50" charset="-128"/>
+              <a:ea typeface="メイリオ" panose="020B0604030504040204" pitchFamily="50" charset="-128"/>
+            </a:endParaRPr>
+          </a:p>
+          <a:p>
+            <a:r>
+              <a:rPr lang="ja-JP" altLang="en-US" sz="3200" b="1" dirty="0">
+                <a:latin typeface="メイリオ" panose="020B0604030504040204" pitchFamily="50" charset="-128"/>
+                <a:ea typeface="メイリオ" panose="020B0604030504040204" pitchFamily="50" charset="-128"/>
+              </a:rPr>
+              <a:t>以下</a:t>
+            </a:r>
+            <a:r>
+              <a:rPr kumimoji="1" lang="ja-JP" altLang="en-US" sz="3200" b="1" dirty="0" smtClean="0">
+                <a:latin typeface="メイリオ" panose="020B0604030504040204" pitchFamily="50" charset="-128"/>
+                <a:ea typeface="メイリオ" panose="020B0604030504040204" pitchFamily="50" charset="-128"/>
+              </a:rPr>
+              <a:t>のように書ける</a:t>
+            </a:r>
+            <a:r>
+              <a:rPr kumimoji="1" lang="en-US" altLang="ja-JP" sz="3200" b="1" dirty="0" smtClean="0">
+                <a:latin typeface="メイリオ" panose="020B0604030504040204" pitchFamily="50" charset="-128"/>
+                <a:ea typeface="メイリオ" panose="020B0604030504040204" pitchFamily="50" charset="-128"/>
+              </a:rPr>
+              <a:t>(</a:t>
+            </a:r>
+            <a:r>
+              <a:rPr kumimoji="1" lang="ja-JP" altLang="en-US" sz="3200" b="1" dirty="0" smtClean="0">
+                <a:latin typeface="メイリオ" panose="020B0604030504040204" pitchFamily="50" charset="-128"/>
+                <a:ea typeface="メイリオ" panose="020B0604030504040204" pitchFamily="50" charset="-128"/>
+              </a:rPr>
+              <a:t>計算ノート</a:t>
+            </a:r>
+            <a:r>
+              <a:rPr kumimoji="1" lang="en-US" altLang="ja-JP" sz="3200" b="1" dirty="0" smtClean="0">
+                <a:latin typeface="メイリオ" panose="020B0604030504040204" pitchFamily="50" charset="-128"/>
+                <a:ea typeface="メイリオ" panose="020B0604030504040204" pitchFamily="50" charset="-128"/>
+              </a:rPr>
+              <a:t>)</a:t>
+            </a:r>
+            <a:endParaRPr kumimoji="1" lang="ja-JP" altLang="en-US" sz="3200" b="1" dirty="0">
+              <a:latin typeface="メイリオ" panose="020B0604030504040204" pitchFamily="50" charset="-128"/>
+              <a:ea typeface="メイリオ" panose="020B0604030504040204" pitchFamily="50" charset="-128"/>
+            </a:endParaRPr>
+          </a:p>
+        </p:txBody>
+      </p:sp>
+      <p:pic>
+        <p:nvPicPr>
+          <p:cNvPr id="1032" name="Picture 8" descr="$p(t|{\bf x},{\bf t},\alpha,\beta)=\mathcal{N}(t|{\bf m}^{\mathrm{T}}_{N}{\bf \phi}({\bf x}),\sigma^2_{N}({\bf x}))$">
+            <a:hlinkClick r:id="rId8"/>
+          </p:cNvPr>
+          <p:cNvPicPr>
+            <a:picLocks noChangeAspect="1" noChangeArrowheads="1"/>
+          </p:cNvPicPr>
+          <p:nvPr/>
+        </p:nvPicPr>
+        <p:blipFill>
+          <a:blip r:embed="rId9">
+            <a:extLst>
+              <a:ext uri="{28A0092B-C50C-407E-A947-70E740481C1C}">
+                <a14:useLocalDpi xmlns:a14="http://schemas.microsoft.com/office/drawing/2010/main" val="0"/>
+              </a:ext>
+            </a:extLst>
+          </a:blip>
+          <a:srcRect/>
+          <a:stretch>
+            <a:fillRect/>
+          </a:stretch>
+        </p:blipFill>
+        <p:spPr bwMode="auto">
+          <a:xfrm>
+            <a:off x="863724" y="5120404"/>
+            <a:ext cx="7755793" cy="545692"/>
+          </a:xfrm>
+          <a:prstGeom prst="rect">
+            <a:avLst/>
+          </a:prstGeom>
+          <a:noFill/>
+          <a:extLst>
+            <a:ext uri="{909E8E84-426E-40DD-AFC4-6F175D3DCCD1}">
+              <a14:hiddenFill xmlns:a14="http://schemas.microsoft.com/office/drawing/2010/main">
+                <a:solidFill>
+                  <a:srgbClr val="FFFFFF"/>
+                </a:solidFill>
+              </a14:hiddenFill>
+            </a:ext>
+          </a:extLst>
+        </p:spPr>
+      </p:pic>
+      <p:sp>
+        <p:nvSpPr>
+          <p:cNvPr id="6" name="テキスト ボックス 5"/>
+          <p:cNvSpPr txBox="1"/>
+          <p:nvPr/>
+        </p:nvSpPr>
+        <p:spPr>
+          <a:xfrm>
+            <a:off x="6537907" y="5896443"/>
+            <a:ext cx="2838199" cy="523220"/>
+          </a:xfrm>
+          <a:prstGeom prst="rect">
+            <a:avLst/>
+          </a:prstGeom>
+          <a:noFill/>
+        </p:spPr>
+        <p:txBody>
+          <a:bodyPr wrap="square" rtlCol="0">
+            <a:spAutoFit/>
+          </a:bodyPr>
+          <a:lstStyle/>
+          <a:p>
+            <a:r>
+              <a:rPr kumimoji="1" lang="en-US" altLang="ja-JP" sz="2800" b="1" dirty="0" smtClean="0">
+                <a:solidFill>
+                  <a:schemeClr val="tx2"/>
+                </a:solidFill>
+                <a:latin typeface="メイリオ" panose="020B0604030504040204" pitchFamily="50" charset="-128"/>
+                <a:ea typeface="メイリオ" panose="020B0604030504040204" pitchFamily="50" charset="-128"/>
+              </a:rPr>
+              <a:t>(3.59)</a:t>
+            </a:r>
+            <a:r>
+              <a:rPr kumimoji="1" lang="ja-JP" altLang="en-US" sz="2800" b="1" dirty="0" smtClean="0">
+                <a:solidFill>
+                  <a:schemeClr val="tx2"/>
+                </a:solidFill>
+                <a:latin typeface="メイリオ" panose="020B0604030504040204" pitchFamily="50" charset="-128"/>
+                <a:ea typeface="メイリオ" panose="020B0604030504040204" pitchFamily="50" charset="-128"/>
+              </a:rPr>
+              <a:t>で定義</a:t>
+            </a:r>
+            <a:endParaRPr kumimoji="1" lang="ja-JP" altLang="en-US" sz="2800" b="1" dirty="0">
+              <a:solidFill>
+                <a:schemeClr val="tx2"/>
+              </a:solidFill>
+              <a:latin typeface="メイリオ" panose="020B0604030504040204" pitchFamily="50" charset="-128"/>
+              <a:ea typeface="メイリオ" panose="020B0604030504040204" pitchFamily="50" charset="-128"/>
+            </a:endParaRPr>
+          </a:p>
+        </p:txBody>
+      </p:sp>
+      <p:cxnSp>
+        <p:nvCxnSpPr>
+          <p:cNvPr id="8" name="直線コネクタ 7"/>
+          <p:cNvCxnSpPr/>
+          <p:nvPr/>
+        </p:nvCxnSpPr>
+        <p:spPr>
+          <a:xfrm>
+            <a:off x="7031864" y="5756249"/>
+            <a:ext cx="1493949" cy="0"/>
+          </a:xfrm>
+          <a:prstGeom prst="line">
+            <a:avLst/>
+          </a:prstGeom>
+          <a:ln w="38100">
+            <a:solidFill>
+              <a:srgbClr val="FF0000"/>
+            </a:solidFill>
+          </a:ln>
+        </p:spPr>
+        <p:style>
+          <a:lnRef idx="1">
+            <a:schemeClr val="accent1"/>
+          </a:lnRef>
+          <a:fillRef idx="0">
+            <a:schemeClr val="accent1"/>
+          </a:fillRef>
+          <a:effectRef idx="0">
+            <a:schemeClr val="accent1"/>
+          </a:effectRef>
+          <a:fontRef idx="minor">
+            <a:schemeClr val="tx1"/>
+          </a:fontRef>
+        </p:style>
+      </p:cxnSp>
     </p:spTree>
     <p:extLst>
       <p:ext uri="{BB962C8B-B14F-4D97-AF65-F5344CB8AC3E}">
         <p14:creationId xmlns:p14="http://schemas.microsoft.com/office/powerpoint/2010/main" val="794740552"/>
+      </p:ext>
+    </p:extLst>
+  </p:cSld>
+  <p:clrMapOvr>
+    <a:masterClrMapping/>
+  </p:clrMapOvr>
+</p:sld>
+</file>
+
+<file path=ppt/slides/slide21.xml><?xml version="1.0" encoding="utf-8"?>
+<p:sld xmlns:a="http://schemas.openxmlformats.org/drawingml/2006/main" xmlns:r="http://schemas.openxmlformats.org/officeDocument/2006/relationships" xmlns:p="http://schemas.openxmlformats.org/presentationml/2006/main">
+  <p:cSld>
+    <p:spTree>
+      <p:nvGrpSpPr>
+        <p:cNvPr id="1" name=""/>
+        <p:cNvGrpSpPr/>
+        <p:nvPr/>
+      </p:nvGrpSpPr>
+      <p:grpSpPr>
+        <a:xfrm>
+          <a:off x="0" y="0"/>
+          <a:ext cx="0" cy="0"/>
+          <a:chOff x="0" y="0"/>
+          <a:chExt cx="0" cy="0"/>
+        </a:xfrm>
+      </p:grpSpPr>
+      <p:sp>
+        <p:nvSpPr>
+          <p:cNvPr id="2" name="テキスト ボックス 1"/>
+          <p:cNvSpPr txBox="1"/>
+          <p:nvPr/>
+        </p:nvSpPr>
+        <p:spPr>
+          <a:xfrm>
+            <a:off x="2884867" y="463639"/>
+            <a:ext cx="3593206" cy="707886"/>
+          </a:xfrm>
+          <a:prstGeom prst="rect">
+            <a:avLst/>
+          </a:prstGeom>
+          <a:noFill/>
+        </p:spPr>
+        <p:txBody>
+          <a:bodyPr wrap="square" rtlCol="0">
+            <a:spAutoFit/>
+          </a:bodyPr>
+          <a:lstStyle/>
+          <a:p>
+            <a:r>
+              <a:rPr kumimoji="1" lang="ja-JP" altLang="en-US" sz="4000" b="1" dirty="0" smtClean="0">
+                <a:latin typeface="メイリオ" panose="020B0604030504040204" pitchFamily="50" charset="-128"/>
+                <a:ea typeface="メイリオ" panose="020B0604030504040204" pitchFamily="50" charset="-128"/>
+              </a:rPr>
+              <a:t>等価カーネル</a:t>
+            </a:r>
+            <a:endParaRPr kumimoji="1" lang="ja-JP" altLang="en-US" sz="4000" b="1" dirty="0">
+              <a:latin typeface="メイリオ" panose="020B0604030504040204" pitchFamily="50" charset="-128"/>
+              <a:ea typeface="メイリオ" panose="020B0604030504040204" pitchFamily="50" charset="-128"/>
+            </a:endParaRPr>
+          </a:p>
+        </p:txBody>
+      </p:sp>
+      <p:sp>
+        <p:nvSpPr>
+          <p:cNvPr id="3" name="テキスト ボックス 2"/>
+          <p:cNvSpPr txBox="1"/>
+          <p:nvPr/>
+        </p:nvSpPr>
+        <p:spPr>
+          <a:xfrm>
+            <a:off x="206062" y="1313193"/>
+            <a:ext cx="9362940" cy="1384995"/>
+          </a:xfrm>
+          <a:prstGeom prst="rect">
+            <a:avLst/>
+          </a:prstGeom>
+          <a:noFill/>
+        </p:spPr>
+        <p:txBody>
+          <a:bodyPr wrap="square" rtlCol="0">
+            <a:spAutoFit/>
+          </a:bodyPr>
+          <a:lstStyle/>
+          <a:p>
+            <a:r>
+              <a:rPr kumimoji="1" lang="ja-JP" altLang="en-US" sz="2800" b="1" dirty="0" smtClean="0">
+                <a:latin typeface="メイリオ" panose="020B0604030504040204" pitchFamily="50" charset="-128"/>
+                <a:ea typeface="メイリオ" panose="020B0604030504040204" pitchFamily="50" charset="-128"/>
+              </a:rPr>
+              <a:t>線形基底モデルに対する事後分布の平均解</a:t>
+            </a:r>
+            <a:r>
+              <a:rPr kumimoji="1" lang="en-US" altLang="ja-JP" sz="2800" b="1" dirty="0" smtClean="0">
+                <a:latin typeface="メイリオ" panose="020B0604030504040204" pitchFamily="50" charset="-128"/>
+                <a:ea typeface="メイリオ" panose="020B0604030504040204" pitchFamily="50" charset="-128"/>
+              </a:rPr>
+              <a:t>(3.53)</a:t>
+            </a:r>
+            <a:r>
+              <a:rPr kumimoji="1" lang="ja-JP" altLang="en-US" sz="2800" b="1" dirty="0" smtClean="0">
+                <a:latin typeface="メイリオ" panose="020B0604030504040204" pitchFamily="50" charset="-128"/>
+                <a:ea typeface="メイリオ" panose="020B0604030504040204" pitchFamily="50" charset="-128"/>
+              </a:rPr>
+              <a:t>は、</a:t>
+            </a:r>
+            <a:endParaRPr kumimoji="1" lang="en-US" altLang="ja-JP" sz="2800" b="1" dirty="0" smtClean="0">
+              <a:latin typeface="メイリオ" panose="020B0604030504040204" pitchFamily="50" charset="-128"/>
+              <a:ea typeface="メイリオ" panose="020B0604030504040204" pitchFamily="50" charset="-128"/>
+            </a:endParaRPr>
+          </a:p>
+          <a:p>
+            <a:r>
+              <a:rPr kumimoji="1" lang="ja-JP" altLang="en-US" sz="2800" b="1" dirty="0" smtClean="0">
+                <a:latin typeface="メイリオ" panose="020B0604030504040204" pitchFamily="50" charset="-128"/>
+                <a:ea typeface="メイリオ" panose="020B0604030504040204" pitchFamily="50" charset="-128"/>
+              </a:rPr>
+              <a:t>ガウス過程</a:t>
+            </a:r>
+            <a:r>
+              <a:rPr kumimoji="1" lang="en-US" altLang="ja-JP" sz="2800" b="1" dirty="0" smtClean="0">
+                <a:latin typeface="メイリオ" panose="020B0604030504040204" pitchFamily="50" charset="-128"/>
+                <a:ea typeface="メイリオ" panose="020B0604030504040204" pitchFamily="50" charset="-128"/>
+              </a:rPr>
+              <a:t>(cf</a:t>
+            </a:r>
+            <a:r>
+              <a:rPr lang="en-US" altLang="ja-JP" sz="2800" b="1" dirty="0" smtClean="0">
+                <a:latin typeface="メイリオ" panose="020B0604030504040204" pitchFamily="50" charset="-128"/>
+                <a:ea typeface="メイリオ" panose="020B0604030504040204" pitchFamily="50" charset="-128"/>
+              </a:rPr>
+              <a:t>. 6</a:t>
+            </a:r>
+            <a:r>
+              <a:rPr lang="ja-JP" altLang="en-US" sz="2800" b="1" dirty="0" smtClean="0">
+                <a:latin typeface="メイリオ" panose="020B0604030504040204" pitchFamily="50" charset="-128"/>
+                <a:ea typeface="メイリオ" panose="020B0604030504040204" pitchFamily="50" charset="-128"/>
+              </a:rPr>
+              <a:t>章</a:t>
+            </a:r>
+            <a:r>
+              <a:rPr kumimoji="1" lang="en-US" altLang="ja-JP" sz="2800" b="1" dirty="0" smtClean="0">
+                <a:latin typeface="メイリオ" panose="020B0604030504040204" pitchFamily="50" charset="-128"/>
+                <a:ea typeface="メイリオ" panose="020B0604030504040204" pitchFamily="50" charset="-128"/>
+              </a:rPr>
+              <a:t>)</a:t>
+            </a:r>
+            <a:r>
+              <a:rPr kumimoji="1" lang="ja-JP" altLang="en-US" sz="2800" b="1" dirty="0" smtClean="0">
+                <a:latin typeface="メイリオ" panose="020B0604030504040204" pitchFamily="50" charset="-128"/>
+                <a:ea typeface="メイリオ" panose="020B0604030504040204" pitchFamily="50" charset="-128"/>
+              </a:rPr>
+              <a:t>を含むカーネル法を導入する下で</a:t>
+            </a:r>
+            <a:endParaRPr kumimoji="1" lang="en-US" altLang="ja-JP" sz="2800" b="1" dirty="0" smtClean="0">
+              <a:latin typeface="メイリオ" panose="020B0604030504040204" pitchFamily="50" charset="-128"/>
+              <a:ea typeface="メイリオ" panose="020B0604030504040204" pitchFamily="50" charset="-128"/>
+            </a:endParaRPr>
+          </a:p>
+          <a:p>
+            <a:r>
+              <a:rPr kumimoji="1" lang="ja-JP" altLang="en-US" sz="2800" b="1" dirty="0" smtClean="0">
+                <a:latin typeface="メイリオ" panose="020B0604030504040204" pitchFamily="50" charset="-128"/>
+                <a:ea typeface="メイリオ" panose="020B0604030504040204" pitchFamily="50" charset="-128"/>
+              </a:rPr>
+              <a:t>異なった解釈を与える</a:t>
+            </a:r>
+            <a:endParaRPr kumimoji="1" lang="ja-JP" altLang="en-US" sz="2800" b="1" dirty="0">
+              <a:latin typeface="メイリオ" panose="020B0604030504040204" pitchFamily="50" charset="-128"/>
+              <a:ea typeface="メイリオ" panose="020B0604030504040204" pitchFamily="50" charset="-128"/>
+            </a:endParaRPr>
+          </a:p>
+        </p:txBody>
+      </p:sp>
+      <p:sp>
+        <p:nvSpPr>
+          <p:cNvPr id="4" name="テキスト ボックス 3"/>
+          <p:cNvSpPr txBox="1"/>
+          <p:nvPr/>
+        </p:nvSpPr>
+        <p:spPr>
+          <a:xfrm>
+            <a:off x="2459865" y="3309871"/>
+            <a:ext cx="4172755" cy="584775"/>
+          </a:xfrm>
+          <a:prstGeom prst="rect">
+            <a:avLst/>
+          </a:prstGeom>
+          <a:noFill/>
+        </p:spPr>
+        <p:txBody>
+          <a:bodyPr wrap="square" rtlCol="0">
+            <a:spAutoFit/>
+          </a:bodyPr>
+          <a:lstStyle/>
+          <a:p>
+            <a:r>
+              <a:rPr kumimoji="1" lang="en-US" altLang="ja-JP" sz="3200" b="1" dirty="0" smtClean="0">
+                <a:latin typeface="メイリオ" panose="020B0604030504040204" pitchFamily="50" charset="-128"/>
+                <a:ea typeface="メイリオ" panose="020B0604030504040204" pitchFamily="50" charset="-128"/>
+              </a:rPr>
+              <a:t>(3.53)</a:t>
+            </a:r>
+            <a:r>
+              <a:rPr kumimoji="1" lang="ja-JP" altLang="en-US" sz="3200" b="1" dirty="0" smtClean="0">
+                <a:latin typeface="メイリオ" panose="020B0604030504040204" pitchFamily="50" charset="-128"/>
+                <a:ea typeface="メイリオ" panose="020B0604030504040204" pitchFamily="50" charset="-128"/>
+              </a:rPr>
+              <a:t>に</a:t>
+            </a:r>
+            <a:r>
+              <a:rPr kumimoji="1" lang="en-US" altLang="ja-JP" sz="3200" b="1" dirty="0" smtClean="0">
+                <a:latin typeface="メイリオ" panose="020B0604030504040204" pitchFamily="50" charset="-128"/>
+                <a:ea typeface="メイリオ" panose="020B0604030504040204" pitchFamily="50" charset="-128"/>
+              </a:rPr>
+              <a:t>(3.3)</a:t>
+            </a:r>
+            <a:r>
+              <a:rPr kumimoji="1" lang="ja-JP" altLang="en-US" sz="3200" b="1" dirty="0" smtClean="0">
+                <a:latin typeface="メイリオ" panose="020B0604030504040204" pitchFamily="50" charset="-128"/>
+                <a:ea typeface="メイリオ" panose="020B0604030504040204" pitchFamily="50" charset="-128"/>
+              </a:rPr>
+              <a:t>代入</a:t>
+            </a:r>
+            <a:endParaRPr kumimoji="1" lang="ja-JP" altLang="en-US" sz="3200" b="1" dirty="0">
+              <a:latin typeface="メイリオ" panose="020B0604030504040204" pitchFamily="50" charset="-128"/>
+              <a:ea typeface="メイリオ" panose="020B0604030504040204" pitchFamily="50" charset="-128"/>
+            </a:endParaRPr>
+          </a:p>
+        </p:txBody>
+      </p:sp>
+      <p:pic>
+        <p:nvPicPr>
+          <p:cNvPr id="2050" name="Picture 2" descr="$y({\bf x},{\bf m}_{N})=\sum_{n=1}^{N}\beta {\bf \phi}({\bf x})^{\mathrm{T}}{\bf S}_{N}{\bf \phi}({\bf x}_{n})t_{n}$">
+            <a:hlinkClick r:id="rId2"/>
+          </p:cNvPr>
+          <p:cNvPicPr>
+            <a:picLocks noChangeAspect="1" noChangeArrowheads="1"/>
+          </p:cNvPicPr>
+          <p:nvPr/>
+        </p:nvPicPr>
+        <p:blipFill>
+          <a:blip r:embed="rId3">
+            <a:extLst>
+              <a:ext uri="{28A0092B-C50C-407E-A947-70E740481C1C}">
+                <a14:useLocalDpi xmlns:a14="http://schemas.microsoft.com/office/drawing/2010/main" val="0"/>
+              </a:ext>
+            </a:extLst>
+          </a:blip>
+          <a:srcRect/>
+          <a:stretch>
+            <a:fillRect/>
+          </a:stretch>
+        </p:blipFill>
+        <p:spPr bwMode="auto">
+          <a:xfrm>
+            <a:off x="521326" y="4307060"/>
+            <a:ext cx="6381750" cy="504826"/>
+          </a:xfrm>
+          <a:prstGeom prst="rect">
+            <a:avLst/>
+          </a:prstGeom>
+          <a:noFill/>
+          <a:extLst>
+            <a:ext uri="{909E8E84-426E-40DD-AFC4-6F175D3DCCD1}">
+              <a14:hiddenFill xmlns:a14="http://schemas.microsoft.com/office/drawing/2010/main">
+                <a:solidFill>
+                  <a:srgbClr val="FFFFFF"/>
+                </a:solidFill>
+              </a14:hiddenFill>
+            </a:ext>
+          </a:extLst>
+        </p:spPr>
+      </p:pic>
+      <p:sp>
+        <p:nvSpPr>
+          <p:cNvPr id="5" name="テキスト ボックス 4"/>
+          <p:cNvSpPr txBox="1"/>
+          <p:nvPr/>
+        </p:nvSpPr>
+        <p:spPr>
+          <a:xfrm>
+            <a:off x="7199291" y="4332818"/>
+            <a:ext cx="1635617" cy="584775"/>
+          </a:xfrm>
+          <a:prstGeom prst="rect">
+            <a:avLst/>
+          </a:prstGeom>
+          <a:noFill/>
+        </p:spPr>
+        <p:txBody>
+          <a:bodyPr wrap="square" rtlCol="0">
+            <a:spAutoFit/>
+          </a:bodyPr>
+          <a:lstStyle/>
+          <a:p>
+            <a:r>
+              <a:rPr kumimoji="1" lang="en-US" altLang="ja-JP" sz="3200" b="1" dirty="0" smtClean="0">
+                <a:latin typeface="メイリオ" panose="020B0604030504040204" pitchFamily="50" charset="-128"/>
+                <a:ea typeface="メイリオ" panose="020B0604030504040204" pitchFamily="50" charset="-128"/>
+              </a:rPr>
+              <a:t>(3.60)</a:t>
+            </a:r>
+            <a:endParaRPr kumimoji="1" lang="ja-JP" altLang="en-US" sz="3200" b="1" dirty="0">
+              <a:latin typeface="メイリオ" panose="020B0604030504040204" pitchFamily="50" charset="-128"/>
+              <a:ea typeface="メイリオ" panose="020B0604030504040204" pitchFamily="50" charset="-128"/>
+            </a:endParaRPr>
+          </a:p>
+        </p:txBody>
+      </p:sp>
+    </p:spTree>
+    <p:extLst>
+      <p:ext uri="{BB962C8B-B14F-4D97-AF65-F5344CB8AC3E}">
+        <p14:creationId xmlns:p14="http://schemas.microsoft.com/office/powerpoint/2010/main" val="764894298"/>
+      </p:ext>
+    </p:extLst>
+  </p:cSld>
+  <p:clrMapOvr>
+    <a:masterClrMapping/>
+  </p:clrMapOvr>
+</p:sld>
+</file>
+
+<file path=ppt/slides/slide22.xml><?xml version="1.0" encoding="utf-8"?>
+<p:sld xmlns:a="http://schemas.openxmlformats.org/drawingml/2006/main" xmlns:r="http://schemas.openxmlformats.org/officeDocument/2006/relationships" xmlns:p="http://schemas.openxmlformats.org/presentationml/2006/main">
+  <p:cSld>
+    <p:spTree>
+      <p:nvGrpSpPr>
+        <p:cNvPr id="1" name=""/>
+        <p:cNvGrpSpPr/>
+        <p:nvPr/>
+      </p:nvGrpSpPr>
+      <p:grpSpPr>
+        <a:xfrm>
+          <a:off x="0" y="0"/>
+          <a:ext cx="0" cy="0"/>
+          <a:chOff x="0" y="0"/>
+          <a:chExt cx="0" cy="0"/>
+        </a:xfrm>
+      </p:grpSpPr>
+      <p:pic>
+        <p:nvPicPr>
+          <p:cNvPr id="3074" name="Picture 2" descr="$k({\bf x},{\bf x}')=\beta {\bf \phi}({\bf x})^{\mathrm{T}}{\bf S}_{N}{\bf \phi}({\bf x}')$">
+            <a:hlinkClick r:id="rId2"/>
+          </p:cNvPr>
+          <p:cNvPicPr>
+            <a:picLocks noChangeAspect="1" noChangeArrowheads="1"/>
+          </p:cNvPicPr>
+          <p:nvPr/>
+        </p:nvPicPr>
+        <p:blipFill>
+          <a:blip r:embed="rId3">
+            <a:extLst>
+              <a:ext uri="{28A0092B-C50C-407E-A947-70E740481C1C}">
+                <a14:useLocalDpi xmlns:a14="http://schemas.microsoft.com/office/drawing/2010/main" val="0"/>
+              </a:ext>
+            </a:extLst>
+          </a:blip>
+          <a:srcRect/>
+          <a:stretch>
+            <a:fillRect/>
+          </a:stretch>
+        </p:blipFill>
+        <p:spPr bwMode="auto">
+          <a:xfrm>
+            <a:off x="860111" y="1609857"/>
+            <a:ext cx="5569220" cy="556922"/>
+          </a:xfrm>
+          <a:prstGeom prst="rect">
+            <a:avLst/>
+          </a:prstGeom>
+          <a:noFill/>
+          <a:extLst>
+            <a:ext uri="{909E8E84-426E-40DD-AFC4-6F175D3DCCD1}">
+              <a14:hiddenFill xmlns:a14="http://schemas.microsoft.com/office/drawing/2010/main">
+                <a:solidFill>
+                  <a:srgbClr val="FFFFFF"/>
+                </a:solidFill>
+              </a14:hiddenFill>
+            </a:ext>
+          </a:extLst>
+        </p:spPr>
+      </p:pic>
+      <p:sp>
+        <p:nvSpPr>
+          <p:cNvPr id="2" name="テキスト ボックス 1"/>
+          <p:cNvSpPr txBox="1"/>
+          <p:nvPr/>
+        </p:nvSpPr>
+        <p:spPr>
+          <a:xfrm>
+            <a:off x="1378040" y="772731"/>
+            <a:ext cx="6104586" cy="584775"/>
+          </a:xfrm>
+          <a:prstGeom prst="rect">
+            <a:avLst/>
+          </a:prstGeom>
+          <a:noFill/>
+        </p:spPr>
+        <p:txBody>
+          <a:bodyPr wrap="square" rtlCol="0">
+            <a:spAutoFit/>
+          </a:bodyPr>
+          <a:lstStyle/>
+          <a:p>
+            <a:r>
+              <a:rPr kumimoji="1" lang="ja-JP" altLang="en-US" sz="3200" b="1" dirty="0" smtClean="0">
+                <a:latin typeface="メイリオ" panose="020B0604030504040204" pitchFamily="50" charset="-128"/>
+                <a:ea typeface="メイリオ" panose="020B0604030504040204" pitchFamily="50" charset="-128"/>
+              </a:rPr>
+              <a:t>等価カーネルを次のように定義</a:t>
+            </a:r>
+            <a:endParaRPr kumimoji="1" lang="ja-JP" altLang="en-US" sz="3200" b="1" dirty="0">
+              <a:latin typeface="メイリオ" panose="020B0604030504040204" pitchFamily="50" charset="-128"/>
+              <a:ea typeface="メイリオ" panose="020B0604030504040204" pitchFamily="50" charset="-128"/>
+            </a:endParaRPr>
+          </a:p>
+        </p:txBody>
+      </p:sp>
+      <p:pic>
+        <p:nvPicPr>
+          <p:cNvPr id="3076" name="Picture 4" descr="$y({\bf x},{\bf m}_{N})=\sum_{n=1}^{N}k({\bf x},{\bf x}')t_{n}$">
+            <a:hlinkClick r:id="rId4"/>
+          </p:cNvPr>
+          <p:cNvPicPr>
+            <a:picLocks noChangeAspect="1" noChangeArrowheads="1"/>
+          </p:cNvPicPr>
+          <p:nvPr/>
+        </p:nvPicPr>
+        <p:blipFill>
+          <a:blip r:embed="rId5">
+            <a:extLst>
+              <a:ext uri="{28A0092B-C50C-407E-A947-70E740481C1C}">
+                <a14:useLocalDpi xmlns:a14="http://schemas.microsoft.com/office/drawing/2010/main" val="0"/>
+              </a:ext>
+            </a:extLst>
+          </a:blip>
+          <a:srcRect/>
+          <a:stretch>
+            <a:fillRect/>
+          </a:stretch>
+        </p:blipFill>
+        <p:spPr bwMode="auto">
+          <a:xfrm>
+            <a:off x="605306" y="3547245"/>
+            <a:ext cx="6039763" cy="628896"/>
+          </a:xfrm>
+          <a:prstGeom prst="rect">
+            <a:avLst/>
+          </a:prstGeom>
+          <a:noFill/>
+          <a:extLst>
+            <a:ext uri="{909E8E84-426E-40DD-AFC4-6F175D3DCCD1}">
+              <a14:hiddenFill xmlns:a14="http://schemas.microsoft.com/office/drawing/2010/main">
+                <a:solidFill>
+                  <a:srgbClr val="FFFFFF"/>
+                </a:solidFill>
+              </a14:hiddenFill>
+            </a:ext>
+          </a:extLst>
+        </p:spPr>
+      </p:pic>
+      <p:sp>
+        <p:nvSpPr>
+          <p:cNvPr id="3" name="テキスト ボックス 2"/>
+          <p:cNvSpPr txBox="1"/>
+          <p:nvPr/>
+        </p:nvSpPr>
+        <p:spPr>
+          <a:xfrm>
+            <a:off x="1378040" y="2712214"/>
+            <a:ext cx="5653825" cy="584775"/>
+          </a:xfrm>
+          <a:prstGeom prst="rect">
+            <a:avLst/>
+          </a:prstGeom>
+          <a:noFill/>
+        </p:spPr>
+        <p:txBody>
+          <a:bodyPr wrap="square" rtlCol="0">
+            <a:spAutoFit/>
+          </a:bodyPr>
+          <a:lstStyle/>
+          <a:p>
+            <a:r>
+              <a:rPr kumimoji="1" lang="ja-JP" altLang="en-US" sz="3200" b="1" dirty="0" smtClean="0">
+                <a:latin typeface="メイリオ" panose="020B0604030504040204" pitchFamily="50" charset="-128"/>
+                <a:ea typeface="メイリオ" panose="020B0604030504040204" pitchFamily="50" charset="-128"/>
+              </a:rPr>
+              <a:t>この式を用いれば、</a:t>
+            </a:r>
+            <a:r>
+              <a:rPr kumimoji="1" lang="en-US" altLang="ja-JP" sz="3200" b="1" dirty="0" smtClean="0">
+                <a:latin typeface="メイリオ" panose="020B0604030504040204" pitchFamily="50" charset="-128"/>
+                <a:ea typeface="メイリオ" panose="020B0604030504040204" pitchFamily="50" charset="-128"/>
+              </a:rPr>
+              <a:t>(3.60)</a:t>
+            </a:r>
+            <a:r>
+              <a:rPr kumimoji="1" lang="ja-JP" altLang="en-US" sz="3200" b="1" dirty="0" smtClean="0">
+                <a:latin typeface="メイリオ" panose="020B0604030504040204" pitchFamily="50" charset="-128"/>
+                <a:ea typeface="メイリオ" panose="020B0604030504040204" pitchFamily="50" charset="-128"/>
+              </a:rPr>
+              <a:t>は</a:t>
+            </a:r>
+            <a:endParaRPr kumimoji="1" lang="ja-JP" altLang="en-US" sz="3200" b="1" dirty="0">
+              <a:latin typeface="メイリオ" panose="020B0604030504040204" pitchFamily="50" charset="-128"/>
+              <a:ea typeface="メイリオ" panose="020B0604030504040204" pitchFamily="50" charset="-128"/>
+            </a:endParaRPr>
+          </a:p>
+        </p:txBody>
+      </p:sp>
+      <p:sp>
+        <p:nvSpPr>
+          <p:cNvPr id="4" name="テキスト ボックス 3"/>
+          <p:cNvSpPr txBox="1"/>
+          <p:nvPr/>
+        </p:nvSpPr>
+        <p:spPr>
+          <a:xfrm>
+            <a:off x="1378040" y="4651697"/>
+            <a:ext cx="2060620" cy="584775"/>
+          </a:xfrm>
+          <a:prstGeom prst="rect">
+            <a:avLst/>
+          </a:prstGeom>
+          <a:noFill/>
+        </p:spPr>
+        <p:txBody>
+          <a:bodyPr wrap="square" rtlCol="0">
+            <a:spAutoFit/>
+          </a:bodyPr>
+          <a:lstStyle/>
+          <a:p>
+            <a:r>
+              <a:rPr kumimoji="1" lang="ja-JP" altLang="en-US" sz="3200" b="1" dirty="0" smtClean="0">
+                <a:latin typeface="メイリオ" panose="020B0604030504040204" pitchFamily="50" charset="-128"/>
+                <a:ea typeface="メイリオ" panose="020B0604030504040204" pitchFamily="50" charset="-128"/>
+              </a:rPr>
+              <a:t>と書ける</a:t>
+            </a:r>
+            <a:endParaRPr kumimoji="1" lang="ja-JP" altLang="en-US" sz="3200" b="1" dirty="0">
+              <a:latin typeface="メイリオ" panose="020B0604030504040204" pitchFamily="50" charset="-128"/>
+              <a:ea typeface="メイリオ" panose="020B0604030504040204" pitchFamily="50" charset="-128"/>
+            </a:endParaRPr>
+          </a:p>
+        </p:txBody>
+      </p:sp>
+      <p:sp>
+        <p:nvSpPr>
+          <p:cNvPr id="5" name="テキスト ボックス 4"/>
+          <p:cNvSpPr txBox="1"/>
+          <p:nvPr/>
+        </p:nvSpPr>
+        <p:spPr>
+          <a:xfrm>
+            <a:off x="6875172" y="3598810"/>
+            <a:ext cx="1674253" cy="584775"/>
+          </a:xfrm>
+          <a:prstGeom prst="rect">
+            <a:avLst/>
+          </a:prstGeom>
+          <a:noFill/>
+        </p:spPr>
+        <p:txBody>
+          <a:bodyPr wrap="square" rtlCol="0">
+            <a:spAutoFit/>
+          </a:bodyPr>
+          <a:lstStyle/>
+          <a:p>
+            <a:r>
+              <a:rPr kumimoji="1" lang="en-US" altLang="ja-JP" sz="3200" b="1" dirty="0" smtClean="0">
+                <a:latin typeface="メイリオ" panose="020B0604030504040204" pitchFamily="50" charset="-128"/>
+                <a:ea typeface="メイリオ" panose="020B0604030504040204" pitchFamily="50" charset="-128"/>
+              </a:rPr>
+              <a:t>(3.61)</a:t>
+            </a:r>
+            <a:endParaRPr kumimoji="1" lang="ja-JP" altLang="en-US" sz="3200" b="1" dirty="0">
+              <a:latin typeface="メイリオ" panose="020B0604030504040204" pitchFamily="50" charset="-128"/>
+              <a:ea typeface="メイリオ" panose="020B0604030504040204" pitchFamily="50" charset="-128"/>
+            </a:endParaRPr>
+          </a:p>
+        </p:txBody>
+      </p:sp>
+      <p:sp>
+        <p:nvSpPr>
+          <p:cNvPr id="8" name="テキスト ボックス 7"/>
+          <p:cNvSpPr txBox="1"/>
+          <p:nvPr/>
+        </p:nvSpPr>
+        <p:spPr>
+          <a:xfrm>
+            <a:off x="6722773" y="1633569"/>
+            <a:ext cx="1674253" cy="584775"/>
+          </a:xfrm>
+          <a:prstGeom prst="rect">
+            <a:avLst/>
+          </a:prstGeom>
+          <a:noFill/>
+        </p:spPr>
+        <p:txBody>
+          <a:bodyPr wrap="square" rtlCol="0">
+            <a:spAutoFit/>
+          </a:bodyPr>
+          <a:lstStyle/>
+          <a:p>
+            <a:r>
+              <a:rPr kumimoji="1" lang="en-US" altLang="ja-JP" sz="3200" b="1" dirty="0" smtClean="0">
+                <a:latin typeface="メイリオ" panose="020B0604030504040204" pitchFamily="50" charset="-128"/>
+                <a:ea typeface="メイリオ" panose="020B0604030504040204" pitchFamily="50" charset="-128"/>
+              </a:rPr>
+              <a:t>(3.62)</a:t>
+            </a:r>
+            <a:endParaRPr kumimoji="1" lang="ja-JP" altLang="en-US" sz="3200" b="1" dirty="0">
+              <a:latin typeface="メイリオ" panose="020B0604030504040204" pitchFamily="50" charset="-128"/>
+              <a:ea typeface="メイリオ" panose="020B0604030504040204" pitchFamily="50" charset="-128"/>
+            </a:endParaRPr>
+          </a:p>
+        </p:txBody>
+      </p:sp>
+      <p:sp>
+        <p:nvSpPr>
+          <p:cNvPr id="6" name="テキスト ボックス 5"/>
+          <p:cNvSpPr txBox="1"/>
+          <p:nvPr/>
+        </p:nvSpPr>
+        <p:spPr>
+          <a:xfrm>
+            <a:off x="486624" y="5512157"/>
+            <a:ext cx="8515709" cy="954107"/>
+          </a:xfrm>
+          <a:prstGeom prst="rect">
+            <a:avLst/>
+          </a:prstGeom>
+          <a:noFill/>
+        </p:spPr>
+        <p:txBody>
+          <a:bodyPr wrap="square" rtlCol="0">
+            <a:spAutoFit/>
+          </a:bodyPr>
+          <a:lstStyle/>
+          <a:p>
+            <a:r>
+              <a:rPr kumimoji="1" lang="en-US" altLang="ja-JP" sz="2800" b="1" dirty="0" smtClean="0">
+                <a:latin typeface="メイリオ" panose="020B0604030504040204" pitchFamily="50" charset="-128"/>
+                <a:ea typeface="メイリオ" panose="020B0604030504040204" pitchFamily="50" charset="-128"/>
+              </a:rPr>
+              <a:t>※</a:t>
+            </a:r>
+            <a:r>
+              <a:rPr kumimoji="1" lang="ja-JP" altLang="en-US" sz="2800" b="1" dirty="0" smtClean="0">
+                <a:latin typeface="メイリオ" panose="020B0604030504040204" pitchFamily="50" charset="-128"/>
+                <a:ea typeface="メイリオ" panose="020B0604030504040204" pitchFamily="50" charset="-128"/>
+              </a:rPr>
+              <a:t>このように、訓練データの目標変数の線形結合で</a:t>
+            </a:r>
+            <a:endParaRPr kumimoji="1" lang="en-US" altLang="ja-JP" sz="2800" b="1" dirty="0" smtClean="0">
+              <a:latin typeface="メイリオ" panose="020B0604030504040204" pitchFamily="50" charset="-128"/>
+              <a:ea typeface="メイリオ" panose="020B0604030504040204" pitchFamily="50" charset="-128"/>
+            </a:endParaRPr>
+          </a:p>
+          <a:p>
+            <a:r>
+              <a:rPr kumimoji="1" lang="ja-JP" altLang="en-US" sz="2800" b="1" dirty="0" smtClean="0">
+                <a:latin typeface="メイリオ" panose="020B0604030504040204" pitchFamily="50" charset="-128"/>
+                <a:ea typeface="メイリオ" panose="020B0604030504040204" pitchFamily="50" charset="-128"/>
+              </a:rPr>
+              <a:t>与えられる回帰関数を線形平滑器という</a:t>
+            </a:r>
+            <a:endParaRPr kumimoji="1" lang="ja-JP" altLang="en-US" sz="2800" b="1" dirty="0">
+              <a:latin typeface="メイリオ" panose="020B0604030504040204" pitchFamily="50" charset="-128"/>
+              <a:ea typeface="メイリオ" panose="020B0604030504040204" pitchFamily="50" charset="-128"/>
+            </a:endParaRPr>
+          </a:p>
+        </p:txBody>
+      </p:sp>
+    </p:spTree>
+    <p:extLst>
+      <p:ext uri="{BB962C8B-B14F-4D97-AF65-F5344CB8AC3E}">
+        <p14:creationId xmlns:p14="http://schemas.microsoft.com/office/powerpoint/2010/main" val="476422640"/>
+      </p:ext>
+    </p:extLst>
+  </p:cSld>
+  <p:clrMapOvr>
+    <a:masterClrMapping/>
+  </p:clrMapOvr>
+</p:sld>
+</file>
+
+<file path=ppt/slides/slide23.xml><?xml version="1.0" encoding="utf-8"?>
+<p:sld xmlns:a="http://schemas.openxmlformats.org/drawingml/2006/main" xmlns:r="http://schemas.openxmlformats.org/officeDocument/2006/relationships" xmlns:p="http://schemas.openxmlformats.org/presentationml/2006/main">
+  <p:cSld>
+    <p:spTree>
+      <p:nvGrpSpPr>
+        <p:cNvPr id="1" name=""/>
+        <p:cNvGrpSpPr/>
+        <p:nvPr/>
+      </p:nvGrpSpPr>
+      <p:grpSpPr>
+        <a:xfrm>
+          <a:off x="0" y="0"/>
+          <a:ext cx="0" cy="0"/>
+          <a:chOff x="0" y="0"/>
+          <a:chExt cx="0" cy="0"/>
+        </a:xfrm>
+      </p:grpSpPr>
+      <mc:AlternateContent xmlns:mc="http://schemas.openxmlformats.org/markup-compatibility/2006">
+        <mc:Choice xmlns:a14="http://schemas.microsoft.com/office/drawing/2010/main" Requires="a14">
+          <p:sp>
+            <p:nvSpPr>
+              <p:cNvPr id="2" name="テキスト ボックス 1"/>
+              <p:cNvSpPr txBox="1"/>
+              <p:nvPr/>
+            </p:nvSpPr>
+            <p:spPr>
+              <a:xfrm>
+                <a:off x="1455310" y="850004"/>
+                <a:ext cx="6825803" cy="1077218"/>
+              </a:xfrm>
+              <a:prstGeom prst="rect">
+                <a:avLst/>
+              </a:prstGeom>
+              <a:noFill/>
+            </p:spPr>
+            <p:txBody>
+              <a:bodyPr wrap="square" rtlCol="0">
+                <a:spAutoFit/>
+              </a:bodyPr>
+              <a:lstStyle/>
+              <a:p>
+                <a:r>
+                  <a:rPr kumimoji="1" lang="ja-JP" altLang="en-US" sz="3200" b="1" dirty="0" smtClean="0">
+                    <a:latin typeface="メイリオ" panose="020B0604030504040204" pitchFamily="50" charset="-128"/>
+                    <a:ea typeface="メイリオ" panose="020B0604030504040204" pitchFamily="50" charset="-128"/>
+                  </a:rPr>
+                  <a:t>図</a:t>
+                </a:r>
+                <a:r>
+                  <a:rPr kumimoji="1" lang="en-US" altLang="ja-JP" sz="3200" b="1" dirty="0" smtClean="0">
+                    <a:latin typeface="メイリオ" panose="020B0604030504040204" pitchFamily="50" charset="-128"/>
+                    <a:ea typeface="メイリオ" panose="020B0604030504040204" pitchFamily="50" charset="-128"/>
+                  </a:rPr>
+                  <a:t>(3.10)</a:t>
+                </a:r>
+                <a:r>
+                  <a:rPr kumimoji="1" lang="ja-JP" altLang="en-US" sz="3200" b="1" dirty="0" smtClean="0">
+                    <a:latin typeface="メイリオ" panose="020B0604030504040204" pitchFamily="50" charset="-128"/>
+                    <a:ea typeface="メイリオ" panose="020B0604030504040204" pitchFamily="50" charset="-128"/>
+                  </a:rPr>
+                  <a:t>からカーネルは</a:t>
+                </a:r>
+                <a14:m>
+                  <m:oMath xmlns:m="http://schemas.openxmlformats.org/officeDocument/2006/math">
+                    <m:r>
+                      <a:rPr kumimoji="1" lang="en-US" altLang="ja-JP" sz="3200" b="0" i="1" smtClean="0">
+                        <a:latin typeface="Cambria Math" panose="02040503050406030204" pitchFamily="18" charset="0"/>
+                        <a:ea typeface="メイリオ" panose="020B0604030504040204" pitchFamily="50" charset="-128"/>
+                      </a:rPr>
+                      <m:t>𝑥</m:t>
+                    </m:r>
+                  </m:oMath>
+                </a14:m>
+                <a:r>
+                  <a:rPr kumimoji="1" lang="ja-JP" altLang="en-US" sz="3200" b="1" dirty="0" smtClean="0">
+                    <a:latin typeface="メイリオ" panose="020B0604030504040204" pitchFamily="50" charset="-128"/>
+                    <a:ea typeface="メイリオ" panose="020B0604030504040204" pitchFamily="50" charset="-128"/>
+                  </a:rPr>
+                  <a:t>に近いデータ点ほど大きい</a:t>
+                </a:r>
+                <a:endParaRPr kumimoji="1" lang="ja-JP" altLang="en-US" sz="3200" dirty="0">
+                  <a:latin typeface="メイリオ" panose="020B0604030504040204" pitchFamily="50" charset="-128"/>
+                  <a:ea typeface="メイリオ" panose="020B0604030504040204" pitchFamily="50" charset="-128"/>
+                </a:endParaRPr>
+              </a:p>
+            </p:txBody>
+          </p:sp>
+        </mc:Choice>
+        <mc:Fallback>
+          <p:sp>
+            <p:nvSpPr>
+              <p:cNvPr id="2" name="テキスト ボックス 1"/>
+              <p:cNvSpPr txBox="1">
+                <a:spLocks noRot="1" noChangeAspect="1" noMove="1" noResize="1" noEditPoints="1" noAdjustHandles="1" noChangeArrowheads="1" noChangeShapeType="1" noTextEdit="1"/>
+              </p:cNvSpPr>
+              <p:nvPr/>
+            </p:nvSpPr>
+            <p:spPr>
+              <a:xfrm>
+                <a:off x="1455310" y="850004"/>
+                <a:ext cx="6825803" cy="1077218"/>
+              </a:xfrm>
+              <a:prstGeom prst="rect">
+                <a:avLst/>
+              </a:prstGeom>
+              <a:blipFill rotWithShape="0">
+                <a:blip r:embed="rId2"/>
+                <a:stretch>
+                  <a:fillRect l="-2324" t="-6780" b="-17514"/>
+                </a:stretch>
+              </a:blipFill>
+            </p:spPr>
+            <p:txBody>
+              <a:bodyPr/>
+              <a:lstStyle/>
+              <a:p>
+                <a:r>
+                  <a:rPr lang="ja-JP" altLang="en-US">
+                    <a:noFill/>
+                  </a:rPr>
+                  <a:t> </a:t>
+                </a:r>
+              </a:p>
+            </p:txBody>
+          </p:sp>
+        </mc:Fallback>
+      </mc:AlternateContent>
+      <p:sp>
+        <p:nvSpPr>
+          <p:cNvPr id="3" name="テキスト ボックス 2"/>
+          <p:cNvSpPr txBox="1"/>
+          <p:nvPr/>
+        </p:nvSpPr>
+        <p:spPr>
+          <a:xfrm>
+            <a:off x="978795" y="2253800"/>
+            <a:ext cx="7147773" cy="1077218"/>
+          </a:xfrm>
+          <a:prstGeom prst="rect">
+            <a:avLst/>
+          </a:prstGeom>
+          <a:noFill/>
+        </p:spPr>
+        <p:txBody>
+          <a:bodyPr wrap="square" rtlCol="0">
+            <a:spAutoFit/>
+          </a:bodyPr>
+          <a:lstStyle/>
+          <a:p>
+            <a:r>
+              <a:rPr kumimoji="1" lang="ja-JP" altLang="en-US" sz="3200" b="1" dirty="0" smtClean="0">
+                <a:latin typeface="メイリオ" panose="020B0604030504040204" pitchFamily="50" charset="-128"/>
+                <a:ea typeface="メイリオ" panose="020B0604030504040204" pitchFamily="50" charset="-128"/>
+              </a:rPr>
+              <a:t>→カーネルによって、遠くの情報より</a:t>
+            </a:r>
+            <a:endParaRPr kumimoji="1" lang="en-US" altLang="ja-JP" sz="3200" b="1" dirty="0" smtClean="0">
+              <a:latin typeface="メイリオ" panose="020B0604030504040204" pitchFamily="50" charset="-128"/>
+              <a:ea typeface="メイリオ" panose="020B0604030504040204" pitchFamily="50" charset="-128"/>
+            </a:endParaRPr>
+          </a:p>
+          <a:p>
+            <a:r>
+              <a:rPr kumimoji="1" lang="ja-JP" altLang="en-US" sz="3200" b="1" dirty="0" smtClean="0">
+                <a:latin typeface="メイリオ" panose="020B0604030504040204" pitchFamily="50" charset="-128"/>
+                <a:ea typeface="メイリオ" panose="020B0604030504040204" pitchFamily="50" charset="-128"/>
+              </a:rPr>
+              <a:t>　近傍の情報を強く重みづけ</a:t>
+            </a:r>
+            <a:endParaRPr kumimoji="1" lang="ja-JP" altLang="en-US" sz="3200" b="1" dirty="0">
+              <a:latin typeface="メイリオ" panose="020B0604030504040204" pitchFamily="50" charset="-128"/>
+              <a:ea typeface="メイリオ" panose="020B0604030504040204" pitchFamily="50" charset="-128"/>
+            </a:endParaRPr>
+          </a:p>
+        </p:txBody>
+      </p:sp>
+      <p:sp>
+        <p:nvSpPr>
+          <p:cNvPr id="4" name="テキスト ボックス 3"/>
+          <p:cNvSpPr txBox="1"/>
+          <p:nvPr/>
+        </p:nvSpPr>
+        <p:spPr>
+          <a:xfrm>
+            <a:off x="895081" y="5344730"/>
+            <a:ext cx="7315200" cy="954107"/>
+          </a:xfrm>
+          <a:prstGeom prst="rect">
+            <a:avLst/>
+          </a:prstGeom>
+          <a:noFill/>
+        </p:spPr>
+        <p:txBody>
+          <a:bodyPr wrap="square" rtlCol="0">
+            <a:spAutoFit/>
+          </a:bodyPr>
+          <a:lstStyle/>
+          <a:p>
+            <a:r>
+              <a:rPr kumimoji="1" lang="en-US" altLang="ja-JP" sz="2800" b="1" dirty="0" smtClean="0">
+                <a:latin typeface="メイリオ" panose="020B0604030504040204" pitchFamily="50" charset="-128"/>
+                <a:ea typeface="メイリオ" panose="020B0604030504040204" pitchFamily="50" charset="-128"/>
+              </a:rPr>
+              <a:t>※</a:t>
+            </a:r>
+            <a:r>
+              <a:rPr kumimoji="1" lang="ja-JP" altLang="en-US" sz="2800" b="1" dirty="0" smtClean="0">
+                <a:latin typeface="メイリオ" panose="020B0604030504040204" pitchFamily="50" charset="-128"/>
+                <a:ea typeface="メイリオ" panose="020B0604030504040204" pitchFamily="50" charset="-128"/>
+              </a:rPr>
+              <a:t>この性質はガウス基底に限らず、</a:t>
+            </a:r>
+            <a:endParaRPr kumimoji="1" lang="en-US" altLang="ja-JP" sz="2800" b="1" dirty="0" smtClean="0">
+              <a:latin typeface="メイリオ" panose="020B0604030504040204" pitchFamily="50" charset="-128"/>
+              <a:ea typeface="メイリオ" panose="020B0604030504040204" pitchFamily="50" charset="-128"/>
+            </a:endParaRPr>
+          </a:p>
+          <a:p>
+            <a:r>
+              <a:rPr lang="ja-JP" altLang="en-US" sz="2800" b="1" dirty="0">
+                <a:latin typeface="メイリオ" panose="020B0604030504040204" pitchFamily="50" charset="-128"/>
+                <a:ea typeface="メイリオ" panose="020B0604030504040204" pitchFamily="50" charset="-128"/>
+              </a:rPr>
+              <a:t>局所性</a:t>
+            </a:r>
+            <a:r>
+              <a:rPr lang="ja-JP" altLang="en-US" sz="2800" b="1" dirty="0" smtClean="0">
+                <a:latin typeface="メイリオ" panose="020B0604030504040204" pitchFamily="50" charset="-128"/>
+                <a:ea typeface="メイリオ" panose="020B0604030504040204" pitchFamily="50" charset="-128"/>
+              </a:rPr>
+              <a:t>を持たない基底についても成り立つ</a:t>
+            </a:r>
+            <a:endParaRPr kumimoji="1" lang="ja-JP" altLang="en-US" sz="2800" b="1" dirty="0">
+              <a:latin typeface="メイリオ" panose="020B0604030504040204" pitchFamily="50" charset="-128"/>
+              <a:ea typeface="メイリオ" panose="020B0604030504040204" pitchFamily="50" charset="-128"/>
+            </a:endParaRPr>
+          </a:p>
+        </p:txBody>
+      </p:sp>
+      <p:sp>
+        <p:nvSpPr>
+          <p:cNvPr id="5" name="テキスト ボックス 4"/>
+          <p:cNvSpPr txBox="1"/>
+          <p:nvPr/>
+        </p:nvSpPr>
+        <p:spPr>
+          <a:xfrm>
+            <a:off x="1358726" y="3331018"/>
+            <a:ext cx="6632620" cy="1569660"/>
+          </a:xfrm>
+          <a:prstGeom prst="rect">
+            <a:avLst/>
+          </a:prstGeom>
+          <a:noFill/>
+        </p:spPr>
+        <p:txBody>
+          <a:bodyPr wrap="square" rtlCol="0">
+            <a:spAutoFit/>
+          </a:bodyPr>
+          <a:lstStyle/>
+          <a:p>
+            <a:r>
+              <a:rPr kumimoji="1" lang="en-US" altLang="ja-JP" sz="3200" b="1" dirty="0" smtClean="0">
+                <a:latin typeface="メイリオ" panose="020B0604030504040204" pitchFamily="50" charset="-128"/>
+                <a:ea typeface="メイリオ" panose="020B0604030504040204" pitchFamily="50" charset="-128"/>
+              </a:rPr>
+              <a:t>(3.63)</a:t>
+            </a:r>
+            <a:r>
+              <a:rPr kumimoji="1" lang="ja-JP" altLang="en-US" sz="3200" b="1" dirty="0" smtClean="0">
+                <a:latin typeface="メイリオ" panose="020B0604030504040204" pitchFamily="50" charset="-128"/>
+                <a:ea typeface="メイリオ" panose="020B0604030504040204" pitchFamily="50" charset="-128"/>
+              </a:rPr>
+              <a:t>より、近傍での予測平均は強い相関を持ち、離れた点では</a:t>
+            </a:r>
+            <a:endParaRPr kumimoji="1" lang="en-US" altLang="ja-JP" sz="3200" b="1" dirty="0" smtClean="0">
+              <a:latin typeface="メイリオ" panose="020B0604030504040204" pitchFamily="50" charset="-128"/>
+              <a:ea typeface="メイリオ" panose="020B0604030504040204" pitchFamily="50" charset="-128"/>
+            </a:endParaRPr>
+          </a:p>
+          <a:p>
+            <a:r>
+              <a:rPr lang="ja-JP" altLang="en-US" sz="3200" b="1" dirty="0">
+                <a:latin typeface="メイリオ" panose="020B0604030504040204" pitchFamily="50" charset="-128"/>
+                <a:ea typeface="メイリオ" panose="020B0604030504040204" pitchFamily="50" charset="-128"/>
+              </a:rPr>
+              <a:t>相関</a:t>
+            </a:r>
+            <a:r>
+              <a:rPr lang="ja-JP" altLang="en-US" sz="3200" b="1" dirty="0" smtClean="0">
+                <a:latin typeface="メイリオ" panose="020B0604030504040204" pitchFamily="50" charset="-128"/>
+                <a:ea typeface="メイリオ" panose="020B0604030504040204" pitchFamily="50" charset="-128"/>
+              </a:rPr>
+              <a:t>は</a:t>
+            </a:r>
+            <a:r>
+              <a:rPr lang="ja-JP" altLang="en-US" sz="3200" b="1" dirty="0">
+                <a:latin typeface="メイリオ" panose="020B0604030504040204" pitchFamily="50" charset="-128"/>
+                <a:ea typeface="メイリオ" panose="020B0604030504040204" pitchFamily="50" charset="-128"/>
+              </a:rPr>
+              <a:t>小</a:t>
+            </a:r>
+            <a:r>
+              <a:rPr lang="ja-JP" altLang="en-US" sz="3200" b="1" dirty="0" smtClean="0">
+                <a:latin typeface="メイリオ" panose="020B0604030504040204" pitchFamily="50" charset="-128"/>
+                <a:ea typeface="メイリオ" panose="020B0604030504040204" pitchFamily="50" charset="-128"/>
+              </a:rPr>
+              <a:t>さくな</a:t>
+            </a:r>
+            <a:r>
+              <a:rPr lang="ja-JP" altLang="en-US" sz="3200" b="1" dirty="0">
+                <a:latin typeface="メイリオ" panose="020B0604030504040204" pitchFamily="50" charset="-128"/>
+                <a:ea typeface="メイリオ" panose="020B0604030504040204" pitchFamily="50" charset="-128"/>
+              </a:rPr>
+              <a:t>る</a:t>
+            </a:r>
+            <a:endParaRPr kumimoji="1" lang="ja-JP" altLang="en-US" sz="3200" b="1" dirty="0">
+              <a:latin typeface="メイリオ" panose="020B0604030504040204" pitchFamily="50" charset="-128"/>
+              <a:ea typeface="メイリオ" panose="020B0604030504040204" pitchFamily="50" charset="-128"/>
+            </a:endParaRPr>
+          </a:p>
+        </p:txBody>
+      </p:sp>
+    </p:spTree>
+    <p:extLst>
+      <p:ext uri="{BB962C8B-B14F-4D97-AF65-F5344CB8AC3E}">
+        <p14:creationId xmlns:p14="http://schemas.microsoft.com/office/powerpoint/2010/main" val="418383714"/>
+      </p:ext>
+    </p:extLst>
+  </p:cSld>
+  <p:clrMapOvr>
+    <a:masterClrMapping/>
+  </p:clrMapOvr>
+</p:sld>
+</file>
+
+<file path=ppt/slides/slide24.xml><?xml version="1.0" encoding="utf-8"?>
+<p:sld xmlns:a="http://schemas.openxmlformats.org/drawingml/2006/main" xmlns:r="http://schemas.openxmlformats.org/officeDocument/2006/relationships" xmlns:p="http://schemas.openxmlformats.org/presentationml/2006/main">
+  <p:cSld>
+    <p:spTree>
+      <p:nvGrpSpPr>
+        <p:cNvPr id="1" name=""/>
+        <p:cNvGrpSpPr/>
+        <p:nvPr/>
+      </p:nvGrpSpPr>
+      <p:grpSpPr>
+        <a:xfrm>
+          <a:off x="0" y="0"/>
+          <a:ext cx="0" cy="0"/>
+          <a:chOff x="0" y="0"/>
+          <a:chExt cx="0" cy="0"/>
+        </a:xfrm>
+      </p:grpSpPr>
+      <p:sp>
+        <p:nvSpPr>
+          <p:cNvPr id="2" name="テキスト ボックス 1"/>
+          <p:cNvSpPr txBox="1"/>
+          <p:nvPr/>
+        </p:nvSpPr>
+        <p:spPr>
+          <a:xfrm>
+            <a:off x="1094704" y="940157"/>
+            <a:ext cx="6993229" cy="1569660"/>
+          </a:xfrm>
+          <a:prstGeom prst="rect">
+            <a:avLst/>
+          </a:prstGeom>
+          <a:noFill/>
+        </p:spPr>
+        <p:txBody>
+          <a:bodyPr wrap="square" rtlCol="0">
+            <a:spAutoFit/>
+          </a:bodyPr>
+          <a:lstStyle/>
+          <a:p>
+            <a:r>
+              <a:rPr lang="ja-JP" altLang="en-US" sz="3200" b="1" dirty="0">
+                <a:latin typeface="メイリオ" panose="020B0604030504040204" pitchFamily="50" charset="-128"/>
+                <a:ea typeface="メイリオ" panose="020B0604030504040204" pitchFamily="50" charset="-128"/>
+              </a:rPr>
+              <a:t>以上</a:t>
+            </a:r>
+            <a:r>
+              <a:rPr lang="ja-JP" altLang="en-US" sz="3200" b="1" dirty="0" smtClean="0">
+                <a:latin typeface="メイリオ" panose="020B0604030504040204" pitchFamily="50" charset="-128"/>
+                <a:ea typeface="メイリオ" panose="020B0604030504040204" pitchFamily="50" charset="-128"/>
+              </a:rPr>
+              <a:t>より、カーネルを用いることで</a:t>
+            </a:r>
+            <a:endParaRPr lang="en-US" altLang="ja-JP" sz="3200" b="1" dirty="0" smtClean="0">
+              <a:latin typeface="メイリオ" panose="020B0604030504040204" pitchFamily="50" charset="-128"/>
+              <a:ea typeface="メイリオ" panose="020B0604030504040204" pitchFamily="50" charset="-128"/>
+            </a:endParaRPr>
+          </a:p>
+          <a:p>
+            <a:r>
+              <a:rPr kumimoji="1" lang="ja-JP" altLang="en-US" sz="3200" b="1" dirty="0" smtClean="0">
+                <a:latin typeface="メイリオ" panose="020B0604030504040204" pitchFamily="50" charset="-128"/>
+                <a:ea typeface="メイリオ" panose="020B0604030504040204" pitchFamily="50" charset="-128"/>
+              </a:rPr>
+              <a:t>これまでの線形回帰問題を異なった</a:t>
+            </a:r>
+            <a:endParaRPr kumimoji="1" lang="en-US" altLang="ja-JP" sz="3200" b="1" dirty="0" smtClean="0">
+              <a:latin typeface="メイリオ" panose="020B0604030504040204" pitchFamily="50" charset="-128"/>
+              <a:ea typeface="メイリオ" panose="020B0604030504040204" pitchFamily="50" charset="-128"/>
+            </a:endParaRPr>
+          </a:p>
+          <a:p>
+            <a:r>
+              <a:rPr lang="ja-JP" altLang="en-US" sz="3200" b="1" dirty="0">
+                <a:latin typeface="メイリオ" panose="020B0604030504040204" pitchFamily="50" charset="-128"/>
+                <a:ea typeface="メイリオ" panose="020B0604030504040204" pitchFamily="50" charset="-128"/>
+              </a:rPr>
+              <a:t>形式</a:t>
+            </a:r>
+            <a:r>
+              <a:rPr lang="ja-JP" altLang="en-US" sz="3200" b="1" dirty="0" smtClean="0">
+                <a:latin typeface="メイリオ" panose="020B0604030504040204" pitchFamily="50" charset="-128"/>
+                <a:ea typeface="メイリオ" panose="020B0604030504040204" pitchFamily="50" charset="-128"/>
+              </a:rPr>
+              <a:t>で定式化できる</a:t>
+            </a:r>
+            <a:endParaRPr kumimoji="1" lang="ja-JP" altLang="en-US" sz="3200" b="1" dirty="0">
+              <a:latin typeface="メイリオ" panose="020B0604030504040204" pitchFamily="50" charset="-128"/>
+              <a:ea typeface="メイリオ" panose="020B0604030504040204" pitchFamily="50" charset="-128"/>
+            </a:endParaRPr>
+          </a:p>
+        </p:txBody>
+      </p:sp>
+      <p:sp>
+        <p:nvSpPr>
+          <p:cNvPr id="3" name="テキスト ボックス 2"/>
+          <p:cNvSpPr txBox="1"/>
+          <p:nvPr/>
+        </p:nvSpPr>
+        <p:spPr>
+          <a:xfrm>
+            <a:off x="476518" y="2859109"/>
+            <a:ext cx="8229600" cy="2062103"/>
+          </a:xfrm>
+          <a:prstGeom prst="rect">
+            <a:avLst/>
+          </a:prstGeom>
+          <a:noFill/>
+        </p:spPr>
+        <p:txBody>
+          <a:bodyPr wrap="square" rtlCol="0">
+            <a:spAutoFit/>
+          </a:bodyPr>
+          <a:lstStyle/>
+          <a:p>
+            <a:r>
+              <a:rPr kumimoji="1" lang="ja-JP" altLang="en-US" sz="3200" b="1" dirty="0" smtClean="0">
+                <a:latin typeface="メイリオ" panose="020B0604030504040204" pitchFamily="50" charset="-128"/>
+                <a:ea typeface="メイリオ" panose="020B0604030504040204" pitchFamily="50" charset="-128"/>
+              </a:rPr>
+              <a:t>・基底関数の集合をあらかじめ定義しない</a:t>
+            </a:r>
+            <a:endParaRPr kumimoji="1" lang="en-US" altLang="ja-JP" sz="3200" b="1" dirty="0" smtClean="0">
+              <a:latin typeface="メイリオ" panose="020B0604030504040204" pitchFamily="50" charset="-128"/>
+              <a:ea typeface="メイリオ" panose="020B0604030504040204" pitchFamily="50" charset="-128"/>
+            </a:endParaRPr>
+          </a:p>
+          <a:p>
+            <a:r>
+              <a:rPr lang="ja-JP" altLang="en-US" sz="3200" b="1" dirty="0" smtClean="0">
+                <a:latin typeface="メイリオ" panose="020B0604030504040204" pitchFamily="50" charset="-128"/>
+                <a:ea typeface="メイリオ" panose="020B0604030504040204" pitchFamily="50" charset="-128"/>
+              </a:rPr>
+              <a:t>・カーネルを定義</a:t>
+            </a:r>
+            <a:endParaRPr lang="en-US" altLang="ja-JP" sz="3200" b="1" dirty="0" smtClean="0">
+              <a:latin typeface="メイリオ" panose="020B0604030504040204" pitchFamily="50" charset="-128"/>
+              <a:ea typeface="メイリオ" panose="020B0604030504040204" pitchFamily="50" charset="-128"/>
+            </a:endParaRPr>
+          </a:p>
+          <a:p>
+            <a:r>
+              <a:rPr kumimoji="1" lang="ja-JP" altLang="en-US" sz="3200" b="1" dirty="0" smtClean="0">
+                <a:latin typeface="メイリオ" panose="020B0604030504040204" pitchFamily="50" charset="-128"/>
+                <a:ea typeface="メイリオ" panose="020B0604030504040204" pitchFamily="50" charset="-128"/>
+              </a:rPr>
+              <a:t>→データが与えられた時に</a:t>
+            </a:r>
+            <a:endParaRPr kumimoji="1" lang="en-US" altLang="ja-JP" sz="3200" b="1" dirty="0" smtClean="0">
+              <a:latin typeface="メイリオ" panose="020B0604030504040204" pitchFamily="50" charset="-128"/>
+              <a:ea typeface="メイリオ" panose="020B0604030504040204" pitchFamily="50" charset="-128"/>
+            </a:endParaRPr>
+          </a:p>
+          <a:p>
+            <a:r>
+              <a:rPr lang="ja-JP" altLang="en-US" sz="3200" b="1" dirty="0">
+                <a:latin typeface="メイリオ" panose="020B0604030504040204" pitchFamily="50" charset="-128"/>
+                <a:ea typeface="メイリオ" panose="020B0604030504040204" pitchFamily="50" charset="-128"/>
+              </a:rPr>
+              <a:t>　</a:t>
+            </a:r>
+            <a:r>
+              <a:rPr kumimoji="1" lang="ja-JP" altLang="en-US" sz="3200" b="1" dirty="0" smtClean="0">
+                <a:latin typeface="メイリオ" panose="020B0604030504040204" pitchFamily="50" charset="-128"/>
+                <a:ea typeface="メイリオ" panose="020B0604030504040204" pitchFamily="50" charset="-128"/>
+              </a:rPr>
+              <a:t>カーネルを用いて予測値を計算</a:t>
+            </a:r>
+            <a:endParaRPr kumimoji="1" lang="ja-JP" altLang="en-US" sz="3200" b="1" dirty="0">
+              <a:latin typeface="メイリオ" panose="020B0604030504040204" pitchFamily="50" charset="-128"/>
+              <a:ea typeface="メイリオ" panose="020B0604030504040204" pitchFamily="50" charset="-128"/>
+            </a:endParaRPr>
+          </a:p>
+        </p:txBody>
+      </p:sp>
+    </p:spTree>
+    <p:extLst>
+      <p:ext uri="{BB962C8B-B14F-4D97-AF65-F5344CB8AC3E}">
+        <p14:creationId xmlns:p14="http://schemas.microsoft.com/office/powerpoint/2010/main" val="798455955"/>
+      </p:ext>
+    </p:extLst>
+  </p:cSld>
+  <p:clrMapOvr>
+    <a:masterClrMapping/>
+  </p:clrMapOvr>
+</p:sld>
+</file>
+
+<file path=ppt/slides/slide25.xml><?xml version="1.0" encoding="utf-8"?>
+<p:sld xmlns:a="http://schemas.openxmlformats.org/drawingml/2006/main" xmlns:r="http://schemas.openxmlformats.org/officeDocument/2006/relationships" xmlns:p="http://schemas.openxmlformats.org/presentationml/2006/main">
+  <p:cSld>
+    <p:spTree>
+      <p:nvGrpSpPr>
+        <p:cNvPr id="1" name=""/>
+        <p:cNvGrpSpPr/>
+        <p:nvPr/>
+      </p:nvGrpSpPr>
+      <p:grpSpPr>
+        <a:xfrm>
+          <a:off x="0" y="0"/>
+          <a:ext cx="0" cy="0"/>
+          <a:chOff x="0" y="0"/>
+          <a:chExt cx="0" cy="0"/>
+        </a:xfrm>
+      </p:grpSpPr>
+      <p:sp>
+        <p:nvSpPr>
+          <p:cNvPr id="2" name="テキスト ボックス 1"/>
+          <p:cNvSpPr txBox="1"/>
+          <p:nvPr/>
+        </p:nvSpPr>
+        <p:spPr>
+          <a:xfrm>
+            <a:off x="2189407" y="5537916"/>
+            <a:ext cx="5177308" cy="707886"/>
+          </a:xfrm>
+          <a:prstGeom prst="rect">
+            <a:avLst/>
+          </a:prstGeom>
+          <a:noFill/>
+        </p:spPr>
+        <p:txBody>
+          <a:bodyPr wrap="square" rtlCol="0">
+            <a:spAutoFit/>
+          </a:bodyPr>
+          <a:lstStyle/>
+          <a:p>
+            <a:r>
+              <a:rPr kumimoji="1" lang="ja-JP" altLang="en-US" sz="4000" b="1" dirty="0" smtClean="0">
+                <a:latin typeface="メイリオ" panose="020B0604030504040204" pitchFamily="50" charset="-128"/>
+                <a:ea typeface="メイリオ" panose="020B0604030504040204" pitchFamily="50" charset="-128"/>
+              </a:rPr>
+              <a:t>→ベイズモデル比較</a:t>
+            </a:r>
+            <a:endParaRPr kumimoji="1" lang="ja-JP" altLang="en-US" sz="4000" b="1" dirty="0">
+              <a:latin typeface="メイリオ" panose="020B0604030504040204" pitchFamily="50" charset="-128"/>
+              <a:ea typeface="メイリオ" panose="020B0604030504040204" pitchFamily="50" charset="-128"/>
+            </a:endParaRPr>
+          </a:p>
+        </p:txBody>
+      </p:sp>
+      <p:sp>
+        <p:nvSpPr>
+          <p:cNvPr id="3" name="テキスト ボックス 2"/>
+          <p:cNvSpPr txBox="1"/>
+          <p:nvPr/>
+        </p:nvSpPr>
+        <p:spPr>
+          <a:xfrm>
+            <a:off x="734095" y="1249251"/>
+            <a:ext cx="8023538" cy="1077218"/>
+          </a:xfrm>
+          <a:prstGeom prst="rect">
+            <a:avLst/>
+          </a:prstGeom>
+          <a:noFill/>
+        </p:spPr>
+        <p:txBody>
+          <a:bodyPr wrap="square" rtlCol="0">
+            <a:spAutoFit/>
+          </a:bodyPr>
+          <a:lstStyle/>
+          <a:p>
+            <a:r>
+              <a:rPr kumimoji="1" lang="en-US" altLang="ja-JP" sz="3200" b="1" dirty="0" smtClean="0">
+                <a:latin typeface="メイリオ" panose="020B0604030504040204" pitchFamily="50" charset="-128"/>
+                <a:ea typeface="メイリオ" panose="020B0604030504040204" pitchFamily="50" charset="-128"/>
+              </a:rPr>
+              <a:t>MLE</a:t>
+            </a:r>
+            <a:r>
+              <a:rPr kumimoji="1" lang="ja-JP" altLang="en-US" sz="3200" b="1" dirty="0" err="1" smtClean="0">
+                <a:latin typeface="メイリオ" panose="020B0604030504040204" pitchFamily="50" charset="-128"/>
+                <a:ea typeface="メイリオ" panose="020B0604030504040204" pitchFamily="50" charset="-128"/>
+              </a:rPr>
+              <a:t>の過</a:t>
+            </a:r>
+            <a:r>
+              <a:rPr kumimoji="1" lang="ja-JP" altLang="en-US" sz="3200" b="1" dirty="0" smtClean="0">
+                <a:latin typeface="メイリオ" panose="020B0604030504040204" pitchFamily="50" charset="-128"/>
+                <a:ea typeface="メイリオ" panose="020B0604030504040204" pitchFamily="50" charset="-128"/>
+              </a:rPr>
+              <a:t>学習の問題→パラメータについて</a:t>
+            </a:r>
+            <a:endParaRPr kumimoji="1" lang="en-US" altLang="ja-JP" sz="3200" b="1" dirty="0" smtClean="0">
+              <a:latin typeface="メイリオ" panose="020B0604030504040204" pitchFamily="50" charset="-128"/>
+              <a:ea typeface="メイリオ" panose="020B0604030504040204" pitchFamily="50" charset="-128"/>
+            </a:endParaRPr>
+          </a:p>
+          <a:p>
+            <a:r>
+              <a:rPr lang="ja-JP" altLang="en-US" sz="3200" b="1" dirty="0">
+                <a:latin typeface="メイリオ" panose="020B0604030504040204" pitchFamily="50" charset="-128"/>
+                <a:ea typeface="メイリオ" panose="020B0604030504040204" pitchFamily="50" charset="-128"/>
+              </a:rPr>
+              <a:t>　　</a:t>
+            </a:r>
+            <a:r>
+              <a:rPr lang="ja-JP" altLang="en-US" sz="3200" b="1" dirty="0" smtClean="0">
+                <a:latin typeface="メイリオ" panose="020B0604030504040204" pitchFamily="50" charset="-128"/>
+                <a:ea typeface="メイリオ" panose="020B0604030504040204" pitchFamily="50" charset="-128"/>
+              </a:rPr>
+              <a:t>　　　　　　　　</a:t>
+            </a:r>
+            <a:r>
+              <a:rPr kumimoji="1" lang="ja-JP" altLang="en-US" sz="3200" b="1" dirty="0" smtClean="0">
+                <a:latin typeface="メイリオ" panose="020B0604030504040204" pitchFamily="50" charset="-128"/>
+                <a:ea typeface="メイリオ" panose="020B0604030504040204" pitchFamily="50" charset="-128"/>
+              </a:rPr>
+              <a:t>周辺化で回避可能</a:t>
+            </a:r>
+            <a:endParaRPr kumimoji="1" lang="ja-JP" altLang="en-US" sz="3200" b="1" dirty="0">
+              <a:latin typeface="メイリオ" panose="020B0604030504040204" pitchFamily="50" charset="-128"/>
+              <a:ea typeface="メイリオ" panose="020B0604030504040204" pitchFamily="50" charset="-128"/>
+            </a:endParaRPr>
+          </a:p>
+        </p:txBody>
+      </p:sp>
+      <p:sp>
+        <p:nvSpPr>
+          <p:cNvPr id="4" name="テキスト ボックス 3"/>
+          <p:cNvSpPr txBox="1"/>
+          <p:nvPr/>
+        </p:nvSpPr>
+        <p:spPr>
+          <a:xfrm>
+            <a:off x="734095" y="2691685"/>
+            <a:ext cx="4018209" cy="584775"/>
+          </a:xfrm>
+          <a:prstGeom prst="rect">
+            <a:avLst/>
+          </a:prstGeom>
+          <a:noFill/>
+        </p:spPr>
+        <p:txBody>
+          <a:bodyPr wrap="square" rtlCol="0">
+            <a:spAutoFit/>
+          </a:bodyPr>
+          <a:lstStyle/>
+          <a:p>
+            <a:r>
+              <a:rPr kumimoji="1" lang="ja-JP" altLang="en-US" sz="3200" b="1" dirty="0" smtClean="0">
+                <a:latin typeface="メイリオ" panose="020B0604030504040204" pitchFamily="50" charset="-128"/>
+                <a:ea typeface="メイリオ" panose="020B0604030504040204" pitchFamily="50" charset="-128"/>
+              </a:rPr>
+              <a:t>テストデータいらず</a:t>
+            </a:r>
+            <a:endParaRPr kumimoji="1" lang="ja-JP" altLang="en-US" sz="3200" b="1" dirty="0">
+              <a:latin typeface="メイリオ" panose="020B0604030504040204" pitchFamily="50" charset="-128"/>
+              <a:ea typeface="メイリオ" panose="020B0604030504040204" pitchFamily="50" charset="-128"/>
+            </a:endParaRPr>
+          </a:p>
+        </p:txBody>
+      </p:sp>
+      <p:sp>
+        <p:nvSpPr>
+          <p:cNvPr id="5" name="正方形/長方形 4"/>
+          <p:cNvSpPr/>
+          <p:nvPr/>
+        </p:nvSpPr>
+        <p:spPr>
+          <a:xfrm>
+            <a:off x="528033" y="980401"/>
+            <a:ext cx="8371268" cy="2717894"/>
+          </a:xfrm>
+          <a:prstGeom prst="rect">
+            <a:avLst/>
+          </a:prstGeom>
+          <a:noFill/>
+          <a:ln>
+            <a:solidFill>
+              <a:schemeClr val="accent1">
+                <a:lumMod val="75000"/>
+              </a:schemeClr>
+            </a:solidFill>
+          </a:ln>
+        </p:spPr>
+        <p:style>
+          <a:lnRef idx="2">
+            <a:schemeClr val="accent1">
+              <a:shade val="50000"/>
+            </a:schemeClr>
+          </a:lnRef>
+          <a:fillRef idx="1">
+            <a:schemeClr val="accent1"/>
+          </a:fillRef>
+          <a:effectRef idx="0">
+            <a:schemeClr val="accent1"/>
+          </a:effectRef>
+          <a:fontRef idx="minor">
+            <a:schemeClr val="lt1"/>
+          </a:fontRef>
+        </p:style>
+        <p:txBody>
+          <a:bodyPr rtlCol="0" anchor="ctr"/>
+          <a:lstStyle/>
+          <a:p>
+            <a:pPr algn="ctr"/>
+            <a:endParaRPr kumimoji="1" lang="ja-JP" altLang="en-US"/>
+          </a:p>
+        </p:txBody>
+      </p:sp>
+      <p:sp>
+        <p:nvSpPr>
+          <p:cNvPr id="6" name="円/楕円 5"/>
+          <p:cNvSpPr/>
+          <p:nvPr/>
+        </p:nvSpPr>
+        <p:spPr>
+          <a:xfrm>
+            <a:off x="1880315" y="3348507"/>
+            <a:ext cx="5499279" cy="708338"/>
+          </a:xfrm>
+          <a:prstGeom prst="ellipse">
+            <a:avLst/>
+          </a:prstGeom>
+          <a:solidFill>
+            <a:schemeClr val="bg1"/>
+          </a:solidFill>
+          <a:ln>
+            <a:solidFill>
+              <a:schemeClr val="tx1"/>
+            </a:solidFill>
+          </a:ln>
+        </p:spPr>
+        <p:style>
+          <a:lnRef idx="2">
+            <a:schemeClr val="accent1">
+              <a:shade val="50000"/>
+            </a:schemeClr>
+          </a:lnRef>
+          <a:fillRef idx="1">
+            <a:schemeClr val="accent1"/>
+          </a:fillRef>
+          <a:effectRef idx="0">
+            <a:schemeClr val="accent1"/>
+          </a:effectRef>
+          <a:fontRef idx="minor">
+            <a:schemeClr val="lt1"/>
+          </a:fontRef>
+        </p:style>
+        <p:txBody>
+          <a:bodyPr rtlCol="0" anchor="ctr"/>
+          <a:lstStyle/>
+          <a:p>
+            <a:pPr algn="ctr"/>
+            <a:endParaRPr kumimoji="1" lang="ja-JP" altLang="en-US"/>
+          </a:p>
+        </p:txBody>
+      </p:sp>
+      <p:sp>
+        <p:nvSpPr>
+          <p:cNvPr id="7" name="テキスト ボックス 6"/>
+          <p:cNvSpPr txBox="1"/>
+          <p:nvPr/>
+        </p:nvSpPr>
+        <p:spPr>
+          <a:xfrm>
+            <a:off x="2446985" y="3472070"/>
+            <a:ext cx="4610637" cy="584775"/>
+          </a:xfrm>
+          <a:prstGeom prst="rect">
+            <a:avLst/>
+          </a:prstGeom>
+          <a:noFill/>
+        </p:spPr>
+        <p:txBody>
+          <a:bodyPr wrap="square" rtlCol="0">
+            <a:spAutoFit/>
+          </a:bodyPr>
+          <a:lstStyle/>
+          <a:p>
+            <a:r>
+              <a:rPr kumimoji="1" lang="ja-JP" altLang="en-US" sz="3200" b="1" dirty="0" smtClean="0">
+                <a:latin typeface="メイリオ" panose="020B0604030504040204" pitchFamily="50" charset="-128"/>
+                <a:ea typeface="メイリオ" panose="020B0604030504040204" pitchFamily="50" charset="-128"/>
+              </a:rPr>
+              <a:t>ベイズ線形回帰の強み</a:t>
+            </a:r>
+            <a:endParaRPr kumimoji="1" lang="ja-JP" altLang="en-US" sz="3200" b="1" dirty="0">
+              <a:latin typeface="メイリオ" panose="020B0604030504040204" pitchFamily="50" charset="-128"/>
+              <a:ea typeface="メイリオ" panose="020B0604030504040204" pitchFamily="50" charset="-128"/>
+            </a:endParaRPr>
+          </a:p>
+        </p:txBody>
+      </p:sp>
+      <p:sp>
+        <p:nvSpPr>
+          <p:cNvPr id="8" name="テキスト ボックス 7"/>
+          <p:cNvSpPr txBox="1"/>
+          <p:nvPr/>
+        </p:nvSpPr>
+        <p:spPr>
+          <a:xfrm>
+            <a:off x="1609860" y="4594591"/>
+            <a:ext cx="6671256" cy="584775"/>
+          </a:xfrm>
+          <a:prstGeom prst="rect">
+            <a:avLst/>
+          </a:prstGeom>
+          <a:noFill/>
+        </p:spPr>
+        <p:txBody>
+          <a:bodyPr wrap="square" rtlCol="0">
+            <a:spAutoFit/>
+          </a:bodyPr>
+          <a:lstStyle/>
+          <a:p>
+            <a:r>
+              <a:rPr kumimoji="1" lang="ja-JP" altLang="en-US" sz="3200" b="1" dirty="0" smtClean="0">
+                <a:latin typeface="メイリオ" panose="020B0604030504040204" pitchFamily="50" charset="-128"/>
+                <a:ea typeface="メイリオ" panose="020B0604030504040204" pitchFamily="50" charset="-128"/>
+              </a:rPr>
+              <a:t>ベイズにおけるモデル選択とは？</a:t>
+            </a:r>
+            <a:endParaRPr kumimoji="1" lang="ja-JP" altLang="en-US" sz="3200" b="1" dirty="0">
+              <a:latin typeface="メイリオ" panose="020B0604030504040204" pitchFamily="50" charset="-128"/>
+              <a:ea typeface="メイリオ" panose="020B0604030504040204" pitchFamily="50" charset="-128"/>
+            </a:endParaRPr>
+          </a:p>
+        </p:txBody>
+      </p:sp>
+    </p:spTree>
+    <p:extLst>
+      <p:ext uri="{BB962C8B-B14F-4D97-AF65-F5344CB8AC3E}">
+        <p14:creationId xmlns:p14="http://schemas.microsoft.com/office/powerpoint/2010/main" val="683855567"/>
+      </p:ext>
+    </p:extLst>
+  </p:cSld>
+  <p:clrMapOvr>
+    <a:masterClrMapping/>
+  </p:clrMapOvr>
+</p:sld>
+</file>
+
+<file path=ppt/slides/slide26.xml><?xml version="1.0" encoding="utf-8"?>
+<p:sld xmlns:a="http://schemas.openxmlformats.org/drawingml/2006/main" xmlns:r="http://schemas.openxmlformats.org/officeDocument/2006/relationships" xmlns:p="http://schemas.openxmlformats.org/presentationml/2006/main">
+  <p:cSld>
+    <p:spTree>
+      <p:nvGrpSpPr>
+        <p:cNvPr id="1" name=""/>
+        <p:cNvGrpSpPr/>
+        <p:nvPr/>
+      </p:nvGrpSpPr>
+      <p:grpSpPr>
+        <a:xfrm>
+          <a:off x="0" y="0"/>
+          <a:ext cx="0" cy="0"/>
+          <a:chOff x="0" y="0"/>
+          <a:chExt cx="0" cy="0"/>
+        </a:xfrm>
+      </p:grpSpPr>
+      <p:sp>
+        <p:nvSpPr>
+          <p:cNvPr id="2" name="テキスト ボックス 1"/>
+          <p:cNvSpPr txBox="1"/>
+          <p:nvPr/>
+        </p:nvSpPr>
+        <p:spPr>
+          <a:xfrm>
+            <a:off x="3561329" y="777705"/>
+            <a:ext cx="2047740" cy="584775"/>
+          </a:xfrm>
+          <a:prstGeom prst="rect">
+            <a:avLst/>
+          </a:prstGeom>
+          <a:noFill/>
+        </p:spPr>
+        <p:txBody>
+          <a:bodyPr wrap="square" rtlCol="0">
+            <a:spAutoFit/>
+          </a:bodyPr>
+          <a:lstStyle/>
+          <a:p>
+            <a:r>
+              <a:rPr kumimoji="1" lang="ja-JP" altLang="en-US" sz="3200" b="1" dirty="0" smtClean="0">
+                <a:latin typeface="メイリオ" panose="020B0604030504040204" pitchFamily="50" charset="-128"/>
+                <a:ea typeface="メイリオ" panose="020B0604030504040204" pitchFamily="50" charset="-128"/>
+              </a:rPr>
+              <a:t>問題設定</a:t>
+            </a:r>
+            <a:endParaRPr kumimoji="1" lang="ja-JP" altLang="en-US" sz="3200" b="1" dirty="0">
+              <a:latin typeface="メイリオ" panose="020B0604030504040204" pitchFamily="50" charset="-128"/>
+              <a:ea typeface="メイリオ" panose="020B0604030504040204" pitchFamily="50" charset="-128"/>
+            </a:endParaRPr>
+          </a:p>
+        </p:txBody>
+      </p:sp>
+      <mc:AlternateContent xmlns:mc="http://schemas.openxmlformats.org/markup-compatibility/2006">
+        <mc:Choice xmlns:a14="http://schemas.microsoft.com/office/drawing/2010/main" Requires="a14">
+          <p:sp>
+            <p:nvSpPr>
+              <p:cNvPr id="3" name="テキスト ボックス 2"/>
+              <p:cNvSpPr txBox="1"/>
+              <p:nvPr/>
+            </p:nvSpPr>
+            <p:spPr>
+              <a:xfrm>
+                <a:off x="476518" y="1682606"/>
+                <a:ext cx="8268236" cy="584775"/>
+              </a:xfrm>
+              <a:prstGeom prst="rect">
+                <a:avLst/>
+              </a:prstGeom>
+              <a:noFill/>
+            </p:spPr>
+            <p:txBody>
+              <a:bodyPr wrap="square" rtlCol="0">
+                <a:spAutoFit/>
+              </a:bodyPr>
+              <a:lstStyle/>
+              <a:p>
+                <a14:m>
+                  <m:oMath xmlns:m="http://schemas.openxmlformats.org/officeDocument/2006/math">
+                    <m:r>
+                      <a:rPr kumimoji="1" lang="en-US" altLang="ja-JP" sz="3200" b="0" i="1" smtClean="0">
+                        <a:latin typeface="Cambria Math" panose="02040503050406030204" pitchFamily="18" charset="0"/>
+                        <a:ea typeface="メイリオ" panose="020B0604030504040204" pitchFamily="50" charset="-128"/>
+                      </a:rPr>
+                      <m:t>𝐿</m:t>
+                    </m:r>
+                  </m:oMath>
+                </a14:m>
+                <a:r>
+                  <a:rPr kumimoji="1" lang="ja-JP" altLang="en-US" sz="3200" b="1" dirty="0" smtClean="0">
+                    <a:latin typeface="メイリオ" panose="020B0604030504040204" pitchFamily="50" charset="-128"/>
+                    <a:ea typeface="メイリオ" panose="020B0604030504040204" pitchFamily="50" charset="-128"/>
+                  </a:rPr>
+                  <a:t>個のモデル候補の中からモデルの事後分布</a:t>
+                </a:r>
+                <a:endParaRPr kumimoji="1" lang="ja-JP" altLang="en-US" sz="3200" b="1" dirty="0">
+                  <a:latin typeface="メイリオ" panose="020B0604030504040204" pitchFamily="50" charset="-128"/>
+                  <a:ea typeface="メイリオ" panose="020B0604030504040204" pitchFamily="50" charset="-128"/>
+                </a:endParaRPr>
+              </a:p>
+            </p:txBody>
+          </p:sp>
+        </mc:Choice>
+        <mc:Fallback>
+          <p:sp>
+            <p:nvSpPr>
+              <p:cNvPr id="3" name="テキスト ボックス 2"/>
+              <p:cNvSpPr txBox="1">
+                <a:spLocks noRot="1" noChangeAspect="1" noMove="1" noResize="1" noEditPoints="1" noAdjustHandles="1" noChangeArrowheads="1" noChangeShapeType="1" noTextEdit="1"/>
+              </p:cNvSpPr>
+              <p:nvPr/>
+            </p:nvSpPr>
+            <p:spPr>
+              <a:xfrm>
+                <a:off x="476518" y="1682606"/>
+                <a:ext cx="8268236" cy="584775"/>
+              </a:xfrm>
+              <a:prstGeom prst="rect">
+                <a:avLst/>
+              </a:prstGeom>
+              <a:blipFill rotWithShape="0">
+                <a:blip r:embed="rId2"/>
+                <a:stretch>
+                  <a:fillRect t="-12500" r="-442" b="-34375"/>
+                </a:stretch>
+              </a:blipFill>
+            </p:spPr>
+            <p:txBody>
+              <a:bodyPr/>
+              <a:lstStyle/>
+              <a:p>
+                <a:r>
+                  <a:rPr lang="ja-JP" altLang="en-US">
+                    <a:noFill/>
+                  </a:rPr>
+                  <a:t> </a:t>
+                </a:r>
+              </a:p>
+            </p:txBody>
+          </p:sp>
+        </mc:Fallback>
+      </mc:AlternateContent>
+      <p:pic>
+        <p:nvPicPr>
+          <p:cNvPr id="4098" name="Picture 2" descr="$p(\mathcal{M}_{i}|\mathcal{D})\propto p(\mathcal{M}_{i})p(\mathcal{D}|\mathcal{M}_{i})$">
+            <a:hlinkClick r:id="rId3"/>
+          </p:cNvPr>
+          <p:cNvPicPr>
+            <a:picLocks noChangeAspect="1" noChangeArrowheads="1"/>
+          </p:cNvPicPr>
+          <p:nvPr/>
+        </p:nvPicPr>
+        <p:blipFill>
+          <a:blip r:embed="rId4">
+            <a:extLst>
+              <a:ext uri="{28A0092B-C50C-407E-A947-70E740481C1C}">
+                <a14:useLocalDpi xmlns:a14="http://schemas.microsoft.com/office/drawing/2010/main" val="0"/>
+              </a:ext>
+            </a:extLst>
+          </a:blip>
+          <a:srcRect/>
+          <a:stretch>
+            <a:fillRect/>
+          </a:stretch>
+        </p:blipFill>
+        <p:spPr bwMode="auto">
+          <a:xfrm>
+            <a:off x="992702" y="2587507"/>
+            <a:ext cx="5137255" cy="448077"/>
+          </a:xfrm>
+          <a:prstGeom prst="rect">
+            <a:avLst/>
+          </a:prstGeom>
+          <a:noFill/>
+          <a:extLst>
+            <a:ext uri="{909E8E84-426E-40DD-AFC4-6F175D3DCCD1}">
+              <a14:hiddenFill xmlns:a14="http://schemas.microsoft.com/office/drawing/2010/main">
+                <a:solidFill>
+                  <a:srgbClr val="FFFFFF"/>
+                </a:solidFill>
+              </a14:hiddenFill>
+            </a:ext>
+          </a:extLst>
+        </p:spPr>
+      </p:pic>
+      <p:sp>
+        <p:nvSpPr>
+          <p:cNvPr id="4" name="テキスト ボックス 3"/>
+          <p:cNvSpPr txBox="1"/>
+          <p:nvPr/>
+        </p:nvSpPr>
+        <p:spPr>
+          <a:xfrm>
+            <a:off x="6413679" y="2519159"/>
+            <a:ext cx="1738647" cy="584775"/>
+          </a:xfrm>
+          <a:prstGeom prst="rect">
+            <a:avLst/>
+          </a:prstGeom>
+          <a:noFill/>
+        </p:spPr>
+        <p:txBody>
+          <a:bodyPr wrap="square" rtlCol="0">
+            <a:spAutoFit/>
+          </a:bodyPr>
+          <a:lstStyle/>
+          <a:p>
+            <a:r>
+              <a:rPr kumimoji="1" lang="en-US" altLang="ja-JP" sz="3200" b="1" dirty="0" smtClean="0">
+                <a:latin typeface="メイリオ" panose="020B0604030504040204" pitchFamily="50" charset="-128"/>
+                <a:ea typeface="メイリオ" panose="020B0604030504040204" pitchFamily="50" charset="-128"/>
+              </a:rPr>
+              <a:t>(3.66)</a:t>
+            </a:r>
+            <a:endParaRPr kumimoji="1" lang="ja-JP" altLang="en-US" sz="3200" b="1" dirty="0">
+              <a:latin typeface="メイリオ" panose="020B0604030504040204" pitchFamily="50" charset="-128"/>
+              <a:ea typeface="メイリオ" panose="020B0604030504040204" pitchFamily="50" charset="-128"/>
+            </a:endParaRPr>
+          </a:p>
+        </p:txBody>
+      </p:sp>
+      <p:sp>
+        <p:nvSpPr>
+          <p:cNvPr id="5" name="テキスト ボックス 4"/>
+          <p:cNvSpPr txBox="1"/>
+          <p:nvPr/>
+        </p:nvSpPr>
+        <p:spPr>
+          <a:xfrm>
+            <a:off x="476518" y="3567447"/>
+            <a:ext cx="8474299" cy="584775"/>
+          </a:xfrm>
+          <a:prstGeom prst="rect">
+            <a:avLst/>
+          </a:prstGeom>
+          <a:noFill/>
+        </p:spPr>
+        <p:txBody>
+          <a:bodyPr wrap="square" rtlCol="0">
+            <a:spAutoFit/>
+          </a:bodyPr>
+          <a:lstStyle/>
+          <a:p>
+            <a:r>
+              <a:rPr kumimoji="1" lang="ja-JP" altLang="en-US" sz="3200" b="1" dirty="0" err="1" smtClean="0">
+                <a:latin typeface="メイリオ" panose="020B0604030504040204" pitchFamily="50" charset="-128"/>
+                <a:ea typeface="メイリオ" panose="020B0604030504040204" pitchFamily="50" charset="-128"/>
+              </a:rPr>
+              <a:t>を評</a:t>
+            </a:r>
+            <a:r>
+              <a:rPr kumimoji="1" lang="ja-JP" altLang="en-US" sz="3200" b="1" dirty="0" smtClean="0">
+                <a:latin typeface="メイリオ" panose="020B0604030504040204" pitchFamily="50" charset="-128"/>
+                <a:ea typeface="メイリオ" panose="020B0604030504040204" pitchFamily="50" charset="-128"/>
+              </a:rPr>
+              <a:t>価し、モデルを１つ決める</a:t>
+            </a:r>
+            <a:r>
+              <a:rPr kumimoji="1" lang="en-US" altLang="ja-JP" sz="3200" b="1" dirty="0" smtClean="0">
+                <a:latin typeface="メイリオ" panose="020B0604030504040204" pitchFamily="50" charset="-128"/>
+                <a:ea typeface="メイリオ" panose="020B0604030504040204" pitchFamily="50" charset="-128"/>
+              </a:rPr>
+              <a:t>(</a:t>
+            </a:r>
+            <a:r>
+              <a:rPr kumimoji="1" lang="ja-JP" altLang="en-US" sz="3200" b="1" dirty="0" smtClean="0">
+                <a:latin typeface="メイリオ" panose="020B0604030504040204" pitchFamily="50" charset="-128"/>
+                <a:ea typeface="メイリオ" panose="020B0604030504040204" pitchFamily="50" charset="-128"/>
+              </a:rPr>
+              <a:t>モデル選択</a:t>
+            </a:r>
+            <a:r>
+              <a:rPr kumimoji="1" lang="en-US" altLang="ja-JP" sz="3200" b="1" dirty="0" smtClean="0">
+                <a:latin typeface="メイリオ" panose="020B0604030504040204" pitchFamily="50" charset="-128"/>
+                <a:ea typeface="メイリオ" panose="020B0604030504040204" pitchFamily="50" charset="-128"/>
+              </a:rPr>
+              <a:t>)</a:t>
+            </a:r>
+            <a:endParaRPr kumimoji="1" lang="ja-JP" altLang="en-US" sz="3200" b="1" dirty="0">
+              <a:latin typeface="メイリオ" panose="020B0604030504040204" pitchFamily="50" charset="-128"/>
+              <a:ea typeface="メイリオ" panose="020B0604030504040204" pitchFamily="50" charset="-128"/>
+            </a:endParaRPr>
+          </a:p>
+        </p:txBody>
+      </p:sp>
+      <p:pic>
+        <p:nvPicPr>
+          <p:cNvPr id="4100" name="Picture 4" descr="$p(\mathcal{D}|\mathcal{M}_{i})$">
+            <a:hlinkClick r:id="rId5"/>
+          </p:cNvPr>
+          <p:cNvPicPr>
+            <a:picLocks noChangeAspect="1" noChangeArrowheads="1"/>
+          </p:cNvPicPr>
+          <p:nvPr/>
+        </p:nvPicPr>
+        <p:blipFill>
+          <a:blip r:embed="rId6">
+            <a:extLst>
+              <a:ext uri="{28A0092B-C50C-407E-A947-70E740481C1C}">
+                <a14:useLocalDpi xmlns:a14="http://schemas.microsoft.com/office/drawing/2010/main" val="0"/>
+              </a:ext>
+            </a:extLst>
+          </a:blip>
+          <a:srcRect/>
+          <a:stretch>
+            <a:fillRect/>
+          </a:stretch>
+        </p:blipFill>
+        <p:spPr bwMode="auto">
+          <a:xfrm>
+            <a:off x="4559763" y="4946197"/>
+            <a:ext cx="1557315" cy="421161"/>
+          </a:xfrm>
+          <a:prstGeom prst="rect">
+            <a:avLst/>
+          </a:prstGeom>
+          <a:noFill/>
+          <a:extLst>
+            <a:ext uri="{909E8E84-426E-40DD-AFC4-6F175D3DCCD1}">
+              <a14:hiddenFill xmlns:a14="http://schemas.microsoft.com/office/drawing/2010/main">
+                <a:solidFill>
+                  <a:srgbClr val="FFFFFF"/>
+                </a:solidFill>
+              </a14:hiddenFill>
+            </a:ext>
+          </a:extLst>
+        </p:spPr>
+      </p:pic>
+      <p:sp>
+        <p:nvSpPr>
+          <p:cNvPr id="6" name="テキスト ボックス 5"/>
+          <p:cNvSpPr txBox="1"/>
+          <p:nvPr/>
+        </p:nvSpPr>
+        <p:spPr>
+          <a:xfrm>
+            <a:off x="682582" y="4915907"/>
+            <a:ext cx="6941712" cy="584775"/>
+          </a:xfrm>
+          <a:prstGeom prst="rect">
+            <a:avLst/>
+          </a:prstGeom>
+          <a:noFill/>
+        </p:spPr>
+        <p:txBody>
+          <a:bodyPr wrap="square" rtlCol="0">
+            <a:spAutoFit/>
+          </a:bodyPr>
+          <a:lstStyle/>
+          <a:p>
+            <a:r>
+              <a:rPr kumimoji="1" lang="ja-JP" altLang="en-US" sz="3200" b="1" dirty="0" smtClean="0">
+                <a:latin typeface="メイリオ" panose="020B0604030504040204" pitchFamily="50" charset="-128"/>
+                <a:ea typeface="メイリオ" panose="020B0604030504040204" pitchFamily="50" charset="-128"/>
+              </a:rPr>
+              <a:t>モデルエビデンス項 　　　　を</a:t>
+            </a:r>
+            <a:r>
+              <a:rPr lang="ja-JP" altLang="en-US" sz="3200" b="1" dirty="0" smtClean="0">
+                <a:latin typeface="メイリオ" panose="020B0604030504040204" pitchFamily="50" charset="-128"/>
+                <a:ea typeface="メイリオ" panose="020B0604030504040204" pitchFamily="50" charset="-128"/>
+              </a:rPr>
+              <a:t>比較</a:t>
+            </a:r>
+            <a:endParaRPr kumimoji="1" lang="ja-JP" altLang="en-US" sz="3200" b="1" dirty="0">
+              <a:latin typeface="メイリオ" panose="020B0604030504040204" pitchFamily="50" charset="-128"/>
+              <a:ea typeface="メイリオ" panose="020B0604030504040204" pitchFamily="50" charset="-128"/>
+            </a:endParaRPr>
+          </a:p>
+        </p:txBody>
+      </p:sp>
+      <p:sp>
+        <p:nvSpPr>
+          <p:cNvPr id="7" name="テキスト ボックス 6"/>
+          <p:cNvSpPr txBox="1"/>
+          <p:nvPr/>
+        </p:nvSpPr>
+        <p:spPr>
+          <a:xfrm>
+            <a:off x="682582" y="5632594"/>
+            <a:ext cx="7391444" cy="584775"/>
+          </a:xfrm>
+          <a:prstGeom prst="rect">
+            <a:avLst/>
+          </a:prstGeom>
+          <a:noFill/>
+        </p:spPr>
+        <p:txBody>
+          <a:bodyPr wrap="square" rtlCol="0">
+            <a:spAutoFit/>
+          </a:bodyPr>
+          <a:lstStyle/>
+          <a:p>
+            <a:r>
+              <a:rPr kumimoji="1" lang="en-US" altLang="ja-JP" sz="3200" b="1" dirty="0" smtClean="0">
+                <a:latin typeface="メイリオ" panose="020B0604030504040204" pitchFamily="50" charset="-128"/>
+                <a:ea typeface="メイリオ" panose="020B0604030504040204" pitchFamily="50" charset="-128"/>
+              </a:rPr>
+              <a:t>(</a:t>
+            </a:r>
+            <a:r>
+              <a:rPr kumimoji="1" lang="ja-JP" altLang="en-US" sz="3200" b="1" dirty="0" smtClean="0">
+                <a:latin typeface="メイリオ" panose="020B0604030504040204" pitchFamily="50" charset="-128"/>
+                <a:ea typeface="メイリオ" panose="020B0604030504040204" pitchFamily="50" charset="-128"/>
+              </a:rPr>
+              <a:t>事前分布は簡単のため等しいとする</a:t>
+            </a:r>
+            <a:r>
+              <a:rPr kumimoji="1" lang="en-US" altLang="ja-JP" sz="3200" b="1" dirty="0" smtClean="0">
+                <a:latin typeface="メイリオ" panose="020B0604030504040204" pitchFamily="50" charset="-128"/>
+                <a:ea typeface="メイリオ" panose="020B0604030504040204" pitchFamily="50" charset="-128"/>
+              </a:rPr>
+              <a:t>)</a:t>
+            </a:r>
+            <a:endParaRPr kumimoji="1" lang="ja-JP" altLang="en-US" sz="3200" b="1" dirty="0">
+              <a:latin typeface="メイリオ" panose="020B0604030504040204" pitchFamily="50" charset="-128"/>
+              <a:ea typeface="メイリオ" panose="020B0604030504040204" pitchFamily="50" charset="-128"/>
+            </a:endParaRPr>
+          </a:p>
+        </p:txBody>
+      </p:sp>
+      <p:sp>
+        <p:nvSpPr>
+          <p:cNvPr id="8" name="上矢印 7"/>
+          <p:cNvSpPr/>
+          <p:nvPr/>
+        </p:nvSpPr>
+        <p:spPr>
+          <a:xfrm rot="10800000">
+            <a:off x="3870583" y="4182512"/>
+            <a:ext cx="1378359" cy="570498"/>
+          </a:xfrm>
+          <a:prstGeom prst="upArrow">
+            <a:avLst/>
+          </a:prstGeom>
+          <a:solidFill>
+            <a:schemeClr val="bg1"/>
+          </a:solidFill>
+          <a:ln>
+            <a:solidFill>
+              <a:schemeClr val="tx1"/>
+            </a:solidFill>
+          </a:ln>
+        </p:spPr>
+        <p:style>
+          <a:lnRef idx="2">
+            <a:schemeClr val="accent1">
+              <a:shade val="50000"/>
+            </a:schemeClr>
+          </a:lnRef>
+          <a:fillRef idx="1">
+            <a:schemeClr val="accent1"/>
+          </a:fillRef>
+          <a:effectRef idx="0">
+            <a:schemeClr val="accent1"/>
+          </a:effectRef>
+          <a:fontRef idx="minor">
+            <a:schemeClr val="lt1"/>
+          </a:fontRef>
+        </p:style>
+        <p:txBody>
+          <a:bodyPr rtlCol="0" anchor="ctr"/>
+          <a:lstStyle/>
+          <a:p>
+            <a:pPr algn="ctr"/>
+            <a:endParaRPr kumimoji="1" lang="ja-JP" altLang="en-US"/>
+          </a:p>
+        </p:txBody>
+      </p:sp>
+    </p:spTree>
+    <p:extLst>
+      <p:ext uri="{BB962C8B-B14F-4D97-AF65-F5344CB8AC3E}">
+        <p14:creationId xmlns:p14="http://schemas.microsoft.com/office/powerpoint/2010/main" val="2297497668"/>
+      </p:ext>
+    </p:extLst>
+  </p:cSld>
+  <p:clrMapOvr>
+    <a:masterClrMapping/>
+  </p:clrMapOvr>
+</p:sld>
+</file>
+
+<file path=ppt/slides/slide27.xml><?xml version="1.0" encoding="utf-8"?>
+<p:sld xmlns:a="http://schemas.openxmlformats.org/drawingml/2006/main" xmlns:r="http://schemas.openxmlformats.org/officeDocument/2006/relationships" xmlns:p="http://schemas.openxmlformats.org/presentationml/2006/main">
+  <p:cSld>
+    <p:spTree>
+      <p:nvGrpSpPr>
+        <p:cNvPr id="1" name=""/>
+        <p:cNvGrpSpPr/>
+        <p:nvPr/>
+      </p:nvGrpSpPr>
+      <p:grpSpPr>
+        <a:xfrm>
+          <a:off x="0" y="0"/>
+          <a:ext cx="0" cy="0"/>
+          <a:chOff x="0" y="0"/>
+          <a:chExt cx="0" cy="0"/>
+        </a:xfrm>
+      </p:grpSpPr>
+      <p:sp>
+        <p:nvSpPr>
+          <p:cNvPr id="2" name="テキスト ボックス 1"/>
+          <p:cNvSpPr txBox="1"/>
+          <p:nvPr/>
+        </p:nvSpPr>
+        <p:spPr>
+          <a:xfrm>
+            <a:off x="1133339" y="862885"/>
+            <a:ext cx="7173534" cy="1077218"/>
+          </a:xfrm>
+          <a:prstGeom prst="rect">
+            <a:avLst/>
+          </a:prstGeom>
+          <a:noFill/>
+        </p:spPr>
+        <p:txBody>
+          <a:bodyPr wrap="square" rtlCol="0">
+            <a:spAutoFit/>
+          </a:bodyPr>
+          <a:lstStyle/>
+          <a:p>
+            <a:r>
+              <a:rPr kumimoji="1" lang="ja-JP" altLang="en-US" sz="3200" b="1" dirty="0" smtClean="0">
+                <a:latin typeface="メイリオ" panose="020B0604030504040204" pitchFamily="50" charset="-128"/>
+                <a:ea typeface="メイリオ" panose="020B0604030504040204" pitchFamily="50" charset="-128"/>
+              </a:rPr>
+              <a:t>モデルエビデンス </a:t>
+            </a:r>
+            <a:r>
+              <a:rPr kumimoji="1" lang="en-US" altLang="ja-JP" sz="3200" b="1" dirty="0" smtClean="0">
+                <a:latin typeface="メイリオ" panose="020B0604030504040204" pitchFamily="50" charset="-128"/>
+                <a:ea typeface="メイリオ" panose="020B0604030504040204" pitchFamily="50" charset="-128"/>
+              </a:rPr>
+              <a:t>= </a:t>
+            </a:r>
+            <a:r>
+              <a:rPr kumimoji="1" lang="ja-JP" altLang="en-US" sz="3200" b="1" dirty="0" smtClean="0">
+                <a:latin typeface="メイリオ" panose="020B0604030504040204" pitchFamily="50" charset="-128"/>
+                <a:ea typeface="メイリオ" panose="020B0604030504040204" pitchFamily="50" charset="-128"/>
+              </a:rPr>
+              <a:t>データから見た</a:t>
+            </a:r>
+            <a:endParaRPr kumimoji="1" lang="en-US" altLang="ja-JP" sz="3200" b="1" dirty="0" smtClean="0">
+              <a:latin typeface="メイリオ" panose="020B0604030504040204" pitchFamily="50" charset="-128"/>
+              <a:ea typeface="メイリオ" panose="020B0604030504040204" pitchFamily="50" charset="-128"/>
+            </a:endParaRPr>
+          </a:p>
+          <a:p>
+            <a:r>
+              <a:rPr lang="ja-JP" altLang="en-US" sz="3200" b="1" dirty="0">
+                <a:latin typeface="メイリオ" panose="020B0604030504040204" pitchFamily="50" charset="-128"/>
+                <a:ea typeface="メイリオ" panose="020B0604030504040204" pitchFamily="50" charset="-128"/>
+              </a:rPr>
+              <a:t>　</a:t>
+            </a:r>
+            <a:r>
+              <a:rPr lang="ja-JP" altLang="en-US" sz="3200" b="1" dirty="0" smtClean="0">
+                <a:latin typeface="メイリオ" panose="020B0604030504040204" pitchFamily="50" charset="-128"/>
+                <a:ea typeface="メイリオ" panose="020B0604030504040204" pitchFamily="50" charset="-128"/>
+              </a:rPr>
+              <a:t>　　　　　　　    </a:t>
+            </a:r>
+            <a:r>
+              <a:rPr kumimoji="1" lang="ja-JP" altLang="en-US" sz="3200" b="1" dirty="0" smtClean="0">
+                <a:latin typeface="メイリオ" panose="020B0604030504040204" pitchFamily="50" charset="-128"/>
+                <a:ea typeface="メイリオ" panose="020B0604030504040204" pitchFamily="50" charset="-128"/>
+              </a:rPr>
+              <a:t>モデルの好み</a:t>
+            </a:r>
+            <a:endParaRPr kumimoji="1" lang="ja-JP" altLang="en-US" sz="3200" b="1" dirty="0">
+              <a:latin typeface="メイリオ" panose="020B0604030504040204" pitchFamily="50" charset="-128"/>
+              <a:ea typeface="メイリオ" panose="020B0604030504040204" pitchFamily="50" charset="-128"/>
+            </a:endParaRPr>
+          </a:p>
+        </p:txBody>
+      </p:sp>
+      <p:sp>
+        <p:nvSpPr>
+          <p:cNvPr id="3" name="テキスト ボックス 2"/>
+          <p:cNvSpPr txBox="1"/>
+          <p:nvPr/>
+        </p:nvSpPr>
+        <p:spPr>
+          <a:xfrm>
+            <a:off x="450759" y="2472744"/>
+            <a:ext cx="8512935" cy="1569660"/>
+          </a:xfrm>
+          <a:prstGeom prst="rect">
+            <a:avLst/>
+          </a:prstGeom>
+          <a:noFill/>
+        </p:spPr>
+        <p:txBody>
+          <a:bodyPr wrap="square" rtlCol="0">
+            <a:spAutoFit/>
+          </a:bodyPr>
+          <a:lstStyle/>
+          <a:p>
+            <a:r>
+              <a:rPr kumimoji="1" lang="ja-JP" altLang="en-US" sz="3200" b="1" dirty="0" smtClean="0">
+                <a:latin typeface="メイリオ" panose="020B0604030504040204" pitchFamily="50" charset="-128"/>
+                <a:ea typeface="メイリオ" panose="020B0604030504040204" pitchFamily="50" charset="-128"/>
+              </a:rPr>
+              <a:t>モデルの事後分布がわかれば、</a:t>
+            </a:r>
+            <a:endParaRPr kumimoji="1" lang="en-US" altLang="ja-JP" sz="3200" b="1" dirty="0" smtClean="0">
+              <a:latin typeface="メイリオ" panose="020B0604030504040204" pitchFamily="50" charset="-128"/>
+              <a:ea typeface="メイリオ" panose="020B0604030504040204" pitchFamily="50" charset="-128"/>
+            </a:endParaRPr>
+          </a:p>
+          <a:p>
+            <a:r>
+              <a:rPr lang="ja-JP" altLang="en-US" sz="3200" b="1" dirty="0" smtClean="0">
+                <a:latin typeface="メイリオ" panose="020B0604030504040204" pitchFamily="50" charset="-128"/>
+                <a:ea typeface="メイリオ" panose="020B0604030504040204" pitchFamily="50" charset="-128"/>
+              </a:rPr>
+              <a:t>予測</a:t>
+            </a:r>
+            <a:r>
+              <a:rPr lang="ja-JP" altLang="en-US" sz="3200" b="1" dirty="0">
+                <a:latin typeface="メイリオ" panose="020B0604030504040204" pitchFamily="50" charset="-128"/>
+                <a:ea typeface="メイリオ" panose="020B0604030504040204" pitchFamily="50" charset="-128"/>
+              </a:rPr>
+              <a:t>分布</a:t>
+            </a:r>
+            <a:r>
+              <a:rPr lang="ja-JP" altLang="en-US" sz="3200" b="1" dirty="0" smtClean="0">
+                <a:latin typeface="メイリオ" panose="020B0604030504040204" pitchFamily="50" charset="-128"/>
+                <a:ea typeface="メイリオ" panose="020B0604030504040204" pitchFamily="50" charset="-128"/>
+              </a:rPr>
+              <a:t>が得られる</a:t>
+            </a:r>
+            <a:r>
+              <a:rPr lang="en-US" altLang="ja-JP" sz="3200" b="1" dirty="0" smtClean="0">
+                <a:latin typeface="メイリオ" panose="020B0604030504040204" pitchFamily="50" charset="-128"/>
+                <a:ea typeface="メイリオ" panose="020B0604030504040204" pitchFamily="50" charset="-128"/>
+              </a:rPr>
+              <a:t>(3.67)</a:t>
+            </a:r>
+          </a:p>
+          <a:p>
+            <a:r>
+              <a:rPr kumimoji="1" lang="ja-JP" altLang="en-US" sz="3200" b="1" dirty="0" smtClean="0">
+                <a:latin typeface="メイリオ" panose="020B0604030504040204" pitchFamily="50" charset="-128"/>
+                <a:ea typeface="メイリオ" panose="020B0604030504040204" pitchFamily="50" charset="-128"/>
+              </a:rPr>
+              <a:t>このときの予測分布は混合分布となっている</a:t>
+            </a:r>
+            <a:endParaRPr kumimoji="1" lang="ja-JP" altLang="en-US" sz="3200" b="1" dirty="0">
+              <a:latin typeface="メイリオ" panose="020B0604030504040204" pitchFamily="50" charset="-128"/>
+              <a:ea typeface="メイリオ" panose="020B0604030504040204" pitchFamily="50" charset="-128"/>
+            </a:endParaRPr>
+          </a:p>
+        </p:txBody>
+      </p:sp>
+    </p:spTree>
+    <p:extLst>
+      <p:ext uri="{BB962C8B-B14F-4D97-AF65-F5344CB8AC3E}">
+        <p14:creationId xmlns:p14="http://schemas.microsoft.com/office/powerpoint/2010/main" val="2924088460"/>
       </p:ext>
     </p:extLst>
   </p:cSld>

--- a/3章/PRML3章.pptx
+++ b/3章/PRML3章.pptx
@@ -5,36 +5,43 @@
     <p:sldMasterId id="2147483660" r:id="rId1"/>
   </p:sldMasterIdLst>
   <p:notesMasterIdLst>
-    <p:notesMasterId r:id="rId29"/>
+    <p:notesMasterId r:id="rId36"/>
   </p:notesMasterIdLst>
   <p:sldIdLst>
     <p:sldId id="256" r:id="rId2"/>
-    <p:sldId id="260" r:id="rId3"/>
-    <p:sldId id="261" r:id="rId4"/>
-    <p:sldId id="258" r:id="rId5"/>
-    <p:sldId id="270" r:id="rId6"/>
-    <p:sldId id="266" r:id="rId7"/>
-    <p:sldId id="259" r:id="rId8"/>
-    <p:sldId id="262" r:id="rId9"/>
-    <p:sldId id="269" r:id="rId10"/>
-    <p:sldId id="263" r:id="rId11"/>
-    <p:sldId id="265" r:id="rId12"/>
-    <p:sldId id="267" r:id="rId13"/>
-    <p:sldId id="268" r:id="rId14"/>
-    <p:sldId id="271" r:id="rId15"/>
-    <p:sldId id="272" r:id="rId16"/>
-    <p:sldId id="273" r:id="rId17"/>
-    <p:sldId id="274" r:id="rId18"/>
-    <p:sldId id="275" r:id="rId19"/>
-    <p:sldId id="276" r:id="rId20"/>
-    <p:sldId id="277" r:id="rId21"/>
-    <p:sldId id="278" r:id="rId22"/>
-    <p:sldId id="279" r:id="rId23"/>
-    <p:sldId id="280" r:id="rId24"/>
-    <p:sldId id="281" r:id="rId25"/>
-    <p:sldId id="282" r:id="rId26"/>
-    <p:sldId id="283" r:id="rId27"/>
-    <p:sldId id="284" r:id="rId28"/>
+    <p:sldId id="285" r:id="rId3"/>
+    <p:sldId id="260" r:id="rId4"/>
+    <p:sldId id="289" r:id="rId5"/>
+    <p:sldId id="290" r:id="rId6"/>
+    <p:sldId id="261" r:id="rId7"/>
+    <p:sldId id="258" r:id="rId8"/>
+    <p:sldId id="270" r:id="rId9"/>
+    <p:sldId id="266" r:id="rId10"/>
+    <p:sldId id="259" r:id="rId11"/>
+    <p:sldId id="262" r:id="rId12"/>
+    <p:sldId id="269" r:id="rId13"/>
+    <p:sldId id="263" r:id="rId14"/>
+    <p:sldId id="265" r:id="rId15"/>
+    <p:sldId id="288" r:id="rId16"/>
+    <p:sldId id="267" r:id="rId17"/>
+    <p:sldId id="268" r:id="rId18"/>
+    <p:sldId id="271" r:id="rId19"/>
+    <p:sldId id="272" r:id="rId20"/>
+    <p:sldId id="273" r:id="rId21"/>
+    <p:sldId id="287" r:id="rId22"/>
+    <p:sldId id="274" r:id="rId23"/>
+    <p:sldId id="275" r:id="rId24"/>
+    <p:sldId id="276" r:id="rId25"/>
+    <p:sldId id="277" r:id="rId26"/>
+    <p:sldId id="278" r:id="rId27"/>
+    <p:sldId id="279" r:id="rId28"/>
+    <p:sldId id="280" r:id="rId29"/>
+    <p:sldId id="281" r:id="rId30"/>
+    <p:sldId id="286" r:id="rId31"/>
+    <p:sldId id="282" r:id="rId32"/>
+    <p:sldId id="283" r:id="rId33"/>
+    <p:sldId id="284" r:id="rId34"/>
+    <p:sldId id="291" r:id="rId35"/>
   </p:sldIdLst>
   <p:sldSz cx="9144000" cy="6858000" type="screen4x3"/>
   <p:notesSz cx="6858000" cy="9144000"/>
@@ -223,7 +230,7 @@
           <a:p>
             <a:fld id="{2F5C9CA0-5B1C-4019-9CAE-C712A74B81F6}" type="datetimeFigureOut">
               <a:rPr kumimoji="1" lang="ja-JP" altLang="en-US" smtClean="0"/>
-              <a:t>2017/6/14</a:t>
+              <a:t>2017/6/19</a:t>
             </a:fld>
             <a:endParaRPr kumimoji="1" lang="ja-JP" altLang="en-US"/>
           </a:p>
@@ -588,7 +595,7 @@
           <a:p>
             <a:fld id="{C7B279C3-77DD-4431-9938-D9B20C7CABEF}" type="slidenum">
               <a:rPr kumimoji="1" lang="ja-JP" altLang="en-US" smtClean="0"/>
-              <a:t>17</a:t>
+              <a:t>22</a:t>
             </a:fld>
             <a:endParaRPr kumimoji="1" lang="ja-JP" altLang="en-US"/>
           </a:p>
@@ -738,7 +745,7 @@
           <a:p>
             <a:fld id="{08032E79-3937-4168-BC15-4516387E8D1F}" type="datetimeFigureOut">
               <a:rPr kumimoji="1" lang="ja-JP" altLang="en-US" smtClean="0"/>
-              <a:t>2017/6/14</a:t>
+              <a:t>2017/6/19</a:t>
             </a:fld>
             <a:endParaRPr kumimoji="1" lang="ja-JP" altLang="en-US"/>
           </a:p>
@@ -940,7 +947,7 @@
           <a:p>
             <a:fld id="{08032E79-3937-4168-BC15-4516387E8D1F}" type="datetimeFigureOut">
               <a:rPr kumimoji="1" lang="ja-JP" altLang="en-US" smtClean="0"/>
-              <a:t>2017/6/14</a:t>
+              <a:t>2017/6/19</a:t>
             </a:fld>
             <a:endParaRPr kumimoji="1" lang="ja-JP" altLang="en-US"/>
           </a:p>
@@ -1152,7 +1159,7 @@
           <a:p>
             <a:fld id="{08032E79-3937-4168-BC15-4516387E8D1F}" type="datetimeFigureOut">
               <a:rPr kumimoji="1" lang="ja-JP" altLang="en-US" smtClean="0"/>
-              <a:t>2017/6/14</a:t>
+              <a:t>2017/6/19</a:t>
             </a:fld>
             <a:endParaRPr kumimoji="1" lang="ja-JP" altLang="en-US"/>
           </a:p>
@@ -1354,7 +1361,7 @@
           <a:p>
             <a:fld id="{08032E79-3937-4168-BC15-4516387E8D1F}" type="datetimeFigureOut">
               <a:rPr kumimoji="1" lang="ja-JP" altLang="en-US" smtClean="0"/>
-              <a:t>2017/6/14</a:t>
+              <a:t>2017/6/19</a:t>
             </a:fld>
             <a:endParaRPr kumimoji="1" lang="ja-JP" altLang="en-US"/>
           </a:p>
@@ -1598,7 +1605,7 @@
           <a:p>
             <a:fld id="{08032E79-3937-4168-BC15-4516387E8D1F}" type="datetimeFigureOut">
               <a:rPr kumimoji="1" lang="ja-JP" altLang="en-US" smtClean="0"/>
-              <a:t>2017/6/14</a:t>
+              <a:t>2017/6/19</a:t>
             </a:fld>
             <a:endParaRPr kumimoji="1" lang="ja-JP" altLang="en-US"/>
           </a:p>
@@ -1894,7 +1901,7 @@
           <a:p>
             <a:fld id="{08032E79-3937-4168-BC15-4516387E8D1F}" type="datetimeFigureOut">
               <a:rPr kumimoji="1" lang="ja-JP" altLang="en-US" smtClean="0"/>
-              <a:t>2017/6/14</a:t>
+              <a:t>2017/6/19</a:t>
             </a:fld>
             <a:endParaRPr kumimoji="1" lang="ja-JP" altLang="en-US"/>
           </a:p>
@@ -2325,7 +2332,7 @@
           <a:p>
             <a:fld id="{08032E79-3937-4168-BC15-4516387E8D1F}" type="datetimeFigureOut">
               <a:rPr kumimoji="1" lang="ja-JP" altLang="en-US" smtClean="0"/>
-              <a:t>2017/6/14</a:t>
+              <a:t>2017/6/19</a:t>
             </a:fld>
             <a:endParaRPr kumimoji="1" lang="ja-JP" altLang="en-US"/>
           </a:p>
@@ -2443,7 +2450,7 @@
           <a:p>
             <a:fld id="{08032E79-3937-4168-BC15-4516387E8D1F}" type="datetimeFigureOut">
               <a:rPr kumimoji="1" lang="ja-JP" altLang="en-US" smtClean="0"/>
-              <a:t>2017/6/14</a:t>
+              <a:t>2017/6/19</a:t>
             </a:fld>
             <a:endParaRPr kumimoji="1" lang="ja-JP" altLang="en-US"/>
           </a:p>
@@ -2538,7 +2545,7 @@
           <a:p>
             <a:fld id="{08032E79-3937-4168-BC15-4516387E8D1F}" type="datetimeFigureOut">
               <a:rPr kumimoji="1" lang="ja-JP" altLang="en-US" smtClean="0"/>
-              <a:t>2017/6/14</a:t>
+              <a:t>2017/6/19</a:t>
             </a:fld>
             <a:endParaRPr kumimoji="1" lang="ja-JP" altLang="en-US"/>
           </a:p>
@@ -2847,7 +2854,7 @@
           <a:p>
             <a:fld id="{08032E79-3937-4168-BC15-4516387E8D1F}" type="datetimeFigureOut">
               <a:rPr kumimoji="1" lang="ja-JP" altLang="en-US" smtClean="0"/>
-              <a:t>2017/6/14</a:t>
+              <a:t>2017/6/19</a:t>
             </a:fld>
             <a:endParaRPr kumimoji="1" lang="ja-JP" altLang="en-US"/>
           </a:p>
@@ -3104,7 +3111,7 @@
           <a:p>
             <a:fld id="{08032E79-3937-4168-BC15-4516387E8D1F}" type="datetimeFigureOut">
               <a:rPr kumimoji="1" lang="ja-JP" altLang="en-US" smtClean="0"/>
-              <a:t>2017/6/14</a:t>
+              <a:t>2017/6/19</a:t>
             </a:fld>
             <a:endParaRPr kumimoji="1" lang="ja-JP" altLang="en-US"/>
           </a:p>
@@ -3349,7 +3356,7 @@
           <a:p>
             <a:fld id="{08032E79-3937-4168-BC15-4516387E8D1F}" type="datetimeFigureOut">
               <a:rPr kumimoji="1" lang="ja-JP" altLang="en-US" smtClean="0"/>
-              <a:t>2017/6/14</a:t>
+              <a:t>2017/6/19</a:t>
             </a:fld>
             <a:endParaRPr kumimoji="1" lang="ja-JP" altLang="en-US"/>
           </a:p>
@@ -3900,6 +3907,1641 @@
       </p:grpSpPr>
       <p:sp>
         <p:nvSpPr>
+          <p:cNvPr id="5" name="テキスト ボックス 4"/>
+          <p:cNvSpPr txBox="1"/>
+          <p:nvPr/>
+        </p:nvSpPr>
+        <p:spPr>
+          <a:xfrm>
+            <a:off x="265670" y="458632"/>
+            <a:ext cx="8955599" cy="584775"/>
+          </a:xfrm>
+          <a:prstGeom prst="rect">
+            <a:avLst/>
+          </a:prstGeom>
+          <a:noFill/>
+        </p:spPr>
+        <p:txBody>
+          <a:bodyPr wrap="square" rtlCol="0">
+            <a:spAutoFit/>
+          </a:bodyPr>
+          <a:lstStyle/>
+          <a:p>
+            <a:r>
+              <a:rPr lang="ja-JP" altLang="en-US" sz="3200" b="1" dirty="0" smtClean="0">
+                <a:latin typeface="メイリオ" panose="020B0604030504040204" pitchFamily="50" charset="-128"/>
+                <a:ea typeface="メイリオ" panose="020B0604030504040204" pitchFamily="50" charset="-128"/>
+              </a:rPr>
+              <a:t>目的</a:t>
+            </a:r>
+            <a:r>
+              <a:rPr lang="ja-JP" altLang="en-US" sz="3200" b="1" dirty="0">
+                <a:latin typeface="メイリオ" panose="020B0604030504040204" pitchFamily="50" charset="-128"/>
+                <a:ea typeface="メイリオ" panose="020B0604030504040204" pitchFamily="50" charset="-128"/>
+              </a:rPr>
+              <a:t>変数が１次元の</a:t>
+            </a:r>
+            <a:r>
+              <a:rPr lang="ja-JP" altLang="en-US" sz="3200" b="1" dirty="0" smtClean="0">
+                <a:latin typeface="メイリオ" panose="020B0604030504040204" pitchFamily="50" charset="-128"/>
+                <a:ea typeface="メイリオ" panose="020B0604030504040204" pitchFamily="50" charset="-128"/>
+              </a:rPr>
+              <a:t>場合</a:t>
+            </a:r>
+            <a:r>
+              <a:rPr lang="en-US" altLang="ja-JP" sz="3200" b="1" dirty="0" smtClean="0">
+                <a:latin typeface="メイリオ" panose="020B0604030504040204" pitchFamily="50" charset="-128"/>
+                <a:ea typeface="メイリオ" panose="020B0604030504040204" pitchFamily="50" charset="-128"/>
+              </a:rPr>
+              <a:t>(</a:t>
+            </a:r>
+            <a:r>
+              <a:rPr lang="ja-JP" altLang="en-US" sz="3200" b="1" dirty="0" smtClean="0">
+                <a:latin typeface="メイリオ" panose="020B0604030504040204" pitchFamily="50" charset="-128"/>
+                <a:ea typeface="メイリオ" panose="020B0604030504040204" pitchFamily="50" charset="-128"/>
+              </a:rPr>
+              <a:t>多次元の場合も同様</a:t>
+            </a:r>
+            <a:r>
+              <a:rPr lang="en-US" altLang="ja-JP" sz="3200" b="1" dirty="0" smtClean="0">
+                <a:latin typeface="メイリオ" panose="020B0604030504040204" pitchFamily="50" charset="-128"/>
+                <a:ea typeface="メイリオ" panose="020B0604030504040204" pitchFamily="50" charset="-128"/>
+              </a:rPr>
+              <a:t>)</a:t>
+            </a:r>
+            <a:endParaRPr lang="ja-JP" altLang="en-US" sz="3200" b="1" dirty="0">
+              <a:latin typeface="メイリオ" panose="020B0604030504040204" pitchFamily="50" charset="-128"/>
+              <a:ea typeface="メイリオ" panose="020B0604030504040204" pitchFamily="50" charset="-128"/>
+            </a:endParaRPr>
+          </a:p>
+        </p:txBody>
+      </p:sp>
+      <p:grpSp>
+        <p:nvGrpSpPr>
+          <p:cNvPr id="2" name="グループ化 1"/>
+          <p:cNvGrpSpPr/>
+          <p:nvPr/>
+        </p:nvGrpSpPr>
+        <p:grpSpPr>
+          <a:xfrm>
+            <a:off x="1468214" y="1130288"/>
+            <a:ext cx="6318464" cy="523220"/>
+            <a:chOff x="2094988" y="1256991"/>
+            <a:chExt cx="8424617" cy="697625"/>
+          </a:xfrm>
+        </p:grpSpPr>
+        <p:sp>
+          <p:nvSpPr>
+            <p:cNvPr id="6" name="テキスト ボックス 5"/>
+            <p:cNvSpPr txBox="1"/>
+            <p:nvPr/>
+          </p:nvSpPr>
+          <p:spPr>
+            <a:xfrm>
+              <a:off x="2094988" y="1256991"/>
+              <a:ext cx="7064477" cy="697625"/>
+            </a:xfrm>
+            <a:prstGeom prst="rect">
+              <a:avLst/>
+            </a:prstGeom>
+            <a:noFill/>
+          </p:spPr>
+          <p:txBody>
+            <a:bodyPr wrap="square" rtlCol="0">
+              <a:spAutoFit/>
+            </a:bodyPr>
+            <a:lstStyle/>
+            <a:p>
+              <a:r>
+                <a:rPr lang="ja-JP" altLang="en-US" sz="2800" b="1" dirty="0">
+                  <a:latin typeface="メイリオ" panose="020B0604030504040204" pitchFamily="50" charset="-128"/>
+                  <a:ea typeface="メイリオ" panose="020B0604030504040204" pitchFamily="50" charset="-128"/>
+                </a:rPr>
+                <a:t>データセット</a:t>
+              </a:r>
+            </a:p>
+          </p:txBody>
+        </p:sp>
+        <p:pic>
+          <p:nvPicPr>
+            <p:cNvPr id="2054" name="Picture 6" descr="$({\bf x}_{1},t_{1}),({\bf x}_{2},t_{2}),...,({\bf x}_{N},t_{N})$">
+              <a:hlinkClick r:id="rId2"/>
+            </p:cNvPr>
+            <p:cNvPicPr>
+              <a:picLocks noChangeAspect="1" noChangeArrowheads="1"/>
+            </p:cNvPicPr>
+            <p:nvPr/>
+          </p:nvPicPr>
+          <p:blipFill>
+            <a:blip r:embed="rId3">
+              <a:extLst>
+                <a:ext uri="{28A0092B-C50C-407E-A947-70E740481C1C}">
+                  <a14:useLocalDpi xmlns:a14="http://schemas.microsoft.com/office/drawing/2010/main" val="0"/>
+                </a:ext>
+              </a:extLst>
+            </a:blip>
+            <a:srcRect/>
+            <a:stretch>
+              <a:fillRect/>
+            </a:stretch>
+          </p:blipFill>
+          <p:spPr bwMode="auto">
+            <a:xfrm>
+              <a:off x="5197871" y="1313198"/>
+              <a:ext cx="5321734" cy="465111"/>
+            </a:xfrm>
+            <a:prstGeom prst="rect">
+              <a:avLst/>
+            </a:prstGeom>
+            <a:noFill/>
+            <a:extLst>
+              <a:ext uri="{909E8E84-426E-40DD-AFC4-6F175D3DCCD1}">
+                <a14:hiddenFill xmlns:a14="http://schemas.microsoft.com/office/drawing/2010/main">
+                  <a:solidFill>
+                    <a:srgbClr val="FFFFFF"/>
+                  </a:solidFill>
+                </a14:hiddenFill>
+              </a:ext>
+            </a:extLst>
+          </p:spPr>
+        </p:pic>
+      </p:grpSp>
+      <mc:AlternateContent xmlns:mc="http://schemas.openxmlformats.org/markup-compatibility/2006" xmlns:a14="http://schemas.microsoft.com/office/drawing/2010/main">
+        <mc:Choice Requires="a14">
+          <p:sp>
+            <p:nvSpPr>
+              <p:cNvPr id="7" name="テキスト ボックス 6"/>
+              <p:cNvSpPr txBox="1"/>
+              <p:nvPr/>
+            </p:nvSpPr>
+            <p:spPr>
+              <a:xfrm>
+                <a:off x="1436087" y="1647881"/>
+                <a:ext cx="6020778" cy="523220"/>
+              </a:xfrm>
+              <a:prstGeom prst="rect">
+                <a:avLst/>
+              </a:prstGeom>
+              <a:noFill/>
+            </p:spPr>
+            <p:txBody>
+              <a:bodyPr wrap="square" rtlCol="0">
+                <a:spAutoFit/>
+              </a:bodyPr>
+              <a:lstStyle/>
+              <a:p>
+                <a:r>
+                  <a:rPr lang="ja-JP" altLang="en-US" sz="2800" b="1" dirty="0">
+                    <a:latin typeface="メイリオ" panose="020B0604030504040204" pitchFamily="50" charset="-128"/>
+                    <a:ea typeface="メイリオ" panose="020B0604030504040204" pitchFamily="50" charset="-128"/>
+                  </a:rPr>
+                  <a:t>測定に際し、ガウスノイズ</a:t>
+                </a:r>
+                <a14:m>
+                  <m:oMath xmlns:m="http://schemas.openxmlformats.org/officeDocument/2006/math">
+                    <m:r>
+                      <a:rPr lang="ja-JP" altLang="en-US" sz="2800" b="1" i="1">
+                        <a:latin typeface="Cambria Math" panose="02040503050406030204" pitchFamily="18" charset="0"/>
+                        <a:ea typeface="メイリオ" panose="020B0604030504040204" pitchFamily="50" charset="-128"/>
+                      </a:rPr>
+                      <m:t>𝛜</m:t>
+                    </m:r>
+                  </m:oMath>
+                </a14:m>
+                <a:r>
+                  <a:rPr lang="ja-JP" altLang="en-US" sz="2800" b="1" dirty="0">
+                    <a:latin typeface="メイリオ" panose="020B0604030504040204" pitchFamily="50" charset="-128"/>
+                    <a:ea typeface="メイリオ" panose="020B0604030504040204" pitchFamily="50" charset="-128"/>
+                  </a:rPr>
+                  <a:t>が混入</a:t>
+                </a:r>
+                <a:endParaRPr lang="en-US" altLang="ja-JP" sz="2800" b="1" dirty="0">
+                  <a:latin typeface="メイリオ" panose="020B0604030504040204" pitchFamily="50" charset="-128"/>
+                  <a:ea typeface="メイリオ" panose="020B0604030504040204" pitchFamily="50" charset="-128"/>
+                </a:endParaRPr>
+              </a:p>
+            </p:txBody>
+          </p:sp>
+        </mc:Choice>
+        <mc:Fallback xmlns="">
+          <p:sp>
+            <p:nvSpPr>
+              <p:cNvPr id="7" name="テキスト ボックス 6"/>
+              <p:cNvSpPr txBox="1">
+                <a:spLocks noRot="1" noChangeAspect="1" noMove="1" noResize="1" noEditPoints="1" noAdjustHandles="1" noChangeArrowheads="1" noChangeShapeType="1" noTextEdit="1"/>
+              </p:cNvSpPr>
+              <p:nvPr/>
+            </p:nvSpPr>
+            <p:spPr>
+              <a:xfrm>
+                <a:off x="1436087" y="1647881"/>
+                <a:ext cx="6020778" cy="523220"/>
+              </a:xfrm>
+              <a:prstGeom prst="rect">
+                <a:avLst/>
+              </a:prstGeom>
+              <a:blipFill rotWithShape="0">
+                <a:blip r:embed="rId4"/>
+                <a:stretch>
+                  <a:fillRect l="-2128" t="-9302" b="-33721"/>
+                </a:stretch>
+              </a:blipFill>
+            </p:spPr>
+            <p:txBody>
+              <a:bodyPr/>
+              <a:lstStyle/>
+              <a:p>
+                <a:r>
+                  <a:rPr lang="ja-JP" altLang="en-US">
+                    <a:noFill/>
+                  </a:rPr>
+                  <a:t> </a:t>
+                </a:r>
+              </a:p>
+            </p:txBody>
+          </p:sp>
+        </mc:Fallback>
+      </mc:AlternateContent>
+      <p:pic>
+        <p:nvPicPr>
+          <p:cNvPr id="1032" name="Picture 8" descr="$t_{i}=y({\bf x}_{i},{\bf w})+\epsilon_{i}~~(i=1,2,...,N)$">
+            <a:hlinkClick r:id="rId5"/>
+          </p:cNvPr>
+          <p:cNvPicPr>
+            <a:picLocks noChangeAspect="1" noChangeArrowheads="1"/>
+          </p:cNvPicPr>
+          <p:nvPr/>
+        </p:nvPicPr>
+        <p:blipFill>
+          <a:blip r:embed="rId6">
+            <a:extLst>
+              <a:ext uri="{28A0092B-C50C-407E-A947-70E740481C1C}">
+                <a14:useLocalDpi xmlns:a14="http://schemas.microsoft.com/office/drawing/2010/main" val="0"/>
+              </a:ext>
+            </a:extLst>
+          </a:blip>
+          <a:srcRect/>
+          <a:stretch>
+            <a:fillRect/>
+          </a:stretch>
+        </p:blipFill>
+        <p:spPr bwMode="auto">
+          <a:xfrm>
+            <a:off x="1812682" y="2255628"/>
+            <a:ext cx="5175088" cy="370881"/>
+          </a:xfrm>
+          <a:prstGeom prst="rect">
+            <a:avLst/>
+          </a:prstGeom>
+          <a:noFill/>
+          <a:extLst>
+            <a:ext uri="{909E8E84-426E-40DD-AFC4-6F175D3DCCD1}">
+              <a14:hiddenFill xmlns:a14="http://schemas.microsoft.com/office/drawing/2010/main">
+                <a:solidFill>
+                  <a:srgbClr val="FFFFFF"/>
+                </a:solidFill>
+              </a14:hiddenFill>
+            </a:ext>
+          </a:extLst>
+        </p:spPr>
+      </p:pic>
+      <p:grpSp>
+        <p:nvGrpSpPr>
+          <p:cNvPr id="12" name="グループ化 11"/>
+          <p:cNvGrpSpPr/>
+          <p:nvPr/>
+        </p:nvGrpSpPr>
+        <p:grpSpPr>
+          <a:xfrm>
+            <a:off x="1091484" y="2638010"/>
+            <a:ext cx="8163590" cy="1145704"/>
+            <a:chOff x="1091484" y="3088775"/>
+            <a:chExt cx="8163590" cy="1145704"/>
+          </a:xfrm>
+        </p:grpSpPr>
+        <p:pic>
+          <p:nvPicPr>
+            <p:cNvPr id="1028" name="Picture 4" descr="$p(t_{i}|{\bf x}_{i},{\bf w},\beta)=\mathcal{N}(t_{i}|y({\bf x}_{i},{\bf w}),\beta^{-1})$">
+              <a:hlinkClick r:id="rId7"/>
+            </p:cNvPr>
+            <p:cNvPicPr>
+              <a:picLocks noChangeAspect="1" noChangeArrowheads="1"/>
+            </p:cNvPicPr>
+            <p:nvPr/>
+          </p:nvPicPr>
+          <p:blipFill>
+            <a:blip r:embed="rId8">
+              <a:extLst>
+                <a:ext uri="{28A0092B-C50C-407E-A947-70E740481C1C}">
+                  <a14:useLocalDpi xmlns:a14="http://schemas.microsoft.com/office/drawing/2010/main" val="0"/>
+                </a:ext>
+              </a:extLst>
+            </a:blip>
+            <a:srcRect/>
+            <a:stretch>
+              <a:fillRect/>
+            </a:stretch>
+          </p:blipFill>
+          <p:spPr bwMode="auto">
+            <a:xfrm>
+              <a:off x="1812682" y="3840828"/>
+              <a:ext cx="5293345" cy="393651"/>
+            </a:xfrm>
+            <a:prstGeom prst="rect">
+              <a:avLst/>
+            </a:prstGeom>
+            <a:noFill/>
+            <a:extLst>
+              <a:ext uri="{909E8E84-426E-40DD-AFC4-6F175D3DCCD1}">
+                <a14:hiddenFill xmlns:a14="http://schemas.microsoft.com/office/drawing/2010/main">
+                  <a:solidFill>
+                    <a:srgbClr val="FFFFFF"/>
+                  </a:solidFill>
+                </a14:hiddenFill>
+              </a:ext>
+            </a:extLst>
+          </p:spPr>
+        </p:pic>
+        <mc:AlternateContent xmlns:mc="http://schemas.openxmlformats.org/markup-compatibility/2006" xmlns:a14="http://schemas.microsoft.com/office/drawing/2010/main">
+          <mc:Choice Requires="a14">
+            <p:sp>
+              <p:nvSpPr>
+                <p:cNvPr id="3" name="テキスト ボックス 2"/>
+                <p:cNvSpPr txBox="1"/>
+                <p:nvPr/>
+              </p:nvSpPr>
+              <p:spPr>
+                <a:xfrm>
+                  <a:off x="1091484" y="3297796"/>
+                  <a:ext cx="5794995" cy="523220"/>
+                </a:xfrm>
+                <a:prstGeom prst="rect">
+                  <a:avLst/>
+                </a:prstGeom>
+                <a:noFill/>
+              </p:spPr>
+              <p:txBody>
+                <a:bodyPr wrap="square" rtlCol="0">
+                  <a:spAutoFit/>
+                </a:bodyPr>
+                <a:lstStyle/>
+                <a:p>
+                  <a:r>
+                    <a:rPr lang="ja-JP" altLang="en-US" sz="2800" b="1" dirty="0">
+                      <a:latin typeface="メイリオ" panose="020B0604030504040204" pitchFamily="50" charset="-128"/>
+                      <a:ea typeface="メイリオ" panose="020B0604030504040204" pitchFamily="50" charset="-128"/>
+                    </a:rPr>
+                    <a:t>→</a:t>
+                  </a:r>
+                  <a14:m>
+                    <m:oMath xmlns:m="http://schemas.openxmlformats.org/officeDocument/2006/math">
+                      <m:r>
+                        <a:rPr lang="en-US" altLang="ja-JP" sz="2800" b="1" i="1">
+                          <a:latin typeface="Cambria Math" panose="02040503050406030204" pitchFamily="18" charset="0"/>
+                          <a:ea typeface="メイリオ" panose="020B0604030504040204" pitchFamily="50" charset="-128"/>
+                        </a:rPr>
+                        <m:t>𝒊</m:t>
+                      </m:r>
+                    </m:oMath>
+                  </a14:m>
+                  <a:r>
+                    <a:rPr lang="ja-JP" altLang="en-US" sz="2800" b="1" dirty="0">
+                      <a:latin typeface="メイリオ" panose="020B0604030504040204" pitchFamily="50" charset="-128"/>
+                      <a:ea typeface="メイリオ" panose="020B0604030504040204" pitchFamily="50" charset="-128"/>
+                    </a:rPr>
+                    <a:t>番目のデータに対する尤度関数</a:t>
+                  </a:r>
+                </a:p>
+              </p:txBody>
+            </p:sp>
+          </mc:Choice>
+          <mc:Fallback xmlns="">
+            <p:sp>
+              <p:nvSpPr>
+                <p:cNvPr id="3" name="テキスト ボックス 2"/>
+                <p:cNvSpPr txBox="1">
+                  <a:spLocks noRot="1" noChangeAspect="1" noMove="1" noResize="1" noEditPoints="1" noAdjustHandles="1" noChangeArrowheads="1" noChangeShapeType="1" noTextEdit="1"/>
+                </p:cNvSpPr>
+                <p:nvPr/>
+              </p:nvSpPr>
+              <p:spPr>
+                <a:xfrm>
+                  <a:off x="1091484" y="3297796"/>
+                  <a:ext cx="5794995" cy="523220"/>
+                </a:xfrm>
+                <a:prstGeom prst="rect">
+                  <a:avLst/>
+                </a:prstGeom>
+                <a:blipFill rotWithShape="0">
+                  <a:blip r:embed="rId9"/>
+                  <a:stretch>
+                    <a:fillRect l="-2103" t="-10588" b="-35294"/>
+                  </a:stretch>
+                </a:blipFill>
+              </p:spPr>
+              <p:txBody>
+                <a:bodyPr/>
+                <a:lstStyle/>
+                <a:p>
+                  <a:r>
+                    <a:rPr lang="ja-JP" altLang="en-US">
+                      <a:noFill/>
+                    </a:rPr>
+                    <a:t> </a:t>
+                  </a:r>
+                </a:p>
+              </p:txBody>
+            </p:sp>
+          </mc:Fallback>
+        </mc:AlternateContent>
+        <mc:AlternateContent xmlns:mc="http://schemas.openxmlformats.org/markup-compatibility/2006" xmlns:a14="http://schemas.microsoft.com/office/drawing/2010/main">
+          <mc:Choice Requires="a14">
+            <p:sp>
+              <p:nvSpPr>
+                <p:cNvPr id="4" name="テキスト ボックス 3"/>
+                <p:cNvSpPr txBox="1"/>
+                <p:nvPr/>
+              </p:nvSpPr>
+              <p:spPr>
+                <a:xfrm>
+                  <a:off x="6743540" y="3149097"/>
+                  <a:ext cx="2511534" cy="646331"/>
+                </a:xfrm>
+                <a:prstGeom prst="rect">
+                  <a:avLst/>
+                </a:prstGeom>
+                <a:noFill/>
+              </p:spPr>
+              <p:txBody>
+                <a:bodyPr wrap="square" rtlCol="0">
+                  <a:spAutoFit/>
+                </a:bodyPr>
+                <a:lstStyle/>
+                <a:p>
+                  <a14:m>
+                    <m:oMath xmlns:m="http://schemas.openxmlformats.org/officeDocument/2006/math">
+                      <m:r>
+                        <a:rPr lang="en-US" altLang="ja-JP" i="1">
+                          <a:solidFill>
+                            <a:schemeClr val="tx2"/>
+                          </a:solidFill>
+                          <a:latin typeface="Cambria Math" panose="02040503050406030204" pitchFamily="18" charset="0"/>
+                          <a:ea typeface="メイリオ" panose="020B0604030504040204" pitchFamily="50" charset="-128"/>
+                        </a:rPr>
+                        <m:t>𝛽</m:t>
+                      </m:r>
+                    </m:oMath>
+                  </a14:m>
+                  <a:r>
+                    <a:rPr lang="ja-JP" altLang="en-US" b="1" dirty="0">
+                      <a:solidFill>
+                        <a:schemeClr val="tx2"/>
+                      </a:solidFill>
+                      <a:latin typeface="メイリオ" panose="020B0604030504040204" pitchFamily="50" charset="-128"/>
+                      <a:ea typeface="メイリオ" panose="020B0604030504040204" pitchFamily="50" charset="-128"/>
+                    </a:rPr>
+                    <a:t>は精度</a:t>
+                  </a:r>
+                  <a:r>
+                    <a:rPr lang="en-US" altLang="ja-JP" b="1" dirty="0">
+                      <a:solidFill>
+                        <a:schemeClr val="tx2"/>
+                      </a:solidFill>
+                      <a:latin typeface="メイリオ" panose="020B0604030504040204" pitchFamily="50" charset="-128"/>
+                      <a:ea typeface="メイリオ" panose="020B0604030504040204" pitchFamily="50" charset="-128"/>
+                    </a:rPr>
+                    <a:t>(</a:t>
+                  </a:r>
+                  <a:r>
+                    <a:rPr lang="ja-JP" altLang="en-US" b="1" dirty="0">
+                      <a:solidFill>
+                        <a:schemeClr val="tx2"/>
+                      </a:solidFill>
+                      <a:latin typeface="メイリオ" panose="020B0604030504040204" pitchFamily="50" charset="-128"/>
+                      <a:ea typeface="メイリオ" panose="020B0604030504040204" pitchFamily="50" charset="-128"/>
+                    </a:rPr>
+                    <a:t>分散の逆数</a:t>
+                  </a:r>
+                  <a:r>
+                    <a:rPr lang="en-US" altLang="ja-JP" b="1" dirty="0">
+                      <a:solidFill>
+                        <a:schemeClr val="tx2"/>
+                      </a:solidFill>
+                      <a:latin typeface="メイリオ" panose="020B0604030504040204" pitchFamily="50" charset="-128"/>
+                      <a:ea typeface="メイリオ" panose="020B0604030504040204" pitchFamily="50" charset="-128"/>
+                    </a:rPr>
+                    <a:t>)</a:t>
+                  </a:r>
+                </a:p>
+                <a:p>
+                  <a:r>
+                    <a:rPr lang="ja-JP" altLang="en-US" b="1" dirty="0">
+                      <a:solidFill>
+                        <a:schemeClr val="tx2"/>
+                      </a:solidFill>
+                      <a:latin typeface="メイリオ" panose="020B0604030504040204" pitchFamily="50" charset="-128"/>
+                      <a:ea typeface="メイリオ" panose="020B0604030504040204" pitchFamily="50" charset="-128"/>
+                    </a:rPr>
+                    <a:t>尤度関数は</a:t>
+                  </a:r>
+                  <a14:m>
+                    <m:oMath xmlns:m="http://schemas.openxmlformats.org/officeDocument/2006/math">
+                      <m:r>
+                        <a:rPr lang="en-US" altLang="ja-JP" b="1">
+                          <a:solidFill>
+                            <a:schemeClr val="tx2"/>
+                          </a:solidFill>
+                          <a:latin typeface="Cambria Math" panose="02040503050406030204" pitchFamily="18" charset="0"/>
+                          <a:ea typeface="メイリオ" panose="020B0604030504040204" pitchFamily="50" charset="-128"/>
+                        </a:rPr>
+                        <m:t>𝐰</m:t>
+                      </m:r>
+                    </m:oMath>
+                  </a14:m>
+                  <a:r>
+                    <a:rPr lang="ja-JP" altLang="en-US" b="1" dirty="0">
+                      <a:solidFill>
+                        <a:schemeClr val="tx2"/>
+                      </a:solidFill>
+                      <a:latin typeface="メイリオ" panose="020B0604030504040204" pitchFamily="50" charset="-128"/>
+                      <a:ea typeface="メイリオ" panose="020B0604030504040204" pitchFamily="50" charset="-128"/>
+                    </a:rPr>
+                    <a:t>の関数</a:t>
+                  </a:r>
+                  <a:endParaRPr lang="en-US" altLang="ja-JP" b="1" dirty="0">
+                    <a:solidFill>
+                      <a:schemeClr val="tx2"/>
+                    </a:solidFill>
+                    <a:latin typeface="メイリオ" panose="020B0604030504040204" pitchFamily="50" charset="-128"/>
+                    <a:ea typeface="メイリオ" panose="020B0604030504040204" pitchFamily="50" charset="-128"/>
+                  </a:endParaRPr>
+                </a:p>
+              </p:txBody>
+            </p:sp>
+          </mc:Choice>
+          <mc:Fallback xmlns="">
+            <p:sp>
+              <p:nvSpPr>
+                <p:cNvPr id="4" name="テキスト ボックス 3"/>
+                <p:cNvSpPr txBox="1">
+                  <a:spLocks noRot="1" noChangeAspect="1" noMove="1" noResize="1" noEditPoints="1" noAdjustHandles="1" noChangeArrowheads="1" noChangeShapeType="1" noTextEdit="1"/>
+                </p:cNvSpPr>
+                <p:nvPr/>
+              </p:nvSpPr>
+              <p:spPr>
+                <a:xfrm>
+                  <a:off x="6743540" y="3149097"/>
+                  <a:ext cx="2511534" cy="646331"/>
+                </a:xfrm>
+                <a:prstGeom prst="rect">
+                  <a:avLst/>
+                </a:prstGeom>
+                <a:blipFill rotWithShape="0">
+                  <a:blip r:embed="rId10"/>
+                  <a:stretch>
+                    <a:fillRect l="-1942" t="-2830" b="-16038"/>
+                  </a:stretch>
+                </a:blipFill>
+              </p:spPr>
+              <p:txBody>
+                <a:bodyPr/>
+                <a:lstStyle/>
+                <a:p>
+                  <a:r>
+                    <a:rPr lang="ja-JP" altLang="en-US">
+                      <a:noFill/>
+                    </a:rPr>
+                    <a:t> </a:t>
+                  </a:r>
+                </a:p>
+              </p:txBody>
+            </p:sp>
+          </mc:Fallback>
+        </mc:AlternateContent>
+        <p:sp>
+          <p:nvSpPr>
+            <p:cNvPr id="8" name="四角形吹き出し 7"/>
+            <p:cNvSpPr/>
+            <p:nvPr/>
+          </p:nvSpPr>
+          <p:spPr>
+            <a:xfrm>
+              <a:off x="6761404" y="3088775"/>
+              <a:ext cx="2279562" cy="677922"/>
+            </a:xfrm>
+            <a:prstGeom prst="wedgeRectCallout">
+              <a:avLst>
+                <a:gd name="adj1" fmla="val -32645"/>
+                <a:gd name="adj2" fmla="val 63316"/>
+              </a:avLst>
+            </a:prstGeom>
+            <a:noFill/>
+            <a:ln>
+              <a:solidFill>
+                <a:schemeClr val="tx2"/>
+              </a:solidFill>
+            </a:ln>
+          </p:spPr>
+          <p:style>
+            <a:lnRef idx="2">
+              <a:schemeClr val="accent1">
+                <a:shade val="50000"/>
+              </a:schemeClr>
+            </a:lnRef>
+            <a:fillRef idx="1">
+              <a:schemeClr val="accent1"/>
+            </a:fillRef>
+            <a:effectRef idx="0">
+              <a:schemeClr val="accent1"/>
+            </a:effectRef>
+            <a:fontRef idx="minor">
+              <a:schemeClr val="lt1"/>
+            </a:fontRef>
+          </p:style>
+          <p:txBody>
+            <a:bodyPr rtlCol="0" anchor="ctr"/>
+            <a:lstStyle/>
+            <a:p>
+              <a:pPr algn="ctr"/>
+              <a:endParaRPr lang="ja-JP" altLang="en-US" sz="1350"/>
+            </a:p>
+          </p:txBody>
+        </p:sp>
+      </p:grpSp>
+      <p:grpSp>
+        <p:nvGrpSpPr>
+          <p:cNvPr id="14" name="グループ化 13"/>
+          <p:cNvGrpSpPr/>
+          <p:nvPr/>
+        </p:nvGrpSpPr>
+        <p:grpSpPr>
+          <a:xfrm>
+            <a:off x="549010" y="4200390"/>
+            <a:ext cx="7976806" cy="1420594"/>
+            <a:chOff x="744890" y="4178488"/>
+            <a:chExt cx="10635741" cy="1894124"/>
+          </a:xfrm>
+        </p:grpSpPr>
+        <p:pic>
+          <p:nvPicPr>
+            <p:cNvPr id="1034" name="Picture 10" descr="$p({\bf t}|{\bf x},{\bf w},\beta)=\prod_{n=1}^{N} \mathcal{N}(t_{n}|y({\bf x}_{n},{\bf w}),\beta^{-1})$">
+              <a:hlinkClick r:id="rId11"/>
+            </p:cNvPr>
+            <p:cNvPicPr>
+              <a:picLocks noChangeAspect="1" noChangeArrowheads="1"/>
+            </p:cNvPicPr>
+            <p:nvPr/>
+          </p:nvPicPr>
+          <p:blipFill>
+            <a:blip r:embed="rId12">
+              <a:extLst>
+                <a:ext uri="{28A0092B-C50C-407E-A947-70E740481C1C}">
+                  <a14:useLocalDpi xmlns:a14="http://schemas.microsoft.com/office/drawing/2010/main" val="0"/>
+                </a:ext>
+              </a:extLst>
+            </a:blip>
+            <a:srcRect/>
+            <a:stretch>
+              <a:fillRect/>
+            </a:stretch>
+          </p:blipFill>
+          <p:spPr bwMode="auto">
+            <a:xfrm>
+              <a:off x="1028233" y="4973173"/>
+              <a:ext cx="10232198" cy="766509"/>
+            </a:xfrm>
+            <a:prstGeom prst="rect">
+              <a:avLst/>
+            </a:prstGeom>
+            <a:noFill/>
+            <a:extLst>
+              <a:ext uri="{909E8E84-426E-40DD-AFC4-6F175D3DCCD1}">
+                <a14:hiddenFill xmlns:a14="http://schemas.microsoft.com/office/drawing/2010/main">
+                  <a:solidFill>
+                    <a:srgbClr val="FFFFFF"/>
+                  </a:solidFill>
+                </a14:hiddenFill>
+              </a:ext>
+            </a:extLst>
+          </p:spPr>
+        </p:pic>
+        <p:sp>
+          <p:nvSpPr>
+            <p:cNvPr id="11" name="正方形/長方形 10"/>
+            <p:cNvSpPr/>
+            <p:nvPr/>
+          </p:nvSpPr>
+          <p:spPr>
+            <a:xfrm>
+              <a:off x="744890" y="4427107"/>
+              <a:ext cx="10635741" cy="1645505"/>
+            </a:xfrm>
+            <a:prstGeom prst="rect">
+              <a:avLst/>
+            </a:prstGeom>
+            <a:noFill/>
+            <a:ln w="19050">
+              <a:solidFill>
+                <a:schemeClr val="tx1"/>
+              </a:solidFill>
+            </a:ln>
+          </p:spPr>
+          <p:style>
+            <a:lnRef idx="2">
+              <a:schemeClr val="accent1">
+                <a:shade val="50000"/>
+              </a:schemeClr>
+            </a:lnRef>
+            <a:fillRef idx="1">
+              <a:schemeClr val="accent1"/>
+            </a:fillRef>
+            <a:effectRef idx="0">
+              <a:schemeClr val="accent1"/>
+            </a:effectRef>
+            <a:fontRef idx="minor">
+              <a:schemeClr val="lt1"/>
+            </a:fontRef>
+          </p:style>
+          <p:txBody>
+            <a:bodyPr rtlCol="0" anchor="ctr"/>
+            <a:lstStyle/>
+            <a:p>
+              <a:pPr algn="ctr"/>
+              <a:endParaRPr lang="ja-JP" altLang="en-US" sz="1350"/>
+            </a:p>
+          </p:txBody>
+        </p:sp>
+        <p:sp>
+          <p:nvSpPr>
+            <p:cNvPr id="13" name="正方形/長方形 12"/>
+            <p:cNvSpPr/>
+            <p:nvPr/>
+          </p:nvSpPr>
+          <p:spPr>
+            <a:xfrm>
+              <a:off x="1256691" y="4203568"/>
+              <a:ext cx="9574441" cy="499300"/>
+            </a:xfrm>
+            <a:prstGeom prst="rect">
+              <a:avLst/>
+            </a:prstGeom>
+            <a:solidFill>
+              <a:schemeClr val="bg1"/>
+            </a:solidFill>
+            <a:ln>
+              <a:solidFill>
+                <a:schemeClr val="bg1"/>
+              </a:solidFill>
+            </a:ln>
+          </p:spPr>
+          <p:style>
+            <a:lnRef idx="2">
+              <a:schemeClr val="accent1">
+                <a:shade val="50000"/>
+              </a:schemeClr>
+            </a:lnRef>
+            <a:fillRef idx="1">
+              <a:schemeClr val="accent1"/>
+            </a:fillRef>
+            <a:effectRef idx="0">
+              <a:schemeClr val="accent1"/>
+            </a:effectRef>
+            <a:fontRef idx="minor">
+              <a:schemeClr val="lt1"/>
+            </a:fontRef>
+          </p:style>
+          <p:txBody>
+            <a:bodyPr rtlCol="0" anchor="ctr"/>
+            <a:lstStyle/>
+            <a:p>
+              <a:pPr algn="ctr"/>
+              <a:endParaRPr lang="ja-JP" altLang="en-US" sz="1350"/>
+            </a:p>
+          </p:txBody>
+        </p:sp>
+        <p:sp>
+          <p:nvSpPr>
+            <p:cNvPr id="21" name="テキスト ボックス 20"/>
+            <p:cNvSpPr txBox="1"/>
+            <p:nvPr/>
+          </p:nvSpPr>
+          <p:spPr>
+            <a:xfrm>
+              <a:off x="1273864" y="4178488"/>
+              <a:ext cx="9751380" cy="615553"/>
+            </a:xfrm>
+            <a:prstGeom prst="rect">
+              <a:avLst/>
+            </a:prstGeom>
+            <a:noFill/>
+          </p:spPr>
+          <p:txBody>
+            <a:bodyPr wrap="square" rtlCol="0">
+              <a:spAutoFit/>
+            </a:bodyPr>
+            <a:lstStyle/>
+            <a:p>
+              <a:r>
+                <a:rPr lang="ja-JP" altLang="en-US" sz="2400" b="1" dirty="0">
+                  <a:latin typeface="メイリオ" panose="020B0604030504040204" pitchFamily="50" charset="-128"/>
+                  <a:ea typeface="メイリオ" panose="020B0604030504040204" pitchFamily="50" charset="-128"/>
+                </a:rPr>
+                <a:t>以上から、データ集合に対する尤度関数が得られる</a:t>
+              </a:r>
+            </a:p>
+          </p:txBody>
+        </p:sp>
+      </p:grpSp>
+      <p:sp>
+        <p:nvSpPr>
+          <p:cNvPr id="10" name="テキスト ボックス 9"/>
+          <p:cNvSpPr txBox="1"/>
+          <p:nvPr/>
+        </p:nvSpPr>
+        <p:spPr>
+          <a:xfrm>
+            <a:off x="25755" y="6014431"/>
+            <a:ext cx="9177803" cy="461665"/>
+          </a:xfrm>
+          <a:prstGeom prst="rect">
+            <a:avLst/>
+          </a:prstGeom>
+          <a:noFill/>
+        </p:spPr>
+        <p:txBody>
+          <a:bodyPr wrap="square" rtlCol="0">
+            <a:spAutoFit/>
+          </a:bodyPr>
+          <a:lstStyle/>
+          <a:p>
+            <a:r>
+              <a:rPr kumimoji="1" lang="en-US" altLang="ja-JP" sz="2400" b="1" dirty="0" smtClean="0">
+                <a:latin typeface="メイリオ" panose="020B0604030504040204" pitchFamily="50" charset="-128"/>
+                <a:ea typeface="メイリオ" panose="020B0604030504040204" pitchFamily="50" charset="-128"/>
+              </a:rPr>
+              <a:t>(</a:t>
+            </a:r>
+            <a:r>
+              <a:rPr kumimoji="1" lang="ja-JP" altLang="en-US" sz="2400" b="1" dirty="0" smtClean="0">
+                <a:latin typeface="メイリオ" panose="020B0604030504040204" pitchFamily="50" charset="-128"/>
+                <a:ea typeface="メイリオ" panose="020B0604030504040204" pitchFamily="50" charset="-128"/>
+              </a:rPr>
+              <a:t>復習</a:t>
+            </a:r>
+            <a:r>
+              <a:rPr kumimoji="1" lang="en-US" altLang="ja-JP" sz="2400" b="1" dirty="0" smtClean="0">
+                <a:latin typeface="メイリオ" panose="020B0604030504040204" pitchFamily="50" charset="-128"/>
+                <a:ea typeface="メイリオ" panose="020B0604030504040204" pitchFamily="50" charset="-128"/>
+              </a:rPr>
+              <a:t>)MLE</a:t>
+            </a:r>
+            <a:r>
+              <a:rPr kumimoji="1" lang="ja-JP" altLang="en-US" sz="2400" b="1" dirty="0" smtClean="0">
+                <a:latin typeface="メイリオ" panose="020B0604030504040204" pitchFamily="50" charset="-128"/>
+                <a:ea typeface="メイリオ" panose="020B0604030504040204" pitchFamily="50" charset="-128"/>
+              </a:rPr>
+              <a:t>は、尤度関数が最大となるパラメータを推定量とする</a:t>
+            </a:r>
+            <a:endParaRPr kumimoji="1" lang="ja-JP" altLang="en-US" sz="2400" b="1" dirty="0">
+              <a:latin typeface="メイリオ" panose="020B0604030504040204" pitchFamily="50" charset="-128"/>
+              <a:ea typeface="メイリオ" panose="020B0604030504040204" pitchFamily="50" charset="-128"/>
+            </a:endParaRPr>
+          </a:p>
+        </p:txBody>
+      </p:sp>
+    </p:spTree>
+    <p:extLst>
+      <p:ext uri="{BB962C8B-B14F-4D97-AF65-F5344CB8AC3E}">
+        <p14:creationId xmlns:p14="http://schemas.microsoft.com/office/powerpoint/2010/main" val="3653209938"/>
+      </p:ext>
+    </p:extLst>
+  </p:cSld>
+  <p:clrMapOvr>
+    <a:masterClrMapping/>
+  </p:clrMapOvr>
+  <p:timing>
+    <p:tnLst>
+      <p:par>
+        <p:cTn id="1" dur="indefinite" restart="never" nodeType="tmRoot"/>
+      </p:par>
+    </p:tnLst>
+  </p:timing>
+</p:sld>
+</file>
+
+<file path=ppt/slides/slide11.xml><?xml version="1.0" encoding="utf-8"?>
+<p:sld xmlns:a="http://schemas.openxmlformats.org/drawingml/2006/main" xmlns:r="http://schemas.openxmlformats.org/officeDocument/2006/relationships" xmlns:p="http://schemas.openxmlformats.org/presentationml/2006/main">
+  <p:cSld>
+    <p:spTree>
+      <p:nvGrpSpPr>
+        <p:cNvPr id="1" name=""/>
+        <p:cNvGrpSpPr/>
+        <p:nvPr/>
+      </p:nvGrpSpPr>
+      <p:grpSpPr>
+        <a:xfrm>
+          <a:off x="0" y="0"/>
+          <a:ext cx="0" cy="0"/>
+          <a:chOff x="0" y="0"/>
+          <a:chExt cx="0" cy="0"/>
+        </a:xfrm>
+      </p:grpSpPr>
+      <p:sp>
+        <p:nvSpPr>
+          <p:cNvPr id="2" name="テキスト ボックス 1"/>
+          <p:cNvSpPr txBox="1"/>
+          <p:nvPr/>
+        </p:nvSpPr>
+        <p:spPr>
+          <a:xfrm>
+            <a:off x="786383" y="1141973"/>
+            <a:ext cx="7923726" cy="1077218"/>
+          </a:xfrm>
+          <a:prstGeom prst="rect">
+            <a:avLst/>
+          </a:prstGeom>
+          <a:noFill/>
+        </p:spPr>
+        <p:txBody>
+          <a:bodyPr wrap="square" rtlCol="0">
+            <a:spAutoFit/>
+          </a:bodyPr>
+          <a:lstStyle/>
+          <a:p>
+            <a:r>
+              <a:rPr lang="ja-JP" altLang="en-US" sz="3200" b="1" dirty="0" smtClean="0">
+                <a:latin typeface="メイリオ" panose="020B0604030504040204" pitchFamily="50" charset="-128"/>
+                <a:ea typeface="メイリオ" panose="020B0604030504040204" pitchFamily="50" charset="-128"/>
+              </a:rPr>
+              <a:t>計算</a:t>
+            </a:r>
+            <a:r>
+              <a:rPr lang="ja-JP" altLang="en-US" sz="3200" b="1" dirty="0">
+                <a:latin typeface="メイリオ" panose="020B0604030504040204" pitchFamily="50" charset="-128"/>
+                <a:ea typeface="メイリオ" panose="020B0604030504040204" pitchFamily="50" charset="-128"/>
+              </a:rPr>
+              <a:t>の簡略化のため</a:t>
+            </a:r>
+            <a:r>
+              <a:rPr lang="ja-JP" altLang="en-US" sz="3200" b="1" dirty="0" smtClean="0">
+                <a:latin typeface="メイリオ" panose="020B0604030504040204" pitchFamily="50" charset="-128"/>
+                <a:ea typeface="メイリオ" panose="020B0604030504040204" pitchFamily="50" charset="-128"/>
+              </a:rPr>
+              <a:t>、</a:t>
+            </a:r>
+            <a:endParaRPr lang="en-US" altLang="ja-JP" sz="3200" b="1" dirty="0" smtClean="0">
+              <a:latin typeface="メイリオ" panose="020B0604030504040204" pitchFamily="50" charset="-128"/>
+              <a:ea typeface="メイリオ" panose="020B0604030504040204" pitchFamily="50" charset="-128"/>
+            </a:endParaRPr>
+          </a:p>
+          <a:p>
+            <a:r>
+              <a:rPr lang="ja-JP" altLang="en-US" sz="3200" b="1" dirty="0" smtClean="0">
+                <a:latin typeface="メイリオ" panose="020B0604030504040204" pitchFamily="50" charset="-128"/>
+                <a:ea typeface="メイリオ" panose="020B0604030504040204" pitchFamily="50" charset="-128"/>
+              </a:rPr>
+              <a:t>対数尤度</a:t>
+            </a:r>
+            <a:r>
+              <a:rPr lang="ja-JP" altLang="en-US" sz="3200" b="1" dirty="0">
+                <a:latin typeface="メイリオ" panose="020B0604030504040204" pitchFamily="50" charset="-128"/>
+                <a:ea typeface="メイリオ" panose="020B0604030504040204" pitchFamily="50" charset="-128"/>
+              </a:rPr>
+              <a:t>関数</a:t>
+            </a:r>
+            <a:r>
+              <a:rPr lang="ja-JP" altLang="en-US" sz="3200" b="1" dirty="0" smtClean="0">
+                <a:latin typeface="メイリオ" panose="020B0604030504040204" pitchFamily="50" charset="-128"/>
+                <a:ea typeface="メイリオ" panose="020B0604030504040204" pitchFamily="50" charset="-128"/>
+              </a:rPr>
+              <a:t>を最大化</a:t>
+            </a:r>
+            <a:r>
+              <a:rPr lang="ja-JP" altLang="en-US" sz="3200" b="1" dirty="0">
+                <a:latin typeface="メイリオ" panose="020B0604030504040204" pitchFamily="50" charset="-128"/>
+                <a:ea typeface="メイリオ" panose="020B0604030504040204" pitchFamily="50" charset="-128"/>
+              </a:rPr>
+              <a:t>することを考える</a:t>
+            </a:r>
+          </a:p>
+        </p:txBody>
+      </p:sp>
+      <p:pic>
+        <p:nvPicPr>
+          <p:cNvPr id="2050" name="Picture 2" descr="$\ln p({\bf t}|{\bf x},{\bf w},\beta)=-\beta E_{D}({\bf w})+const$">
+            <a:hlinkClick r:id="rId2"/>
+          </p:cNvPr>
+          <p:cNvPicPr>
+            <a:picLocks noChangeAspect="1" noChangeArrowheads="1"/>
+          </p:cNvPicPr>
+          <p:nvPr/>
+        </p:nvPicPr>
+        <p:blipFill>
+          <a:blip r:embed="rId3">
+            <a:extLst>
+              <a:ext uri="{28A0092B-C50C-407E-A947-70E740481C1C}">
+                <a14:useLocalDpi xmlns:a14="http://schemas.microsoft.com/office/drawing/2010/main" val="0"/>
+              </a:ext>
+            </a:extLst>
+          </a:blip>
+          <a:srcRect/>
+          <a:stretch>
+            <a:fillRect/>
+          </a:stretch>
+        </p:blipFill>
+        <p:spPr bwMode="auto">
+          <a:xfrm>
+            <a:off x="877573" y="2378265"/>
+            <a:ext cx="7286596" cy="493423"/>
+          </a:xfrm>
+          <a:prstGeom prst="rect">
+            <a:avLst/>
+          </a:prstGeom>
+          <a:noFill/>
+          <a:extLst>
+            <a:ext uri="{909E8E84-426E-40DD-AFC4-6F175D3DCCD1}">
+              <a14:hiddenFill xmlns:a14="http://schemas.microsoft.com/office/drawing/2010/main">
+                <a:solidFill>
+                  <a:srgbClr val="FFFFFF"/>
+                </a:solidFill>
+              </a14:hiddenFill>
+            </a:ext>
+          </a:extLst>
+        </p:spPr>
+      </p:pic>
+      <p:pic>
+        <p:nvPicPr>
+          <p:cNvPr id="2052" name="Picture 4" descr="$E_{D}({\bf w})=\frac{1}{2}\sum_{n=1}^{N}\{t_{n}-{\bf w}^{\mathrm{T}}\phi({\bf x}_{n})\}^2$">
+            <a:hlinkClick r:id="rId4"/>
+          </p:cNvPr>
+          <p:cNvPicPr>
+            <a:picLocks noChangeAspect="1" noChangeArrowheads="1"/>
+          </p:cNvPicPr>
+          <p:nvPr/>
+        </p:nvPicPr>
+        <p:blipFill>
+          <a:blip r:embed="rId5">
+            <a:extLst>
+              <a:ext uri="{28A0092B-C50C-407E-A947-70E740481C1C}">
+                <a14:useLocalDpi xmlns:a14="http://schemas.microsoft.com/office/drawing/2010/main" val="0"/>
+              </a:ext>
+            </a:extLst>
+          </a:blip>
+          <a:srcRect/>
+          <a:stretch>
+            <a:fillRect/>
+          </a:stretch>
+        </p:blipFill>
+        <p:spPr bwMode="auto">
+          <a:xfrm>
+            <a:off x="2228398" y="3193960"/>
+            <a:ext cx="6337916" cy="548953"/>
+          </a:xfrm>
+          <a:prstGeom prst="rect">
+            <a:avLst/>
+          </a:prstGeom>
+          <a:noFill/>
+          <a:extLst>
+            <a:ext uri="{909E8E84-426E-40DD-AFC4-6F175D3DCCD1}">
+              <a14:hiddenFill xmlns:a14="http://schemas.microsoft.com/office/drawing/2010/main">
+                <a:solidFill>
+                  <a:srgbClr val="FFFFFF"/>
+                </a:solidFill>
+              </a14:hiddenFill>
+            </a:ext>
+          </a:extLst>
+        </p:spPr>
+      </p:pic>
+      <p:sp>
+        <p:nvSpPr>
+          <p:cNvPr id="3" name="テキスト ボックス 2"/>
+          <p:cNvSpPr txBox="1"/>
+          <p:nvPr/>
+        </p:nvSpPr>
+        <p:spPr>
+          <a:xfrm>
+            <a:off x="1065883" y="3327415"/>
+            <a:ext cx="1062507" cy="415498"/>
+          </a:xfrm>
+          <a:prstGeom prst="rect">
+            <a:avLst/>
+          </a:prstGeom>
+          <a:noFill/>
+        </p:spPr>
+        <p:txBody>
+          <a:bodyPr wrap="square" rtlCol="0">
+            <a:spAutoFit/>
+          </a:bodyPr>
+          <a:lstStyle/>
+          <a:p>
+            <a:r>
+              <a:rPr lang="ja-JP" altLang="en-US" sz="2100" b="1" dirty="0">
+                <a:latin typeface="メイリオ" panose="020B0604030504040204" pitchFamily="50" charset="-128"/>
+                <a:ea typeface="メイリオ" panose="020B0604030504040204" pitchFamily="50" charset="-128"/>
+              </a:rPr>
+              <a:t>ただし</a:t>
+            </a:r>
+          </a:p>
+        </p:txBody>
+      </p:sp>
+      <p:sp>
+        <p:nvSpPr>
+          <p:cNvPr id="4" name="テキスト ボックス 3"/>
+          <p:cNvSpPr txBox="1"/>
+          <p:nvPr/>
+        </p:nvSpPr>
+        <p:spPr>
+          <a:xfrm>
+            <a:off x="477287" y="4220044"/>
+            <a:ext cx="8589437" cy="584775"/>
+          </a:xfrm>
+          <a:prstGeom prst="rect">
+            <a:avLst/>
+          </a:prstGeom>
+          <a:noFill/>
+        </p:spPr>
+        <p:txBody>
+          <a:bodyPr wrap="square" rtlCol="0">
+            <a:spAutoFit/>
+          </a:bodyPr>
+          <a:lstStyle/>
+          <a:p>
+            <a:r>
+              <a:rPr lang="ja-JP" altLang="en-US" sz="3200" b="1" dirty="0">
+                <a:latin typeface="メイリオ" panose="020B0604030504040204" pitchFamily="50" charset="-128"/>
+                <a:ea typeface="メイリオ" panose="020B0604030504040204" pitchFamily="50" charset="-128"/>
+              </a:rPr>
+              <a:t>→</a:t>
+            </a:r>
+            <a:r>
+              <a:rPr lang="en-US" altLang="ja-JP" sz="3200" b="1" dirty="0">
+                <a:latin typeface="メイリオ" panose="020B0604030504040204" pitchFamily="50" charset="-128"/>
+                <a:ea typeface="メイリオ" panose="020B0604030504040204" pitchFamily="50" charset="-128"/>
+              </a:rPr>
+              <a:t>(</a:t>
+            </a:r>
+            <a:r>
+              <a:rPr lang="ja-JP" altLang="en-US" sz="3200" b="1" dirty="0">
+                <a:latin typeface="メイリオ" panose="020B0604030504040204" pitchFamily="50" charset="-128"/>
+                <a:ea typeface="メイリオ" panose="020B0604030504040204" pitchFamily="50" charset="-128"/>
+              </a:rPr>
+              <a:t>復習</a:t>
+            </a:r>
+            <a:r>
+              <a:rPr lang="en-US" altLang="ja-JP" sz="3200" b="1" dirty="0">
+                <a:latin typeface="メイリオ" panose="020B0604030504040204" pitchFamily="50" charset="-128"/>
+                <a:ea typeface="メイリオ" panose="020B0604030504040204" pitchFamily="50" charset="-128"/>
+              </a:rPr>
+              <a:t>)</a:t>
+            </a:r>
+            <a:r>
+              <a:rPr lang="ja-JP" altLang="en-US" sz="3200" b="1" dirty="0">
+                <a:latin typeface="メイリオ" panose="020B0604030504040204" pitchFamily="50" charset="-128"/>
+                <a:ea typeface="メイリオ" panose="020B0604030504040204" pitchFamily="50" charset="-128"/>
+              </a:rPr>
+              <a:t>ガウスノイズの下で、</a:t>
+            </a:r>
+            <a:r>
+              <a:rPr lang="en-US" altLang="ja-JP" sz="3200" b="1" dirty="0">
+                <a:latin typeface="メイリオ" panose="020B0604030504040204" pitchFamily="50" charset="-128"/>
+                <a:ea typeface="メイリオ" panose="020B0604030504040204" pitchFamily="50" charset="-128"/>
+              </a:rPr>
+              <a:t>MLE=LSM</a:t>
+            </a:r>
+            <a:endParaRPr lang="ja-JP" altLang="en-US" sz="3200" b="1" dirty="0">
+              <a:latin typeface="メイリオ" panose="020B0604030504040204" pitchFamily="50" charset="-128"/>
+              <a:ea typeface="メイリオ" panose="020B0604030504040204" pitchFamily="50" charset="-128"/>
+            </a:endParaRPr>
+          </a:p>
+        </p:txBody>
+      </p:sp>
+      <p:sp>
+        <p:nvSpPr>
+          <p:cNvPr id="5" name="テキスト ボックス 4"/>
+          <p:cNvSpPr txBox="1"/>
+          <p:nvPr/>
+        </p:nvSpPr>
+        <p:spPr>
+          <a:xfrm>
+            <a:off x="1341302" y="5281950"/>
+            <a:ext cx="6813887" cy="461665"/>
+          </a:xfrm>
+          <a:prstGeom prst="rect">
+            <a:avLst/>
+          </a:prstGeom>
+          <a:noFill/>
+        </p:spPr>
+        <p:txBody>
+          <a:bodyPr wrap="square" rtlCol="0">
+            <a:spAutoFit/>
+          </a:bodyPr>
+          <a:lstStyle/>
+          <a:p>
+            <a:r>
+              <a:rPr lang="ja-JP" altLang="en-US" sz="2400" b="1" dirty="0">
+                <a:latin typeface="メイリオ" panose="020B0604030504040204" pitchFamily="50" charset="-128"/>
+                <a:ea typeface="メイリオ" panose="020B0604030504040204" pitchFamily="50" charset="-128"/>
+              </a:rPr>
+              <a:t>実際に最尤推定量を計算してみる</a:t>
+            </a:r>
+            <a:r>
+              <a:rPr lang="en-US" altLang="ja-JP" sz="2400" b="1" dirty="0">
+                <a:latin typeface="メイリオ" panose="020B0604030504040204" pitchFamily="50" charset="-128"/>
+                <a:ea typeface="メイリオ" panose="020B0604030504040204" pitchFamily="50" charset="-128"/>
+              </a:rPr>
+              <a:t>(</a:t>
+            </a:r>
+            <a:r>
+              <a:rPr lang="ja-JP" altLang="en-US" sz="2400" b="1" dirty="0">
+                <a:latin typeface="メイリオ" panose="020B0604030504040204" pitchFamily="50" charset="-128"/>
+                <a:ea typeface="メイリオ" panose="020B0604030504040204" pitchFamily="50" charset="-128"/>
+              </a:rPr>
+              <a:t>計算ノート</a:t>
+            </a:r>
+            <a:r>
+              <a:rPr lang="en-US" altLang="ja-JP" sz="2400" b="1" dirty="0">
+                <a:latin typeface="メイリオ" panose="020B0604030504040204" pitchFamily="50" charset="-128"/>
+                <a:ea typeface="メイリオ" panose="020B0604030504040204" pitchFamily="50" charset="-128"/>
+              </a:rPr>
+              <a:t>)</a:t>
+            </a:r>
+          </a:p>
+        </p:txBody>
+      </p:sp>
+    </p:spTree>
+    <p:extLst>
+      <p:ext uri="{BB962C8B-B14F-4D97-AF65-F5344CB8AC3E}">
+        <p14:creationId xmlns:p14="http://schemas.microsoft.com/office/powerpoint/2010/main" val="138978357"/>
+      </p:ext>
+    </p:extLst>
+  </p:cSld>
+  <p:clrMapOvr>
+    <a:masterClrMapping/>
+  </p:clrMapOvr>
+  <p:timing>
+    <p:tnLst>
+      <p:par>
+        <p:cTn id="1" dur="indefinite" restart="never" nodeType="tmRoot"/>
+      </p:par>
+    </p:tnLst>
+  </p:timing>
+</p:sld>
+</file>
+
+<file path=ppt/slides/slide12.xml><?xml version="1.0" encoding="utf-8"?>
+<p:sld xmlns:a="http://schemas.openxmlformats.org/drawingml/2006/main" xmlns:r="http://schemas.openxmlformats.org/officeDocument/2006/relationships" xmlns:p="http://schemas.openxmlformats.org/presentationml/2006/main">
+  <p:cSld>
+    <p:spTree>
+      <p:nvGrpSpPr>
+        <p:cNvPr id="1" name=""/>
+        <p:cNvGrpSpPr/>
+        <p:nvPr/>
+      </p:nvGrpSpPr>
+      <p:grpSpPr>
+        <a:xfrm>
+          <a:off x="0" y="0"/>
+          <a:ext cx="0" cy="0"/>
+          <a:chOff x="0" y="0"/>
+          <a:chExt cx="0" cy="0"/>
+        </a:xfrm>
+      </p:grpSpPr>
+      <p:sp>
+        <p:nvSpPr>
+          <p:cNvPr id="2" name="テキスト ボックス 1"/>
+          <p:cNvSpPr txBox="1"/>
+          <p:nvPr/>
+        </p:nvSpPr>
+        <p:spPr>
+          <a:xfrm>
+            <a:off x="811366" y="231820"/>
+            <a:ext cx="7894754" cy="523220"/>
+          </a:xfrm>
+          <a:prstGeom prst="rect">
+            <a:avLst/>
+          </a:prstGeom>
+          <a:noFill/>
+        </p:spPr>
+        <p:txBody>
+          <a:bodyPr wrap="square" rtlCol="0">
+            <a:spAutoFit/>
+          </a:bodyPr>
+          <a:lstStyle/>
+          <a:p>
+            <a:r>
+              <a:rPr kumimoji="1" lang="ja-JP" altLang="en-US" sz="2800" b="1" dirty="0" smtClean="0">
+                <a:latin typeface="メイリオ" panose="020B0604030504040204" pitchFamily="50" charset="-128"/>
+                <a:ea typeface="メイリオ" panose="020B0604030504040204" pitchFamily="50" charset="-128"/>
+              </a:rPr>
+              <a:t>最小二乗法の幾何学的な解釈を考える</a:t>
+            </a:r>
+            <a:r>
+              <a:rPr kumimoji="1" lang="en-US" altLang="ja-JP" sz="2800" b="1" dirty="0" smtClean="0">
+                <a:latin typeface="メイリオ" panose="020B0604030504040204" pitchFamily="50" charset="-128"/>
+                <a:ea typeface="メイリオ" panose="020B0604030504040204" pitchFamily="50" charset="-128"/>
+              </a:rPr>
+              <a:t>(N&gt;M)</a:t>
+            </a:r>
+            <a:endParaRPr kumimoji="1" lang="ja-JP" altLang="en-US" sz="2800" b="1" dirty="0">
+              <a:latin typeface="メイリオ" panose="020B0604030504040204" pitchFamily="50" charset="-128"/>
+              <a:ea typeface="メイリオ" panose="020B0604030504040204" pitchFamily="50" charset="-128"/>
+            </a:endParaRPr>
+          </a:p>
+        </p:txBody>
+      </p:sp>
+      <p:grpSp>
+        <p:nvGrpSpPr>
+          <p:cNvPr id="4" name="グループ化 3"/>
+          <p:cNvGrpSpPr/>
+          <p:nvPr/>
+        </p:nvGrpSpPr>
+        <p:grpSpPr>
+          <a:xfrm>
+            <a:off x="763205" y="890572"/>
+            <a:ext cx="7981552" cy="854797"/>
+            <a:chOff x="531383" y="1689061"/>
+            <a:chExt cx="7981552" cy="854797"/>
+          </a:xfrm>
+        </p:grpSpPr>
+        <p:pic>
+          <p:nvPicPr>
+            <p:cNvPr id="1026" name="Picture 2" descr="$\xi = (\xi_{1},...,\xi_{N})^{\mathrm{T}}$">
+              <a:hlinkClick r:id="rId2"/>
+            </p:cNvPr>
+            <p:cNvPicPr>
+              <a:picLocks noChangeAspect="1" noChangeArrowheads="1"/>
+            </p:cNvPicPr>
+            <p:nvPr/>
+          </p:nvPicPr>
+          <p:blipFill>
+            <a:blip r:embed="rId3">
+              <a:extLst>
+                <a:ext uri="{28A0092B-C50C-407E-A947-70E740481C1C}">
+                  <a14:useLocalDpi xmlns:a14="http://schemas.microsoft.com/office/drawing/2010/main" val="0"/>
+                </a:ext>
+              </a:extLst>
+            </a:blip>
+            <a:srcRect/>
+            <a:stretch>
+              <a:fillRect/>
+            </a:stretch>
+          </p:blipFill>
+          <p:spPr bwMode="auto">
+            <a:xfrm>
+              <a:off x="3738222" y="1689061"/>
+              <a:ext cx="2701215" cy="439298"/>
+            </a:xfrm>
+            <a:prstGeom prst="rect">
+              <a:avLst/>
+            </a:prstGeom>
+            <a:noFill/>
+            <a:extLst>
+              <a:ext uri="{909E8E84-426E-40DD-AFC4-6F175D3DCCD1}">
+                <a14:hiddenFill xmlns:a14="http://schemas.microsoft.com/office/drawing/2010/main">
+                  <a:solidFill>
+                    <a:srgbClr val="FFFFFF"/>
+                  </a:solidFill>
+                </a14:hiddenFill>
+              </a:ext>
+            </a:extLst>
+          </p:spPr>
+        </p:pic>
+        <p:sp>
+          <p:nvSpPr>
+            <p:cNvPr id="3" name="テキスト ボックス 2"/>
+            <p:cNvSpPr txBox="1"/>
+            <p:nvPr/>
+          </p:nvSpPr>
+          <p:spPr>
+            <a:xfrm>
+              <a:off x="531383" y="1712861"/>
+              <a:ext cx="7981552" cy="830997"/>
+            </a:xfrm>
+            <a:prstGeom prst="rect">
+              <a:avLst/>
+            </a:prstGeom>
+            <a:noFill/>
+          </p:spPr>
+          <p:txBody>
+            <a:bodyPr wrap="square" rtlCol="0">
+              <a:spAutoFit/>
+            </a:bodyPr>
+            <a:lstStyle/>
+            <a:p>
+              <a:r>
+                <a:rPr kumimoji="1" lang="ja-JP" altLang="en-US" sz="2400" b="1" dirty="0" smtClean="0">
+                  <a:latin typeface="メイリオ" panose="020B0604030504040204" pitchFamily="50" charset="-128"/>
+                  <a:ea typeface="メイリオ" panose="020B0604030504040204" pitchFamily="50" charset="-128"/>
+                </a:rPr>
+                <a:t>ベクトルデータ</a:t>
+              </a:r>
+              <a:r>
+                <a:rPr kumimoji="1" lang="en-US" altLang="ja-JP" sz="2400" b="1" dirty="0" smtClean="0">
+                  <a:latin typeface="メイリオ" panose="020B0604030504040204" pitchFamily="50" charset="-128"/>
+                  <a:ea typeface="メイリオ" panose="020B0604030504040204" pitchFamily="50" charset="-128"/>
+                </a:rPr>
+                <a:t>t:</a:t>
+              </a:r>
+              <a:r>
+                <a:rPr kumimoji="1" lang="ja-JP" altLang="en-US" sz="2400" b="1" dirty="0" smtClean="0">
+                  <a:latin typeface="メイリオ" panose="020B0604030504040204" pitchFamily="50" charset="-128"/>
+                  <a:ea typeface="メイリオ" panose="020B0604030504040204" pitchFamily="50" charset="-128"/>
+                </a:rPr>
+                <a:t>座標                            の張る</a:t>
+              </a:r>
+              <a:endParaRPr kumimoji="1" lang="en-US" altLang="ja-JP" sz="2400" b="1" dirty="0" smtClean="0">
+                <a:latin typeface="メイリオ" panose="020B0604030504040204" pitchFamily="50" charset="-128"/>
+                <a:ea typeface="メイリオ" panose="020B0604030504040204" pitchFamily="50" charset="-128"/>
+              </a:endParaRPr>
+            </a:p>
+            <a:p>
+              <a:r>
+                <a:rPr lang="ja-JP" altLang="en-US" sz="2400" b="1" dirty="0">
+                  <a:latin typeface="メイリオ" panose="020B0604030504040204" pitchFamily="50" charset="-128"/>
+                  <a:ea typeface="メイリオ" panose="020B0604030504040204" pitchFamily="50" charset="-128"/>
+                </a:rPr>
+                <a:t>　</a:t>
+              </a:r>
+              <a:r>
+                <a:rPr lang="ja-JP" altLang="en-US" sz="2400" b="1" dirty="0" smtClean="0">
+                  <a:latin typeface="メイリオ" panose="020B0604030504040204" pitchFamily="50" charset="-128"/>
+                  <a:ea typeface="メイリオ" panose="020B0604030504040204" pitchFamily="50" charset="-128"/>
+                </a:rPr>
+                <a:t>　　　　　　  </a:t>
+              </a:r>
+              <a:r>
+                <a:rPr kumimoji="1" lang="en-US" altLang="ja-JP" sz="2400" b="1" dirty="0" smtClean="0">
+                  <a:latin typeface="メイリオ" panose="020B0604030504040204" pitchFamily="50" charset="-128"/>
+                  <a:ea typeface="メイリオ" panose="020B0604030504040204" pitchFamily="50" charset="-128"/>
+                </a:rPr>
+                <a:t>N</a:t>
+              </a:r>
+              <a:r>
+                <a:rPr kumimoji="1" lang="ja-JP" altLang="en-US" sz="2400" b="1" dirty="0" smtClean="0">
+                  <a:latin typeface="メイリオ" panose="020B0604030504040204" pitchFamily="50" charset="-128"/>
+                  <a:ea typeface="メイリオ" panose="020B0604030504040204" pitchFamily="50" charset="-128"/>
+                </a:rPr>
+                <a:t>次元空間の点</a:t>
+              </a:r>
+              <a:endParaRPr kumimoji="1" lang="ja-JP" altLang="en-US" sz="2400" b="1" dirty="0">
+                <a:latin typeface="メイリオ" panose="020B0604030504040204" pitchFamily="50" charset="-128"/>
+                <a:ea typeface="メイリオ" panose="020B0604030504040204" pitchFamily="50" charset="-128"/>
+              </a:endParaRPr>
+            </a:p>
+          </p:txBody>
+        </p:sp>
+      </p:grpSp>
+      <p:sp>
+        <p:nvSpPr>
+          <p:cNvPr id="5" name="テキスト ボックス 4"/>
+          <p:cNvSpPr txBox="1"/>
+          <p:nvPr/>
+        </p:nvSpPr>
+        <p:spPr>
+          <a:xfrm>
+            <a:off x="515155" y="5808372"/>
+            <a:ext cx="7508383" cy="830997"/>
+          </a:xfrm>
+          <a:prstGeom prst="rect">
+            <a:avLst/>
+          </a:prstGeom>
+          <a:noFill/>
+        </p:spPr>
+        <p:txBody>
+          <a:bodyPr wrap="square" rtlCol="0">
+            <a:spAutoFit/>
+          </a:bodyPr>
+          <a:lstStyle/>
+          <a:p>
+            <a:r>
+              <a:rPr kumimoji="1" lang="en-US" altLang="ja-JP" sz="2400" b="1" dirty="0" smtClean="0">
+                <a:latin typeface="メイリオ" panose="020B0604030504040204" pitchFamily="50" charset="-128"/>
+                <a:ea typeface="メイリオ" panose="020B0604030504040204" pitchFamily="50" charset="-128"/>
+              </a:rPr>
+              <a:t>※</a:t>
+            </a:r>
+            <a:r>
+              <a:rPr kumimoji="1" lang="ja-JP" altLang="en-US" sz="2400" b="1" dirty="0" smtClean="0">
+                <a:latin typeface="メイリオ" panose="020B0604030504040204" pitchFamily="50" charset="-128"/>
+                <a:ea typeface="メイリオ" panose="020B0604030504040204" pitchFamily="50" charset="-128"/>
+              </a:rPr>
+              <a:t>　       が非正則に近いとき</a:t>
+            </a:r>
+            <a:endParaRPr kumimoji="1" lang="en-US" altLang="ja-JP" sz="2400" b="1" dirty="0" smtClean="0">
+              <a:latin typeface="メイリオ" panose="020B0604030504040204" pitchFamily="50" charset="-128"/>
+              <a:ea typeface="メイリオ" panose="020B0604030504040204" pitchFamily="50" charset="-128"/>
+            </a:endParaRPr>
+          </a:p>
+          <a:p>
+            <a:r>
+              <a:rPr lang="ja-JP" altLang="en-US" sz="2400" b="1" dirty="0" smtClean="0">
+                <a:latin typeface="メイリオ" panose="020B0604030504040204" pitchFamily="50" charset="-128"/>
+                <a:ea typeface="メイリオ" panose="020B0604030504040204" pitchFamily="50" charset="-128"/>
+              </a:rPr>
+              <a:t>→</a:t>
+            </a:r>
+            <a:r>
+              <a:rPr lang="en-US" altLang="ja-JP" sz="2400" b="1" dirty="0" smtClean="0">
+                <a:latin typeface="メイリオ" panose="020B0604030504040204" pitchFamily="50" charset="-128"/>
+                <a:ea typeface="メイリオ" panose="020B0604030504040204" pitchFamily="50" charset="-128"/>
+              </a:rPr>
+              <a:t>SVD</a:t>
+            </a:r>
+            <a:r>
+              <a:rPr lang="ja-JP" altLang="en-US" sz="2400" b="1" dirty="0" smtClean="0">
+                <a:latin typeface="メイリオ" panose="020B0604030504040204" pitchFamily="50" charset="-128"/>
+                <a:ea typeface="メイリオ" panose="020B0604030504040204" pitchFamily="50" charset="-128"/>
+              </a:rPr>
+              <a:t>によって擬似逆行列を表現し、特異性を解消</a:t>
+            </a:r>
+            <a:endParaRPr kumimoji="1" lang="ja-JP" altLang="en-US" sz="2400" b="1" dirty="0">
+              <a:latin typeface="メイリオ" panose="020B0604030504040204" pitchFamily="50" charset="-128"/>
+              <a:ea typeface="メイリオ" panose="020B0604030504040204" pitchFamily="50" charset="-128"/>
+            </a:endParaRPr>
+          </a:p>
+        </p:txBody>
+      </p:sp>
+      <p:pic>
+        <p:nvPicPr>
+          <p:cNvPr id="1028" name="Picture 4" descr="$\Phi^{\mathrm{T}}\Phi}$">
+            <a:hlinkClick r:id="rId4"/>
+          </p:cNvPr>
+          <p:cNvPicPr>
+            <a:picLocks noChangeAspect="1" noChangeArrowheads="1"/>
+          </p:cNvPicPr>
+          <p:nvPr/>
+        </p:nvPicPr>
+        <p:blipFill>
+          <a:blip r:embed="rId5">
+            <a:extLst>
+              <a:ext uri="{28A0092B-C50C-407E-A947-70E740481C1C}">
+                <a14:useLocalDpi xmlns:a14="http://schemas.microsoft.com/office/drawing/2010/main" val="0"/>
+              </a:ext>
+            </a:extLst>
+          </a:blip>
+          <a:srcRect/>
+          <a:stretch>
+            <a:fillRect/>
+          </a:stretch>
+        </p:blipFill>
+        <p:spPr bwMode="auto">
+          <a:xfrm>
+            <a:off x="1042381" y="5795493"/>
+            <a:ext cx="781050" cy="352426"/>
+          </a:xfrm>
+          <a:prstGeom prst="rect">
+            <a:avLst/>
+          </a:prstGeom>
+          <a:noFill/>
+          <a:extLst>
+            <a:ext uri="{909E8E84-426E-40DD-AFC4-6F175D3DCCD1}">
+              <a14:hiddenFill xmlns:a14="http://schemas.microsoft.com/office/drawing/2010/main">
+                <a:solidFill>
+                  <a:srgbClr val="FFFFFF"/>
+                </a:solidFill>
+              </a14:hiddenFill>
+            </a:ext>
+          </a:extLst>
+        </p:spPr>
+      </p:pic>
+    </p:spTree>
+    <p:extLst>
+      <p:ext uri="{BB962C8B-B14F-4D97-AF65-F5344CB8AC3E}">
+        <p14:creationId xmlns:p14="http://schemas.microsoft.com/office/powerpoint/2010/main" val="832978726"/>
+      </p:ext>
+    </p:extLst>
+  </p:cSld>
+  <p:clrMapOvr>
+    <a:masterClrMapping/>
+  </p:clrMapOvr>
+  <p:timing>
+    <p:tnLst>
+      <p:par>
+        <p:cTn id="1" dur="indefinite" restart="never" nodeType="tmRoot"/>
+      </p:par>
+    </p:tnLst>
+  </p:timing>
+</p:sld>
+</file>
+
+<file path=ppt/slides/slide13.xml><?xml version="1.0" encoding="utf-8"?>
+<p:sld xmlns:a="http://schemas.openxmlformats.org/drawingml/2006/main" xmlns:r="http://schemas.openxmlformats.org/officeDocument/2006/relationships" xmlns:p="http://schemas.openxmlformats.org/presentationml/2006/main">
+  <p:cSld>
+    <p:spTree>
+      <p:nvGrpSpPr>
+        <p:cNvPr id="1" name=""/>
+        <p:cNvGrpSpPr/>
+        <p:nvPr/>
+      </p:nvGrpSpPr>
+      <p:grpSpPr>
+        <a:xfrm>
+          <a:off x="0" y="0"/>
+          <a:ext cx="0" cy="0"/>
+          <a:chOff x="0" y="0"/>
+          <a:chExt cx="0" cy="0"/>
+        </a:xfrm>
+      </p:grpSpPr>
+      <p:sp>
+        <p:nvSpPr>
           <p:cNvPr id="2" name="テキスト ボックス 1"/>
           <p:cNvSpPr txBox="1"/>
           <p:nvPr/>
@@ -4709,7 +6351,7 @@
 </p:sld>
 </file>
 
-<file path=ppt/slides/slide11.xml><?xml version="1.0" encoding="utf-8"?>
+<file path=ppt/slides/slide14.xml><?xml version="1.0" encoding="utf-8"?>
 <p:sld xmlns:a="http://schemas.openxmlformats.org/drawingml/2006/main" xmlns:r="http://schemas.openxmlformats.org/officeDocument/2006/relationships" xmlns:p="http://schemas.openxmlformats.org/presentationml/2006/main">
   <p:cSld>
     <p:spTree>
@@ -4810,7 +6452,7 @@
         </p:nvGrpSpPr>
         <p:grpSpPr>
           <a:xfrm>
-            <a:off x="1820506" y="2466873"/>
+            <a:off x="1935028" y="2506317"/>
             <a:ext cx="4786355" cy="963373"/>
             <a:chOff x="2343954" y="1361733"/>
             <a:chExt cx="5986385" cy="1284497"/>
@@ -4974,8 +6616,8 @@
         </p:nvSpPr>
         <p:spPr>
           <a:xfrm>
-            <a:off x="1297643" y="3346949"/>
-            <a:ext cx="6061126" cy="461665"/>
+            <a:off x="1220368" y="3359828"/>
+            <a:ext cx="7086503" cy="523220"/>
           </a:xfrm>
           <a:prstGeom prst="rect">
             <a:avLst/>
@@ -4989,21 +6631,21 @@
           <a:lstStyle/>
           <a:p>
             <a:r>
-              <a:rPr lang="ja-JP" altLang="en-US" sz="2400" b="1" dirty="0">
+              <a:rPr lang="ja-JP" altLang="en-US" sz="2800" b="1" dirty="0">
                 <a:latin typeface="メイリオ" panose="020B0604030504040204" pitchFamily="50" charset="-128"/>
                 <a:ea typeface="メイリオ" panose="020B0604030504040204" pitchFamily="50" charset="-128"/>
               </a:rPr>
               <a:t>→不必要なパラメータは減衰して</a:t>
             </a:r>
             <a:r>
-              <a:rPr lang="en-US" altLang="ja-JP" sz="2400" b="1" dirty="0">
+              <a:rPr lang="en-US" altLang="ja-JP" sz="2800" b="1" dirty="0">
                 <a:latin typeface="メイリオ" panose="020B0604030504040204" pitchFamily="50" charset="-128"/>
                 <a:ea typeface="メイリオ" panose="020B0604030504040204" pitchFamily="50" charset="-128"/>
               </a:rPr>
               <a:t>0</a:t>
             </a:r>
             <a:r>
-              <a:rPr lang="ja-JP" altLang="en-US" sz="2400" b="1" dirty="0">
+              <a:rPr lang="ja-JP" altLang="en-US" sz="2800" b="1" dirty="0">
                 <a:latin typeface="メイリオ" panose="020B0604030504040204" pitchFamily="50" charset="-128"/>
                 <a:ea typeface="メイリオ" panose="020B0604030504040204" pitchFamily="50" charset="-128"/>
               </a:rPr>
@@ -5012,8 +6654,8 @@
           </a:p>
         </p:txBody>
       </p:sp>
-      <mc:AlternateContent xmlns:mc="http://schemas.openxmlformats.org/markup-compatibility/2006" xmlns:a14="http://schemas.microsoft.com/office/drawing/2010/main">
-        <mc:Choice Requires="a14">
+      <mc:AlternateContent xmlns:mc="http://schemas.openxmlformats.org/markup-compatibility/2006">
+        <mc:Choice xmlns:a14="http://schemas.microsoft.com/office/drawing/2010/main" Requires="a14">
           <p:sp>
             <p:nvSpPr>
               <p:cNvPr id="5" name="テキスト ボックス 4"/>
@@ -5022,7 +6664,7 @@
             </p:nvSpPr>
             <p:spPr>
               <a:xfrm>
-                <a:off x="813079" y="5114208"/>
+                <a:off x="817807" y="5456143"/>
                 <a:ext cx="7340959" cy="830997"/>
               </a:xfrm>
               <a:prstGeom prst="rect">
@@ -5149,7 +6791,7 @@
             </p:txBody>
           </p:sp>
         </mc:Choice>
-        <mc:Fallback xmlns="">
+        <mc:Fallback>
           <p:sp>
             <p:nvSpPr>
               <p:cNvPr id="5" name="テキスト ボックス 4"/>
@@ -5160,7 +6802,7 @@
             </p:nvSpPr>
             <p:spPr>
               <a:xfrm>
-                <a:off x="813079" y="5114208"/>
+                <a:off x="817807" y="5456143"/>
                 <a:ext cx="7340959" cy="830997"/>
               </a:xfrm>
               <a:prstGeom prst="rect">
@@ -5169,7 +6811,7 @@
               <a:blipFill rotWithShape="0">
                 <a:blip r:embed="rId5"/>
                 <a:stretch>
-                  <a:fillRect l="-1245" t="-4412" b="-16176"/>
+                  <a:fillRect l="-1246" t="-4412" b="-16176"/>
                 </a:stretch>
               </a:blipFill>
             </p:spPr>
@@ -5188,8 +6830,8 @@
           </p:sp>
         </mc:Fallback>
       </mc:AlternateContent>
-      <mc:AlternateContent xmlns:mc="http://schemas.openxmlformats.org/markup-compatibility/2006" xmlns:a14="http://schemas.microsoft.com/office/drawing/2010/main">
-        <mc:Choice Requires="a14">
+      <mc:AlternateContent xmlns:mc="http://schemas.openxmlformats.org/markup-compatibility/2006">
+        <mc:Choice xmlns:a14="http://schemas.microsoft.com/office/drawing/2010/main" Requires="a14">
           <p:sp>
             <p:nvSpPr>
               <p:cNvPr id="6" name="テキスト ボックス 5"/>
@@ -5198,8 +6840,8 @@
             </p:nvSpPr>
             <p:spPr>
               <a:xfrm>
-                <a:off x="1531075" y="4021363"/>
-                <a:ext cx="5827694" cy="830997"/>
+                <a:off x="1479558" y="4021363"/>
+                <a:ext cx="6622963" cy="954107"/>
               </a:xfrm>
               <a:prstGeom prst="rect">
                 <a:avLst/>
@@ -5215,21 +6857,21 @@
                 <a14:m>
                   <m:oMath xmlns:m="http://schemas.openxmlformats.org/officeDocument/2006/math">
                     <m:r>
-                      <a:rPr lang="en-US" altLang="ja-JP" sz="2400" b="1" i="1">
+                      <a:rPr lang="en-US" altLang="ja-JP" sz="2800" b="1" i="1">
                         <a:latin typeface="Cambria Math" panose="02040503050406030204" pitchFamily="18" charset="0"/>
                         <a:ea typeface="メイリオ" panose="020B0604030504040204" pitchFamily="50" charset="-128"/>
                       </a:rPr>
                       <m:t>𝒒</m:t>
                     </m:r>
                     <m:r>
-                      <a:rPr lang="en-US" altLang="ja-JP" sz="2400" b="1" i="1">
+                      <a:rPr lang="en-US" altLang="ja-JP" sz="2800" b="1" i="1">
                         <a:latin typeface="Cambria Math" panose="02040503050406030204" pitchFamily="18" charset="0"/>
                         <a:ea typeface="メイリオ" panose="020B0604030504040204" pitchFamily="50" charset="-128"/>
                       </a:rPr>
                       <m:t>=</m:t>
                     </m:r>
                     <m:r>
-                      <a:rPr lang="en-US" altLang="ja-JP" sz="2400" b="1" i="1">
+                      <a:rPr lang="en-US" altLang="ja-JP" sz="2800" b="1" i="1">
                         <a:latin typeface="Cambria Math" panose="02040503050406030204" pitchFamily="18" charset="0"/>
                         <a:ea typeface="メイリオ" panose="020B0604030504040204" pitchFamily="50" charset="-128"/>
                       </a:rPr>
@@ -5238,20 +6880,20 @@
                   </m:oMath>
                 </a14:m>
                 <a:r>
-                  <a:rPr lang="ja-JP" altLang="en-US" sz="2400" b="1" dirty="0">
+                  <a:rPr lang="ja-JP" altLang="en-US" sz="2800" b="1" dirty="0">
                     <a:latin typeface="メイリオ" panose="020B0604030504040204" pitchFamily="50" charset="-128"/>
                     <a:ea typeface="メイリオ" panose="020B0604030504040204" pitchFamily="50" charset="-128"/>
                   </a:rPr>
                   <a:t>の正則化項を機械学習の分野では</a:t>
                 </a:r>
-                <a:endParaRPr lang="en-US" altLang="ja-JP" sz="2400" b="1" dirty="0">
+                <a:endParaRPr lang="en-US" altLang="ja-JP" sz="2800" b="1" dirty="0">
                   <a:latin typeface="メイリオ" panose="020B0604030504040204" pitchFamily="50" charset="-128"/>
                   <a:ea typeface="メイリオ" panose="020B0604030504040204" pitchFamily="50" charset="-128"/>
                 </a:endParaRPr>
               </a:p>
               <a:p>
                 <a:r>
-                  <a:rPr lang="ja-JP" altLang="en-US" sz="2400" b="1" dirty="0">
+                  <a:rPr lang="ja-JP" altLang="en-US" sz="2800" b="1" dirty="0">
                     <a:latin typeface="メイリオ" panose="020B0604030504040204" pitchFamily="50" charset="-128"/>
                     <a:ea typeface="メイリオ" panose="020B0604030504040204" pitchFamily="50" charset="-128"/>
                   </a:rPr>
@@ -5261,7 +6903,7 @@
             </p:txBody>
           </p:sp>
         </mc:Choice>
-        <mc:Fallback xmlns="">
+        <mc:Fallback>
           <p:sp>
             <p:nvSpPr>
               <p:cNvPr id="6" name="テキスト ボックス 5"/>
@@ -5272,8 +6914,8 @@
             </p:nvSpPr>
             <p:spPr>
               <a:xfrm>
-                <a:off x="1531075" y="4021363"/>
-                <a:ext cx="5827694" cy="830997"/>
+                <a:off x="1479558" y="4021363"/>
+                <a:ext cx="6622963" cy="954107"/>
               </a:xfrm>
               <a:prstGeom prst="rect">
                 <a:avLst/>
@@ -5281,7 +6923,7 @@
               <a:blipFill rotWithShape="0">
                 <a:blip r:embed="rId6"/>
                 <a:stretch>
-                  <a:fillRect l="-1569" t="-4412" b="-16176"/>
+                  <a:fillRect l="-1934" t="-5769" b="-17308"/>
                 </a:stretch>
               </a:blipFill>
             </p:spPr>
@@ -5356,7 +6998,221 @@
 </p:sld>
 </file>
 
-<file path=ppt/slides/slide12.xml><?xml version="1.0" encoding="utf-8"?>
+<file path=ppt/slides/slide15.xml><?xml version="1.0" encoding="utf-8"?>
+<p:sld xmlns:a="http://schemas.openxmlformats.org/drawingml/2006/main" xmlns:r="http://schemas.openxmlformats.org/officeDocument/2006/relationships" xmlns:p="http://schemas.openxmlformats.org/presentationml/2006/main">
+  <p:cSld>
+    <p:spTree>
+      <p:nvGrpSpPr>
+        <p:cNvPr id="1" name=""/>
+        <p:cNvGrpSpPr/>
+        <p:nvPr/>
+      </p:nvGrpSpPr>
+      <p:grpSpPr>
+        <a:xfrm>
+          <a:off x="0" y="0"/>
+          <a:ext cx="0" cy="0"/>
+          <a:chOff x="0" y="0"/>
+          <a:chExt cx="0" cy="0"/>
+        </a:xfrm>
+      </p:grpSpPr>
+      <p:sp>
+        <p:nvSpPr>
+          <p:cNvPr id="3" name="テキスト ボックス 2"/>
+          <p:cNvSpPr txBox="1"/>
+          <p:nvPr/>
+        </p:nvSpPr>
+        <p:spPr>
+          <a:xfrm>
+            <a:off x="1365159" y="1171978"/>
+            <a:ext cx="7225048" cy="4247317"/>
+          </a:xfrm>
+          <a:prstGeom prst="rect">
+            <a:avLst/>
+          </a:prstGeom>
+          <a:noFill/>
+        </p:spPr>
+        <p:txBody>
+          <a:bodyPr wrap="square" rtlCol="0">
+            <a:spAutoFit/>
+          </a:bodyPr>
+          <a:lstStyle/>
+          <a:p>
+            <a:pPr>
+              <a:lnSpc>
+                <a:spcPct val="150000"/>
+              </a:lnSpc>
+            </a:pPr>
+            <a:r>
+              <a:rPr lang="en-US" altLang="ja-JP" sz="3600" b="1" dirty="0" smtClean="0">
+                <a:solidFill>
+                  <a:schemeClr val="bg2"/>
+                </a:solidFill>
+                <a:latin typeface="メイリオ" panose="020B0604030504040204" pitchFamily="50" charset="-128"/>
+                <a:ea typeface="メイリオ" panose="020B0604030504040204" pitchFamily="50" charset="-128"/>
+              </a:rPr>
+              <a:t>3.1 </a:t>
+            </a:r>
+            <a:r>
+              <a:rPr lang="ja-JP" altLang="en-US" sz="3600" b="1" dirty="0" smtClean="0">
+                <a:solidFill>
+                  <a:schemeClr val="bg2"/>
+                </a:solidFill>
+                <a:latin typeface="メイリオ" panose="020B0604030504040204" pitchFamily="50" charset="-128"/>
+                <a:ea typeface="メイリオ" panose="020B0604030504040204" pitchFamily="50" charset="-128"/>
+              </a:rPr>
+              <a:t>線形基底関数モデル</a:t>
+            </a:r>
+            <a:endParaRPr lang="en-US" altLang="ja-JP" sz="3600" b="1" dirty="0" smtClean="0">
+              <a:solidFill>
+                <a:schemeClr val="bg2"/>
+              </a:solidFill>
+              <a:latin typeface="メイリオ" panose="020B0604030504040204" pitchFamily="50" charset="-128"/>
+              <a:ea typeface="メイリオ" panose="020B0604030504040204" pitchFamily="50" charset="-128"/>
+            </a:endParaRPr>
+          </a:p>
+          <a:p>
+            <a:pPr>
+              <a:lnSpc>
+                <a:spcPct val="150000"/>
+              </a:lnSpc>
+            </a:pPr>
+            <a:r>
+              <a:rPr lang="en-US" altLang="ja-JP" sz="3600" b="1" dirty="0" smtClean="0">
+                <a:latin typeface="メイリオ" panose="020B0604030504040204" pitchFamily="50" charset="-128"/>
+                <a:ea typeface="メイリオ" panose="020B0604030504040204" pitchFamily="50" charset="-128"/>
+              </a:rPr>
+              <a:t>3.2 </a:t>
+            </a:r>
+            <a:r>
+              <a:rPr lang="ja-JP" altLang="en-US" sz="3600" b="1" dirty="0" smtClean="0">
+                <a:latin typeface="メイリオ" panose="020B0604030504040204" pitchFamily="50" charset="-128"/>
+                <a:ea typeface="メイリオ" panose="020B0604030504040204" pitchFamily="50" charset="-128"/>
+              </a:rPr>
+              <a:t>バイアス・バリアンス分解</a:t>
+            </a:r>
+            <a:endParaRPr lang="en-US" altLang="ja-JP" sz="3600" b="1" dirty="0" smtClean="0">
+              <a:latin typeface="メイリオ" panose="020B0604030504040204" pitchFamily="50" charset="-128"/>
+              <a:ea typeface="メイリオ" panose="020B0604030504040204" pitchFamily="50" charset="-128"/>
+            </a:endParaRPr>
+          </a:p>
+          <a:p>
+            <a:pPr>
+              <a:lnSpc>
+                <a:spcPct val="150000"/>
+              </a:lnSpc>
+            </a:pPr>
+            <a:r>
+              <a:rPr lang="en-US" altLang="ja-JP" sz="3600" b="1" dirty="0" smtClean="0">
+                <a:solidFill>
+                  <a:schemeClr val="bg2"/>
+                </a:solidFill>
+                <a:latin typeface="メイリオ" panose="020B0604030504040204" pitchFamily="50" charset="-128"/>
+                <a:ea typeface="メイリオ" panose="020B0604030504040204" pitchFamily="50" charset="-128"/>
+              </a:rPr>
+              <a:t>3.3 </a:t>
+            </a:r>
+            <a:r>
+              <a:rPr lang="ja-JP" altLang="en-US" sz="3600" b="1" dirty="0" smtClean="0">
+                <a:solidFill>
+                  <a:schemeClr val="bg2"/>
+                </a:solidFill>
+                <a:latin typeface="メイリオ" panose="020B0604030504040204" pitchFamily="50" charset="-128"/>
+                <a:ea typeface="メイリオ" panose="020B0604030504040204" pitchFamily="50" charset="-128"/>
+              </a:rPr>
+              <a:t>ベイズ線形回帰</a:t>
+            </a:r>
+            <a:endParaRPr lang="en-US" altLang="ja-JP" sz="3600" b="1" dirty="0" smtClean="0">
+              <a:solidFill>
+                <a:schemeClr val="bg2"/>
+              </a:solidFill>
+              <a:latin typeface="メイリオ" panose="020B0604030504040204" pitchFamily="50" charset="-128"/>
+              <a:ea typeface="メイリオ" panose="020B0604030504040204" pitchFamily="50" charset="-128"/>
+            </a:endParaRPr>
+          </a:p>
+          <a:p>
+            <a:pPr>
+              <a:lnSpc>
+                <a:spcPct val="150000"/>
+              </a:lnSpc>
+            </a:pPr>
+            <a:r>
+              <a:rPr lang="en-US" altLang="ja-JP" sz="3600" b="1" dirty="0" smtClean="0">
+                <a:solidFill>
+                  <a:schemeClr val="bg2"/>
+                </a:solidFill>
+                <a:latin typeface="メイリオ" panose="020B0604030504040204" pitchFamily="50" charset="-128"/>
+                <a:ea typeface="メイリオ" panose="020B0604030504040204" pitchFamily="50" charset="-128"/>
+              </a:rPr>
+              <a:t>3.4 </a:t>
+            </a:r>
+            <a:r>
+              <a:rPr lang="ja-JP" altLang="en-US" sz="3600" b="1" dirty="0" smtClean="0">
+                <a:solidFill>
+                  <a:schemeClr val="bg2"/>
+                </a:solidFill>
+                <a:latin typeface="メイリオ" panose="020B0604030504040204" pitchFamily="50" charset="-128"/>
+                <a:ea typeface="メイリオ" panose="020B0604030504040204" pitchFamily="50" charset="-128"/>
+              </a:rPr>
+              <a:t>ベイズモデル比較</a:t>
+            </a:r>
+            <a:endParaRPr lang="en-US" altLang="ja-JP" sz="3600" b="1" dirty="0" smtClean="0">
+              <a:solidFill>
+                <a:schemeClr val="bg2"/>
+              </a:solidFill>
+              <a:latin typeface="メイリオ" panose="020B0604030504040204" pitchFamily="50" charset="-128"/>
+              <a:ea typeface="メイリオ" panose="020B0604030504040204" pitchFamily="50" charset="-128"/>
+            </a:endParaRPr>
+          </a:p>
+          <a:p>
+            <a:pPr>
+              <a:lnSpc>
+                <a:spcPct val="150000"/>
+              </a:lnSpc>
+            </a:pPr>
+            <a:r>
+              <a:rPr lang="en-US" altLang="ja-JP" sz="3600" b="1" dirty="0" smtClean="0">
+                <a:solidFill>
+                  <a:schemeClr val="bg2"/>
+                </a:solidFill>
+                <a:latin typeface="メイリオ" panose="020B0604030504040204" pitchFamily="50" charset="-128"/>
+                <a:ea typeface="メイリオ" panose="020B0604030504040204" pitchFamily="50" charset="-128"/>
+              </a:rPr>
+              <a:t>3.5 </a:t>
+            </a:r>
+            <a:r>
+              <a:rPr lang="ja-JP" altLang="en-US" sz="3600" b="1" dirty="0" smtClean="0">
+                <a:solidFill>
+                  <a:schemeClr val="bg2"/>
+                </a:solidFill>
+                <a:latin typeface="メイリオ" panose="020B0604030504040204" pitchFamily="50" charset="-128"/>
+                <a:ea typeface="メイリオ" panose="020B0604030504040204" pitchFamily="50" charset="-128"/>
+              </a:rPr>
+              <a:t>エビデンス近似</a:t>
+            </a:r>
+            <a:endParaRPr lang="ja-JP" altLang="en-US" sz="3600" b="1" dirty="0">
+              <a:solidFill>
+                <a:schemeClr val="bg2"/>
+              </a:solidFill>
+              <a:latin typeface="メイリオ" panose="020B0604030504040204" pitchFamily="50" charset="-128"/>
+              <a:ea typeface="メイリオ" panose="020B0604030504040204" pitchFamily="50" charset="-128"/>
+            </a:endParaRPr>
+          </a:p>
+        </p:txBody>
+      </p:sp>
+    </p:spTree>
+    <p:extLst>
+      <p:ext uri="{BB962C8B-B14F-4D97-AF65-F5344CB8AC3E}">
+        <p14:creationId xmlns:p14="http://schemas.microsoft.com/office/powerpoint/2010/main" val="1952689287"/>
+      </p:ext>
+    </p:extLst>
+  </p:cSld>
+  <p:clrMapOvr>
+    <a:masterClrMapping/>
+  </p:clrMapOvr>
+</p:sld>
+</file>
+
+<file path=ppt/slides/slide16.xml><?xml version="1.0" encoding="utf-8"?>
 <p:sld xmlns:a="http://schemas.openxmlformats.org/drawingml/2006/main" xmlns:r="http://schemas.openxmlformats.org/officeDocument/2006/relationships" xmlns:p="http://schemas.openxmlformats.org/presentationml/2006/main">
   <p:cSld>
     <p:spTree>
@@ -5718,7 +7574,7 @@
 </p:sld>
 </file>
 
-<file path=ppt/slides/slide13.xml><?xml version="1.0" encoding="utf-8"?>
+<file path=ppt/slides/slide17.xml><?xml version="1.0" encoding="utf-8"?>
 <p:sld xmlns:a="http://schemas.openxmlformats.org/drawingml/2006/main" xmlns:r="http://schemas.openxmlformats.org/officeDocument/2006/relationships" xmlns:p="http://schemas.openxmlformats.org/presentationml/2006/main">
   <p:cSld>
     <p:spTree>
@@ -6074,7 +7930,7 @@
 </p:sld>
 </file>
 
-<file path=ppt/slides/slide14.xml><?xml version="1.0" encoding="utf-8"?>
+<file path=ppt/slides/slide18.xml><?xml version="1.0" encoding="utf-8"?>
 <p:sld xmlns:a="http://schemas.openxmlformats.org/drawingml/2006/main" xmlns:r="http://schemas.openxmlformats.org/officeDocument/2006/relationships" xmlns:p="http://schemas.openxmlformats.org/presentationml/2006/main">
   <p:cSld>
     <p:spTree>
@@ -6420,7 +8276,7 @@
 </p:sld>
 </file>
 
-<file path=ppt/slides/slide15.xml><?xml version="1.0" encoding="utf-8"?>
+<file path=ppt/slides/slide19.xml><?xml version="1.0" encoding="utf-8"?>
 <p:sld xmlns:a="http://schemas.openxmlformats.org/drawingml/2006/main" xmlns:r="http://schemas.openxmlformats.org/officeDocument/2006/relationships" xmlns:p="http://schemas.openxmlformats.org/presentationml/2006/main">
   <p:cSld>
     <p:spTree>
@@ -7005,7 +8861,7 @@
 </p:sld>
 </file>
 
-<file path=ppt/slides/slide16.xml><?xml version="1.0" encoding="utf-8"?>
+<file path=ppt/slides/slide2.xml><?xml version="1.0" encoding="utf-8"?>
 <p:sld xmlns:a="http://schemas.openxmlformats.org/drawingml/2006/main" xmlns:r="http://schemas.openxmlformats.org/officeDocument/2006/relationships" xmlns:p="http://schemas.openxmlformats.org/presentationml/2006/main">
   <p:cSld>
     <p:spTree>
@@ -7030,6 +8886,220 @@
         </p:nvSpPr>
         <p:spPr>
           <a:xfrm>
+            <a:off x="3206839" y="914401"/>
+            <a:ext cx="2498502" cy="769441"/>
+          </a:xfrm>
+          <a:prstGeom prst="rect">
+            <a:avLst/>
+          </a:prstGeom>
+          <a:noFill/>
+        </p:spPr>
+        <p:txBody>
+          <a:bodyPr wrap="square" rtlCol="0">
+            <a:spAutoFit/>
+          </a:bodyPr>
+          <a:lstStyle/>
+          <a:p>
+            <a:r>
+              <a:rPr kumimoji="1" lang="ja-JP" altLang="en-US" sz="4400" b="1" dirty="0" smtClean="0">
+                <a:latin typeface="メイリオ" panose="020B0604030504040204" pitchFamily="50" charset="-128"/>
+                <a:ea typeface="メイリオ" panose="020B0604030504040204" pitchFamily="50" charset="-128"/>
+              </a:rPr>
+              <a:t>章の構成</a:t>
+            </a:r>
+            <a:endParaRPr kumimoji="1" lang="ja-JP" altLang="en-US" sz="4400" b="1" dirty="0">
+              <a:latin typeface="メイリオ" panose="020B0604030504040204" pitchFamily="50" charset="-128"/>
+              <a:ea typeface="メイリオ" panose="020B0604030504040204" pitchFamily="50" charset="-128"/>
+            </a:endParaRPr>
+          </a:p>
+        </p:txBody>
+      </p:sp>
+      <p:sp>
+        <p:nvSpPr>
+          <p:cNvPr id="3" name="テキスト ボックス 2"/>
+          <p:cNvSpPr txBox="1"/>
+          <p:nvPr/>
+        </p:nvSpPr>
+        <p:spPr>
+          <a:xfrm>
+            <a:off x="1378039" y="1867437"/>
+            <a:ext cx="7225048" cy="4178067"/>
+          </a:xfrm>
+          <a:prstGeom prst="rect">
+            <a:avLst/>
+          </a:prstGeom>
+          <a:noFill/>
+        </p:spPr>
+        <p:txBody>
+          <a:bodyPr wrap="square" rtlCol="0">
+            <a:spAutoFit/>
+          </a:bodyPr>
+          <a:lstStyle/>
+          <a:p>
+            <a:pPr>
+              <a:lnSpc>
+                <a:spcPct val="150000"/>
+              </a:lnSpc>
+            </a:pPr>
+            <a:r>
+              <a:rPr kumimoji="1" lang="en-US" altLang="ja-JP" sz="3600" b="1" dirty="0" smtClean="0">
+                <a:latin typeface="メイリオ" panose="020B0604030504040204" pitchFamily="50" charset="-128"/>
+                <a:ea typeface="メイリオ" panose="020B0604030504040204" pitchFamily="50" charset="-128"/>
+              </a:rPr>
+              <a:t>3.1 </a:t>
+            </a:r>
+            <a:r>
+              <a:rPr kumimoji="1" lang="ja-JP" altLang="en-US" sz="3600" b="1" dirty="0" smtClean="0">
+                <a:latin typeface="メイリオ" panose="020B0604030504040204" pitchFamily="50" charset="-128"/>
+                <a:ea typeface="メイリオ" panose="020B0604030504040204" pitchFamily="50" charset="-128"/>
+              </a:rPr>
+              <a:t>線形基底関数モデル</a:t>
+            </a:r>
+            <a:endParaRPr kumimoji="1" lang="en-US" altLang="ja-JP" sz="3600" b="1" dirty="0" smtClean="0">
+              <a:latin typeface="メイリオ" panose="020B0604030504040204" pitchFamily="50" charset="-128"/>
+              <a:ea typeface="メイリオ" panose="020B0604030504040204" pitchFamily="50" charset="-128"/>
+            </a:endParaRPr>
+          </a:p>
+          <a:p>
+            <a:pPr>
+              <a:lnSpc>
+                <a:spcPct val="150000"/>
+              </a:lnSpc>
+            </a:pPr>
+            <a:r>
+              <a:rPr lang="en-US" altLang="ja-JP" sz="3600" b="1" dirty="0" smtClean="0">
+                <a:latin typeface="メイリオ" panose="020B0604030504040204" pitchFamily="50" charset="-128"/>
+                <a:ea typeface="メイリオ" panose="020B0604030504040204" pitchFamily="50" charset="-128"/>
+              </a:rPr>
+              <a:t>3.2 </a:t>
+            </a:r>
+            <a:r>
+              <a:rPr lang="ja-JP" altLang="en-US" sz="3600" b="1" dirty="0" smtClean="0">
+                <a:latin typeface="メイリオ" panose="020B0604030504040204" pitchFamily="50" charset="-128"/>
+                <a:ea typeface="メイリオ" panose="020B0604030504040204" pitchFamily="50" charset="-128"/>
+              </a:rPr>
+              <a:t>バイアス・バリアンス分解</a:t>
+            </a:r>
+            <a:endParaRPr lang="en-US" altLang="ja-JP" sz="3600" b="1" dirty="0" smtClean="0">
+              <a:latin typeface="メイリオ" panose="020B0604030504040204" pitchFamily="50" charset="-128"/>
+              <a:ea typeface="メイリオ" panose="020B0604030504040204" pitchFamily="50" charset="-128"/>
+            </a:endParaRPr>
+          </a:p>
+          <a:p>
+            <a:pPr>
+              <a:lnSpc>
+                <a:spcPct val="150000"/>
+              </a:lnSpc>
+            </a:pPr>
+            <a:r>
+              <a:rPr kumimoji="1" lang="en-US" altLang="ja-JP" sz="3600" b="1" dirty="0" smtClean="0">
+                <a:latin typeface="メイリオ" panose="020B0604030504040204" pitchFamily="50" charset="-128"/>
+                <a:ea typeface="メイリオ" panose="020B0604030504040204" pitchFamily="50" charset="-128"/>
+              </a:rPr>
+              <a:t>3.3 </a:t>
+            </a:r>
+            <a:r>
+              <a:rPr kumimoji="1" lang="ja-JP" altLang="en-US" sz="3600" b="1" dirty="0" smtClean="0">
+                <a:latin typeface="メイリオ" panose="020B0604030504040204" pitchFamily="50" charset="-128"/>
+                <a:ea typeface="メイリオ" panose="020B0604030504040204" pitchFamily="50" charset="-128"/>
+              </a:rPr>
+              <a:t>ベイズ線形回帰</a:t>
+            </a:r>
+            <a:endParaRPr kumimoji="1" lang="en-US" altLang="ja-JP" sz="3600" b="1" dirty="0" smtClean="0">
+              <a:latin typeface="メイリオ" panose="020B0604030504040204" pitchFamily="50" charset="-128"/>
+              <a:ea typeface="メイリオ" panose="020B0604030504040204" pitchFamily="50" charset="-128"/>
+            </a:endParaRPr>
+          </a:p>
+          <a:p>
+            <a:pPr>
+              <a:lnSpc>
+                <a:spcPct val="150000"/>
+              </a:lnSpc>
+            </a:pPr>
+            <a:r>
+              <a:rPr lang="en-US" altLang="ja-JP" sz="3600" b="1" dirty="0" smtClean="0">
+                <a:latin typeface="メイリオ" panose="020B0604030504040204" pitchFamily="50" charset="-128"/>
+                <a:ea typeface="メイリオ" panose="020B0604030504040204" pitchFamily="50" charset="-128"/>
+              </a:rPr>
+              <a:t>3.4 </a:t>
+            </a:r>
+            <a:r>
+              <a:rPr lang="ja-JP" altLang="en-US" sz="3600" b="1" dirty="0" smtClean="0">
+                <a:latin typeface="メイリオ" panose="020B0604030504040204" pitchFamily="50" charset="-128"/>
+                <a:ea typeface="メイリオ" panose="020B0604030504040204" pitchFamily="50" charset="-128"/>
+              </a:rPr>
+              <a:t>ベイズモデル比較</a:t>
+            </a:r>
+            <a:endParaRPr lang="en-US" altLang="ja-JP" sz="3600" b="1" dirty="0" smtClean="0">
+              <a:latin typeface="メイリオ" panose="020B0604030504040204" pitchFamily="50" charset="-128"/>
+              <a:ea typeface="メイリオ" panose="020B0604030504040204" pitchFamily="50" charset="-128"/>
+            </a:endParaRPr>
+          </a:p>
+          <a:p>
+            <a:pPr>
+              <a:lnSpc>
+                <a:spcPct val="150000"/>
+              </a:lnSpc>
+            </a:pPr>
+            <a:r>
+              <a:rPr kumimoji="1" lang="en-US" altLang="ja-JP" sz="3600" b="1" dirty="0" smtClean="0">
+                <a:latin typeface="メイリオ" panose="020B0604030504040204" pitchFamily="50" charset="-128"/>
+                <a:ea typeface="メイリオ" panose="020B0604030504040204" pitchFamily="50" charset="-128"/>
+              </a:rPr>
+              <a:t>3.5 </a:t>
+            </a:r>
+            <a:r>
+              <a:rPr kumimoji="1" lang="ja-JP" altLang="en-US" sz="3600" b="1" dirty="0" smtClean="0">
+                <a:latin typeface="メイリオ" panose="020B0604030504040204" pitchFamily="50" charset="-128"/>
+                <a:ea typeface="メイリオ" panose="020B0604030504040204" pitchFamily="50" charset="-128"/>
+              </a:rPr>
+              <a:t>エビデンス近似</a:t>
+            </a:r>
+            <a:endParaRPr kumimoji="1" lang="ja-JP" altLang="en-US" sz="3600" b="1" dirty="0">
+              <a:latin typeface="メイリオ" panose="020B0604030504040204" pitchFamily="50" charset="-128"/>
+              <a:ea typeface="メイリオ" panose="020B0604030504040204" pitchFamily="50" charset="-128"/>
+            </a:endParaRPr>
+          </a:p>
+        </p:txBody>
+      </p:sp>
+    </p:spTree>
+    <p:extLst>
+      <p:ext uri="{BB962C8B-B14F-4D97-AF65-F5344CB8AC3E}">
+        <p14:creationId xmlns:p14="http://schemas.microsoft.com/office/powerpoint/2010/main" val="3624052031"/>
+      </p:ext>
+    </p:extLst>
+  </p:cSld>
+  <p:clrMapOvr>
+    <a:masterClrMapping/>
+  </p:clrMapOvr>
+</p:sld>
+</file>
+
+<file path=ppt/slides/slide20.xml><?xml version="1.0" encoding="utf-8"?>
+<p:sld xmlns:a="http://schemas.openxmlformats.org/drawingml/2006/main" xmlns:r="http://schemas.openxmlformats.org/officeDocument/2006/relationships" xmlns:p="http://schemas.openxmlformats.org/presentationml/2006/main">
+  <p:cSld>
+    <p:spTree>
+      <p:nvGrpSpPr>
+        <p:cNvPr id="1" name=""/>
+        <p:cNvGrpSpPr/>
+        <p:nvPr/>
+      </p:nvGrpSpPr>
+      <p:grpSpPr>
+        <a:xfrm>
+          <a:off x="0" y="0"/>
+          <a:ext cx="0" cy="0"/>
+          <a:chOff x="0" y="0"/>
+          <a:chExt cx="0" cy="0"/>
+        </a:xfrm>
+      </p:grpSpPr>
+      <p:sp>
+        <p:nvSpPr>
+          <p:cNvPr id="2" name="テキスト ボックス 1"/>
+          <p:cNvSpPr txBox="1"/>
+          <p:nvPr/>
+        </p:nvSpPr>
+        <p:spPr>
+          <a:xfrm>
             <a:off x="1906072" y="3013656"/>
             <a:ext cx="5409127" cy="707886"/>
           </a:xfrm>
@@ -7092,7 +9162,221 @@
 </p:sld>
 </file>
 
-<file path=ppt/slides/slide17.xml><?xml version="1.0" encoding="utf-8"?>
+<file path=ppt/slides/slide21.xml><?xml version="1.0" encoding="utf-8"?>
+<p:sld xmlns:a="http://schemas.openxmlformats.org/drawingml/2006/main" xmlns:r="http://schemas.openxmlformats.org/officeDocument/2006/relationships" xmlns:p="http://schemas.openxmlformats.org/presentationml/2006/main">
+  <p:cSld>
+    <p:spTree>
+      <p:nvGrpSpPr>
+        <p:cNvPr id="1" name=""/>
+        <p:cNvGrpSpPr/>
+        <p:nvPr/>
+      </p:nvGrpSpPr>
+      <p:grpSpPr>
+        <a:xfrm>
+          <a:off x="0" y="0"/>
+          <a:ext cx="0" cy="0"/>
+          <a:chOff x="0" y="0"/>
+          <a:chExt cx="0" cy="0"/>
+        </a:xfrm>
+      </p:grpSpPr>
+      <p:sp>
+        <p:nvSpPr>
+          <p:cNvPr id="3" name="テキスト ボックス 2"/>
+          <p:cNvSpPr txBox="1"/>
+          <p:nvPr/>
+        </p:nvSpPr>
+        <p:spPr>
+          <a:xfrm>
+            <a:off x="1365159" y="1171978"/>
+            <a:ext cx="7225048" cy="4247317"/>
+          </a:xfrm>
+          <a:prstGeom prst="rect">
+            <a:avLst/>
+          </a:prstGeom>
+          <a:noFill/>
+        </p:spPr>
+        <p:txBody>
+          <a:bodyPr wrap="square" rtlCol="0">
+            <a:spAutoFit/>
+          </a:bodyPr>
+          <a:lstStyle/>
+          <a:p>
+            <a:pPr>
+              <a:lnSpc>
+                <a:spcPct val="150000"/>
+              </a:lnSpc>
+            </a:pPr>
+            <a:r>
+              <a:rPr lang="en-US" altLang="ja-JP" sz="3600" b="1" dirty="0" smtClean="0">
+                <a:solidFill>
+                  <a:schemeClr val="bg2"/>
+                </a:solidFill>
+                <a:latin typeface="メイリオ" panose="020B0604030504040204" pitchFamily="50" charset="-128"/>
+                <a:ea typeface="メイリオ" panose="020B0604030504040204" pitchFamily="50" charset="-128"/>
+              </a:rPr>
+              <a:t>3.1 </a:t>
+            </a:r>
+            <a:r>
+              <a:rPr lang="ja-JP" altLang="en-US" sz="3600" b="1" dirty="0" smtClean="0">
+                <a:solidFill>
+                  <a:schemeClr val="bg2"/>
+                </a:solidFill>
+                <a:latin typeface="メイリオ" panose="020B0604030504040204" pitchFamily="50" charset="-128"/>
+                <a:ea typeface="メイリオ" panose="020B0604030504040204" pitchFamily="50" charset="-128"/>
+              </a:rPr>
+              <a:t>線形基底関数モデル</a:t>
+            </a:r>
+            <a:endParaRPr lang="en-US" altLang="ja-JP" sz="3600" b="1" dirty="0" smtClean="0">
+              <a:solidFill>
+                <a:schemeClr val="bg2"/>
+              </a:solidFill>
+              <a:latin typeface="メイリオ" panose="020B0604030504040204" pitchFamily="50" charset="-128"/>
+              <a:ea typeface="メイリオ" panose="020B0604030504040204" pitchFamily="50" charset="-128"/>
+            </a:endParaRPr>
+          </a:p>
+          <a:p>
+            <a:pPr>
+              <a:lnSpc>
+                <a:spcPct val="150000"/>
+              </a:lnSpc>
+            </a:pPr>
+            <a:r>
+              <a:rPr lang="en-US" altLang="ja-JP" sz="3600" b="1" dirty="0" smtClean="0">
+                <a:solidFill>
+                  <a:schemeClr val="bg2"/>
+                </a:solidFill>
+                <a:latin typeface="メイリオ" panose="020B0604030504040204" pitchFamily="50" charset="-128"/>
+                <a:ea typeface="メイリオ" panose="020B0604030504040204" pitchFamily="50" charset="-128"/>
+              </a:rPr>
+              <a:t>3.2 </a:t>
+            </a:r>
+            <a:r>
+              <a:rPr lang="ja-JP" altLang="en-US" sz="3600" b="1" dirty="0" smtClean="0">
+                <a:solidFill>
+                  <a:schemeClr val="bg2"/>
+                </a:solidFill>
+                <a:latin typeface="メイリオ" panose="020B0604030504040204" pitchFamily="50" charset="-128"/>
+                <a:ea typeface="メイリオ" panose="020B0604030504040204" pitchFamily="50" charset="-128"/>
+              </a:rPr>
+              <a:t>バイアス・バリアンス分解</a:t>
+            </a:r>
+            <a:endParaRPr lang="en-US" altLang="ja-JP" sz="3600" b="1" dirty="0" smtClean="0">
+              <a:solidFill>
+                <a:schemeClr val="bg2"/>
+              </a:solidFill>
+              <a:latin typeface="メイリオ" panose="020B0604030504040204" pitchFamily="50" charset="-128"/>
+              <a:ea typeface="メイリオ" panose="020B0604030504040204" pitchFamily="50" charset="-128"/>
+            </a:endParaRPr>
+          </a:p>
+          <a:p>
+            <a:pPr>
+              <a:lnSpc>
+                <a:spcPct val="150000"/>
+              </a:lnSpc>
+            </a:pPr>
+            <a:r>
+              <a:rPr lang="en-US" altLang="ja-JP" sz="3600" b="1" dirty="0" smtClean="0">
+                <a:latin typeface="メイリオ" panose="020B0604030504040204" pitchFamily="50" charset="-128"/>
+                <a:ea typeface="メイリオ" panose="020B0604030504040204" pitchFamily="50" charset="-128"/>
+              </a:rPr>
+              <a:t>3.3 </a:t>
+            </a:r>
+            <a:r>
+              <a:rPr lang="ja-JP" altLang="en-US" sz="3600" b="1" dirty="0" smtClean="0">
+                <a:latin typeface="メイリオ" panose="020B0604030504040204" pitchFamily="50" charset="-128"/>
+                <a:ea typeface="メイリオ" panose="020B0604030504040204" pitchFamily="50" charset="-128"/>
+              </a:rPr>
+              <a:t>ベイズ線形回帰</a:t>
+            </a:r>
+            <a:endParaRPr lang="en-US" altLang="ja-JP" sz="3600" b="1" dirty="0" smtClean="0">
+              <a:latin typeface="メイリオ" panose="020B0604030504040204" pitchFamily="50" charset="-128"/>
+              <a:ea typeface="メイリオ" panose="020B0604030504040204" pitchFamily="50" charset="-128"/>
+            </a:endParaRPr>
+          </a:p>
+          <a:p>
+            <a:pPr>
+              <a:lnSpc>
+                <a:spcPct val="150000"/>
+              </a:lnSpc>
+            </a:pPr>
+            <a:r>
+              <a:rPr lang="en-US" altLang="ja-JP" sz="3600" b="1" dirty="0" smtClean="0">
+                <a:solidFill>
+                  <a:schemeClr val="bg2"/>
+                </a:solidFill>
+                <a:latin typeface="メイリオ" panose="020B0604030504040204" pitchFamily="50" charset="-128"/>
+                <a:ea typeface="メイリオ" panose="020B0604030504040204" pitchFamily="50" charset="-128"/>
+              </a:rPr>
+              <a:t>3.4 </a:t>
+            </a:r>
+            <a:r>
+              <a:rPr lang="ja-JP" altLang="en-US" sz="3600" b="1" dirty="0" smtClean="0">
+                <a:solidFill>
+                  <a:schemeClr val="bg2"/>
+                </a:solidFill>
+                <a:latin typeface="メイリオ" panose="020B0604030504040204" pitchFamily="50" charset="-128"/>
+                <a:ea typeface="メイリオ" panose="020B0604030504040204" pitchFamily="50" charset="-128"/>
+              </a:rPr>
+              <a:t>ベイズモデル比較</a:t>
+            </a:r>
+            <a:endParaRPr lang="en-US" altLang="ja-JP" sz="3600" b="1" dirty="0" smtClean="0">
+              <a:solidFill>
+                <a:schemeClr val="bg2"/>
+              </a:solidFill>
+              <a:latin typeface="メイリオ" panose="020B0604030504040204" pitchFamily="50" charset="-128"/>
+              <a:ea typeface="メイリオ" panose="020B0604030504040204" pitchFamily="50" charset="-128"/>
+            </a:endParaRPr>
+          </a:p>
+          <a:p>
+            <a:pPr>
+              <a:lnSpc>
+                <a:spcPct val="150000"/>
+              </a:lnSpc>
+            </a:pPr>
+            <a:r>
+              <a:rPr lang="en-US" altLang="ja-JP" sz="3600" b="1" dirty="0" smtClean="0">
+                <a:solidFill>
+                  <a:schemeClr val="bg2"/>
+                </a:solidFill>
+                <a:latin typeface="メイリオ" panose="020B0604030504040204" pitchFamily="50" charset="-128"/>
+                <a:ea typeface="メイリオ" panose="020B0604030504040204" pitchFamily="50" charset="-128"/>
+              </a:rPr>
+              <a:t>3.5 </a:t>
+            </a:r>
+            <a:r>
+              <a:rPr lang="ja-JP" altLang="en-US" sz="3600" b="1" dirty="0" smtClean="0">
+                <a:solidFill>
+                  <a:schemeClr val="bg2"/>
+                </a:solidFill>
+                <a:latin typeface="メイリオ" panose="020B0604030504040204" pitchFamily="50" charset="-128"/>
+                <a:ea typeface="メイリオ" panose="020B0604030504040204" pitchFamily="50" charset="-128"/>
+              </a:rPr>
+              <a:t>エビデンス近似</a:t>
+            </a:r>
+            <a:endParaRPr lang="ja-JP" altLang="en-US" sz="3600" b="1" dirty="0">
+              <a:solidFill>
+                <a:schemeClr val="bg2"/>
+              </a:solidFill>
+              <a:latin typeface="メイリオ" panose="020B0604030504040204" pitchFamily="50" charset="-128"/>
+              <a:ea typeface="メイリオ" panose="020B0604030504040204" pitchFamily="50" charset="-128"/>
+            </a:endParaRPr>
+          </a:p>
+        </p:txBody>
+      </p:sp>
+    </p:spTree>
+    <p:extLst>
+      <p:ext uri="{BB962C8B-B14F-4D97-AF65-F5344CB8AC3E}">
+        <p14:creationId xmlns:p14="http://schemas.microsoft.com/office/powerpoint/2010/main" val="1339047777"/>
+      </p:ext>
+    </p:extLst>
+  </p:cSld>
+  <p:clrMapOvr>
+    <a:masterClrMapping/>
+  </p:clrMapOvr>
+</p:sld>
+</file>
+
+<file path=ppt/slides/slide22.xml><?xml version="1.0" encoding="utf-8"?>
 <p:sld xmlns:a="http://schemas.openxmlformats.org/drawingml/2006/main" xmlns:r="http://schemas.openxmlformats.org/officeDocument/2006/relationships" xmlns:p="http://schemas.openxmlformats.org/presentationml/2006/main">
   <p:cSld>
     <p:spTree>
@@ -7296,7 +9580,7 @@
 </p:sld>
 </file>
 
-<file path=ppt/slides/slide18.xml><?xml version="1.0" encoding="utf-8"?>
+<file path=ppt/slides/slide23.xml><?xml version="1.0" encoding="utf-8"?>
 <p:sld xmlns:a="http://schemas.openxmlformats.org/drawingml/2006/main" xmlns:r="http://schemas.openxmlformats.org/officeDocument/2006/relationships" xmlns:p="http://schemas.openxmlformats.org/presentationml/2006/main">
   <p:cSld>
     <p:spTree>
@@ -7399,7 +9683,7 @@
         </p:nvSpPr>
         <p:spPr>
           <a:xfrm>
-            <a:off x="605306" y="1941663"/>
+            <a:off x="605306" y="1799994"/>
             <a:ext cx="8474299" cy="1077218"/>
           </a:xfrm>
           <a:prstGeom prst="rect">
@@ -7469,7 +9753,7 @@
         </p:nvSpPr>
         <p:spPr>
           <a:xfrm>
-            <a:off x="1126901" y="3219720"/>
+            <a:off x="1126901" y="3078051"/>
             <a:ext cx="6903076" cy="1077218"/>
           </a:xfrm>
           <a:prstGeom prst="rect">
@@ -7553,8 +9837,8 @@
         </p:nvSpPr>
         <p:spPr>
           <a:xfrm>
-            <a:off x="811368" y="5460643"/>
-            <a:ext cx="7160654" cy="1077218"/>
+            <a:off x="1262128" y="4497777"/>
+            <a:ext cx="7160654" cy="2062103"/>
           </a:xfrm>
           <a:prstGeom prst="rect">
             <a:avLst/>
@@ -7568,18 +9852,34 @@
           <a:lstStyle/>
           <a:p>
             <a:r>
+              <a:rPr lang="en-US" altLang="ja-JP" sz="3200" b="1" dirty="0" smtClean="0">
+                <a:latin typeface="メイリオ" panose="020B0604030504040204" pitchFamily="50" charset="-128"/>
+                <a:ea typeface="メイリオ" panose="020B0604030504040204" pitchFamily="50" charset="-128"/>
+              </a:rPr>
+              <a:t>Point</a:t>
+            </a:r>
+          </a:p>
+          <a:p>
+            <a:r>
               <a:rPr kumimoji="1" lang="en-US" altLang="ja-JP" sz="3200" b="1" dirty="0" smtClean="0">
                 <a:latin typeface="メイリオ" panose="020B0604030504040204" pitchFamily="50" charset="-128"/>
                 <a:ea typeface="メイリオ" panose="020B0604030504040204" pitchFamily="50" charset="-128"/>
               </a:rPr>
-              <a:t>※</a:t>
+              <a:t>‣</a:t>
             </a:r>
             <a:r>
               <a:rPr kumimoji="1" lang="ja-JP" altLang="en-US" sz="3200" b="1" dirty="0" smtClean="0">
                 <a:latin typeface="メイリオ" panose="020B0604030504040204" pitchFamily="50" charset="-128"/>
                 <a:ea typeface="メイリオ" panose="020B0604030504040204" pitchFamily="50" charset="-128"/>
               </a:rPr>
-              <a:t>事前分布がガウス分布であるため、</a:t>
+              <a:t>事前</a:t>
+            </a:r>
+            <a:r>
+              <a:rPr kumimoji="1" lang="ja-JP" altLang="en-US" sz="3200" b="1" dirty="0" smtClean="0">
+                <a:latin typeface="メイリオ" panose="020B0604030504040204" pitchFamily="50" charset="-128"/>
+                <a:ea typeface="メイリオ" panose="020B0604030504040204" pitchFamily="50" charset="-128"/>
+              </a:rPr>
+              <a:t>分布がガウス分布であるため、</a:t>
             </a:r>
             <a:endParaRPr kumimoji="1" lang="en-US" altLang="ja-JP" sz="3200" b="1" dirty="0" smtClean="0">
               <a:latin typeface="メイリオ" panose="020B0604030504040204" pitchFamily="50" charset="-128"/>
@@ -7599,12 +9899,99 @@
                 <a:latin typeface="メイリオ" panose="020B0604030504040204" pitchFamily="50" charset="-128"/>
                 <a:ea typeface="メイリオ" panose="020B0604030504040204" pitchFamily="50" charset="-128"/>
               </a:rPr>
-              <a:t>事後分布もガウス分布となる</a:t>
+              <a:t>事後分布もガウス分布と</a:t>
+            </a:r>
+            <a:r>
+              <a:rPr kumimoji="1" lang="ja-JP" altLang="en-US" sz="3200" b="1" dirty="0" smtClean="0">
+                <a:latin typeface="メイリオ" panose="020B0604030504040204" pitchFamily="50" charset="-128"/>
+                <a:ea typeface="メイリオ" panose="020B0604030504040204" pitchFamily="50" charset="-128"/>
+              </a:rPr>
+              <a:t>なる</a:t>
+            </a:r>
+            <a:endParaRPr kumimoji="1" lang="en-US" altLang="ja-JP" sz="3200" b="1" dirty="0" smtClean="0">
+              <a:latin typeface="メイリオ" panose="020B0604030504040204" pitchFamily="50" charset="-128"/>
+              <a:ea typeface="メイリオ" panose="020B0604030504040204" pitchFamily="50" charset="-128"/>
+            </a:endParaRPr>
+          </a:p>
+          <a:p>
+            <a:r>
+              <a:rPr lang="ja-JP" altLang="en-US" sz="3200" b="1" dirty="0" smtClean="0">
+                <a:latin typeface="メイリオ" panose="020B0604030504040204" pitchFamily="50" charset="-128"/>
+                <a:ea typeface="メイリオ" panose="020B0604030504040204" pitchFamily="50" charset="-128"/>
+              </a:rPr>
+              <a:t>→計算が楽</a:t>
+            </a:r>
+            <a:r>
+              <a:rPr lang="en-US" altLang="ja-JP" sz="3200" b="1" dirty="0" smtClean="0">
+                <a:latin typeface="メイリオ" panose="020B0604030504040204" pitchFamily="50" charset="-128"/>
+                <a:ea typeface="メイリオ" panose="020B0604030504040204" pitchFamily="50" charset="-128"/>
+              </a:rPr>
+              <a:t>(</a:t>
+            </a:r>
+            <a:r>
+              <a:rPr lang="ja-JP" altLang="en-US" sz="3200" b="1" dirty="0" smtClean="0">
+                <a:latin typeface="メイリオ" panose="020B0604030504040204" pitchFamily="50" charset="-128"/>
+                <a:ea typeface="メイリオ" panose="020B0604030504040204" pitchFamily="50" charset="-128"/>
+              </a:rPr>
+              <a:t>事後分布の更新が楽</a:t>
+            </a:r>
+            <a:r>
+              <a:rPr lang="en-US" altLang="ja-JP" sz="3200" b="1" dirty="0" smtClean="0">
+                <a:latin typeface="メイリオ" panose="020B0604030504040204" pitchFamily="50" charset="-128"/>
+                <a:ea typeface="メイリオ" panose="020B0604030504040204" pitchFamily="50" charset="-128"/>
+              </a:rPr>
+              <a:t>)</a:t>
             </a:r>
             <a:endParaRPr kumimoji="1" lang="ja-JP" altLang="en-US" sz="3200" b="1" dirty="0">
               <a:latin typeface="メイリオ" panose="020B0604030504040204" pitchFamily="50" charset="-128"/>
               <a:ea typeface="メイリオ" panose="020B0604030504040204" pitchFamily="50" charset="-128"/>
             </a:endParaRPr>
+          </a:p>
+        </p:txBody>
+      </p:sp>
+      <p:sp>
+        <p:nvSpPr>
+          <p:cNvPr id="6" name="正方形/長方形 5"/>
+          <p:cNvSpPr/>
+          <p:nvPr/>
+        </p:nvSpPr>
+        <p:spPr>
+          <a:xfrm>
+            <a:off x="1017431" y="4435649"/>
+            <a:ext cx="7405351" cy="2186358"/>
+          </a:xfrm>
+          <a:prstGeom prst="rect">
+            <a:avLst/>
+          </a:prstGeom>
+          <a:noFill/>
+          <a:ln>
+            <a:solidFill>
+              <a:srgbClr val="FF0000"/>
+            </a:solidFill>
+          </a:ln>
+        </p:spPr>
+        <p:style>
+          <a:lnRef idx="2">
+            <a:schemeClr val="accent1">
+              <a:shade val="50000"/>
+            </a:schemeClr>
+          </a:lnRef>
+          <a:fillRef idx="1">
+            <a:schemeClr val="accent1"/>
+          </a:fillRef>
+          <a:effectRef idx="0">
+            <a:schemeClr val="accent1"/>
+          </a:effectRef>
+          <a:fontRef idx="minor">
+            <a:schemeClr val="lt1"/>
+          </a:fontRef>
+        </p:style>
+        <p:txBody>
+          <a:bodyPr rtlCol="0" anchor="ctr"/>
+          <a:lstStyle/>
+          <a:p>
+            <a:pPr algn="ctr"/>
+            <a:endParaRPr kumimoji="1" lang="ja-JP" altLang="en-US"/>
           </a:p>
         </p:txBody>
       </p:sp>
@@ -7621,7 +10008,7 @@
 </p:sld>
 </file>
 
-<file path=ppt/slides/slide19.xml><?xml version="1.0" encoding="utf-8"?>
+<file path=ppt/slides/slide24.xml><?xml version="1.0" encoding="utf-8"?>
 <p:sld xmlns:a="http://schemas.openxmlformats.org/drawingml/2006/main" xmlns:r="http://schemas.openxmlformats.org/officeDocument/2006/relationships" xmlns:p="http://schemas.openxmlformats.org/presentationml/2006/main">
   <p:cSld>
     <p:spTree>
@@ -7999,204 +10386,7 @@
 </p:sld>
 </file>
 
-<file path=ppt/slides/slide2.xml><?xml version="1.0" encoding="utf-8"?>
-<p:sld xmlns:a="http://schemas.openxmlformats.org/drawingml/2006/main" xmlns:r="http://schemas.openxmlformats.org/officeDocument/2006/relationships" xmlns:p="http://schemas.openxmlformats.org/presentationml/2006/main">
-  <p:cSld>
-    <p:spTree>
-      <p:nvGrpSpPr>
-        <p:cNvPr id="1" name=""/>
-        <p:cNvGrpSpPr/>
-        <p:nvPr/>
-      </p:nvGrpSpPr>
-      <p:grpSpPr>
-        <a:xfrm>
-          <a:off x="0" y="0"/>
-          <a:ext cx="0" cy="0"/>
-          <a:chOff x="0" y="0"/>
-          <a:chExt cx="0" cy="0"/>
-        </a:xfrm>
-      </p:grpSpPr>
-      <p:sp>
-        <p:nvSpPr>
-          <p:cNvPr id="2" name="テキスト ボックス 1"/>
-          <p:cNvSpPr txBox="1"/>
-          <p:nvPr/>
-        </p:nvSpPr>
-        <p:spPr>
-          <a:xfrm>
-            <a:off x="1918954" y="1496096"/>
-            <a:ext cx="5628065" cy="830997"/>
-          </a:xfrm>
-          <a:prstGeom prst="rect">
-            <a:avLst/>
-          </a:prstGeom>
-          <a:noFill/>
-        </p:spPr>
-        <p:txBody>
-          <a:bodyPr wrap="square" rtlCol="0">
-            <a:spAutoFit/>
-          </a:bodyPr>
-          <a:lstStyle/>
-          <a:p>
-            <a:r>
-              <a:rPr lang="ja-JP" altLang="en-US" sz="4800" b="1" dirty="0">
-                <a:latin typeface="メイリオ" panose="020B0604030504040204" pitchFamily="50" charset="-128"/>
-                <a:ea typeface="メイリオ" panose="020B0604030504040204" pitchFamily="50" charset="-128"/>
-              </a:rPr>
-              <a:t>この章でやること</a:t>
-            </a:r>
-          </a:p>
-        </p:txBody>
-      </p:sp>
-      <p:sp>
-        <p:nvSpPr>
-          <p:cNvPr id="3" name="テキスト ボックス 2"/>
-          <p:cNvSpPr txBox="1"/>
-          <p:nvPr/>
-        </p:nvSpPr>
-        <p:spPr>
-          <a:xfrm>
-            <a:off x="668092" y="2869573"/>
-            <a:ext cx="5835739" cy="584775"/>
-          </a:xfrm>
-          <a:prstGeom prst="rect">
-            <a:avLst/>
-          </a:prstGeom>
-          <a:noFill/>
-        </p:spPr>
-        <p:txBody>
-          <a:bodyPr wrap="square" rtlCol="0">
-            <a:spAutoFit/>
-          </a:bodyPr>
-          <a:lstStyle/>
-          <a:p>
-            <a:r>
-              <a:rPr lang="ja-JP" altLang="en-US" sz="3200" b="1" dirty="0">
-                <a:latin typeface="メイリオ" panose="020B0604030504040204" pitchFamily="50" charset="-128"/>
-                <a:ea typeface="メイリオ" panose="020B0604030504040204" pitchFamily="50" charset="-128"/>
-              </a:rPr>
-              <a:t>・線形回帰を理解する</a:t>
-            </a:r>
-            <a:r>
-              <a:rPr lang="en-US" altLang="ja-JP" sz="3200" b="1" dirty="0">
-                <a:latin typeface="メイリオ" panose="020B0604030504040204" pitchFamily="50" charset="-128"/>
-                <a:ea typeface="メイリオ" panose="020B0604030504040204" pitchFamily="50" charset="-128"/>
-              </a:rPr>
-              <a:t>(</a:t>
-            </a:r>
-            <a:r>
-              <a:rPr lang="ja-JP" altLang="en-US" sz="3200" b="1" dirty="0">
-                <a:latin typeface="メイリオ" panose="020B0604030504040204" pitchFamily="50" charset="-128"/>
-                <a:ea typeface="メイリオ" panose="020B0604030504040204" pitchFamily="50" charset="-128"/>
-              </a:rPr>
-              <a:t>前半</a:t>
-            </a:r>
-            <a:r>
-              <a:rPr lang="en-US" altLang="ja-JP" sz="3200" b="1" dirty="0">
-                <a:latin typeface="メイリオ" panose="020B0604030504040204" pitchFamily="50" charset="-128"/>
-                <a:ea typeface="メイリオ" panose="020B0604030504040204" pitchFamily="50" charset="-128"/>
-              </a:rPr>
-              <a:t>)</a:t>
-            </a:r>
-            <a:endParaRPr lang="ja-JP" altLang="en-US" sz="3200" b="1" dirty="0">
-              <a:latin typeface="メイリオ" panose="020B0604030504040204" pitchFamily="50" charset="-128"/>
-              <a:ea typeface="メイリオ" panose="020B0604030504040204" pitchFamily="50" charset="-128"/>
-            </a:endParaRPr>
-          </a:p>
-        </p:txBody>
-      </p:sp>
-      <p:sp>
-        <p:nvSpPr>
-          <p:cNvPr id="4" name="テキスト ボックス 3"/>
-          <p:cNvSpPr txBox="1"/>
-          <p:nvPr/>
-        </p:nvSpPr>
-        <p:spPr>
-          <a:xfrm>
-            <a:off x="666481" y="3761436"/>
-            <a:ext cx="7614634" cy="584775"/>
-          </a:xfrm>
-          <a:prstGeom prst="rect">
-            <a:avLst/>
-          </a:prstGeom>
-          <a:noFill/>
-        </p:spPr>
-        <p:txBody>
-          <a:bodyPr wrap="square" rtlCol="0">
-            <a:spAutoFit/>
-          </a:bodyPr>
-          <a:lstStyle/>
-          <a:p>
-            <a:r>
-              <a:rPr lang="ja-JP" altLang="en-US" sz="3200" b="1" dirty="0">
-                <a:latin typeface="メイリオ" panose="020B0604030504040204" pitchFamily="50" charset="-128"/>
-                <a:ea typeface="メイリオ" panose="020B0604030504040204" pitchFamily="50" charset="-128"/>
-              </a:rPr>
-              <a:t>・ベイズ</a:t>
-            </a:r>
-            <a:r>
-              <a:rPr lang="en-US" altLang="ja-JP" sz="3200" b="1" dirty="0">
-                <a:latin typeface="メイリオ" panose="020B0604030504040204" pitchFamily="50" charset="-128"/>
-                <a:ea typeface="メイリオ" panose="020B0604030504040204" pitchFamily="50" charset="-128"/>
-              </a:rPr>
-              <a:t>+</a:t>
-            </a:r>
-            <a:r>
-              <a:rPr lang="ja-JP" altLang="en-US" sz="3200" b="1" dirty="0">
-                <a:latin typeface="メイリオ" panose="020B0604030504040204" pitchFamily="50" charset="-128"/>
-                <a:ea typeface="メイリオ" panose="020B0604030504040204" pitchFamily="50" charset="-128"/>
-              </a:rPr>
-              <a:t>線形回帰を理解する</a:t>
-            </a:r>
-            <a:r>
-              <a:rPr lang="en-US" altLang="ja-JP" sz="3200" b="1" dirty="0">
-                <a:latin typeface="メイリオ" panose="020B0604030504040204" pitchFamily="50" charset="-128"/>
-                <a:ea typeface="メイリオ" panose="020B0604030504040204" pitchFamily="50" charset="-128"/>
-              </a:rPr>
-              <a:t>(</a:t>
-            </a:r>
-            <a:r>
-              <a:rPr lang="ja-JP" altLang="en-US" sz="3200" b="1" dirty="0">
-                <a:latin typeface="メイリオ" panose="020B0604030504040204" pitchFamily="50" charset="-128"/>
-                <a:ea typeface="メイリオ" panose="020B0604030504040204" pitchFamily="50" charset="-128"/>
-              </a:rPr>
-              <a:t>後半</a:t>
-            </a:r>
-            <a:r>
-              <a:rPr lang="en-US" altLang="ja-JP" sz="3200" b="1" dirty="0">
-                <a:latin typeface="メイリオ" panose="020B0604030504040204" pitchFamily="50" charset="-128"/>
-                <a:ea typeface="メイリオ" panose="020B0604030504040204" pitchFamily="50" charset="-128"/>
-              </a:rPr>
-              <a:t>)</a:t>
-            </a:r>
-            <a:endParaRPr lang="ja-JP" altLang="en-US" sz="3200" b="1" dirty="0">
-              <a:latin typeface="メイリオ" panose="020B0604030504040204" pitchFamily="50" charset="-128"/>
-              <a:ea typeface="メイリオ" panose="020B0604030504040204" pitchFamily="50" charset="-128"/>
-            </a:endParaRPr>
-          </a:p>
-        </p:txBody>
-      </p:sp>
-    </p:spTree>
-    <p:extLst>
-      <p:ext uri="{BB962C8B-B14F-4D97-AF65-F5344CB8AC3E}">
-        <p14:creationId xmlns:p14="http://schemas.microsoft.com/office/powerpoint/2010/main" val="3970381486"/>
-      </p:ext>
-    </p:extLst>
-  </p:cSld>
-  <p:clrMapOvr>
-    <a:masterClrMapping/>
-  </p:clrMapOvr>
-  <p:timing>
-    <p:tnLst>
-      <p:par>
-        <p:cTn id="1" dur="indefinite" restart="never" nodeType="tmRoot"/>
-      </p:par>
-    </p:tnLst>
-  </p:timing>
-</p:sld>
-</file>
-
-<file path=ppt/slides/slide20.xml><?xml version="1.0" encoding="utf-8"?>
+<file path=ppt/slides/slide25.xml><?xml version="1.0" encoding="utf-8"?>
 <p:sld xmlns:a="http://schemas.openxmlformats.org/drawingml/2006/main" xmlns:r="http://schemas.openxmlformats.org/officeDocument/2006/relationships" xmlns:p="http://schemas.openxmlformats.org/presentationml/2006/main">
   <p:cSld>
     <p:spTree>
@@ -8694,7 +10884,7 @@
 </p:sld>
 </file>
 
-<file path=ppt/slides/slide21.xml><?xml version="1.0" encoding="utf-8"?>
+<file path=ppt/slides/slide26.xml><?xml version="1.0" encoding="utf-8"?>
 <p:sld xmlns:a="http://schemas.openxmlformats.org/drawingml/2006/main" xmlns:r="http://schemas.openxmlformats.org/officeDocument/2006/relationships" xmlns:p="http://schemas.openxmlformats.org/presentationml/2006/main">
   <p:cSld>
     <p:spTree>
@@ -9007,7 +11197,7 @@
 </p:sld>
 </file>
 
-<file path=ppt/slides/slide22.xml><?xml version="1.0" encoding="utf-8"?>
+<file path=ppt/slides/slide27.xml><?xml version="1.0" encoding="utf-8"?>
 <p:sld xmlns:a="http://schemas.openxmlformats.org/drawingml/2006/main" xmlns:r="http://schemas.openxmlformats.org/officeDocument/2006/relationships" xmlns:p="http://schemas.openxmlformats.org/presentationml/2006/main">
   <p:cSld>
     <p:spTree>
@@ -9373,7 +11563,7 @@
 </p:sld>
 </file>
 
-<file path=ppt/slides/slide23.xml><?xml version="1.0" encoding="utf-8"?>
+<file path=ppt/slides/slide28.xml><?xml version="1.0" encoding="utf-8"?>
 <p:sld xmlns:a="http://schemas.openxmlformats.org/drawingml/2006/main" xmlns:r="http://schemas.openxmlformats.org/officeDocument/2006/relationships" xmlns:p="http://schemas.openxmlformats.org/presentationml/2006/main">
   <p:cSld>
     <p:spTree>
@@ -9390,8 +11580,8 @@
           <a:chExt cx="0" cy="0"/>
         </a:xfrm>
       </p:grpSpPr>
-      <mc:AlternateContent xmlns:mc="http://schemas.openxmlformats.org/markup-compatibility/2006">
-        <mc:Choice xmlns:a14="http://schemas.microsoft.com/office/drawing/2010/main" Requires="a14">
+      <mc:AlternateContent xmlns:mc="http://schemas.openxmlformats.org/markup-compatibility/2006" xmlns:a14="http://schemas.microsoft.com/office/drawing/2010/main">
+        <mc:Choice Requires="a14">
           <p:sp>
             <p:nvSpPr>
               <p:cNvPr id="2" name="テキスト ボックス 1"/>
@@ -9461,7 +11651,7 @@
             </p:txBody>
           </p:sp>
         </mc:Choice>
-        <mc:Fallback>
+        <mc:Fallback xmlns="">
           <p:sp>
             <p:nvSpPr>
               <p:cNvPr id="2" name="テキスト ボックス 1"/>
@@ -9709,7 +11899,7 @@
 </p:sld>
 </file>
 
-<file path=ppt/slides/slide24.xml><?xml version="1.0" encoding="utf-8"?>
+<file path=ppt/slides/slide29.xml><?xml version="1.0" encoding="utf-8"?>
 <p:sld xmlns:a="http://schemas.openxmlformats.org/drawingml/2006/main" xmlns:r="http://schemas.openxmlformats.org/officeDocument/2006/relationships" xmlns:p="http://schemas.openxmlformats.org/presentationml/2006/main">
   <p:cSld>
     <p:spTree>
@@ -9897,7 +12087,427 @@
 </p:sld>
 </file>
 
-<file path=ppt/slides/slide25.xml><?xml version="1.0" encoding="utf-8"?>
+<file path=ppt/slides/slide3.xml><?xml version="1.0" encoding="utf-8"?>
+<p:sld xmlns:a="http://schemas.openxmlformats.org/drawingml/2006/main" xmlns:r="http://schemas.openxmlformats.org/officeDocument/2006/relationships" xmlns:p="http://schemas.openxmlformats.org/presentationml/2006/main">
+  <p:cSld>
+    <p:spTree>
+      <p:nvGrpSpPr>
+        <p:cNvPr id="1" name=""/>
+        <p:cNvGrpSpPr/>
+        <p:nvPr/>
+      </p:nvGrpSpPr>
+      <p:grpSpPr>
+        <a:xfrm>
+          <a:off x="0" y="0"/>
+          <a:ext cx="0" cy="0"/>
+          <a:chOff x="0" y="0"/>
+          <a:chExt cx="0" cy="0"/>
+        </a:xfrm>
+      </p:grpSpPr>
+      <p:sp>
+        <p:nvSpPr>
+          <p:cNvPr id="2" name="テキスト ボックス 1"/>
+          <p:cNvSpPr txBox="1"/>
+          <p:nvPr/>
+        </p:nvSpPr>
+        <p:spPr>
+          <a:xfrm>
+            <a:off x="1918954" y="1496096"/>
+            <a:ext cx="5628065" cy="830997"/>
+          </a:xfrm>
+          <a:prstGeom prst="rect">
+            <a:avLst/>
+          </a:prstGeom>
+          <a:noFill/>
+        </p:spPr>
+        <p:txBody>
+          <a:bodyPr wrap="square" rtlCol="0">
+            <a:spAutoFit/>
+          </a:bodyPr>
+          <a:lstStyle/>
+          <a:p>
+            <a:r>
+              <a:rPr lang="ja-JP" altLang="en-US" sz="4800" b="1" dirty="0">
+                <a:latin typeface="メイリオ" panose="020B0604030504040204" pitchFamily="50" charset="-128"/>
+                <a:ea typeface="メイリオ" panose="020B0604030504040204" pitchFamily="50" charset="-128"/>
+              </a:rPr>
+              <a:t>この章でやること</a:t>
+            </a:r>
+          </a:p>
+        </p:txBody>
+      </p:sp>
+      <p:sp>
+        <p:nvSpPr>
+          <p:cNvPr id="3" name="テキスト ボックス 2"/>
+          <p:cNvSpPr txBox="1"/>
+          <p:nvPr/>
+        </p:nvSpPr>
+        <p:spPr>
+          <a:xfrm>
+            <a:off x="668092" y="2869573"/>
+            <a:ext cx="5835739" cy="584775"/>
+          </a:xfrm>
+          <a:prstGeom prst="rect">
+            <a:avLst/>
+          </a:prstGeom>
+          <a:noFill/>
+        </p:spPr>
+        <p:txBody>
+          <a:bodyPr wrap="square" rtlCol="0">
+            <a:spAutoFit/>
+          </a:bodyPr>
+          <a:lstStyle/>
+          <a:p>
+            <a:r>
+              <a:rPr lang="ja-JP" altLang="en-US" sz="3200" b="1" dirty="0">
+                <a:latin typeface="メイリオ" panose="020B0604030504040204" pitchFamily="50" charset="-128"/>
+                <a:ea typeface="メイリオ" panose="020B0604030504040204" pitchFamily="50" charset="-128"/>
+              </a:rPr>
+              <a:t>・線形回帰を理解する</a:t>
+            </a:r>
+            <a:r>
+              <a:rPr lang="en-US" altLang="ja-JP" sz="3200" b="1" dirty="0">
+                <a:latin typeface="メイリオ" panose="020B0604030504040204" pitchFamily="50" charset="-128"/>
+                <a:ea typeface="メイリオ" panose="020B0604030504040204" pitchFamily="50" charset="-128"/>
+              </a:rPr>
+              <a:t>(</a:t>
+            </a:r>
+            <a:r>
+              <a:rPr lang="ja-JP" altLang="en-US" sz="3200" b="1" dirty="0">
+                <a:latin typeface="メイリオ" panose="020B0604030504040204" pitchFamily="50" charset="-128"/>
+                <a:ea typeface="メイリオ" panose="020B0604030504040204" pitchFamily="50" charset="-128"/>
+              </a:rPr>
+              <a:t>前半</a:t>
+            </a:r>
+            <a:r>
+              <a:rPr lang="en-US" altLang="ja-JP" sz="3200" b="1" dirty="0">
+                <a:latin typeface="メイリオ" panose="020B0604030504040204" pitchFamily="50" charset="-128"/>
+                <a:ea typeface="メイリオ" panose="020B0604030504040204" pitchFamily="50" charset="-128"/>
+              </a:rPr>
+              <a:t>)</a:t>
+            </a:r>
+            <a:endParaRPr lang="ja-JP" altLang="en-US" sz="3200" b="1" dirty="0">
+              <a:latin typeface="メイリオ" panose="020B0604030504040204" pitchFamily="50" charset="-128"/>
+              <a:ea typeface="メイリオ" panose="020B0604030504040204" pitchFamily="50" charset="-128"/>
+            </a:endParaRPr>
+          </a:p>
+        </p:txBody>
+      </p:sp>
+      <p:sp>
+        <p:nvSpPr>
+          <p:cNvPr id="4" name="テキスト ボックス 3"/>
+          <p:cNvSpPr txBox="1"/>
+          <p:nvPr/>
+        </p:nvSpPr>
+        <p:spPr>
+          <a:xfrm>
+            <a:off x="666481" y="3761436"/>
+            <a:ext cx="7614634" cy="584775"/>
+          </a:xfrm>
+          <a:prstGeom prst="rect">
+            <a:avLst/>
+          </a:prstGeom>
+          <a:noFill/>
+        </p:spPr>
+        <p:txBody>
+          <a:bodyPr wrap="square" rtlCol="0">
+            <a:spAutoFit/>
+          </a:bodyPr>
+          <a:lstStyle/>
+          <a:p>
+            <a:r>
+              <a:rPr lang="ja-JP" altLang="en-US" sz="3200" b="1" dirty="0">
+                <a:latin typeface="メイリオ" panose="020B0604030504040204" pitchFamily="50" charset="-128"/>
+                <a:ea typeface="メイリオ" panose="020B0604030504040204" pitchFamily="50" charset="-128"/>
+              </a:rPr>
+              <a:t>・ベイズ</a:t>
+            </a:r>
+            <a:r>
+              <a:rPr lang="en-US" altLang="ja-JP" sz="3200" b="1" dirty="0">
+                <a:latin typeface="メイリオ" panose="020B0604030504040204" pitchFamily="50" charset="-128"/>
+                <a:ea typeface="メイリオ" panose="020B0604030504040204" pitchFamily="50" charset="-128"/>
+              </a:rPr>
+              <a:t>+</a:t>
+            </a:r>
+            <a:r>
+              <a:rPr lang="ja-JP" altLang="en-US" sz="3200" b="1" dirty="0">
+                <a:latin typeface="メイリオ" panose="020B0604030504040204" pitchFamily="50" charset="-128"/>
+                <a:ea typeface="メイリオ" panose="020B0604030504040204" pitchFamily="50" charset="-128"/>
+              </a:rPr>
+              <a:t>線形回帰を理解する</a:t>
+            </a:r>
+            <a:r>
+              <a:rPr lang="en-US" altLang="ja-JP" sz="3200" b="1" dirty="0">
+                <a:latin typeface="メイリオ" panose="020B0604030504040204" pitchFamily="50" charset="-128"/>
+                <a:ea typeface="メイリオ" panose="020B0604030504040204" pitchFamily="50" charset="-128"/>
+              </a:rPr>
+              <a:t>(</a:t>
+            </a:r>
+            <a:r>
+              <a:rPr lang="ja-JP" altLang="en-US" sz="3200" b="1" dirty="0">
+                <a:latin typeface="メイリオ" panose="020B0604030504040204" pitchFamily="50" charset="-128"/>
+                <a:ea typeface="メイリオ" panose="020B0604030504040204" pitchFamily="50" charset="-128"/>
+              </a:rPr>
+              <a:t>後半</a:t>
+            </a:r>
+            <a:r>
+              <a:rPr lang="en-US" altLang="ja-JP" sz="3200" b="1" dirty="0">
+                <a:latin typeface="メイリオ" panose="020B0604030504040204" pitchFamily="50" charset="-128"/>
+                <a:ea typeface="メイリオ" panose="020B0604030504040204" pitchFamily="50" charset="-128"/>
+              </a:rPr>
+              <a:t>)</a:t>
+            </a:r>
+            <a:endParaRPr lang="ja-JP" altLang="en-US" sz="3200" b="1" dirty="0">
+              <a:latin typeface="メイリオ" panose="020B0604030504040204" pitchFamily="50" charset="-128"/>
+              <a:ea typeface="メイリオ" panose="020B0604030504040204" pitchFamily="50" charset="-128"/>
+            </a:endParaRPr>
+          </a:p>
+        </p:txBody>
+      </p:sp>
+    </p:spTree>
+    <p:extLst>
+      <p:ext uri="{BB962C8B-B14F-4D97-AF65-F5344CB8AC3E}">
+        <p14:creationId xmlns:p14="http://schemas.microsoft.com/office/powerpoint/2010/main" val="3970381486"/>
+      </p:ext>
+    </p:extLst>
+  </p:cSld>
+  <p:clrMapOvr>
+    <a:masterClrMapping/>
+  </p:clrMapOvr>
+  <p:timing>
+    <p:tnLst>
+      <p:par>
+        <p:cTn id="1" dur="indefinite" restart="never" nodeType="tmRoot"/>
+      </p:par>
+    </p:tnLst>
+  </p:timing>
+</p:sld>
+</file>
+
+<file path=ppt/slides/slide30.xml><?xml version="1.0" encoding="utf-8"?>
+<p:sld xmlns:a="http://schemas.openxmlformats.org/drawingml/2006/main" xmlns:r="http://schemas.openxmlformats.org/officeDocument/2006/relationships" xmlns:p="http://schemas.openxmlformats.org/presentationml/2006/main">
+  <p:cSld>
+    <p:spTree>
+      <p:nvGrpSpPr>
+        <p:cNvPr id="1" name=""/>
+        <p:cNvGrpSpPr/>
+        <p:nvPr/>
+      </p:nvGrpSpPr>
+      <p:grpSpPr>
+        <a:xfrm>
+          <a:off x="0" y="0"/>
+          <a:ext cx="0" cy="0"/>
+          <a:chOff x="0" y="0"/>
+          <a:chExt cx="0" cy="0"/>
+        </a:xfrm>
+      </p:grpSpPr>
+      <p:sp>
+        <p:nvSpPr>
+          <p:cNvPr id="3" name="テキスト ボックス 2"/>
+          <p:cNvSpPr txBox="1"/>
+          <p:nvPr/>
+        </p:nvSpPr>
+        <p:spPr>
+          <a:xfrm>
+            <a:off x="1365159" y="1171978"/>
+            <a:ext cx="7225048" cy="4247317"/>
+          </a:xfrm>
+          <a:prstGeom prst="rect">
+            <a:avLst/>
+          </a:prstGeom>
+          <a:noFill/>
+        </p:spPr>
+        <p:txBody>
+          <a:bodyPr wrap="square" rtlCol="0">
+            <a:spAutoFit/>
+          </a:bodyPr>
+          <a:lstStyle/>
+          <a:p>
+            <a:pPr>
+              <a:lnSpc>
+                <a:spcPct val="150000"/>
+              </a:lnSpc>
+            </a:pPr>
+            <a:r>
+              <a:rPr lang="en-US" altLang="ja-JP" sz="3600" b="1" dirty="0" smtClean="0">
+                <a:solidFill>
+                  <a:schemeClr val="bg2"/>
+                </a:solidFill>
+                <a:latin typeface="メイリオ" panose="020B0604030504040204" pitchFamily="50" charset="-128"/>
+                <a:ea typeface="メイリオ" panose="020B0604030504040204" pitchFamily="50" charset="-128"/>
+              </a:rPr>
+              <a:t>3.1 </a:t>
+            </a:r>
+            <a:r>
+              <a:rPr lang="ja-JP" altLang="en-US" sz="3600" b="1" dirty="0" smtClean="0">
+                <a:solidFill>
+                  <a:schemeClr val="bg2"/>
+                </a:solidFill>
+                <a:latin typeface="メイリオ" panose="020B0604030504040204" pitchFamily="50" charset="-128"/>
+                <a:ea typeface="メイリオ" panose="020B0604030504040204" pitchFamily="50" charset="-128"/>
+              </a:rPr>
+              <a:t>線形基底関数モデル</a:t>
+            </a:r>
+            <a:endParaRPr lang="en-US" altLang="ja-JP" sz="3600" b="1" dirty="0" smtClean="0">
+              <a:solidFill>
+                <a:schemeClr val="bg2"/>
+              </a:solidFill>
+              <a:latin typeface="メイリオ" panose="020B0604030504040204" pitchFamily="50" charset="-128"/>
+              <a:ea typeface="メイリオ" panose="020B0604030504040204" pitchFamily="50" charset="-128"/>
+            </a:endParaRPr>
+          </a:p>
+          <a:p>
+            <a:pPr>
+              <a:lnSpc>
+                <a:spcPct val="150000"/>
+              </a:lnSpc>
+            </a:pPr>
+            <a:r>
+              <a:rPr lang="en-US" altLang="ja-JP" sz="3600" b="1" dirty="0" smtClean="0">
+                <a:solidFill>
+                  <a:schemeClr val="bg2"/>
+                </a:solidFill>
+                <a:latin typeface="メイリオ" panose="020B0604030504040204" pitchFamily="50" charset="-128"/>
+                <a:ea typeface="メイリオ" panose="020B0604030504040204" pitchFamily="50" charset="-128"/>
+              </a:rPr>
+              <a:t>3.2 </a:t>
+            </a:r>
+            <a:r>
+              <a:rPr lang="ja-JP" altLang="en-US" sz="3600" b="1" dirty="0" smtClean="0">
+                <a:solidFill>
+                  <a:schemeClr val="bg2"/>
+                </a:solidFill>
+                <a:latin typeface="メイリオ" panose="020B0604030504040204" pitchFamily="50" charset="-128"/>
+                <a:ea typeface="メイリオ" panose="020B0604030504040204" pitchFamily="50" charset="-128"/>
+              </a:rPr>
+              <a:t>バイアス・バリアンス分解</a:t>
+            </a:r>
+            <a:endParaRPr lang="en-US" altLang="ja-JP" sz="3600" b="1" dirty="0" smtClean="0">
+              <a:solidFill>
+                <a:schemeClr val="bg2"/>
+              </a:solidFill>
+              <a:latin typeface="メイリオ" panose="020B0604030504040204" pitchFamily="50" charset="-128"/>
+              <a:ea typeface="メイリオ" panose="020B0604030504040204" pitchFamily="50" charset="-128"/>
+            </a:endParaRPr>
+          </a:p>
+          <a:p>
+            <a:pPr>
+              <a:lnSpc>
+                <a:spcPct val="150000"/>
+              </a:lnSpc>
+            </a:pPr>
+            <a:r>
+              <a:rPr lang="en-US" altLang="ja-JP" sz="3600" b="1" dirty="0" smtClean="0">
+                <a:solidFill>
+                  <a:schemeClr val="bg2"/>
+                </a:solidFill>
+                <a:latin typeface="メイリオ" panose="020B0604030504040204" pitchFamily="50" charset="-128"/>
+                <a:ea typeface="メイリオ" panose="020B0604030504040204" pitchFamily="50" charset="-128"/>
+              </a:rPr>
+              <a:t>3.3 </a:t>
+            </a:r>
+            <a:r>
+              <a:rPr lang="ja-JP" altLang="en-US" sz="3600" b="1" dirty="0" smtClean="0">
+                <a:solidFill>
+                  <a:schemeClr val="bg2"/>
+                </a:solidFill>
+                <a:latin typeface="メイリオ" panose="020B0604030504040204" pitchFamily="50" charset="-128"/>
+                <a:ea typeface="メイリオ" panose="020B0604030504040204" pitchFamily="50" charset="-128"/>
+              </a:rPr>
+              <a:t>ベイズ線形回帰</a:t>
+            </a:r>
+            <a:endParaRPr lang="en-US" altLang="ja-JP" sz="3600" b="1" dirty="0" smtClean="0">
+              <a:solidFill>
+                <a:schemeClr val="bg2"/>
+              </a:solidFill>
+              <a:latin typeface="メイリオ" panose="020B0604030504040204" pitchFamily="50" charset="-128"/>
+              <a:ea typeface="メイリオ" panose="020B0604030504040204" pitchFamily="50" charset="-128"/>
+            </a:endParaRPr>
+          </a:p>
+          <a:p>
+            <a:pPr>
+              <a:lnSpc>
+                <a:spcPct val="150000"/>
+              </a:lnSpc>
+            </a:pPr>
+            <a:r>
+              <a:rPr lang="en-US" altLang="ja-JP" sz="3600" b="1" dirty="0" smtClean="0">
+                <a:solidFill>
+                  <a:prstClr val="black"/>
+                </a:solidFill>
+                <a:latin typeface="メイリオ" panose="020B0604030504040204" pitchFamily="50" charset="-128"/>
+                <a:ea typeface="メイリオ" panose="020B0604030504040204" pitchFamily="50" charset="-128"/>
+              </a:rPr>
+              <a:t>3.4 </a:t>
+            </a:r>
+            <a:r>
+              <a:rPr lang="ja-JP" altLang="en-US" sz="3600" b="1" dirty="0" smtClean="0">
+                <a:solidFill>
+                  <a:prstClr val="black"/>
+                </a:solidFill>
+                <a:latin typeface="メイリオ" panose="020B0604030504040204" pitchFamily="50" charset="-128"/>
+                <a:ea typeface="メイリオ" panose="020B0604030504040204" pitchFamily="50" charset="-128"/>
+              </a:rPr>
+              <a:t>ベイズモデル比較</a:t>
+            </a:r>
+            <a:endParaRPr lang="en-US" altLang="ja-JP" sz="3600" b="1" dirty="0" smtClean="0">
+              <a:solidFill>
+                <a:prstClr val="black"/>
+              </a:solidFill>
+              <a:latin typeface="メイリオ" panose="020B0604030504040204" pitchFamily="50" charset="-128"/>
+              <a:ea typeface="メイリオ" panose="020B0604030504040204" pitchFamily="50" charset="-128"/>
+            </a:endParaRPr>
+          </a:p>
+          <a:p>
+            <a:pPr>
+              <a:lnSpc>
+                <a:spcPct val="150000"/>
+              </a:lnSpc>
+            </a:pPr>
+            <a:r>
+              <a:rPr lang="en-US" altLang="ja-JP" sz="3600" b="1" dirty="0" smtClean="0">
+                <a:solidFill>
+                  <a:schemeClr val="bg2"/>
+                </a:solidFill>
+                <a:latin typeface="メイリオ" panose="020B0604030504040204" pitchFamily="50" charset="-128"/>
+                <a:ea typeface="メイリオ" panose="020B0604030504040204" pitchFamily="50" charset="-128"/>
+              </a:rPr>
+              <a:t>3.5 </a:t>
+            </a:r>
+            <a:r>
+              <a:rPr lang="ja-JP" altLang="en-US" sz="3600" b="1" dirty="0" smtClean="0">
+                <a:solidFill>
+                  <a:schemeClr val="bg2"/>
+                </a:solidFill>
+                <a:latin typeface="メイリオ" panose="020B0604030504040204" pitchFamily="50" charset="-128"/>
+                <a:ea typeface="メイリオ" panose="020B0604030504040204" pitchFamily="50" charset="-128"/>
+              </a:rPr>
+              <a:t>エビデンス近似</a:t>
+            </a:r>
+            <a:endParaRPr lang="ja-JP" altLang="en-US" sz="3600" b="1" dirty="0">
+              <a:solidFill>
+                <a:schemeClr val="bg2"/>
+              </a:solidFill>
+              <a:latin typeface="メイリオ" panose="020B0604030504040204" pitchFamily="50" charset="-128"/>
+              <a:ea typeface="メイリオ" panose="020B0604030504040204" pitchFamily="50" charset="-128"/>
+            </a:endParaRPr>
+          </a:p>
+        </p:txBody>
+      </p:sp>
+    </p:spTree>
+    <p:extLst>
+      <p:ext uri="{BB962C8B-B14F-4D97-AF65-F5344CB8AC3E}">
+        <p14:creationId xmlns:p14="http://schemas.microsoft.com/office/powerpoint/2010/main" val="1036401769"/>
+      </p:ext>
+    </p:extLst>
+  </p:cSld>
+  <p:clrMapOvr>
+    <a:masterClrMapping/>
+  </p:clrMapOvr>
+</p:sld>
+</file>
+
+<file path=ppt/slides/slide31.xml><?xml version="1.0" encoding="utf-8"?>
 <p:sld xmlns:a="http://schemas.openxmlformats.org/drawingml/2006/main" xmlns:r="http://schemas.openxmlformats.org/officeDocument/2006/relationships" xmlns:p="http://schemas.openxmlformats.org/presentationml/2006/main">
   <p:cSld>
     <p:spTree>
@@ -10244,7 +12854,7 @@
 </p:sld>
 </file>
 
-<file path=ppt/slides/slide26.xml><?xml version="1.0" encoding="utf-8"?>
+<file path=ppt/slides/slide32.xml><?xml version="1.0" encoding="utf-8"?>
 <p:sld xmlns:a="http://schemas.openxmlformats.org/drawingml/2006/main" xmlns:r="http://schemas.openxmlformats.org/officeDocument/2006/relationships" xmlns:p="http://schemas.openxmlformats.org/presentationml/2006/main">
   <p:cSld>
     <p:spTree>
@@ -10269,8 +12879,8 @@
         </p:nvSpPr>
         <p:spPr>
           <a:xfrm>
-            <a:off x="3561329" y="777705"/>
-            <a:ext cx="2047740" cy="584775"/>
+            <a:off x="3445417" y="700431"/>
+            <a:ext cx="2337195" cy="707886"/>
           </a:xfrm>
           <a:prstGeom prst="rect">
             <a:avLst/>
@@ -10284,21 +12894,21 @@
           <a:lstStyle/>
           <a:p>
             <a:r>
-              <a:rPr kumimoji="1" lang="ja-JP" altLang="en-US" sz="3200" b="1" dirty="0" smtClean="0">
+              <a:rPr kumimoji="1" lang="ja-JP" altLang="en-US" sz="4000" b="1" dirty="0" smtClean="0">
                 <a:latin typeface="メイリオ" panose="020B0604030504040204" pitchFamily="50" charset="-128"/>
                 <a:ea typeface="メイリオ" panose="020B0604030504040204" pitchFamily="50" charset="-128"/>
               </a:rPr>
               <a:t>問題設定</a:t>
             </a:r>
-            <a:endParaRPr kumimoji="1" lang="ja-JP" altLang="en-US" sz="3200" b="1" dirty="0">
+            <a:endParaRPr kumimoji="1" lang="ja-JP" altLang="en-US" sz="4000" b="1" dirty="0">
               <a:latin typeface="メイリオ" panose="020B0604030504040204" pitchFamily="50" charset="-128"/>
               <a:ea typeface="メイリオ" panose="020B0604030504040204" pitchFamily="50" charset="-128"/>
             </a:endParaRPr>
           </a:p>
         </p:txBody>
       </p:sp>
-      <mc:AlternateContent xmlns:mc="http://schemas.openxmlformats.org/markup-compatibility/2006">
-        <mc:Choice xmlns:a14="http://schemas.microsoft.com/office/drawing/2010/main" Requires="a14">
+      <mc:AlternateContent xmlns:mc="http://schemas.openxmlformats.org/markup-compatibility/2006" xmlns:a14="http://schemas.microsoft.com/office/drawing/2010/main">
+        <mc:Choice Requires="a14">
           <p:sp>
             <p:nvSpPr>
               <p:cNvPr id="3" name="テキスト ボックス 2"/>
@@ -10347,7 +12957,7 @@
             </p:txBody>
           </p:sp>
         </mc:Choice>
-        <mc:Fallback>
+        <mc:Fallback xmlns="">
           <p:sp>
             <p:nvSpPr>
               <p:cNvPr id="3" name="テキスト ボックス 2"/>
@@ -10623,8 +13233,8 @@
         </p:nvSpPr>
         <p:spPr>
           <a:xfrm>
-            <a:off x="682582" y="5632594"/>
-            <a:ext cx="7391444" cy="584775"/>
+            <a:off x="329052" y="5663579"/>
+            <a:ext cx="8461419" cy="584775"/>
           </a:xfrm>
           <a:prstGeom prst="rect">
             <a:avLst/>
@@ -10649,7 +13259,21 @@
                 <a:latin typeface="メイリオ" panose="020B0604030504040204" pitchFamily="50" charset="-128"/>
                 <a:ea typeface="メイリオ" panose="020B0604030504040204" pitchFamily="50" charset="-128"/>
               </a:rPr>
-              <a:t>事前分布は簡単のため等しいとする</a:t>
+              <a:t>事前分布</a:t>
+            </a:r>
+            <a:r>
+              <a:rPr kumimoji="1" lang="ja-JP" altLang="en-US" sz="3200" b="1" dirty="0" smtClean="0">
+                <a:latin typeface="メイリオ" panose="020B0604030504040204" pitchFamily="50" charset="-128"/>
+                <a:ea typeface="メイリオ" panose="020B0604030504040204" pitchFamily="50" charset="-128"/>
+              </a:rPr>
+              <a:t>はすべてのモデルで等しい</a:t>
+            </a:r>
+            <a:r>
+              <a:rPr kumimoji="1" lang="ja-JP" altLang="en-US" sz="3200" b="1" dirty="0" smtClean="0">
+                <a:latin typeface="メイリオ" panose="020B0604030504040204" pitchFamily="50" charset="-128"/>
+                <a:ea typeface="メイリオ" panose="020B0604030504040204" pitchFamily="50" charset="-128"/>
+              </a:rPr>
+              <a:t>とする</a:t>
             </a:r>
             <a:r>
               <a:rPr kumimoji="1" lang="en-US" altLang="ja-JP" sz="3200" b="1" dirty="0" smtClean="0">
@@ -10726,7 +13350,7 @@
 </p:sld>
 </file>
 
-<file path=ppt/slides/slide27.xml><?xml version="1.0" encoding="utf-8"?>
+<file path=ppt/slides/slide33.xml><?xml version="1.0" encoding="utf-8"?>
 <p:sld xmlns:a="http://schemas.openxmlformats.org/drawingml/2006/main" xmlns:r="http://schemas.openxmlformats.org/officeDocument/2006/relationships" xmlns:p="http://schemas.openxmlformats.org/presentationml/2006/main">
   <p:cSld>
     <p:spTree>
@@ -10828,7 +13452,7 @@
         </p:nvSpPr>
         <p:spPr>
           <a:xfrm>
-            <a:off x="450759" y="2472744"/>
+            <a:off x="463638" y="2318198"/>
             <a:ext cx="8512935" cy="1569660"/>
           </a:xfrm>
           <a:prstGeom prst="rect">
@@ -10899,6 +13523,253 @@
           </a:p>
         </p:txBody>
       </p:sp>
+      <p:sp>
+        <p:nvSpPr>
+          <p:cNvPr id="5" name="フリーフォーム 4"/>
+          <p:cNvSpPr/>
+          <p:nvPr/>
+        </p:nvSpPr>
+        <p:spPr>
+          <a:xfrm>
+            <a:off x="2253802" y="4137163"/>
+            <a:ext cx="5190186" cy="2282955"/>
+          </a:xfrm>
+          <a:custGeom>
+            <a:avLst/>
+            <a:gdLst>
+              <a:gd name="connsiteX0" fmla="*/ 0 w 3721995"/>
+              <a:gd name="connsiteY0" fmla="*/ 1727375 h 1727375"/>
+              <a:gd name="connsiteX1" fmla="*/ 1094704 w 3721995"/>
+              <a:gd name="connsiteY1" fmla="*/ 1606 h 1727375"/>
+              <a:gd name="connsiteX2" fmla="*/ 1918952 w 3721995"/>
+              <a:gd name="connsiteY2" fmla="*/ 1405403 h 1727375"/>
+              <a:gd name="connsiteX3" fmla="*/ 2846231 w 3721995"/>
+              <a:gd name="connsiteY3" fmla="*/ 903127 h 1727375"/>
+              <a:gd name="connsiteX4" fmla="*/ 3721995 w 3721995"/>
+              <a:gd name="connsiteY4" fmla="*/ 1598586 h 1727375"/>
+            </a:gdLst>
+            <a:ahLst/>
+            <a:cxnLst>
+              <a:cxn ang="0">
+                <a:pos x="connsiteX0" y="connsiteY0"/>
+              </a:cxn>
+              <a:cxn ang="0">
+                <a:pos x="connsiteX1" y="connsiteY1"/>
+              </a:cxn>
+              <a:cxn ang="0">
+                <a:pos x="connsiteX2" y="connsiteY2"/>
+              </a:cxn>
+              <a:cxn ang="0">
+                <a:pos x="connsiteX3" y="connsiteY3"/>
+              </a:cxn>
+              <a:cxn ang="0">
+                <a:pos x="connsiteX4" y="connsiteY4"/>
+              </a:cxn>
+            </a:cxnLst>
+            <a:rect l="l" t="t" r="r" b="b"/>
+            <a:pathLst>
+              <a:path w="3721995" h="1727375">
+                <a:moveTo>
+                  <a:pt x="0" y="1727375"/>
+                </a:moveTo>
+                <a:cubicBezTo>
+                  <a:pt x="387439" y="891321"/>
+                  <a:pt x="774879" y="55268"/>
+                  <a:pt x="1094704" y="1606"/>
+                </a:cubicBezTo>
+                <a:cubicBezTo>
+                  <a:pt x="1414529" y="-52056"/>
+                  <a:pt x="1627031" y="1255150"/>
+                  <a:pt x="1918952" y="1405403"/>
+                </a:cubicBezTo>
+                <a:cubicBezTo>
+                  <a:pt x="2210873" y="1555656"/>
+                  <a:pt x="2545724" y="870930"/>
+                  <a:pt x="2846231" y="903127"/>
+                </a:cubicBezTo>
+                <a:cubicBezTo>
+                  <a:pt x="3146738" y="935324"/>
+                  <a:pt x="3434366" y="1266955"/>
+                  <a:pt x="3721995" y="1598586"/>
+                </a:cubicBezTo>
+              </a:path>
+            </a:pathLst>
+          </a:custGeom>
+          <a:noFill/>
+          <a:ln w="28575">
+            <a:solidFill>
+              <a:schemeClr val="accent5"/>
+            </a:solidFill>
+          </a:ln>
+        </p:spPr>
+        <p:style>
+          <a:lnRef idx="2">
+            <a:schemeClr val="accent1">
+              <a:shade val="50000"/>
+            </a:schemeClr>
+          </a:lnRef>
+          <a:fillRef idx="1">
+            <a:schemeClr val="accent1"/>
+          </a:fillRef>
+          <a:effectRef idx="0">
+            <a:schemeClr val="accent1"/>
+          </a:effectRef>
+          <a:fontRef idx="minor">
+            <a:schemeClr val="lt1"/>
+          </a:fontRef>
+        </p:style>
+        <p:txBody>
+          <a:bodyPr rtlCol="0" anchor="ctr"/>
+          <a:lstStyle/>
+          <a:p>
+            <a:pPr algn="ctr"/>
+            <a:endParaRPr kumimoji="1" lang="ja-JP" altLang="en-US"/>
+          </a:p>
+        </p:txBody>
+      </p:sp>
+      <p:cxnSp>
+        <p:nvCxnSpPr>
+          <p:cNvPr id="7" name="直線矢印コネクタ 6"/>
+          <p:cNvCxnSpPr/>
+          <p:nvPr/>
+        </p:nvCxnSpPr>
+        <p:spPr>
+          <a:xfrm flipV="1">
+            <a:off x="1957585" y="6413679"/>
+            <a:ext cx="5942029" cy="0"/>
+          </a:xfrm>
+          <a:prstGeom prst="straightConnector1">
+            <a:avLst/>
+          </a:prstGeom>
+          <a:ln w="12700">
+            <a:solidFill>
+              <a:schemeClr val="tx1"/>
+            </a:solidFill>
+            <a:tailEnd type="triangle"/>
+          </a:ln>
+        </p:spPr>
+        <p:style>
+          <a:lnRef idx="1">
+            <a:schemeClr val="accent1"/>
+          </a:lnRef>
+          <a:fillRef idx="0">
+            <a:schemeClr val="accent1"/>
+          </a:fillRef>
+          <a:effectRef idx="0">
+            <a:schemeClr val="accent1"/>
+          </a:effectRef>
+          <a:fontRef idx="minor">
+            <a:schemeClr val="tx1"/>
+          </a:fontRef>
+        </p:style>
+      </p:cxnSp>
+      <p:cxnSp>
+        <p:nvCxnSpPr>
+          <p:cNvPr id="9" name="直線矢印コネクタ 8"/>
+          <p:cNvCxnSpPr/>
+          <p:nvPr/>
+        </p:nvCxnSpPr>
+        <p:spPr>
+          <a:xfrm flipV="1">
+            <a:off x="2163649" y="4137163"/>
+            <a:ext cx="0" cy="2469699"/>
+          </a:xfrm>
+          <a:prstGeom prst="straightConnector1">
+            <a:avLst/>
+          </a:prstGeom>
+          <a:ln w="12700">
+            <a:solidFill>
+              <a:schemeClr val="tx1"/>
+            </a:solidFill>
+            <a:tailEnd type="triangle"/>
+          </a:ln>
+        </p:spPr>
+        <p:style>
+          <a:lnRef idx="1">
+            <a:schemeClr val="accent1"/>
+          </a:lnRef>
+          <a:fillRef idx="0">
+            <a:schemeClr val="accent1"/>
+          </a:fillRef>
+          <a:effectRef idx="0">
+            <a:schemeClr val="accent1"/>
+          </a:effectRef>
+          <a:fontRef idx="minor">
+            <a:schemeClr val="tx1"/>
+          </a:fontRef>
+        </p:style>
+      </p:cxnSp>
+      <p:sp>
+        <p:nvSpPr>
+          <p:cNvPr id="11" name="テキスト ボックス 10"/>
+          <p:cNvSpPr txBox="1"/>
+          <p:nvPr/>
+        </p:nvSpPr>
+        <p:spPr>
+          <a:xfrm>
+            <a:off x="4942265" y="3942704"/>
+            <a:ext cx="1352282" cy="523220"/>
+          </a:xfrm>
+          <a:prstGeom prst="rect">
+            <a:avLst/>
+          </a:prstGeom>
+          <a:noFill/>
+        </p:spPr>
+        <p:txBody>
+          <a:bodyPr wrap="square" rtlCol="0">
+            <a:spAutoFit/>
+          </a:bodyPr>
+          <a:lstStyle/>
+          <a:p>
+            <a:r>
+              <a:rPr kumimoji="1" lang="ja-JP" altLang="en-US" sz="2800" b="1" dirty="0" smtClean="0">
+                <a:latin typeface="メイリオ" panose="020B0604030504040204" pitchFamily="50" charset="-128"/>
+                <a:ea typeface="メイリオ" panose="020B0604030504040204" pitchFamily="50" charset="-128"/>
+              </a:rPr>
+              <a:t>多峰性</a:t>
+            </a:r>
+            <a:endParaRPr kumimoji="1" lang="ja-JP" altLang="en-US" sz="2800" b="1" dirty="0">
+              <a:latin typeface="メイリオ" panose="020B0604030504040204" pitchFamily="50" charset="-128"/>
+              <a:ea typeface="メイリオ" panose="020B0604030504040204" pitchFamily="50" charset="-128"/>
+            </a:endParaRPr>
+          </a:p>
+        </p:txBody>
+      </p:sp>
+      <p:cxnSp>
+        <p:nvCxnSpPr>
+          <p:cNvPr id="13" name="直線コネクタ 12"/>
+          <p:cNvCxnSpPr/>
+          <p:nvPr/>
+        </p:nvCxnSpPr>
+        <p:spPr>
+          <a:xfrm>
+            <a:off x="4629952" y="3776659"/>
+            <a:ext cx="1629180" cy="0"/>
+          </a:xfrm>
+          <a:prstGeom prst="line">
+            <a:avLst/>
+          </a:prstGeom>
+          <a:ln w="28575">
+            <a:solidFill>
+              <a:srgbClr val="FF0000"/>
+            </a:solidFill>
+          </a:ln>
+        </p:spPr>
+        <p:style>
+          <a:lnRef idx="1">
+            <a:schemeClr val="accent1"/>
+          </a:lnRef>
+          <a:fillRef idx="0">
+            <a:schemeClr val="accent1"/>
+          </a:fillRef>
+          <a:effectRef idx="0">
+            <a:schemeClr val="accent1"/>
+          </a:effectRef>
+          <a:fontRef idx="minor">
+            <a:schemeClr val="tx1"/>
+          </a:fontRef>
+        </p:style>
+      </p:cxnSp>
     </p:spTree>
     <p:extLst>
       <p:ext uri="{BB962C8B-B14F-4D97-AF65-F5344CB8AC3E}">
@@ -10912,7 +13783,338 @@
 </p:sld>
 </file>
 
-<file path=ppt/slides/slide3.xml><?xml version="1.0" encoding="utf-8"?>
+<file path=ppt/slides/slide34.xml><?xml version="1.0" encoding="utf-8"?>
+<p:sld xmlns:a="http://schemas.openxmlformats.org/drawingml/2006/main" xmlns:r="http://schemas.openxmlformats.org/officeDocument/2006/relationships" xmlns:p="http://schemas.openxmlformats.org/presentationml/2006/main">
+  <p:cSld>
+    <p:spTree>
+      <p:nvGrpSpPr>
+        <p:cNvPr id="1" name=""/>
+        <p:cNvGrpSpPr/>
+        <p:nvPr/>
+      </p:nvGrpSpPr>
+      <p:grpSpPr>
+        <a:xfrm>
+          <a:off x="0" y="0"/>
+          <a:ext cx="0" cy="0"/>
+          <a:chOff x="0" y="0"/>
+          <a:chExt cx="0" cy="0"/>
+        </a:xfrm>
+      </p:grpSpPr>
+    </p:spTree>
+    <p:extLst>
+      <p:ext uri="{BB962C8B-B14F-4D97-AF65-F5344CB8AC3E}">
+        <p14:creationId xmlns:p14="http://schemas.microsoft.com/office/powerpoint/2010/main" val="3111853086"/>
+      </p:ext>
+    </p:extLst>
+  </p:cSld>
+  <p:clrMapOvr>
+    <a:masterClrMapping/>
+  </p:clrMapOvr>
+</p:sld>
+</file>
+
+<file path=ppt/slides/slide4.xml><?xml version="1.0" encoding="utf-8"?>
+<p:sld xmlns:a="http://schemas.openxmlformats.org/drawingml/2006/main" xmlns:r="http://schemas.openxmlformats.org/officeDocument/2006/relationships" xmlns:p="http://schemas.openxmlformats.org/presentationml/2006/main">
+  <p:cSld>
+    <p:spTree>
+      <p:nvGrpSpPr>
+        <p:cNvPr id="1" name=""/>
+        <p:cNvGrpSpPr/>
+        <p:nvPr/>
+      </p:nvGrpSpPr>
+      <p:grpSpPr>
+        <a:xfrm>
+          <a:off x="0" y="0"/>
+          <a:ext cx="0" cy="0"/>
+          <a:chOff x="0" y="0"/>
+          <a:chExt cx="0" cy="0"/>
+        </a:xfrm>
+      </p:grpSpPr>
+      <p:sp>
+        <p:nvSpPr>
+          <p:cNvPr id="3" name="テキスト ボックス 2"/>
+          <p:cNvSpPr txBox="1"/>
+          <p:nvPr/>
+        </p:nvSpPr>
+        <p:spPr>
+          <a:xfrm>
+            <a:off x="2717442" y="2820473"/>
+            <a:ext cx="4520484" cy="769441"/>
+          </a:xfrm>
+          <a:prstGeom prst="rect">
+            <a:avLst/>
+          </a:prstGeom>
+          <a:noFill/>
+        </p:spPr>
+        <p:txBody>
+          <a:bodyPr wrap="square" rtlCol="0">
+            <a:spAutoFit/>
+          </a:bodyPr>
+          <a:lstStyle/>
+          <a:p>
+            <a:r>
+              <a:rPr kumimoji="1" lang="ja-JP" altLang="en-US" sz="4400" b="1" dirty="0" smtClean="0">
+                <a:latin typeface="メイリオ" panose="020B0604030504040204" pitchFamily="50" charset="-128"/>
+                <a:ea typeface="メイリオ" panose="020B0604030504040204" pitchFamily="50" charset="-128"/>
+              </a:rPr>
+              <a:t>線形回帰</a:t>
+            </a:r>
+            <a:r>
+              <a:rPr kumimoji="1" lang="en-US" altLang="ja-JP" sz="4400" b="1" dirty="0" smtClean="0">
+                <a:latin typeface="メイリオ" panose="020B0604030504040204" pitchFamily="50" charset="-128"/>
+                <a:ea typeface="メイリオ" panose="020B0604030504040204" pitchFamily="50" charset="-128"/>
+              </a:rPr>
+              <a:t>(</a:t>
+            </a:r>
+            <a:r>
+              <a:rPr kumimoji="1" lang="ja-JP" altLang="en-US" sz="4400" b="1" dirty="0" smtClean="0">
+                <a:latin typeface="メイリオ" panose="020B0604030504040204" pitchFamily="50" charset="-128"/>
+                <a:ea typeface="メイリオ" panose="020B0604030504040204" pitchFamily="50" charset="-128"/>
+              </a:rPr>
+              <a:t>前半</a:t>
+            </a:r>
+            <a:r>
+              <a:rPr kumimoji="1" lang="en-US" altLang="ja-JP" sz="4400" b="1" dirty="0" smtClean="0">
+                <a:latin typeface="メイリオ" panose="020B0604030504040204" pitchFamily="50" charset="-128"/>
+                <a:ea typeface="メイリオ" panose="020B0604030504040204" pitchFamily="50" charset="-128"/>
+              </a:rPr>
+              <a:t>)</a:t>
+            </a:r>
+            <a:endParaRPr kumimoji="1" lang="ja-JP" altLang="en-US" sz="4400" b="1" dirty="0">
+              <a:latin typeface="メイリオ" panose="020B0604030504040204" pitchFamily="50" charset="-128"/>
+              <a:ea typeface="メイリオ" panose="020B0604030504040204" pitchFamily="50" charset="-128"/>
+            </a:endParaRPr>
+          </a:p>
+        </p:txBody>
+      </p:sp>
+    </p:spTree>
+    <p:extLst>
+      <p:ext uri="{BB962C8B-B14F-4D97-AF65-F5344CB8AC3E}">
+        <p14:creationId xmlns:p14="http://schemas.microsoft.com/office/powerpoint/2010/main" val="2263982944"/>
+      </p:ext>
+    </p:extLst>
+  </p:cSld>
+  <p:clrMapOvr>
+    <a:masterClrMapping/>
+  </p:clrMapOvr>
+</p:sld>
+</file>
+
+<file path=ppt/slides/slide5.xml><?xml version="1.0" encoding="utf-8"?>
+<p:sld xmlns:a="http://schemas.openxmlformats.org/drawingml/2006/main" xmlns:r="http://schemas.openxmlformats.org/officeDocument/2006/relationships" xmlns:p="http://schemas.openxmlformats.org/presentationml/2006/main">
+  <p:cSld>
+    <p:spTree>
+      <p:nvGrpSpPr>
+        <p:cNvPr id="1" name=""/>
+        <p:cNvGrpSpPr/>
+        <p:nvPr/>
+      </p:nvGrpSpPr>
+      <p:grpSpPr>
+        <a:xfrm>
+          <a:off x="0" y="0"/>
+          <a:ext cx="0" cy="0"/>
+          <a:chOff x="0" y="0"/>
+          <a:chExt cx="0" cy="0"/>
+        </a:xfrm>
+      </p:grpSpPr>
+      <p:sp>
+        <p:nvSpPr>
+          <p:cNvPr id="3" name="テキスト ボックス 2"/>
+          <p:cNvSpPr txBox="1"/>
+          <p:nvPr/>
+        </p:nvSpPr>
+        <p:spPr>
+          <a:xfrm>
+            <a:off x="1365159" y="1171978"/>
+            <a:ext cx="7225048" cy="4247317"/>
+          </a:xfrm>
+          <a:prstGeom prst="rect">
+            <a:avLst/>
+          </a:prstGeom>
+          <a:noFill/>
+        </p:spPr>
+        <p:txBody>
+          <a:bodyPr wrap="square" rtlCol="0">
+            <a:spAutoFit/>
+          </a:bodyPr>
+          <a:lstStyle/>
+          <a:p>
+            <a:pPr>
+              <a:lnSpc>
+                <a:spcPct val="150000"/>
+              </a:lnSpc>
+            </a:pPr>
+            <a:r>
+              <a:rPr lang="en-US" altLang="ja-JP" sz="3600" b="1" dirty="0" smtClean="0">
+                <a:latin typeface="メイリオ" panose="020B0604030504040204" pitchFamily="50" charset="-128"/>
+                <a:ea typeface="メイリオ" panose="020B0604030504040204" pitchFamily="50" charset="-128"/>
+              </a:rPr>
+              <a:t>3.1 </a:t>
+            </a:r>
+            <a:r>
+              <a:rPr lang="ja-JP" altLang="en-US" sz="3600" b="1" dirty="0" smtClean="0">
+                <a:latin typeface="メイリオ" panose="020B0604030504040204" pitchFamily="50" charset="-128"/>
+                <a:ea typeface="メイリオ" panose="020B0604030504040204" pitchFamily="50" charset="-128"/>
+              </a:rPr>
+              <a:t>線形基底関数モデル</a:t>
+            </a:r>
+            <a:endParaRPr lang="en-US" altLang="ja-JP" sz="3600" b="1" dirty="0" smtClean="0">
+              <a:latin typeface="メイリオ" panose="020B0604030504040204" pitchFamily="50" charset="-128"/>
+              <a:ea typeface="メイリオ" panose="020B0604030504040204" pitchFamily="50" charset="-128"/>
+            </a:endParaRPr>
+          </a:p>
+          <a:p>
+            <a:pPr>
+              <a:lnSpc>
+                <a:spcPct val="150000"/>
+              </a:lnSpc>
+            </a:pPr>
+            <a:r>
+              <a:rPr lang="en-US" altLang="ja-JP" sz="3600" b="1" dirty="0" smtClean="0">
+                <a:solidFill>
+                  <a:schemeClr val="bg2"/>
+                </a:solidFill>
+                <a:latin typeface="メイリオ" panose="020B0604030504040204" pitchFamily="50" charset="-128"/>
+                <a:ea typeface="メイリオ" panose="020B0604030504040204" pitchFamily="50" charset="-128"/>
+              </a:rPr>
+              <a:t>3.2 </a:t>
+            </a:r>
+            <a:r>
+              <a:rPr lang="ja-JP" altLang="en-US" sz="3600" b="1" dirty="0" smtClean="0">
+                <a:solidFill>
+                  <a:schemeClr val="bg2"/>
+                </a:solidFill>
+                <a:latin typeface="メイリオ" panose="020B0604030504040204" pitchFamily="50" charset="-128"/>
+                <a:ea typeface="メイリオ" panose="020B0604030504040204" pitchFamily="50" charset="-128"/>
+              </a:rPr>
+              <a:t>バイアス・バリアンス分解</a:t>
+            </a:r>
+            <a:endParaRPr lang="en-US" altLang="ja-JP" sz="3600" b="1" dirty="0" smtClean="0">
+              <a:solidFill>
+                <a:schemeClr val="bg2"/>
+              </a:solidFill>
+              <a:latin typeface="メイリオ" panose="020B0604030504040204" pitchFamily="50" charset="-128"/>
+              <a:ea typeface="メイリオ" panose="020B0604030504040204" pitchFamily="50" charset="-128"/>
+            </a:endParaRPr>
+          </a:p>
+          <a:p>
+            <a:pPr>
+              <a:lnSpc>
+                <a:spcPct val="150000"/>
+              </a:lnSpc>
+            </a:pPr>
+            <a:r>
+              <a:rPr lang="en-US" altLang="ja-JP" sz="3600" b="1" dirty="0" smtClean="0">
+                <a:solidFill>
+                  <a:schemeClr val="bg2"/>
+                </a:solidFill>
+                <a:latin typeface="メイリオ" panose="020B0604030504040204" pitchFamily="50" charset="-128"/>
+                <a:ea typeface="メイリオ" panose="020B0604030504040204" pitchFamily="50" charset="-128"/>
+              </a:rPr>
+              <a:t>3.3 </a:t>
+            </a:r>
+            <a:r>
+              <a:rPr lang="ja-JP" altLang="en-US" sz="3600" b="1" dirty="0" smtClean="0">
+                <a:solidFill>
+                  <a:schemeClr val="bg2"/>
+                </a:solidFill>
+                <a:latin typeface="メイリオ" panose="020B0604030504040204" pitchFamily="50" charset="-128"/>
+                <a:ea typeface="メイリオ" panose="020B0604030504040204" pitchFamily="50" charset="-128"/>
+              </a:rPr>
+              <a:t>ベイズ線形回帰</a:t>
+            </a:r>
+            <a:endParaRPr lang="en-US" altLang="ja-JP" sz="3600" b="1" dirty="0" smtClean="0">
+              <a:solidFill>
+                <a:schemeClr val="bg2"/>
+              </a:solidFill>
+              <a:latin typeface="メイリオ" panose="020B0604030504040204" pitchFamily="50" charset="-128"/>
+              <a:ea typeface="メイリオ" panose="020B0604030504040204" pitchFamily="50" charset="-128"/>
+            </a:endParaRPr>
+          </a:p>
+          <a:p>
+            <a:pPr>
+              <a:lnSpc>
+                <a:spcPct val="150000"/>
+              </a:lnSpc>
+            </a:pPr>
+            <a:r>
+              <a:rPr lang="en-US" altLang="ja-JP" sz="3600" b="1" dirty="0" smtClean="0">
+                <a:solidFill>
+                  <a:schemeClr val="bg2"/>
+                </a:solidFill>
+                <a:latin typeface="メイリオ" panose="020B0604030504040204" pitchFamily="50" charset="-128"/>
+                <a:ea typeface="メイリオ" panose="020B0604030504040204" pitchFamily="50" charset="-128"/>
+              </a:rPr>
+              <a:t>3.4 </a:t>
+            </a:r>
+            <a:r>
+              <a:rPr lang="ja-JP" altLang="en-US" sz="3600" b="1" dirty="0" smtClean="0">
+                <a:solidFill>
+                  <a:schemeClr val="bg2"/>
+                </a:solidFill>
+                <a:latin typeface="メイリオ" panose="020B0604030504040204" pitchFamily="50" charset="-128"/>
+                <a:ea typeface="メイリオ" panose="020B0604030504040204" pitchFamily="50" charset="-128"/>
+              </a:rPr>
+              <a:t>ベイズモデル比較</a:t>
+            </a:r>
+            <a:endParaRPr lang="en-US" altLang="ja-JP" sz="3600" b="1" dirty="0" smtClean="0">
+              <a:solidFill>
+                <a:schemeClr val="bg2"/>
+              </a:solidFill>
+              <a:latin typeface="メイリオ" panose="020B0604030504040204" pitchFamily="50" charset="-128"/>
+              <a:ea typeface="メイリオ" panose="020B0604030504040204" pitchFamily="50" charset="-128"/>
+            </a:endParaRPr>
+          </a:p>
+          <a:p>
+            <a:pPr>
+              <a:lnSpc>
+                <a:spcPct val="150000"/>
+              </a:lnSpc>
+            </a:pPr>
+            <a:r>
+              <a:rPr lang="en-US" altLang="ja-JP" sz="3600" b="1" dirty="0" smtClean="0">
+                <a:solidFill>
+                  <a:schemeClr val="bg2"/>
+                </a:solidFill>
+                <a:latin typeface="メイリオ" panose="020B0604030504040204" pitchFamily="50" charset="-128"/>
+                <a:ea typeface="メイリオ" panose="020B0604030504040204" pitchFamily="50" charset="-128"/>
+              </a:rPr>
+              <a:t>3.5 </a:t>
+            </a:r>
+            <a:r>
+              <a:rPr lang="ja-JP" altLang="en-US" sz="3600" b="1" dirty="0" smtClean="0">
+                <a:solidFill>
+                  <a:schemeClr val="bg2"/>
+                </a:solidFill>
+                <a:latin typeface="メイリオ" panose="020B0604030504040204" pitchFamily="50" charset="-128"/>
+                <a:ea typeface="メイリオ" panose="020B0604030504040204" pitchFamily="50" charset="-128"/>
+              </a:rPr>
+              <a:t>エビデンス近似</a:t>
+            </a:r>
+            <a:endParaRPr lang="ja-JP" altLang="en-US" sz="3600" b="1" dirty="0">
+              <a:solidFill>
+                <a:schemeClr val="bg2"/>
+              </a:solidFill>
+              <a:latin typeface="メイリオ" panose="020B0604030504040204" pitchFamily="50" charset="-128"/>
+              <a:ea typeface="メイリオ" panose="020B0604030504040204" pitchFamily="50" charset="-128"/>
+            </a:endParaRPr>
+          </a:p>
+        </p:txBody>
+      </p:sp>
+    </p:spTree>
+    <p:extLst>
+      <p:ext uri="{BB962C8B-B14F-4D97-AF65-F5344CB8AC3E}">
+        <p14:creationId xmlns:p14="http://schemas.microsoft.com/office/powerpoint/2010/main" val="3769659883"/>
+      </p:ext>
+    </p:extLst>
+  </p:cSld>
+  <p:clrMapOvr>
+    <a:masterClrMapping/>
+  </p:clrMapOvr>
+</p:sld>
+</file>
+
+<file path=ppt/slides/slide6.xml><?xml version="1.0" encoding="utf-8"?>
 <p:sld xmlns:a="http://schemas.openxmlformats.org/drawingml/2006/main" xmlns:r="http://schemas.openxmlformats.org/officeDocument/2006/relationships" xmlns:p="http://schemas.openxmlformats.org/presentationml/2006/main">
   <p:cSld>
     <p:spTree>
@@ -11873,7 +15075,7 @@
 </p:sld>
 </file>
 
-<file path=ppt/slides/slide4.xml><?xml version="1.0" encoding="utf-8"?>
+<file path=ppt/slides/slide7.xml><?xml version="1.0" encoding="utf-8"?>
 <p:sld xmlns:a="http://schemas.openxmlformats.org/drawingml/2006/main" xmlns:r="http://schemas.openxmlformats.org/officeDocument/2006/relationships" xmlns:p="http://schemas.openxmlformats.org/presentationml/2006/main">
   <p:cSld>
     <p:spTree>
@@ -11989,8 +15191,8 @@
           </a:extLst>
         </p:spPr>
       </p:pic>
-      <mc:AlternateContent xmlns:mc="http://schemas.openxmlformats.org/markup-compatibility/2006" xmlns:a14="http://schemas.microsoft.com/office/drawing/2010/main">
-        <mc:Choice Requires="a14">
+      <mc:AlternateContent xmlns:mc="http://schemas.openxmlformats.org/markup-compatibility/2006">
+        <mc:Choice xmlns:a14="http://schemas.microsoft.com/office/drawing/2010/main" Requires="a14">
           <p:sp>
             <p:nvSpPr>
               <p:cNvPr id="3" name="テキスト ボックス 2"/>
@@ -11999,7 +15201,7 @@
             </p:nvSpPr>
             <p:spPr>
               <a:xfrm>
-                <a:off x="1297545" y="574338"/>
+                <a:off x="1464972" y="574338"/>
                 <a:ext cx="6829024" cy="1077218"/>
               </a:xfrm>
               <a:prstGeom prst="rect">
@@ -12133,7 +15335,7 @@
             </p:txBody>
           </p:sp>
         </mc:Choice>
-        <mc:Fallback xmlns="">
+        <mc:Fallback>
           <p:sp>
             <p:nvSpPr>
               <p:cNvPr id="3" name="テキスト ボックス 2"/>
@@ -12144,7 +15346,7 @@
             </p:nvSpPr>
             <p:spPr>
               <a:xfrm>
-                <a:off x="1297545" y="574338"/>
+                <a:off x="1464972" y="574338"/>
                 <a:ext cx="6829024" cy="1077218"/>
               </a:xfrm>
               <a:prstGeom prst="rect">
@@ -12153,7 +15355,7 @@
               <a:blipFill rotWithShape="0">
                 <a:blip r:embed="rId4"/>
                 <a:stretch>
-                  <a:fillRect l="-2321" t="-6780" b="-18079"/>
+                  <a:fillRect l="-2230" t="-6780" b="-18079"/>
                 </a:stretch>
               </a:blipFill>
             </p:spPr>
@@ -12325,6 +15527,69 @@
           </a:p>
         </p:txBody>
       </p:sp>
+      <p:sp>
+        <p:nvSpPr>
+          <p:cNvPr id="5" name="テキスト ボックス 4"/>
+          <p:cNvSpPr txBox="1"/>
+          <p:nvPr/>
+        </p:nvSpPr>
+        <p:spPr>
+          <a:xfrm>
+            <a:off x="8600" y="4547583"/>
+            <a:ext cx="8733204" cy="1077218"/>
+          </a:xfrm>
+          <a:prstGeom prst="rect">
+            <a:avLst/>
+          </a:prstGeom>
+          <a:noFill/>
+        </p:spPr>
+        <p:txBody>
+          <a:bodyPr wrap="square" rtlCol="0">
+            <a:spAutoFit/>
+          </a:bodyPr>
+          <a:lstStyle/>
+          <a:p>
+            <a:r>
+              <a:rPr kumimoji="1" lang="ja-JP" altLang="en-US" sz="3200" b="1" dirty="0" smtClean="0">
+                <a:latin typeface="メイリオ" panose="020B0604030504040204" pitchFamily="50" charset="-128"/>
+                <a:ea typeface="メイリオ" panose="020B0604030504040204" pitchFamily="50" charset="-128"/>
+              </a:rPr>
+              <a:t>　</a:t>
+            </a:r>
+            <a:r>
+              <a:rPr kumimoji="1" lang="en-US" altLang="ja-JP" sz="3200" b="1" dirty="0" smtClean="0">
+                <a:latin typeface="メイリオ" panose="020B0604030504040204" pitchFamily="50" charset="-128"/>
+                <a:ea typeface="メイリオ" panose="020B0604030504040204" pitchFamily="50" charset="-128"/>
+              </a:rPr>
+              <a:t>Point</a:t>
+            </a:r>
+            <a:endParaRPr lang="en-US" altLang="ja-JP" sz="3200" b="1" dirty="0">
+              <a:latin typeface="メイリオ" panose="020B0604030504040204" pitchFamily="50" charset="-128"/>
+              <a:ea typeface="メイリオ" panose="020B0604030504040204" pitchFamily="50" charset="-128"/>
+            </a:endParaRPr>
+          </a:p>
+          <a:p>
+            <a:r>
+              <a:rPr kumimoji="1" lang="en-US" altLang="ja-JP" sz="3200" b="1" dirty="0" smtClean="0">
+                <a:latin typeface="メイリオ" panose="020B0604030504040204" pitchFamily="50" charset="-128"/>
+                <a:ea typeface="メイリオ" panose="020B0604030504040204" pitchFamily="50" charset="-128"/>
+              </a:rPr>
+              <a:t>‣</a:t>
+            </a:r>
+            <a:r>
+              <a:rPr kumimoji="1" lang="ja-JP" altLang="en-US" sz="3200" b="1" dirty="0" smtClean="0">
+                <a:latin typeface="メイリオ" panose="020B0604030504040204" pitchFamily="50" charset="-128"/>
+                <a:ea typeface="メイリオ" panose="020B0604030504040204" pitchFamily="50" charset="-128"/>
+              </a:rPr>
+              <a:t>回帰関数がパラメータに対する線形性を持つ</a:t>
+            </a:r>
+            <a:endParaRPr kumimoji="1" lang="ja-JP" altLang="en-US" sz="3200" b="1" dirty="0">
+              <a:latin typeface="メイリオ" panose="020B0604030504040204" pitchFamily="50" charset="-128"/>
+              <a:ea typeface="メイリオ" panose="020B0604030504040204" pitchFamily="50" charset="-128"/>
+            </a:endParaRPr>
+          </a:p>
+        </p:txBody>
+      </p:sp>
     </p:spTree>
     <p:extLst>
       <p:ext uri="{BB962C8B-B14F-4D97-AF65-F5344CB8AC3E}">
@@ -12345,7 +15610,7 @@
 </p:sld>
 </file>
 
-<file path=ppt/slides/slide5.xml><?xml version="1.0" encoding="utf-8"?>
+<file path=ppt/slides/slide8.xml><?xml version="1.0" encoding="utf-8"?>
 <p:sld xmlns:a="http://schemas.openxmlformats.org/drawingml/2006/main" xmlns:r="http://schemas.openxmlformats.org/officeDocument/2006/relationships" xmlns:p="http://schemas.openxmlformats.org/presentationml/2006/main">
   <p:cSld>
     <p:spTree>
@@ -13264,7 +16529,7 @@
 </p:sld>
 </file>
 
-<file path=ppt/slides/slide6.xml><?xml version="1.0" encoding="utf-8"?>
+<file path=ppt/slides/slide9.xml><?xml version="1.0" encoding="utf-8"?>
 <p:sld xmlns:a="http://schemas.openxmlformats.org/drawingml/2006/main" xmlns:r="http://schemas.openxmlformats.org/officeDocument/2006/relationships" xmlns:p="http://schemas.openxmlformats.org/presentationml/2006/main">
   <p:cSld>
     <p:spTree>
@@ -13761,1641 +17026,6 @@
     <p:extLst>
       <p:ext uri="{BB962C8B-B14F-4D97-AF65-F5344CB8AC3E}">
         <p14:creationId xmlns:p14="http://schemas.microsoft.com/office/powerpoint/2010/main" val="1949682875"/>
-      </p:ext>
-    </p:extLst>
-  </p:cSld>
-  <p:clrMapOvr>
-    <a:masterClrMapping/>
-  </p:clrMapOvr>
-  <p:timing>
-    <p:tnLst>
-      <p:par>
-        <p:cTn id="1" dur="indefinite" restart="never" nodeType="tmRoot"/>
-      </p:par>
-    </p:tnLst>
-  </p:timing>
-</p:sld>
-</file>
-
-<file path=ppt/slides/slide7.xml><?xml version="1.0" encoding="utf-8"?>
-<p:sld xmlns:a="http://schemas.openxmlformats.org/drawingml/2006/main" xmlns:r="http://schemas.openxmlformats.org/officeDocument/2006/relationships" xmlns:p="http://schemas.openxmlformats.org/presentationml/2006/main">
-  <p:cSld>
-    <p:spTree>
-      <p:nvGrpSpPr>
-        <p:cNvPr id="1" name=""/>
-        <p:cNvGrpSpPr/>
-        <p:nvPr/>
-      </p:nvGrpSpPr>
-      <p:grpSpPr>
-        <a:xfrm>
-          <a:off x="0" y="0"/>
-          <a:ext cx="0" cy="0"/>
-          <a:chOff x="0" y="0"/>
-          <a:chExt cx="0" cy="0"/>
-        </a:xfrm>
-      </p:grpSpPr>
-      <p:sp>
-        <p:nvSpPr>
-          <p:cNvPr id="5" name="テキスト ボックス 4"/>
-          <p:cNvSpPr txBox="1"/>
-          <p:nvPr/>
-        </p:nvSpPr>
-        <p:spPr>
-          <a:xfrm>
-            <a:off x="265670" y="458632"/>
-            <a:ext cx="8955599" cy="584775"/>
-          </a:xfrm>
-          <a:prstGeom prst="rect">
-            <a:avLst/>
-          </a:prstGeom>
-          <a:noFill/>
-        </p:spPr>
-        <p:txBody>
-          <a:bodyPr wrap="square" rtlCol="0">
-            <a:spAutoFit/>
-          </a:bodyPr>
-          <a:lstStyle/>
-          <a:p>
-            <a:r>
-              <a:rPr lang="ja-JP" altLang="en-US" sz="3200" b="1" dirty="0" smtClean="0">
-                <a:latin typeface="メイリオ" panose="020B0604030504040204" pitchFamily="50" charset="-128"/>
-                <a:ea typeface="メイリオ" panose="020B0604030504040204" pitchFamily="50" charset="-128"/>
-              </a:rPr>
-              <a:t>目的</a:t>
-            </a:r>
-            <a:r>
-              <a:rPr lang="ja-JP" altLang="en-US" sz="3200" b="1" dirty="0">
-                <a:latin typeface="メイリオ" panose="020B0604030504040204" pitchFamily="50" charset="-128"/>
-                <a:ea typeface="メイリオ" panose="020B0604030504040204" pitchFamily="50" charset="-128"/>
-              </a:rPr>
-              <a:t>変数が１次元の</a:t>
-            </a:r>
-            <a:r>
-              <a:rPr lang="ja-JP" altLang="en-US" sz="3200" b="1" dirty="0" smtClean="0">
-                <a:latin typeface="メイリオ" panose="020B0604030504040204" pitchFamily="50" charset="-128"/>
-                <a:ea typeface="メイリオ" panose="020B0604030504040204" pitchFamily="50" charset="-128"/>
-              </a:rPr>
-              <a:t>場合</a:t>
-            </a:r>
-            <a:r>
-              <a:rPr lang="en-US" altLang="ja-JP" sz="3200" b="1" dirty="0" smtClean="0">
-                <a:latin typeface="メイリオ" panose="020B0604030504040204" pitchFamily="50" charset="-128"/>
-                <a:ea typeface="メイリオ" panose="020B0604030504040204" pitchFamily="50" charset="-128"/>
-              </a:rPr>
-              <a:t>(</a:t>
-            </a:r>
-            <a:r>
-              <a:rPr lang="ja-JP" altLang="en-US" sz="3200" b="1" dirty="0" smtClean="0">
-                <a:latin typeface="メイリオ" panose="020B0604030504040204" pitchFamily="50" charset="-128"/>
-                <a:ea typeface="メイリオ" panose="020B0604030504040204" pitchFamily="50" charset="-128"/>
-              </a:rPr>
-              <a:t>多次元の場合も同様</a:t>
-            </a:r>
-            <a:r>
-              <a:rPr lang="en-US" altLang="ja-JP" sz="3200" b="1" dirty="0" smtClean="0">
-                <a:latin typeface="メイリオ" panose="020B0604030504040204" pitchFamily="50" charset="-128"/>
-                <a:ea typeface="メイリオ" panose="020B0604030504040204" pitchFamily="50" charset="-128"/>
-              </a:rPr>
-              <a:t>)</a:t>
-            </a:r>
-            <a:endParaRPr lang="ja-JP" altLang="en-US" sz="3200" b="1" dirty="0">
-              <a:latin typeface="メイリオ" panose="020B0604030504040204" pitchFamily="50" charset="-128"/>
-              <a:ea typeface="メイリオ" panose="020B0604030504040204" pitchFamily="50" charset="-128"/>
-            </a:endParaRPr>
-          </a:p>
-        </p:txBody>
-      </p:sp>
-      <p:grpSp>
-        <p:nvGrpSpPr>
-          <p:cNvPr id="2" name="グループ化 1"/>
-          <p:cNvGrpSpPr/>
-          <p:nvPr/>
-        </p:nvGrpSpPr>
-        <p:grpSpPr>
-          <a:xfrm>
-            <a:off x="1468214" y="1130288"/>
-            <a:ext cx="6318464" cy="523220"/>
-            <a:chOff x="2094988" y="1256991"/>
-            <a:chExt cx="8424617" cy="697625"/>
-          </a:xfrm>
-        </p:grpSpPr>
-        <p:sp>
-          <p:nvSpPr>
-            <p:cNvPr id="6" name="テキスト ボックス 5"/>
-            <p:cNvSpPr txBox="1"/>
-            <p:nvPr/>
-          </p:nvSpPr>
-          <p:spPr>
-            <a:xfrm>
-              <a:off x="2094988" y="1256991"/>
-              <a:ext cx="7064477" cy="697625"/>
-            </a:xfrm>
-            <a:prstGeom prst="rect">
-              <a:avLst/>
-            </a:prstGeom>
-            <a:noFill/>
-          </p:spPr>
-          <p:txBody>
-            <a:bodyPr wrap="square" rtlCol="0">
-              <a:spAutoFit/>
-            </a:bodyPr>
-            <a:lstStyle/>
-            <a:p>
-              <a:r>
-                <a:rPr lang="ja-JP" altLang="en-US" sz="2800" b="1" dirty="0">
-                  <a:latin typeface="メイリオ" panose="020B0604030504040204" pitchFamily="50" charset="-128"/>
-                  <a:ea typeface="メイリオ" panose="020B0604030504040204" pitchFamily="50" charset="-128"/>
-                </a:rPr>
-                <a:t>データセット</a:t>
-              </a:r>
-            </a:p>
-          </p:txBody>
-        </p:sp>
-        <p:pic>
-          <p:nvPicPr>
-            <p:cNvPr id="2054" name="Picture 6" descr="$({\bf x}_{1},t_{1}),({\bf x}_{2},t_{2}),...,({\bf x}_{N},t_{N})$">
-              <a:hlinkClick r:id="rId2"/>
-            </p:cNvPr>
-            <p:cNvPicPr>
-              <a:picLocks noChangeAspect="1" noChangeArrowheads="1"/>
-            </p:cNvPicPr>
-            <p:nvPr/>
-          </p:nvPicPr>
-          <p:blipFill>
-            <a:blip r:embed="rId3">
-              <a:extLst>
-                <a:ext uri="{28A0092B-C50C-407E-A947-70E740481C1C}">
-                  <a14:useLocalDpi xmlns:a14="http://schemas.microsoft.com/office/drawing/2010/main" val="0"/>
-                </a:ext>
-              </a:extLst>
-            </a:blip>
-            <a:srcRect/>
-            <a:stretch>
-              <a:fillRect/>
-            </a:stretch>
-          </p:blipFill>
-          <p:spPr bwMode="auto">
-            <a:xfrm>
-              <a:off x="5197871" y="1313198"/>
-              <a:ext cx="5321734" cy="465111"/>
-            </a:xfrm>
-            <a:prstGeom prst="rect">
-              <a:avLst/>
-            </a:prstGeom>
-            <a:noFill/>
-            <a:extLst>
-              <a:ext uri="{909E8E84-426E-40DD-AFC4-6F175D3DCCD1}">
-                <a14:hiddenFill xmlns:a14="http://schemas.microsoft.com/office/drawing/2010/main">
-                  <a:solidFill>
-                    <a:srgbClr val="FFFFFF"/>
-                  </a:solidFill>
-                </a14:hiddenFill>
-              </a:ext>
-            </a:extLst>
-          </p:spPr>
-        </p:pic>
-      </p:grpSp>
-      <mc:AlternateContent xmlns:mc="http://schemas.openxmlformats.org/markup-compatibility/2006" xmlns:a14="http://schemas.microsoft.com/office/drawing/2010/main">
-        <mc:Choice Requires="a14">
-          <p:sp>
-            <p:nvSpPr>
-              <p:cNvPr id="7" name="テキスト ボックス 6"/>
-              <p:cNvSpPr txBox="1"/>
-              <p:nvPr/>
-            </p:nvSpPr>
-            <p:spPr>
-              <a:xfrm>
-                <a:off x="1436087" y="1647881"/>
-                <a:ext cx="6020778" cy="523220"/>
-              </a:xfrm>
-              <a:prstGeom prst="rect">
-                <a:avLst/>
-              </a:prstGeom>
-              <a:noFill/>
-            </p:spPr>
-            <p:txBody>
-              <a:bodyPr wrap="square" rtlCol="0">
-                <a:spAutoFit/>
-              </a:bodyPr>
-              <a:lstStyle/>
-              <a:p>
-                <a:r>
-                  <a:rPr lang="ja-JP" altLang="en-US" sz="2800" b="1" dirty="0">
-                    <a:latin typeface="メイリオ" panose="020B0604030504040204" pitchFamily="50" charset="-128"/>
-                    <a:ea typeface="メイリオ" panose="020B0604030504040204" pitchFamily="50" charset="-128"/>
-                  </a:rPr>
-                  <a:t>測定に際し、ガウスノイズ</a:t>
-                </a:r>
-                <a14:m>
-                  <m:oMath xmlns:m="http://schemas.openxmlformats.org/officeDocument/2006/math">
-                    <m:r>
-                      <a:rPr lang="ja-JP" altLang="en-US" sz="2800" b="1" i="1">
-                        <a:latin typeface="Cambria Math" panose="02040503050406030204" pitchFamily="18" charset="0"/>
-                        <a:ea typeface="メイリオ" panose="020B0604030504040204" pitchFamily="50" charset="-128"/>
-                      </a:rPr>
-                      <m:t>𝛜</m:t>
-                    </m:r>
-                  </m:oMath>
-                </a14:m>
-                <a:r>
-                  <a:rPr lang="ja-JP" altLang="en-US" sz="2800" b="1" dirty="0">
-                    <a:latin typeface="メイリオ" panose="020B0604030504040204" pitchFamily="50" charset="-128"/>
-                    <a:ea typeface="メイリオ" panose="020B0604030504040204" pitchFamily="50" charset="-128"/>
-                  </a:rPr>
-                  <a:t>が混入</a:t>
-                </a:r>
-                <a:endParaRPr lang="en-US" altLang="ja-JP" sz="2800" b="1" dirty="0">
-                  <a:latin typeface="メイリオ" panose="020B0604030504040204" pitchFamily="50" charset="-128"/>
-                  <a:ea typeface="メイリオ" panose="020B0604030504040204" pitchFamily="50" charset="-128"/>
-                </a:endParaRPr>
-              </a:p>
-            </p:txBody>
-          </p:sp>
-        </mc:Choice>
-        <mc:Fallback xmlns="">
-          <p:sp>
-            <p:nvSpPr>
-              <p:cNvPr id="7" name="テキスト ボックス 6"/>
-              <p:cNvSpPr txBox="1">
-                <a:spLocks noRot="1" noChangeAspect="1" noMove="1" noResize="1" noEditPoints="1" noAdjustHandles="1" noChangeArrowheads="1" noChangeShapeType="1" noTextEdit="1"/>
-              </p:cNvSpPr>
-              <p:nvPr/>
-            </p:nvSpPr>
-            <p:spPr>
-              <a:xfrm>
-                <a:off x="1436087" y="1647881"/>
-                <a:ext cx="6020778" cy="523220"/>
-              </a:xfrm>
-              <a:prstGeom prst="rect">
-                <a:avLst/>
-              </a:prstGeom>
-              <a:blipFill rotWithShape="0">
-                <a:blip r:embed="rId4"/>
-                <a:stretch>
-                  <a:fillRect l="-2128" t="-9302" b="-33721"/>
-                </a:stretch>
-              </a:blipFill>
-            </p:spPr>
-            <p:txBody>
-              <a:bodyPr/>
-              <a:lstStyle/>
-              <a:p>
-                <a:r>
-                  <a:rPr lang="ja-JP" altLang="en-US">
-                    <a:noFill/>
-                  </a:rPr>
-                  <a:t> </a:t>
-                </a:r>
-              </a:p>
-            </p:txBody>
-          </p:sp>
-        </mc:Fallback>
-      </mc:AlternateContent>
-      <p:pic>
-        <p:nvPicPr>
-          <p:cNvPr id="1032" name="Picture 8" descr="$t_{i}=y({\bf x}_{i},{\bf w})+\epsilon_{i}~~(i=1,2,...,N)$">
-            <a:hlinkClick r:id="rId5"/>
-          </p:cNvPr>
-          <p:cNvPicPr>
-            <a:picLocks noChangeAspect="1" noChangeArrowheads="1"/>
-          </p:cNvPicPr>
-          <p:nvPr/>
-        </p:nvPicPr>
-        <p:blipFill>
-          <a:blip r:embed="rId6">
-            <a:extLst>
-              <a:ext uri="{28A0092B-C50C-407E-A947-70E740481C1C}">
-                <a14:useLocalDpi xmlns:a14="http://schemas.microsoft.com/office/drawing/2010/main" val="0"/>
-              </a:ext>
-            </a:extLst>
-          </a:blip>
-          <a:srcRect/>
-          <a:stretch>
-            <a:fillRect/>
-          </a:stretch>
-        </p:blipFill>
-        <p:spPr bwMode="auto">
-          <a:xfrm>
-            <a:off x="1812682" y="2255628"/>
-            <a:ext cx="5175088" cy="370881"/>
-          </a:xfrm>
-          <a:prstGeom prst="rect">
-            <a:avLst/>
-          </a:prstGeom>
-          <a:noFill/>
-          <a:extLst>
-            <a:ext uri="{909E8E84-426E-40DD-AFC4-6F175D3DCCD1}">
-              <a14:hiddenFill xmlns:a14="http://schemas.microsoft.com/office/drawing/2010/main">
-                <a:solidFill>
-                  <a:srgbClr val="FFFFFF"/>
-                </a:solidFill>
-              </a14:hiddenFill>
-            </a:ext>
-          </a:extLst>
-        </p:spPr>
-      </p:pic>
-      <p:grpSp>
-        <p:nvGrpSpPr>
-          <p:cNvPr id="12" name="グループ化 11"/>
-          <p:cNvGrpSpPr/>
-          <p:nvPr/>
-        </p:nvGrpSpPr>
-        <p:grpSpPr>
-          <a:xfrm>
-            <a:off x="1091484" y="2638010"/>
-            <a:ext cx="8163590" cy="1145704"/>
-            <a:chOff x="1091484" y="3088775"/>
-            <a:chExt cx="8163590" cy="1145704"/>
-          </a:xfrm>
-        </p:grpSpPr>
-        <p:pic>
-          <p:nvPicPr>
-            <p:cNvPr id="1028" name="Picture 4" descr="$p(t_{i}|{\bf x}_{i},{\bf w},\beta)=\mathcal{N}(t_{i}|y({\bf x}_{i},{\bf w}),\beta^{-1})$">
-              <a:hlinkClick r:id="rId7"/>
-            </p:cNvPr>
-            <p:cNvPicPr>
-              <a:picLocks noChangeAspect="1" noChangeArrowheads="1"/>
-            </p:cNvPicPr>
-            <p:nvPr/>
-          </p:nvPicPr>
-          <p:blipFill>
-            <a:blip r:embed="rId8">
-              <a:extLst>
-                <a:ext uri="{28A0092B-C50C-407E-A947-70E740481C1C}">
-                  <a14:useLocalDpi xmlns:a14="http://schemas.microsoft.com/office/drawing/2010/main" val="0"/>
-                </a:ext>
-              </a:extLst>
-            </a:blip>
-            <a:srcRect/>
-            <a:stretch>
-              <a:fillRect/>
-            </a:stretch>
-          </p:blipFill>
-          <p:spPr bwMode="auto">
-            <a:xfrm>
-              <a:off x="1812682" y="3840828"/>
-              <a:ext cx="5293345" cy="393651"/>
-            </a:xfrm>
-            <a:prstGeom prst="rect">
-              <a:avLst/>
-            </a:prstGeom>
-            <a:noFill/>
-            <a:extLst>
-              <a:ext uri="{909E8E84-426E-40DD-AFC4-6F175D3DCCD1}">
-                <a14:hiddenFill xmlns:a14="http://schemas.microsoft.com/office/drawing/2010/main">
-                  <a:solidFill>
-                    <a:srgbClr val="FFFFFF"/>
-                  </a:solidFill>
-                </a14:hiddenFill>
-              </a:ext>
-            </a:extLst>
-          </p:spPr>
-        </p:pic>
-        <mc:AlternateContent xmlns:mc="http://schemas.openxmlformats.org/markup-compatibility/2006" xmlns:a14="http://schemas.microsoft.com/office/drawing/2010/main">
-          <mc:Choice Requires="a14">
-            <p:sp>
-              <p:nvSpPr>
-                <p:cNvPr id="3" name="テキスト ボックス 2"/>
-                <p:cNvSpPr txBox="1"/>
-                <p:nvPr/>
-              </p:nvSpPr>
-              <p:spPr>
-                <a:xfrm>
-                  <a:off x="1091484" y="3297796"/>
-                  <a:ext cx="5794995" cy="523220"/>
-                </a:xfrm>
-                <a:prstGeom prst="rect">
-                  <a:avLst/>
-                </a:prstGeom>
-                <a:noFill/>
-              </p:spPr>
-              <p:txBody>
-                <a:bodyPr wrap="square" rtlCol="0">
-                  <a:spAutoFit/>
-                </a:bodyPr>
-                <a:lstStyle/>
-                <a:p>
-                  <a:r>
-                    <a:rPr lang="ja-JP" altLang="en-US" sz="2800" b="1" dirty="0">
-                      <a:latin typeface="メイリオ" panose="020B0604030504040204" pitchFamily="50" charset="-128"/>
-                      <a:ea typeface="メイリオ" panose="020B0604030504040204" pitchFamily="50" charset="-128"/>
-                    </a:rPr>
-                    <a:t>→</a:t>
-                  </a:r>
-                  <a14:m>
-                    <m:oMath xmlns:m="http://schemas.openxmlformats.org/officeDocument/2006/math">
-                      <m:r>
-                        <a:rPr lang="en-US" altLang="ja-JP" sz="2800" b="1" i="1">
-                          <a:latin typeface="Cambria Math" panose="02040503050406030204" pitchFamily="18" charset="0"/>
-                          <a:ea typeface="メイリオ" panose="020B0604030504040204" pitchFamily="50" charset="-128"/>
-                        </a:rPr>
-                        <m:t>𝒊</m:t>
-                      </m:r>
-                    </m:oMath>
-                  </a14:m>
-                  <a:r>
-                    <a:rPr lang="ja-JP" altLang="en-US" sz="2800" b="1" dirty="0">
-                      <a:latin typeface="メイリオ" panose="020B0604030504040204" pitchFamily="50" charset="-128"/>
-                      <a:ea typeface="メイリオ" panose="020B0604030504040204" pitchFamily="50" charset="-128"/>
-                    </a:rPr>
-                    <a:t>番目のデータに対する尤度関数</a:t>
-                  </a:r>
-                </a:p>
-              </p:txBody>
-            </p:sp>
-          </mc:Choice>
-          <mc:Fallback xmlns="">
-            <p:sp>
-              <p:nvSpPr>
-                <p:cNvPr id="3" name="テキスト ボックス 2"/>
-                <p:cNvSpPr txBox="1">
-                  <a:spLocks noRot="1" noChangeAspect="1" noMove="1" noResize="1" noEditPoints="1" noAdjustHandles="1" noChangeArrowheads="1" noChangeShapeType="1" noTextEdit="1"/>
-                </p:cNvSpPr>
-                <p:nvPr/>
-              </p:nvSpPr>
-              <p:spPr>
-                <a:xfrm>
-                  <a:off x="1091484" y="3297796"/>
-                  <a:ext cx="5794995" cy="523220"/>
-                </a:xfrm>
-                <a:prstGeom prst="rect">
-                  <a:avLst/>
-                </a:prstGeom>
-                <a:blipFill rotWithShape="0">
-                  <a:blip r:embed="rId9"/>
-                  <a:stretch>
-                    <a:fillRect l="-2103" t="-10588" b="-35294"/>
-                  </a:stretch>
-                </a:blipFill>
-              </p:spPr>
-              <p:txBody>
-                <a:bodyPr/>
-                <a:lstStyle/>
-                <a:p>
-                  <a:r>
-                    <a:rPr lang="ja-JP" altLang="en-US">
-                      <a:noFill/>
-                    </a:rPr>
-                    <a:t> </a:t>
-                  </a:r>
-                </a:p>
-              </p:txBody>
-            </p:sp>
-          </mc:Fallback>
-        </mc:AlternateContent>
-        <mc:AlternateContent xmlns:mc="http://schemas.openxmlformats.org/markup-compatibility/2006" xmlns:a14="http://schemas.microsoft.com/office/drawing/2010/main">
-          <mc:Choice Requires="a14">
-            <p:sp>
-              <p:nvSpPr>
-                <p:cNvPr id="4" name="テキスト ボックス 3"/>
-                <p:cNvSpPr txBox="1"/>
-                <p:nvPr/>
-              </p:nvSpPr>
-              <p:spPr>
-                <a:xfrm>
-                  <a:off x="6743540" y="3149097"/>
-                  <a:ext cx="2511534" cy="646331"/>
-                </a:xfrm>
-                <a:prstGeom prst="rect">
-                  <a:avLst/>
-                </a:prstGeom>
-                <a:noFill/>
-              </p:spPr>
-              <p:txBody>
-                <a:bodyPr wrap="square" rtlCol="0">
-                  <a:spAutoFit/>
-                </a:bodyPr>
-                <a:lstStyle/>
-                <a:p>
-                  <a14:m>
-                    <m:oMath xmlns:m="http://schemas.openxmlformats.org/officeDocument/2006/math">
-                      <m:r>
-                        <a:rPr lang="en-US" altLang="ja-JP" i="1">
-                          <a:solidFill>
-                            <a:schemeClr val="tx2"/>
-                          </a:solidFill>
-                          <a:latin typeface="Cambria Math" panose="02040503050406030204" pitchFamily="18" charset="0"/>
-                          <a:ea typeface="メイリオ" panose="020B0604030504040204" pitchFamily="50" charset="-128"/>
-                        </a:rPr>
-                        <m:t>𝛽</m:t>
-                      </m:r>
-                    </m:oMath>
-                  </a14:m>
-                  <a:r>
-                    <a:rPr lang="ja-JP" altLang="en-US" b="1" dirty="0">
-                      <a:solidFill>
-                        <a:schemeClr val="tx2"/>
-                      </a:solidFill>
-                      <a:latin typeface="メイリオ" panose="020B0604030504040204" pitchFamily="50" charset="-128"/>
-                      <a:ea typeface="メイリオ" panose="020B0604030504040204" pitchFamily="50" charset="-128"/>
-                    </a:rPr>
-                    <a:t>は精度</a:t>
-                  </a:r>
-                  <a:r>
-                    <a:rPr lang="en-US" altLang="ja-JP" b="1" dirty="0">
-                      <a:solidFill>
-                        <a:schemeClr val="tx2"/>
-                      </a:solidFill>
-                      <a:latin typeface="メイリオ" panose="020B0604030504040204" pitchFamily="50" charset="-128"/>
-                      <a:ea typeface="メイリオ" panose="020B0604030504040204" pitchFamily="50" charset="-128"/>
-                    </a:rPr>
-                    <a:t>(</a:t>
-                  </a:r>
-                  <a:r>
-                    <a:rPr lang="ja-JP" altLang="en-US" b="1" dirty="0">
-                      <a:solidFill>
-                        <a:schemeClr val="tx2"/>
-                      </a:solidFill>
-                      <a:latin typeface="メイリオ" panose="020B0604030504040204" pitchFamily="50" charset="-128"/>
-                      <a:ea typeface="メイリオ" panose="020B0604030504040204" pitchFamily="50" charset="-128"/>
-                    </a:rPr>
-                    <a:t>分散の逆数</a:t>
-                  </a:r>
-                  <a:r>
-                    <a:rPr lang="en-US" altLang="ja-JP" b="1" dirty="0">
-                      <a:solidFill>
-                        <a:schemeClr val="tx2"/>
-                      </a:solidFill>
-                      <a:latin typeface="メイリオ" panose="020B0604030504040204" pitchFamily="50" charset="-128"/>
-                      <a:ea typeface="メイリオ" panose="020B0604030504040204" pitchFamily="50" charset="-128"/>
-                    </a:rPr>
-                    <a:t>)</a:t>
-                  </a:r>
-                </a:p>
-                <a:p>
-                  <a:r>
-                    <a:rPr lang="ja-JP" altLang="en-US" b="1" dirty="0">
-                      <a:solidFill>
-                        <a:schemeClr val="tx2"/>
-                      </a:solidFill>
-                      <a:latin typeface="メイリオ" panose="020B0604030504040204" pitchFamily="50" charset="-128"/>
-                      <a:ea typeface="メイリオ" panose="020B0604030504040204" pitchFamily="50" charset="-128"/>
-                    </a:rPr>
-                    <a:t>尤度関数は</a:t>
-                  </a:r>
-                  <a14:m>
-                    <m:oMath xmlns:m="http://schemas.openxmlformats.org/officeDocument/2006/math">
-                      <m:r>
-                        <a:rPr lang="en-US" altLang="ja-JP" b="1">
-                          <a:solidFill>
-                            <a:schemeClr val="tx2"/>
-                          </a:solidFill>
-                          <a:latin typeface="Cambria Math" panose="02040503050406030204" pitchFamily="18" charset="0"/>
-                          <a:ea typeface="メイリオ" panose="020B0604030504040204" pitchFamily="50" charset="-128"/>
-                        </a:rPr>
-                        <m:t>𝐰</m:t>
-                      </m:r>
-                    </m:oMath>
-                  </a14:m>
-                  <a:r>
-                    <a:rPr lang="ja-JP" altLang="en-US" b="1" dirty="0">
-                      <a:solidFill>
-                        <a:schemeClr val="tx2"/>
-                      </a:solidFill>
-                      <a:latin typeface="メイリオ" panose="020B0604030504040204" pitchFamily="50" charset="-128"/>
-                      <a:ea typeface="メイリオ" panose="020B0604030504040204" pitchFamily="50" charset="-128"/>
-                    </a:rPr>
-                    <a:t>の関数</a:t>
-                  </a:r>
-                  <a:endParaRPr lang="en-US" altLang="ja-JP" b="1" dirty="0">
-                    <a:solidFill>
-                      <a:schemeClr val="tx2"/>
-                    </a:solidFill>
-                    <a:latin typeface="メイリオ" panose="020B0604030504040204" pitchFamily="50" charset="-128"/>
-                    <a:ea typeface="メイリオ" panose="020B0604030504040204" pitchFamily="50" charset="-128"/>
-                  </a:endParaRPr>
-                </a:p>
-              </p:txBody>
-            </p:sp>
-          </mc:Choice>
-          <mc:Fallback xmlns="">
-            <p:sp>
-              <p:nvSpPr>
-                <p:cNvPr id="4" name="テキスト ボックス 3"/>
-                <p:cNvSpPr txBox="1">
-                  <a:spLocks noRot="1" noChangeAspect="1" noMove="1" noResize="1" noEditPoints="1" noAdjustHandles="1" noChangeArrowheads="1" noChangeShapeType="1" noTextEdit="1"/>
-                </p:cNvSpPr>
-                <p:nvPr/>
-              </p:nvSpPr>
-              <p:spPr>
-                <a:xfrm>
-                  <a:off x="6743540" y="3149097"/>
-                  <a:ext cx="2511534" cy="646331"/>
-                </a:xfrm>
-                <a:prstGeom prst="rect">
-                  <a:avLst/>
-                </a:prstGeom>
-                <a:blipFill rotWithShape="0">
-                  <a:blip r:embed="rId10"/>
-                  <a:stretch>
-                    <a:fillRect l="-1942" t="-2830" b="-16038"/>
-                  </a:stretch>
-                </a:blipFill>
-              </p:spPr>
-              <p:txBody>
-                <a:bodyPr/>
-                <a:lstStyle/>
-                <a:p>
-                  <a:r>
-                    <a:rPr lang="ja-JP" altLang="en-US">
-                      <a:noFill/>
-                    </a:rPr>
-                    <a:t> </a:t>
-                  </a:r>
-                </a:p>
-              </p:txBody>
-            </p:sp>
-          </mc:Fallback>
-        </mc:AlternateContent>
-        <p:sp>
-          <p:nvSpPr>
-            <p:cNvPr id="8" name="四角形吹き出し 7"/>
-            <p:cNvSpPr/>
-            <p:nvPr/>
-          </p:nvSpPr>
-          <p:spPr>
-            <a:xfrm>
-              <a:off x="6761404" y="3088775"/>
-              <a:ext cx="2279562" cy="677922"/>
-            </a:xfrm>
-            <a:prstGeom prst="wedgeRectCallout">
-              <a:avLst>
-                <a:gd name="adj1" fmla="val -32645"/>
-                <a:gd name="adj2" fmla="val 63316"/>
-              </a:avLst>
-            </a:prstGeom>
-            <a:noFill/>
-            <a:ln>
-              <a:solidFill>
-                <a:schemeClr val="tx2"/>
-              </a:solidFill>
-            </a:ln>
-          </p:spPr>
-          <p:style>
-            <a:lnRef idx="2">
-              <a:schemeClr val="accent1">
-                <a:shade val="50000"/>
-              </a:schemeClr>
-            </a:lnRef>
-            <a:fillRef idx="1">
-              <a:schemeClr val="accent1"/>
-            </a:fillRef>
-            <a:effectRef idx="0">
-              <a:schemeClr val="accent1"/>
-            </a:effectRef>
-            <a:fontRef idx="minor">
-              <a:schemeClr val="lt1"/>
-            </a:fontRef>
-          </p:style>
-          <p:txBody>
-            <a:bodyPr rtlCol="0" anchor="ctr"/>
-            <a:lstStyle/>
-            <a:p>
-              <a:pPr algn="ctr"/>
-              <a:endParaRPr lang="ja-JP" altLang="en-US" sz="1350"/>
-            </a:p>
-          </p:txBody>
-        </p:sp>
-      </p:grpSp>
-      <p:grpSp>
-        <p:nvGrpSpPr>
-          <p:cNvPr id="14" name="グループ化 13"/>
-          <p:cNvGrpSpPr/>
-          <p:nvPr/>
-        </p:nvGrpSpPr>
-        <p:grpSpPr>
-          <a:xfrm>
-            <a:off x="549010" y="4200390"/>
-            <a:ext cx="7976806" cy="1420594"/>
-            <a:chOff x="744890" y="4178488"/>
-            <a:chExt cx="10635741" cy="1894124"/>
-          </a:xfrm>
-        </p:grpSpPr>
-        <p:pic>
-          <p:nvPicPr>
-            <p:cNvPr id="1034" name="Picture 10" descr="$p({\bf t}|{\bf x},{\bf w},\beta)=\prod_{n=1}^{N} \mathcal{N}(t_{n}|y({\bf x}_{n},{\bf w}),\beta^{-1})$">
-              <a:hlinkClick r:id="rId11"/>
-            </p:cNvPr>
-            <p:cNvPicPr>
-              <a:picLocks noChangeAspect="1" noChangeArrowheads="1"/>
-            </p:cNvPicPr>
-            <p:nvPr/>
-          </p:nvPicPr>
-          <p:blipFill>
-            <a:blip r:embed="rId12">
-              <a:extLst>
-                <a:ext uri="{28A0092B-C50C-407E-A947-70E740481C1C}">
-                  <a14:useLocalDpi xmlns:a14="http://schemas.microsoft.com/office/drawing/2010/main" val="0"/>
-                </a:ext>
-              </a:extLst>
-            </a:blip>
-            <a:srcRect/>
-            <a:stretch>
-              <a:fillRect/>
-            </a:stretch>
-          </p:blipFill>
-          <p:spPr bwMode="auto">
-            <a:xfrm>
-              <a:off x="1028233" y="4973173"/>
-              <a:ext cx="10232198" cy="766509"/>
-            </a:xfrm>
-            <a:prstGeom prst="rect">
-              <a:avLst/>
-            </a:prstGeom>
-            <a:noFill/>
-            <a:extLst>
-              <a:ext uri="{909E8E84-426E-40DD-AFC4-6F175D3DCCD1}">
-                <a14:hiddenFill xmlns:a14="http://schemas.microsoft.com/office/drawing/2010/main">
-                  <a:solidFill>
-                    <a:srgbClr val="FFFFFF"/>
-                  </a:solidFill>
-                </a14:hiddenFill>
-              </a:ext>
-            </a:extLst>
-          </p:spPr>
-        </p:pic>
-        <p:sp>
-          <p:nvSpPr>
-            <p:cNvPr id="11" name="正方形/長方形 10"/>
-            <p:cNvSpPr/>
-            <p:nvPr/>
-          </p:nvSpPr>
-          <p:spPr>
-            <a:xfrm>
-              <a:off x="744890" y="4427107"/>
-              <a:ext cx="10635741" cy="1645505"/>
-            </a:xfrm>
-            <a:prstGeom prst="rect">
-              <a:avLst/>
-            </a:prstGeom>
-            <a:noFill/>
-            <a:ln w="19050">
-              <a:solidFill>
-                <a:schemeClr val="tx1"/>
-              </a:solidFill>
-            </a:ln>
-          </p:spPr>
-          <p:style>
-            <a:lnRef idx="2">
-              <a:schemeClr val="accent1">
-                <a:shade val="50000"/>
-              </a:schemeClr>
-            </a:lnRef>
-            <a:fillRef idx="1">
-              <a:schemeClr val="accent1"/>
-            </a:fillRef>
-            <a:effectRef idx="0">
-              <a:schemeClr val="accent1"/>
-            </a:effectRef>
-            <a:fontRef idx="minor">
-              <a:schemeClr val="lt1"/>
-            </a:fontRef>
-          </p:style>
-          <p:txBody>
-            <a:bodyPr rtlCol="0" anchor="ctr"/>
-            <a:lstStyle/>
-            <a:p>
-              <a:pPr algn="ctr"/>
-              <a:endParaRPr lang="ja-JP" altLang="en-US" sz="1350"/>
-            </a:p>
-          </p:txBody>
-        </p:sp>
-        <p:sp>
-          <p:nvSpPr>
-            <p:cNvPr id="13" name="正方形/長方形 12"/>
-            <p:cNvSpPr/>
-            <p:nvPr/>
-          </p:nvSpPr>
-          <p:spPr>
-            <a:xfrm>
-              <a:off x="1256691" y="4203568"/>
-              <a:ext cx="9574441" cy="499300"/>
-            </a:xfrm>
-            <a:prstGeom prst="rect">
-              <a:avLst/>
-            </a:prstGeom>
-            <a:solidFill>
-              <a:schemeClr val="bg1"/>
-            </a:solidFill>
-            <a:ln>
-              <a:solidFill>
-                <a:schemeClr val="bg1"/>
-              </a:solidFill>
-            </a:ln>
-          </p:spPr>
-          <p:style>
-            <a:lnRef idx="2">
-              <a:schemeClr val="accent1">
-                <a:shade val="50000"/>
-              </a:schemeClr>
-            </a:lnRef>
-            <a:fillRef idx="1">
-              <a:schemeClr val="accent1"/>
-            </a:fillRef>
-            <a:effectRef idx="0">
-              <a:schemeClr val="accent1"/>
-            </a:effectRef>
-            <a:fontRef idx="minor">
-              <a:schemeClr val="lt1"/>
-            </a:fontRef>
-          </p:style>
-          <p:txBody>
-            <a:bodyPr rtlCol="0" anchor="ctr"/>
-            <a:lstStyle/>
-            <a:p>
-              <a:pPr algn="ctr"/>
-              <a:endParaRPr lang="ja-JP" altLang="en-US" sz="1350"/>
-            </a:p>
-          </p:txBody>
-        </p:sp>
-        <p:sp>
-          <p:nvSpPr>
-            <p:cNvPr id="21" name="テキスト ボックス 20"/>
-            <p:cNvSpPr txBox="1"/>
-            <p:nvPr/>
-          </p:nvSpPr>
-          <p:spPr>
-            <a:xfrm>
-              <a:off x="1273864" y="4178488"/>
-              <a:ext cx="9751380" cy="615553"/>
-            </a:xfrm>
-            <a:prstGeom prst="rect">
-              <a:avLst/>
-            </a:prstGeom>
-            <a:noFill/>
-          </p:spPr>
-          <p:txBody>
-            <a:bodyPr wrap="square" rtlCol="0">
-              <a:spAutoFit/>
-            </a:bodyPr>
-            <a:lstStyle/>
-            <a:p>
-              <a:r>
-                <a:rPr lang="ja-JP" altLang="en-US" sz="2400" b="1" dirty="0">
-                  <a:latin typeface="メイリオ" panose="020B0604030504040204" pitchFamily="50" charset="-128"/>
-                  <a:ea typeface="メイリオ" panose="020B0604030504040204" pitchFamily="50" charset="-128"/>
-                </a:rPr>
-                <a:t>以上から、データ集合に対する尤度関数が得られる</a:t>
-              </a:r>
-            </a:p>
-          </p:txBody>
-        </p:sp>
-      </p:grpSp>
-      <p:sp>
-        <p:nvSpPr>
-          <p:cNvPr id="10" name="テキスト ボックス 9"/>
-          <p:cNvSpPr txBox="1"/>
-          <p:nvPr/>
-        </p:nvSpPr>
-        <p:spPr>
-          <a:xfrm>
-            <a:off x="25755" y="6014431"/>
-            <a:ext cx="9177803" cy="461665"/>
-          </a:xfrm>
-          <a:prstGeom prst="rect">
-            <a:avLst/>
-          </a:prstGeom>
-          <a:noFill/>
-        </p:spPr>
-        <p:txBody>
-          <a:bodyPr wrap="square" rtlCol="0">
-            <a:spAutoFit/>
-          </a:bodyPr>
-          <a:lstStyle/>
-          <a:p>
-            <a:r>
-              <a:rPr kumimoji="1" lang="en-US" altLang="ja-JP" sz="2400" b="1" dirty="0" smtClean="0">
-                <a:latin typeface="メイリオ" panose="020B0604030504040204" pitchFamily="50" charset="-128"/>
-                <a:ea typeface="メイリオ" panose="020B0604030504040204" pitchFamily="50" charset="-128"/>
-              </a:rPr>
-              <a:t>(</a:t>
-            </a:r>
-            <a:r>
-              <a:rPr kumimoji="1" lang="ja-JP" altLang="en-US" sz="2400" b="1" dirty="0" smtClean="0">
-                <a:latin typeface="メイリオ" panose="020B0604030504040204" pitchFamily="50" charset="-128"/>
-                <a:ea typeface="メイリオ" panose="020B0604030504040204" pitchFamily="50" charset="-128"/>
-              </a:rPr>
-              <a:t>復習</a:t>
-            </a:r>
-            <a:r>
-              <a:rPr kumimoji="1" lang="en-US" altLang="ja-JP" sz="2400" b="1" dirty="0" smtClean="0">
-                <a:latin typeface="メイリオ" panose="020B0604030504040204" pitchFamily="50" charset="-128"/>
-                <a:ea typeface="メイリオ" panose="020B0604030504040204" pitchFamily="50" charset="-128"/>
-              </a:rPr>
-              <a:t>)MLE</a:t>
-            </a:r>
-            <a:r>
-              <a:rPr kumimoji="1" lang="ja-JP" altLang="en-US" sz="2400" b="1" dirty="0" smtClean="0">
-                <a:latin typeface="メイリオ" panose="020B0604030504040204" pitchFamily="50" charset="-128"/>
-                <a:ea typeface="メイリオ" panose="020B0604030504040204" pitchFamily="50" charset="-128"/>
-              </a:rPr>
-              <a:t>は、尤度関数が最大となるパラメータを推定量とする</a:t>
-            </a:r>
-            <a:endParaRPr kumimoji="1" lang="ja-JP" altLang="en-US" sz="2400" b="1" dirty="0">
-              <a:latin typeface="メイリオ" panose="020B0604030504040204" pitchFamily="50" charset="-128"/>
-              <a:ea typeface="メイリオ" panose="020B0604030504040204" pitchFamily="50" charset="-128"/>
-            </a:endParaRPr>
-          </a:p>
-        </p:txBody>
-      </p:sp>
-    </p:spTree>
-    <p:extLst>
-      <p:ext uri="{BB962C8B-B14F-4D97-AF65-F5344CB8AC3E}">
-        <p14:creationId xmlns:p14="http://schemas.microsoft.com/office/powerpoint/2010/main" val="3653209938"/>
-      </p:ext>
-    </p:extLst>
-  </p:cSld>
-  <p:clrMapOvr>
-    <a:masterClrMapping/>
-  </p:clrMapOvr>
-  <p:timing>
-    <p:tnLst>
-      <p:par>
-        <p:cTn id="1" dur="indefinite" restart="never" nodeType="tmRoot"/>
-      </p:par>
-    </p:tnLst>
-  </p:timing>
-</p:sld>
-</file>
-
-<file path=ppt/slides/slide8.xml><?xml version="1.0" encoding="utf-8"?>
-<p:sld xmlns:a="http://schemas.openxmlformats.org/drawingml/2006/main" xmlns:r="http://schemas.openxmlformats.org/officeDocument/2006/relationships" xmlns:p="http://schemas.openxmlformats.org/presentationml/2006/main">
-  <p:cSld>
-    <p:spTree>
-      <p:nvGrpSpPr>
-        <p:cNvPr id="1" name=""/>
-        <p:cNvGrpSpPr/>
-        <p:nvPr/>
-      </p:nvGrpSpPr>
-      <p:grpSpPr>
-        <a:xfrm>
-          <a:off x="0" y="0"/>
-          <a:ext cx="0" cy="0"/>
-          <a:chOff x="0" y="0"/>
-          <a:chExt cx="0" cy="0"/>
-        </a:xfrm>
-      </p:grpSpPr>
-      <p:sp>
-        <p:nvSpPr>
-          <p:cNvPr id="2" name="テキスト ボックス 1"/>
-          <p:cNvSpPr txBox="1"/>
-          <p:nvPr/>
-        </p:nvSpPr>
-        <p:spPr>
-          <a:xfrm>
-            <a:off x="786383" y="1141973"/>
-            <a:ext cx="7923726" cy="1077218"/>
-          </a:xfrm>
-          <a:prstGeom prst="rect">
-            <a:avLst/>
-          </a:prstGeom>
-          <a:noFill/>
-        </p:spPr>
-        <p:txBody>
-          <a:bodyPr wrap="square" rtlCol="0">
-            <a:spAutoFit/>
-          </a:bodyPr>
-          <a:lstStyle/>
-          <a:p>
-            <a:r>
-              <a:rPr lang="ja-JP" altLang="en-US" sz="3200" b="1" dirty="0" smtClean="0">
-                <a:latin typeface="メイリオ" panose="020B0604030504040204" pitchFamily="50" charset="-128"/>
-                <a:ea typeface="メイリオ" panose="020B0604030504040204" pitchFamily="50" charset="-128"/>
-              </a:rPr>
-              <a:t>計算</a:t>
-            </a:r>
-            <a:r>
-              <a:rPr lang="ja-JP" altLang="en-US" sz="3200" b="1" dirty="0">
-                <a:latin typeface="メイリオ" panose="020B0604030504040204" pitchFamily="50" charset="-128"/>
-                <a:ea typeface="メイリオ" panose="020B0604030504040204" pitchFamily="50" charset="-128"/>
-              </a:rPr>
-              <a:t>の簡略化のため</a:t>
-            </a:r>
-            <a:r>
-              <a:rPr lang="ja-JP" altLang="en-US" sz="3200" b="1" dirty="0" smtClean="0">
-                <a:latin typeface="メイリオ" panose="020B0604030504040204" pitchFamily="50" charset="-128"/>
-                <a:ea typeface="メイリオ" panose="020B0604030504040204" pitchFamily="50" charset="-128"/>
-              </a:rPr>
-              <a:t>、</a:t>
-            </a:r>
-            <a:endParaRPr lang="en-US" altLang="ja-JP" sz="3200" b="1" dirty="0" smtClean="0">
-              <a:latin typeface="メイリオ" panose="020B0604030504040204" pitchFamily="50" charset="-128"/>
-              <a:ea typeface="メイリオ" panose="020B0604030504040204" pitchFamily="50" charset="-128"/>
-            </a:endParaRPr>
-          </a:p>
-          <a:p>
-            <a:r>
-              <a:rPr lang="ja-JP" altLang="en-US" sz="3200" b="1" dirty="0" smtClean="0">
-                <a:latin typeface="メイリオ" panose="020B0604030504040204" pitchFamily="50" charset="-128"/>
-                <a:ea typeface="メイリオ" panose="020B0604030504040204" pitchFamily="50" charset="-128"/>
-              </a:rPr>
-              <a:t>対数尤度</a:t>
-            </a:r>
-            <a:r>
-              <a:rPr lang="ja-JP" altLang="en-US" sz="3200" b="1" dirty="0">
-                <a:latin typeface="メイリオ" panose="020B0604030504040204" pitchFamily="50" charset="-128"/>
-                <a:ea typeface="メイリオ" panose="020B0604030504040204" pitchFamily="50" charset="-128"/>
-              </a:rPr>
-              <a:t>関数</a:t>
-            </a:r>
-            <a:r>
-              <a:rPr lang="ja-JP" altLang="en-US" sz="3200" b="1" dirty="0" smtClean="0">
-                <a:latin typeface="メイリオ" panose="020B0604030504040204" pitchFamily="50" charset="-128"/>
-                <a:ea typeface="メイリオ" panose="020B0604030504040204" pitchFamily="50" charset="-128"/>
-              </a:rPr>
-              <a:t>を最大化</a:t>
-            </a:r>
-            <a:r>
-              <a:rPr lang="ja-JP" altLang="en-US" sz="3200" b="1" dirty="0">
-                <a:latin typeface="メイリオ" panose="020B0604030504040204" pitchFamily="50" charset="-128"/>
-                <a:ea typeface="メイリオ" panose="020B0604030504040204" pitchFamily="50" charset="-128"/>
-              </a:rPr>
-              <a:t>することを考える</a:t>
-            </a:r>
-          </a:p>
-        </p:txBody>
-      </p:sp>
-      <p:pic>
-        <p:nvPicPr>
-          <p:cNvPr id="2050" name="Picture 2" descr="$\ln p({\bf t}|{\bf x},{\bf w},\beta)=-\beta E_{D}({\bf w})+const$">
-            <a:hlinkClick r:id="rId2"/>
-          </p:cNvPr>
-          <p:cNvPicPr>
-            <a:picLocks noChangeAspect="1" noChangeArrowheads="1"/>
-          </p:cNvPicPr>
-          <p:nvPr/>
-        </p:nvPicPr>
-        <p:blipFill>
-          <a:blip r:embed="rId3">
-            <a:extLst>
-              <a:ext uri="{28A0092B-C50C-407E-A947-70E740481C1C}">
-                <a14:useLocalDpi xmlns:a14="http://schemas.microsoft.com/office/drawing/2010/main" val="0"/>
-              </a:ext>
-            </a:extLst>
-          </a:blip>
-          <a:srcRect/>
-          <a:stretch>
-            <a:fillRect/>
-          </a:stretch>
-        </p:blipFill>
-        <p:spPr bwMode="auto">
-          <a:xfrm>
-            <a:off x="877573" y="2378265"/>
-            <a:ext cx="7286596" cy="493423"/>
-          </a:xfrm>
-          <a:prstGeom prst="rect">
-            <a:avLst/>
-          </a:prstGeom>
-          <a:noFill/>
-          <a:extLst>
-            <a:ext uri="{909E8E84-426E-40DD-AFC4-6F175D3DCCD1}">
-              <a14:hiddenFill xmlns:a14="http://schemas.microsoft.com/office/drawing/2010/main">
-                <a:solidFill>
-                  <a:srgbClr val="FFFFFF"/>
-                </a:solidFill>
-              </a14:hiddenFill>
-            </a:ext>
-          </a:extLst>
-        </p:spPr>
-      </p:pic>
-      <p:pic>
-        <p:nvPicPr>
-          <p:cNvPr id="2052" name="Picture 4" descr="$E_{D}({\bf w})=\frac{1}{2}\sum_{n=1}^{N}\{t_{n}-{\bf w}^{\mathrm{T}}\phi({\bf x}_{n})\}^2$">
-            <a:hlinkClick r:id="rId4"/>
-          </p:cNvPr>
-          <p:cNvPicPr>
-            <a:picLocks noChangeAspect="1" noChangeArrowheads="1"/>
-          </p:cNvPicPr>
-          <p:nvPr/>
-        </p:nvPicPr>
-        <p:blipFill>
-          <a:blip r:embed="rId5">
-            <a:extLst>
-              <a:ext uri="{28A0092B-C50C-407E-A947-70E740481C1C}">
-                <a14:useLocalDpi xmlns:a14="http://schemas.microsoft.com/office/drawing/2010/main" val="0"/>
-              </a:ext>
-            </a:extLst>
-          </a:blip>
-          <a:srcRect/>
-          <a:stretch>
-            <a:fillRect/>
-          </a:stretch>
-        </p:blipFill>
-        <p:spPr bwMode="auto">
-          <a:xfrm>
-            <a:off x="2228398" y="3193960"/>
-            <a:ext cx="6337916" cy="548953"/>
-          </a:xfrm>
-          <a:prstGeom prst="rect">
-            <a:avLst/>
-          </a:prstGeom>
-          <a:noFill/>
-          <a:extLst>
-            <a:ext uri="{909E8E84-426E-40DD-AFC4-6F175D3DCCD1}">
-              <a14:hiddenFill xmlns:a14="http://schemas.microsoft.com/office/drawing/2010/main">
-                <a:solidFill>
-                  <a:srgbClr val="FFFFFF"/>
-                </a:solidFill>
-              </a14:hiddenFill>
-            </a:ext>
-          </a:extLst>
-        </p:spPr>
-      </p:pic>
-      <p:sp>
-        <p:nvSpPr>
-          <p:cNvPr id="3" name="テキスト ボックス 2"/>
-          <p:cNvSpPr txBox="1"/>
-          <p:nvPr/>
-        </p:nvSpPr>
-        <p:spPr>
-          <a:xfrm>
-            <a:off x="1065883" y="3327415"/>
-            <a:ext cx="1062507" cy="415498"/>
-          </a:xfrm>
-          <a:prstGeom prst="rect">
-            <a:avLst/>
-          </a:prstGeom>
-          <a:noFill/>
-        </p:spPr>
-        <p:txBody>
-          <a:bodyPr wrap="square" rtlCol="0">
-            <a:spAutoFit/>
-          </a:bodyPr>
-          <a:lstStyle/>
-          <a:p>
-            <a:r>
-              <a:rPr lang="ja-JP" altLang="en-US" sz="2100" b="1" dirty="0">
-                <a:latin typeface="メイリオ" panose="020B0604030504040204" pitchFamily="50" charset="-128"/>
-                <a:ea typeface="メイリオ" panose="020B0604030504040204" pitchFamily="50" charset="-128"/>
-              </a:rPr>
-              <a:t>ただし</a:t>
-            </a:r>
-          </a:p>
-        </p:txBody>
-      </p:sp>
-      <p:sp>
-        <p:nvSpPr>
-          <p:cNvPr id="4" name="テキスト ボックス 3"/>
-          <p:cNvSpPr txBox="1"/>
-          <p:nvPr/>
-        </p:nvSpPr>
-        <p:spPr>
-          <a:xfrm>
-            <a:off x="477287" y="4220044"/>
-            <a:ext cx="8589437" cy="584775"/>
-          </a:xfrm>
-          <a:prstGeom prst="rect">
-            <a:avLst/>
-          </a:prstGeom>
-          <a:noFill/>
-        </p:spPr>
-        <p:txBody>
-          <a:bodyPr wrap="square" rtlCol="0">
-            <a:spAutoFit/>
-          </a:bodyPr>
-          <a:lstStyle/>
-          <a:p>
-            <a:r>
-              <a:rPr lang="ja-JP" altLang="en-US" sz="3200" b="1" dirty="0">
-                <a:latin typeface="メイリオ" panose="020B0604030504040204" pitchFamily="50" charset="-128"/>
-                <a:ea typeface="メイリオ" panose="020B0604030504040204" pitchFamily="50" charset="-128"/>
-              </a:rPr>
-              <a:t>→</a:t>
-            </a:r>
-            <a:r>
-              <a:rPr lang="en-US" altLang="ja-JP" sz="3200" b="1" dirty="0">
-                <a:latin typeface="メイリオ" panose="020B0604030504040204" pitchFamily="50" charset="-128"/>
-                <a:ea typeface="メイリオ" panose="020B0604030504040204" pitchFamily="50" charset="-128"/>
-              </a:rPr>
-              <a:t>(</a:t>
-            </a:r>
-            <a:r>
-              <a:rPr lang="ja-JP" altLang="en-US" sz="3200" b="1" dirty="0">
-                <a:latin typeface="メイリオ" panose="020B0604030504040204" pitchFamily="50" charset="-128"/>
-                <a:ea typeface="メイリオ" panose="020B0604030504040204" pitchFamily="50" charset="-128"/>
-              </a:rPr>
-              <a:t>復習</a:t>
-            </a:r>
-            <a:r>
-              <a:rPr lang="en-US" altLang="ja-JP" sz="3200" b="1" dirty="0">
-                <a:latin typeface="メイリオ" panose="020B0604030504040204" pitchFamily="50" charset="-128"/>
-                <a:ea typeface="メイリオ" panose="020B0604030504040204" pitchFamily="50" charset="-128"/>
-              </a:rPr>
-              <a:t>)</a:t>
-            </a:r>
-            <a:r>
-              <a:rPr lang="ja-JP" altLang="en-US" sz="3200" b="1" dirty="0">
-                <a:latin typeface="メイリオ" panose="020B0604030504040204" pitchFamily="50" charset="-128"/>
-                <a:ea typeface="メイリオ" panose="020B0604030504040204" pitchFamily="50" charset="-128"/>
-              </a:rPr>
-              <a:t>ガウスノイズの下で、</a:t>
-            </a:r>
-            <a:r>
-              <a:rPr lang="en-US" altLang="ja-JP" sz="3200" b="1" dirty="0">
-                <a:latin typeface="メイリオ" panose="020B0604030504040204" pitchFamily="50" charset="-128"/>
-                <a:ea typeface="メイリオ" panose="020B0604030504040204" pitchFamily="50" charset="-128"/>
-              </a:rPr>
-              <a:t>MLE=LSM</a:t>
-            </a:r>
-            <a:endParaRPr lang="ja-JP" altLang="en-US" sz="3200" b="1" dirty="0">
-              <a:latin typeface="メイリオ" panose="020B0604030504040204" pitchFamily="50" charset="-128"/>
-              <a:ea typeface="メイリオ" panose="020B0604030504040204" pitchFamily="50" charset="-128"/>
-            </a:endParaRPr>
-          </a:p>
-        </p:txBody>
-      </p:sp>
-      <p:sp>
-        <p:nvSpPr>
-          <p:cNvPr id="5" name="テキスト ボックス 4"/>
-          <p:cNvSpPr txBox="1"/>
-          <p:nvPr/>
-        </p:nvSpPr>
-        <p:spPr>
-          <a:xfrm>
-            <a:off x="1341302" y="5281950"/>
-            <a:ext cx="6813887" cy="461665"/>
-          </a:xfrm>
-          <a:prstGeom prst="rect">
-            <a:avLst/>
-          </a:prstGeom>
-          <a:noFill/>
-        </p:spPr>
-        <p:txBody>
-          <a:bodyPr wrap="square" rtlCol="0">
-            <a:spAutoFit/>
-          </a:bodyPr>
-          <a:lstStyle/>
-          <a:p>
-            <a:r>
-              <a:rPr lang="ja-JP" altLang="en-US" sz="2400" b="1" dirty="0">
-                <a:latin typeface="メイリオ" panose="020B0604030504040204" pitchFamily="50" charset="-128"/>
-                <a:ea typeface="メイリオ" panose="020B0604030504040204" pitchFamily="50" charset="-128"/>
-              </a:rPr>
-              <a:t>実際に最尤推定量を計算してみる</a:t>
-            </a:r>
-            <a:r>
-              <a:rPr lang="en-US" altLang="ja-JP" sz="2400" b="1" dirty="0">
-                <a:latin typeface="メイリオ" panose="020B0604030504040204" pitchFamily="50" charset="-128"/>
-                <a:ea typeface="メイリオ" panose="020B0604030504040204" pitchFamily="50" charset="-128"/>
-              </a:rPr>
-              <a:t>(</a:t>
-            </a:r>
-            <a:r>
-              <a:rPr lang="ja-JP" altLang="en-US" sz="2400" b="1" dirty="0">
-                <a:latin typeface="メイリオ" panose="020B0604030504040204" pitchFamily="50" charset="-128"/>
-                <a:ea typeface="メイリオ" panose="020B0604030504040204" pitchFamily="50" charset="-128"/>
-              </a:rPr>
-              <a:t>計算ノート</a:t>
-            </a:r>
-            <a:r>
-              <a:rPr lang="en-US" altLang="ja-JP" sz="2400" b="1" dirty="0">
-                <a:latin typeface="メイリオ" panose="020B0604030504040204" pitchFamily="50" charset="-128"/>
-                <a:ea typeface="メイリオ" panose="020B0604030504040204" pitchFamily="50" charset="-128"/>
-              </a:rPr>
-              <a:t>)</a:t>
-            </a:r>
-          </a:p>
-        </p:txBody>
-      </p:sp>
-    </p:spTree>
-    <p:extLst>
-      <p:ext uri="{BB962C8B-B14F-4D97-AF65-F5344CB8AC3E}">
-        <p14:creationId xmlns:p14="http://schemas.microsoft.com/office/powerpoint/2010/main" val="138978357"/>
-      </p:ext>
-    </p:extLst>
-  </p:cSld>
-  <p:clrMapOvr>
-    <a:masterClrMapping/>
-  </p:clrMapOvr>
-  <p:timing>
-    <p:tnLst>
-      <p:par>
-        <p:cTn id="1" dur="indefinite" restart="never" nodeType="tmRoot"/>
-      </p:par>
-    </p:tnLst>
-  </p:timing>
-</p:sld>
-</file>
-
-<file path=ppt/slides/slide9.xml><?xml version="1.0" encoding="utf-8"?>
-<p:sld xmlns:a="http://schemas.openxmlformats.org/drawingml/2006/main" xmlns:r="http://schemas.openxmlformats.org/officeDocument/2006/relationships" xmlns:p="http://schemas.openxmlformats.org/presentationml/2006/main">
-  <p:cSld>
-    <p:spTree>
-      <p:nvGrpSpPr>
-        <p:cNvPr id="1" name=""/>
-        <p:cNvGrpSpPr/>
-        <p:nvPr/>
-      </p:nvGrpSpPr>
-      <p:grpSpPr>
-        <a:xfrm>
-          <a:off x="0" y="0"/>
-          <a:ext cx="0" cy="0"/>
-          <a:chOff x="0" y="0"/>
-          <a:chExt cx="0" cy="0"/>
-        </a:xfrm>
-      </p:grpSpPr>
-      <p:sp>
-        <p:nvSpPr>
-          <p:cNvPr id="2" name="テキスト ボックス 1"/>
-          <p:cNvSpPr txBox="1"/>
-          <p:nvPr/>
-        </p:nvSpPr>
-        <p:spPr>
-          <a:xfrm>
-            <a:off x="811366" y="231820"/>
-            <a:ext cx="7894754" cy="523220"/>
-          </a:xfrm>
-          <a:prstGeom prst="rect">
-            <a:avLst/>
-          </a:prstGeom>
-          <a:noFill/>
-        </p:spPr>
-        <p:txBody>
-          <a:bodyPr wrap="square" rtlCol="0">
-            <a:spAutoFit/>
-          </a:bodyPr>
-          <a:lstStyle/>
-          <a:p>
-            <a:r>
-              <a:rPr kumimoji="1" lang="ja-JP" altLang="en-US" sz="2800" b="1" dirty="0" smtClean="0">
-                <a:latin typeface="メイリオ" panose="020B0604030504040204" pitchFamily="50" charset="-128"/>
-                <a:ea typeface="メイリオ" panose="020B0604030504040204" pitchFamily="50" charset="-128"/>
-              </a:rPr>
-              <a:t>最小二乗法の幾何学的な解釈を考える</a:t>
-            </a:r>
-            <a:r>
-              <a:rPr kumimoji="1" lang="en-US" altLang="ja-JP" sz="2800" b="1" dirty="0" smtClean="0">
-                <a:latin typeface="メイリオ" panose="020B0604030504040204" pitchFamily="50" charset="-128"/>
-                <a:ea typeface="メイリオ" panose="020B0604030504040204" pitchFamily="50" charset="-128"/>
-              </a:rPr>
-              <a:t>(N&gt;M)</a:t>
-            </a:r>
-            <a:endParaRPr kumimoji="1" lang="ja-JP" altLang="en-US" sz="2800" b="1" dirty="0">
-              <a:latin typeface="メイリオ" panose="020B0604030504040204" pitchFamily="50" charset="-128"/>
-              <a:ea typeface="メイリオ" panose="020B0604030504040204" pitchFamily="50" charset="-128"/>
-            </a:endParaRPr>
-          </a:p>
-        </p:txBody>
-      </p:sp>
-      <p:grpSp>
-        <p:nvGrpSpPr>
-          <p:cNvPr id="4" name="グループ化 3"/>
-          <p:cNvGrpSpPr/>
-          <p:nvPr/>
-        </p:nvGrpSpPr>
-        <p:grpSpPr>
-          <a:xfrm>
-            <a:off x="763205" y="890572"/>
-            <a:ext cx="7981552" cy="854797"/>
-            <a:chOff x="531383" y="1689061"/>
-            <a:chExt cx="7981552" cy="854797"/>
-          </a:xfrm>
-        </p:grpSpPr>
-        <p:pic>
-          <p:nvPicPr>
-            <p:cNvPr id="1026" name="Picture 2" descr="$\xi = (\xi_{1},...,\xi_{N})^{\mathrm{T}}$">
-              <a:hlinkClick r:id="rId2"/>
-            </p:cNvPr>
-            <p:cNvPicPr>
-              <a:picLocks noChangeAspect="1" noChangeArrowheads="1"/>
-            </p:cNvPicPr>
-            <p:nvPr/>
-          </p:nvPicPr>
-          <p:blipFill>
-            <a:blip r:embed="rId3">
-              <a:extLst>
-                <a:ext uri="{28A0092B-C50C-407E-A947-70E740481C1C}">
-                  <a14:useLocalDpi xmlns:a14="http://schemas.microsoft.com/office/drawing/2010/main" val="0"/>
-                </a:ext>
-              </a:extLst>
-            </a:blip>
-            <a:srcRect/>
-            <a:stretch>
-              <a:fillRect/>
-            </a:stretch>
-          </p:blipFill>
-          <p:spPr bwMode="auto">
-            <a:xfrm>
-              <a:off x="3738222" y="1689061"/>
-              <a:ext cx="2701215" cy="439298"/>
-            </a:xfrm>
-            <a:prstGeom prst="rect">
-              <a:avLst/>
-            </a:prstGeom>
-            <a:noFill/>
-            <a:extLst>
-              <a:ext uri="{909E8E84-426E-40DD-AFC4-6F175D3DCCD1}">
-                <a14:hiddenFill xmlns:a14="http://schemas.microsoft.com/office/drawing/2010/main">
-                  <a:solidFill>
-                    <a:srgbClr val="FFFFFF"/>
-                  </a:solidFill>
-                </a14:hiddenFill>
-              </a:ext>
-            </a:extLst>
-          </p:spPr>
-        </p:pic>
-        <p:sp>
-          <p:nvSpPr>
-            <p:cNvPr id="3" name="テキスト ボックス 2"/>
-            <p:cNvSpPr txBox="1"/>
-            <p:nvPr/>
-          </p:nvSpPr>
-          <p:spPr>
-            <a:xfrm>
-              <a:off x="531383" y="1712861"/>
-              <a:ext cx="7981552" cy="830997"/>
-            </a:xfrm>
-            <a:prstGeom prst="rect">
-              <a:avLst/>
-            </a:prstGeom>
-            <a:noFill/>
-          </p:spPr>
-          <p:txBody>
-            <a:bodyPr wrap="square" rtlCol="0">
-              <a:spAutoFit/>
-            </a:bodyPr>
-            <a:lstStyle/>
-            <a:p>
-              <a:r>
-                <a:rPr kumimoji="1" lang="ja-JP" altLang="en-US" sz="2400" b="1" dirty="0" smtClean="0">
-                  <a:latin typeface="メイリオ" panose="020B0604030504040204" pitchFamily="50" charset="-128"/>
-                  <a:ea typeface="メイリオ" panose="020B0604030504040204" pitchFamily="50" charset="-128"/>
-                </a:rPr>
-                <a:t>ベクトルデータ</a:t>
-              </a:r>
-              <a:r>
-                <a:rPr kumimoji="1" lang="en-US" altLang="ja-JP" sz="2400" b="1" dirty="0" smtClean="0">
-                  <a:latin typeface="メイリオ" panose="020B0604030504040204" pitchFamily="50" charset="-128"/>
-                  <a:ea typeface="メイリオ" panose="020B0604030504040204" pitchFamily="50" charset="-128"/>
-                </a:rPr>
-                <a:t>t:</a:t>
-              </a:r>
-              <a:r>
-                <a:rPr kumimoji="1" lang="ja-JP" altLang="en-US" sz="2400" b="1" dirty="0" smtClean="0">
-                  <a:latin typeface="メイリオ" panose="020B0604030504040204" pitchFamily="50" charset="-128"/>
-                  <a:ea typeface="メイリオ" panose="020B0604030504040204" pitchFamily="50" charset="-128"/>
-                </a:rPr>
-                <a:t>座標                            の張る</a:t>
-              </a:r>
-              <a:endParaRPr kumimoji="1" lang="en-US" altLang="ja-JP" sz="2400" b="1" dirty="0" smtClean="0">
-                <a:latin typeface="メイリオ" panose="020B0604030504040204" pitchFamily="50" charset="-128"/>
-                <a:ea typeface="メイリオ" panose="020B0604030504040204" pitchFamily="50" charset="-128"/>
-              </a:endParaRPr>
-            </a:p>
-            <a:p>
-              <a:r>
-                <a:rPr lang="ja-JP" altLang="en-US" sz="2400" b="1" dirty="0">
-                  <a:latin typeface="メイリオ" panose="020B0604030504040204" pitchFamily="50" charset="-128"/>
-                  <a:ea typeface="メイリオ" panose="020B0604030504040204" pitchFamily="50" charset="-128"/>
-                </a:rPr>
-                <a:t>　</a:t>
-              </a:r>
-              <a:r>
-                <a:rPr lang="ja-JP" altLang="en-US" sz="2400" b="1" dirty="0" smtClean="0">
-                  <a:latin typeface="メイリオ" panose="020B0604030504040204" pitchFamily="50" charset="-128"/>
-                  <a:ea typeface="メイリオ" panose="020B0604030504040204" pitchFamily="50" charset="-128"/>
-                </a:rPr>
-                <a:t>　　　　　　  </a:t>
-              </a:r>
-              <a:r>
-                <a:rPr kumimoji="1" lang="en-US" altLang="ja-JP" sz="2400" b="1" dirty="0" smtClean="0">
-                  <a:latin typeface="メイリオ" panose="020B0604030504040204" pitchFamily="50" charset="-128"/>
-                  <a:ea typeface="メイリオ" panose="020B0604030504040204" pitchFamily="50" charset="-128"/>
-                </a:rPr>
-                <a:t>N</a:t>
-              </a:r>
-              <a:r>
-                <a:rPr kumimoji="1" lang="ja-JP" altLang="en-US" sz="2400" b="1" dirty="0" smtClean="0">
-                  <a:latin typeface="メイリオ" panose="020B0604030504040204" pitchFamily="50" charset="-128"/>
-                  <a:ea typeface="メイリオ" panose="020B0604030504040204" pitchFamily="50" charset="-128"/>
-                </a:rPr>
-                <a:t>次元空間の点</a:t>
-              </a:r>
-              <a:endParaRPr kumimoji="1" lang="ja-JP" altLang="en-US" sz="2400" b="1" dirty="0">
-                <a:latin typeface="メイリオ" panose="020B0604030504040204" pitchFamily="50" charset="-128"/>
-                <a:ea typeface="メイリオ" panose="020B0604030504040204" pitchFamily="50" charset="-128"/>
-              </a:endParaRPr>
-            </a:p>
-          </p:txBody>
-        </p:sp>
-      </p:grpSp>
-      <p:sp>
-        <p:nvSpPr>
-          <p:cNvPr id="5" name="テキスト ボックス 4"/>
-          <p:cNvSpPr txBox="1"/>
-          <p:nvPr/>
-        </p:nvSpPr>
-        <p:spPr>
-          <a:xfrm>
-            <a:off x="515155" y="5808372"/>
-            <a:ext cx="7508383" cy="830997"/>
-          </a:xfrm>
-          <a:prstGeom prst="rect">
-            <a:avLst/>
-          </a:prstGeom>
-          <a:noFill/>
-        </p:spPr>
-        <p:txBody>
-          <a:bodyPr wrap="square" rtlCol="0">
-            <a:spAutoFit/>
-          </a:bodyPr>
-          <a:lstStyle/>
-          <a:p>
-            <a:r>
-              <a:rPr kumimoji="1" lang="en-US" altLang="ja-JP" sz="2400" b="1" dirty="0" smtClean="0">
-                <a:latin typeface="メイリオ" panose="020B0604030504040204" pitchFamily="50" charset="-128"/>
-                <a:ea typeface="メイリオ" panose="020B0604030504040204" pitchFamily="50" charset="-128"/>
-              </a:rPr>
-              <a:t>※</a:t>
-            </a:r>
-            <a:r>
-              <a:rPr kumimoji="1" lang="ja-JP" altLang="en-US" sz="2400" b="1" dirty="0" smtClean="0">
-                <a:latin typeface="メイリオ" panose="020B0604030504040204" pitchFamily="50" charset="-128"/>
-                <a:ea typeface="メイリオ" panose="020B0604030504040204" pitchFamily="50" charset="-128"/>
-              </a:rPr>
-              <a:t>　       が非正則に近いとき</a:t>
-            </a:r>
-            <a:endParaRPr kumimoji="1" lang="en-US" altLang="ja-JP" sz="2400" b="1" dirty="0" smtClean="0">
-              <a:latin typeface="メイリオ" panose="020B0604030504040204" pitchFamily="50" charset="-128"/>
-              <a:ea typeface="メイリオ" panose="020B0604030504040204" pitchFamily="50" charset="-128"/>
-            </a:endParaRPr>
-          </a:p>
-          <a:p>
-            <a:r>
-              <a:rPr lang="ja-JP" altLang="en-US" sz="2400" b="1" dirty="0" smtClean="0">
-                <a:latin typeface="メイリオ" panose="020B0604030504040204" pitchFamily="50" charset="-128"/>
-                <a:ea typeface="メイリオ" panose="020B0604030504040204" pitchFamily="50" charset="-128"/>
-              </a:rPr>
-              <a:t>→</a:t>
-            </a:r>
-            <a:r>
-              <a:rPr lang="en-US" altLang="ja-JP" sz="2400" b="1" dirty="0" smtClean="0">
-                <a:latin typeface="メイリオ" panose="020B0604030504040204" pitchFamily="50" charset="-128"/>
-                <a:ea typeface="メイリオ" panose="020B0604030504040204" pitchFamily="50" charset="-128"/>
-              </a:rPr>
-              <a:t>SVD</a:t>
-            </a:r>
-            <a:r>
-              <a:rPr lang="ja-JP" altLang="en-US" sz="2400" b="1" dirty="0" smtClean="0">
-                <a:latin typeface="メイリオ" panose="020B0604030504040204" pitchFamily="50" charset="-128"/>
-                <a:ea typeface="メイリオ" panose="020B0604030504040204" pitchFamily="50" charset="-128"/>
-              </a:rPr>
-              <a:t>によって擬似逆行列を表現し、特異性を解消</a:t>
-            </a:r>
-            <a:endParaRPr kumimoji="1" lang="ja-JP" altLang="en-US" sz="2400" b="1" dirty="0">
-              <a:latin typeface="メイリオ" panose="020B0604030504040204" pitchFamily="50" charset="-128"/>
-              <a:ea typeface="メイリオ" panose="020B0604030504040204" pitchFamily="50" charset="-128"/>
-            </a:endParaRPr>
-          </a:p>
-        </p:txBody>
-      </p:sp>
-      <p:pic>
-        <p:nvPicPr>
-          <p:cNvPr id="1028" name="Picture 4" descr="$\Phi^{\mathrm{T}}\Phi}$">
-            <a:hlinkClick r:id="rId4"/>
-          </p:cNvPr>
-          <p:cNvPicPr>
-            <a:picLocks noChangeAspect="1" noChangeArrowheads="1"/>
-          </p:cNvPicPr>
-          <p:nvPr/>
-        </p:nvPicPr>
-        <p:blipFill>
-          <a:blip r:embed="rId5">
-            <a:extLst>
-              <a:ext uri="{28A0092B-C50C-407E-A947-70E740481C1C}">
-                <a14:useLocalDpi xmlns:a14="http://schemas.microsoft.com/office/drawing/2010/main" val="0"/>
-              </a:ext>
-            </a:extLst>
-          </a:blip>
-          <a:srcRect/>
-          <a:stretch>
-            <a:fillRect/>
-          </a:stretch>
-        </p:blipFill>
-        <p:spPr bwMode="auto">
-          <a:xfrm>
-            <a:off x="1042381" y="5795493"/>
-            <a:ext cx="781050" cy="352426"/>
-          </a:xfrm>
-          <a:prstGeom prst="rect">
-            <a:avLst/>
-          </a:prstGeom>
-          <a:noFill/>
-          <a:extLst>
-            <a:ext uri="{909E8E84-426E-40DD-AFC4-6F175D3DCCD1}">
-              <a14:hiddenFill xmlns:a14="http://schemas.microsoft.com/office/drawing/2010/main">
-                <a:solidFill>
-                  <a:srgbClr val="FFFFFF"/>
-                </a:solidFill>
-              </a14:hiddenFill>
-            </a:ext>
-          </a:extLst>
-        </p:spPr>
-      </p:pic>
-    </p:spTree>
-    <p:extLst>
-      <p:ext uri="{BB962C8B-B14F-4D97-AF65-F5344CB8AC3E}">
-        <p14:creationId xmlns:p14="http://schemas.microsoft.com/office/powerpoint/2010/main" val="832978726"/>
       </p:ext>
     </p:extLst>
   </p:cSld>

--- a/3章/PRML3章.pptx
+++ b/3章/PRML3章.pptx
@@ -5,7 +5,7 @@
     <p:sldMasterId id="2147483660" r:id="rId1"/>
   </p:sldMasterIdLst>
   <p:notesMasterIdLst>
-    <p:notesMasterId r:id="rId36"/>
+    <p:notesMasterId r:id="rId51"/>
   </p:notesMasterIdLst>
   <p:sldIdLst>
     <p:sldId id="256" r:id="rId2"/>
@@ -42,6 +42,21 @@
     <p:sldId id="283" r:id="rId33"/>
     <p:sldId id="284" r:id="rId34"/>
     <p:sldId id="291" r:id="rId35"/>
+    <p:sldId id="292" r:id="rId36"/>
+    <p:sldId id="293" r:id="rId37"/>
+    <p:sldId id="294" r:id="rId38"/>
+    <p:sldId id="296" r:id="rId39"/>
+    <p:sldId id="295" r:id="rId40"/>
+    <p:sldId id="297" r:id="rId41"/>
+    <p:sldId id="298" r:id="rId42"/>
+    <p:sldId id="299" r:id="rId43"/>
+    <p:sldId id="300" r:id="rId44"/>
+    <p:sldId id="301" r:id="rId45"/>
+    <p:sldId id="302" r:id="rId46"/>
+    <p:sldId id="303" r:id="rId47"/>
+    <p:sldId id="305" r:id="rId48"/>
+    <p:sldId id="306" r:id="rId49"/>
+    <p:sldId id="304" r:id="rId50"/>
   </p:sldIdLst>
   <p:sldSz cx="9144000" cy="6858000" type="screen4x3"/>
   <p:notesSz cx="6858000" cy="9144000"/>
@@ -230,7 +245,7 @@
           <a:p>
             <a:fld id="{2F5C9CA0-5B1C-4019-9CAE-C712A74B81F6}" type="datetimeFigureOut">
               <a:rPr kumimoji="1" lang="ja-JP" altLang="en-US" smtClean="0"/>
-              <a:t>2017/6/19</a:t>
+              <a:t>2017/6/20</a:t>
             </a:fld>
             <a:endParaRPr kumimoji="1" lang="ja-JP" altLang="en-US"/>
           </a:p>
@@ -614,6 +629,90 @@
 </p:notes>
 </file>
 
+<file path=ppt/notesSlides/notesSlide2.xml><?xml version="1.0" encoding="utf-8"?>
+<p:notes xmlns:a="http://schemas.openxmlformats.org/drawingml/2006/main" xmlns:r="http://schemas.openxmlformats.org/officeDocument/2006/relationships" xmlns:p="http://schemas.openxmlformats.org/presentationml/2006/main">
+  <p:cSld>
+    <p:spTree>
+      <p:nvGrpSpPr>
+        <p:cNvPr id="1" name=""/>
+        <p:cNvGrpSpPr/>
+        <p:nvPr/>
+      </p:nvGrpSpPr>
+      <p:grpSpPr>
+        <a:xfrm>
+          <a:off x="0" y="0"/>
+          <a:ext cx="0" cy="0"/>
+          <a:chOff x="0" y="0"/>
+          <a:chExt cx="0" cy="0"/>
+        </a:xfrm>
+      </p:grpSpPr>
+      <p:sp>
+        <p:nvSpPr>
+          <p:cNvPr id="2" name="スライド イメージ プレースホルダー 1"/>
+          <p:cNvSpPr>
+            <a:spLocks noGrp="1" noRot="1" noChangeAspect="1"/>
+          </p:cNvSpPr>
+          <p:nvPr>
+            <p:ph type="sldImg"/>
+          </p:nvPr>
+        </p:nvSpPr>
+        <p:spPr/>
+      </p:sp>
+      <p:sp>
+        <p:nvSpPr>
+          <p:cNvPr id="3" name="ノート プレースホルダー 2"/>
+          <p:cNvSpPr>
+            <a:spLocks noGrp="1"/>
+          </p:cNvSpPr>
+          <p:nvPr>
+            <p:ph type="body" idx="1"/>
+          </p:nvPr>
+        </p:nvSpPr>
+        <p:spPr/>
+        <p:txBody>
+          <a:bodyPr/>
+          <a:lstStyle/>
+          <a:p>
+            <a:endParaRPr kumimoji="1" lang="ja-JP" altLang="en-US"/>
+          </a:p>
+        </p:txBody>
+      </p:sp>
+      <p:sp>
+        <p:nvSpPr>
+          <p:cNvPr id="4" name="スライド番号プレースホルダー 3"/>
+          <p:cNvSpPr>
+            <a:spLocks noGrp="1"/>
+          </p:cNvSpPr>
+          <p:nvPr>
+            <p:ph type="sldNum" sz="quarter" idx="10"/>
+          </p:nvPr>
+        </p:nvSpPr>
+        <p:spPr/>
+        <p:txBody>
+          <a:bodyPr/>
+          <a:lstStyle/>
+          <a:p>
+            <a:fld id="{C7B279C3-77DD-4431-9938-D9B20C7CABEF}" type="slidenum">
+              <a:rPr kumimoji="1" lang="ja-JP" altLang="en-US" smtClean="0"/>
+              <a:t>45</a:t>
+            </a:fld>
+            <a:endParaRPr kumimoji="1" lang="ja-JP" altLang="en-US"/>
+          </a:p>
+        </p:txBody>
+      </p:sp>
+    </p:spTree>
+    <p:extLst>
+      <p:ext uri="{BB962C8B-B14F-4D97-AF65-F5344CB8AC3E}">
+        <p14:creationId xmlns:p14="http://schemas.microsoft.com/office/powerpoint/2010/main" val="1738826764"/>
+      </p:ext>
+    </p:extLst>
+  </p:cSld>
+  <p:clrMapOvr>
+    <a:masterClrMapping/>
+  </p:clrMapOvr>
+</p:notes>
+</file>
+
 <file path=ppt/slideLayouts/slideLayout1.xml><?xml version="1.0" encoding="utf-8"?>
 <p:sldLayout xmlns:a="http://schemas.openxmlformats.org/drawingml/2006/main" xmlns:r="http://schemas.openxmlformats.org/officeDocument/2006/relationships" xmlns:p="http://schemas.openxmlformats.org/presentationml/2006/main" type="title" preserve="1">
   <p:cSld name="タイトル スライド">
@@ -745,7 +844,7 @@
           <a:p>
             <a:fld id="{08032E79-3937-4168-BC15-4516387E8D1F}" type="datetimeFigureOut">
               <a:rPr kumimoji="1" lang="ja-JP" altLang="en-US" smtClean="0"/>
-              <a:t>2017/6/19</a:t>
+              <a:t>2017/6/20</a:t>
             </a:fld>
             <a:endParaRPr kumimoji="1" lang="ja-JP" altLang="en-US"/>
           </a:p>
@@ -947,7 +1046,7 @@
           <a:p>
             <a:fld id="{08032E79-3937-4168-BC15-4516387E8D1F}" type="datetimeFigureOut">
               <a:rPr kumimoji="1" lang="ja-JP" altLang="en-US" smtClean="0"/>
-              <a:t>2017/6/19</a:t>
+              <a:t>2017/6/20</a:t>
             </a:fld>
             <a:endParaRPr kumimoji="1" lang="ja-JP" altLang="en-US"/>
           </a:p>
@@ -1159,7 +1258,7 @@
           <a:p>
             <a:fld id="{08032E79-3937-4168-BC15-4516387E8D1F}" type="datetimeFigureOut">
               <a:rPr kumimoji="1" lang="ja-JP" altLang="en-US" smtClean="0"/>
-              <a:t>2017/6/19</a:t>
+              <a:t>2017/6/20</a:t>
             </a:fld>
             <a:endParaRPr kumimoji="1" lang="ja-JP" altLang="en-US"/>
           </a:p>
@@ -1361,7 +1460,7 @@
           <a:p>
             <a:fld id="{08032E79-3937-4168-BC15-4516387E8D1F}" type="datetimeFigureOut">
               <a:rPr kumimoji="1" lang="ja-JP" altLang="en-US" smtClean="0"/>
-              <a:t>2017/6/19</a:t>
+              <a:t>2017/6/20</a:t>
             </a:fld>
             <a:endParaRPr kumimoji="1" lang="ja-JP" altLang="en-US"/>
           </a:p>
@@ -1605,7 +1704,7 @@
           <a:p>
             <a:fld id="{08032E79-3937-4168-BC15-4516387E8D1F}" type="datetimeFigureOut">
               <a:rPr kumimoji="1" lang="ja-JP" altLang="en-US" smtClean="0"/>
-              <a:t>2017/6/19</a:t>
+              <a:t>2017/6/20</a:t>
             </a:fld>
             <a:endParaRPr kumimoji="1" lang="ja-JP" altLang="en-US"/>
           </a:p>
@@ -1901,7 +2000,7 @@
           <a:p>
             <a:fld id="{08032E79-3937-4168-BC15-4516387E8D1F}" type="datetimeFigureOut">
               <a:rPr kumimoji="1" lang="ja-JP" altLang="en-US" smtClean="0"/>
-              <a:t>2017/6/19</a:t>
+              <a:t>2017/6/20</a:t>
             </a:fld>
             <a:endParaRPr kumimoji="1" lang="ja-JP" altLang="en-US"/>
           </a:p>
@@ -2332,7 +2431,7 @@
           <a:p>
             <a:fld id="{08032E79-3937-4168-BC15-4516387E8D1F}" type="datetimeFigureOut">
               <a:rPr kumimoji="1" lang="ja-JP" altLang="en-US" smtClean="0"/>
-              <a:t>2017/6/19</a:t>
+              <a:t>2017/6/20</a:t>
             </a:fld>
             <a:endParaRPr kumimoji="1" lang="ja-JP" altLang="en-US"/>
           </a:p>
@@ -2450,7 +2549,7 @@
           <a:p>
             <a:fld id="{08032E79-3937-4168-BC15-4516387E8D1F}" type="datetimeFigureOut">
               <a:rPr kumimoji="1" lang="ja-JP" altLang="en-US" smtClean="0"/>
-              <a:t>2017/6/19</a:t>
+              <a:t>2017/6/20</a:t>
             </a:fld>
             <a:endParaRPr kumimoji="1" lang="ja-JP" altLang="en-US"/>
           </a:p>
@@ -2545,7 +2644,7 @@
           <a:p>
             <a:fld id="{08032E79-3937-4168-BC15-4516387E8D1F}" type="datetimeFigureOut">
               <a:rPr kumimoji="1" lang="ja-JP" altLang="en-US" smtClean="0"/>
-              <a:t>2017/6/19</a:t>
+              <a:t>2017/6/20</a:t>
             </a:fld>
             <a:endParaRPr kumimoji="1" lang="ja-JP" altLang="en-US"/>
           </a:p>
@@ -2854,7 +2953,7 @@
           <a:p>
             <a:fld id="{08032E79-3937-4168-BC15-4516387E8D1F}" type="datetimeFigureOut">
               <a:rPr kumimoji="1" lang="ja-JP" altLang="en-US" smtClean="0"/>
-              <a:t>2017/6/19</a:t>
+              <a:t>2017/6/20</a:t>
             </a:fld>
             <a:endParaRPr kumimoji="1" lang="ja-JP" altLang="en-US"/>
           </a:p>
@@ -3111,7 +3210,7 @@
           <a:p>
             <a:fld id="{08032E79-3937-4168-BC15-4516387E8D1F}" type="datetimeFigureOut">
               <a:rPr kumimoji="1" lang="ja-JP" altLang="en-US" smtClean="0"/>
-              <a:t>2017/6/19</a:t>
+              <a:t>2017/6/20</a:t>
             </a:fld>
             <a:endParaRPr kumimoji="1" lang="ja-JP" altLang="en-US"/>
           </a:p>
@@ -3356,7 +3455,7 @@
           <a:p>
             <a:fld id="{08032E79-3937-4168-BC15-4516387E8D1F}" type="datetimeFigureOut">
               <a:rPr kumimoji="1" lang="ja-JP" altLang="en-US" smtClean="0"/>
-              <a:t>2017/6/19</a:t>
+              <a:t>2017/6/20</a:t>
             </a:fld>
             <a:endParaRPr kumimoji="1" lang="ja-JP" altLang="en-US"/>
           </a:p>
@@ -6654,8 +6753,8 @@
           </a:p>
         </p:txBody>
       </p:sp>
-      <mc:AlternateContent xmlns:mc="http://schemas.openxmlformats.org/markup-compatibility/2006">
-        <mc:Choice xmlns:a14="http://schemas.microsoft.com/office/drawing/2010/main" Requires="a14">
+      <mc:AlternateContent xmlns:mc="http://schemas.openxmlformats.org/markup-compatibility/2006" xmlns:a14="http://schemas.microsoft.com/office/drawing/2010/main">
+        <mc:Choice Requires="a14">
           <p:sp>
             <p:nvSpPr>
               <p:cNvPr id="5" name="テキスト ボックス 4"/>
@@ -6791,7 +6890,7 @@
             </p:txBody>
           </p:sp>
         </mc:Choice>
-        <mc:Fallback>
+        <mc:Fallback xmlns="">
           <p:sp>
             <p:nvSpPr>
               <p:cNvPr id="5" name="テキスト ボックス 4"/>
@@ -6830,8 +6929,8 @@
           </p:sp>
         </mc:Fallback>
       </mc:AlternateContent>
-      <mc:AlternateContent xmlns:mc="http://schemas.openxmlformats.org/markup-compatibility/2006">
-        <mc:Choice xmlns:a14="http://schemas.microsoft.com/office/drawing/2010/main" Requires="a14">
+      <mc:AlternateContent xmlns:mc="http://schemas.openxmlformats.org/markup-compatibility/2006" xmlns:a14="http://schemas.microsoft.com/office/drawing/2010/main">
+        <mc:Choice Requires="a14">
           <p:sp>
             <p:nvSpPr>
               <p:cNvPr id="6" name="テキスト ボックス 5"/>
@@ -6903,7 +7002,7 @@
             </p:txBody>
           </p:sp>
         </mc:Choice>
-        <mc:Fallback>
+        <mc:Fallback xmlns="">
           <p:sp>
             <p:nvSpPr>
               <p:cNvPr id="6" name="テキスト ボックス 5"/>
@@ -9872,14 +9971,7 @@
                 <a:latin typeface="メイリオ" panose="020B0604030504040204" pitchFamily="50" charset="-128"/>
                 <a:ea typeface="メイリオ" panose="020B0604030504040204" pitchFamily="50" charset="-128"/>
               </a:rPr>
-              <a:t>事前</a:t>
-            </a:r>
-            <a:r>
-              <a:rPr kumimoji="1" lang="ja-JP" altLang="en-US" sz="3200" b="1" dirty="0" smtClean="0">
-                <a:latin typeface="メイリオ" panose="020B0604030504040204" pitchFamily="50" charset="-128"/>
-                <a:ea typeface="メイリオ" panose="020B0604030504040204" pitchFamily="50" charset="-128"/>
-              </a:rPr>
-              <a:t>分布がガウス分布であるため、</a:t>
+              <a:t>事前分布がガウス分布であるため、</a:t>
             </a:r>
             <a:endParaRPr kumimoji="1" lang="en-US" altLang="ja-JP" sz="3200" b="1" dirty="0" smtClean="0">
               <a:latin typeface="メイリオ" panose="020B0604030504040204" pitchFamily="50" charset="-128"/>
@@ -9899,14 +9991,7 @@
                 <a:latin typeface="メイリオ" panose="020B0604030504040204" pitchFamily="50" charset="-128"/>
                 <a:ea typeface="メイリオ" panose="020B0604030504040204" pitchFamily="50" charset="-128"/>
               </a:rPr>
-              <a:t>事後分布もガウス分布と</a:t>
-            </a:r>
-            <a:r>
-              <a:rPr kumimoji="1" lang="ja-JP" altLang="en-US" sz="3200" b="1" dirty="0" smtClean="0">
-                <a:latin typeface="メイリオ" panose="020B0604030504040204" pitchFamily="50" charset="-128"/>
-                <a:ea typeface="メイリオ" panose="020B0604030504040204" pitchFamily="50" charset="-128"/>
-              </a:rPr>
-              <a:t>なる</a:t>
+              <a:t>事後分布もガウス分布となる</a:t>
             </a:r>
             <a:endParaRPr kumimoji="1" lang="en-US" altLang="ja-JP" sz="3200" b="1" dirty="0" smtClean="0">
               <a:latin typeface="メイリオ" panose="020B0604030504040204" pitchFamily="50" charset="-128"/>
@@ -13259,21 +13344,7 @@
                 <a:latin typeface="メイリオ" panose="020B0604030504040204" pitchFamily="50" charset="-128"/>
                 <a:ea typeface="メイリオ" panose="020B0604030504040204" pitchFamily="50" charset="-128"/>
               </a:rPr>
-              <a:t>事前分布</a:t>
-            </a:r>
-            <a:r>
-              <a:rPr kumimoji="1" lang="ja-JP" altLang="en-US" sz="3200" b="1" dirty="0" smtClean="0">
-                <a:latin typeface="メイリオ" panose="020B0604030504040204" pitchFamily="50" charset="-128"/>
-                <a:ea typeface="メイリオ" panose="020B0604030504040204" pitchFamily="50" charset="-128"/>
-              </a:rPr>
-              <a:t>はすべてのモデルで等しい</a:t>
-            </a:r>
-            <a:r>
-              <a:rPr kumimoji="1" lang="ja-JP" altLang="en-US" sz="3200" b="1" dirty="0" smtClean="0">
-                <a:latin typeface="メイリオ" panose="020B0604030504040204" pitchFamily="50" charset="-128"/>
-                <a:ea typeface="メイリオ" panose="020B0604030504040204" pitchFamily="50" charset="-128"/>
-              </a:rPr>
-              <a:t>とする</a:t>
+              <a:t>事前分布はすべてのモデルで等しいとする</a:t>
             </a:r>
             <a:r>
               <a:rPr kumimoji="1" lang="en-US" altLang="ja-JP" sz="3200" b="1" dirty="0" smtClean="0">
@@ -13800,10 +13871,1835 @@
           <a:chExt cx="0" cy="0"/>
         </a:xfrm>
       </p:grpSpPr>
+      <p:sp>
+        <p:nvSpPr>
+          <p:cNvPr id="2" name="テキスト ボックス 1"/>
+          <p:cNvSpPr txBox="1"/>
+          <p:nvPr/>
+        </p:nvSpPr>
+        <p:spPr>
+          <a:xfrm>
+            <a:off x="2794714" y="535462"/>
+            <a:ext cx="3567448" cy="584775"/>
+          </a:xfrm>
+          <a:prstGeom prst="rect">
+            <a:avLst/>
+          </a:prstGeom>
+          <a:noFill/>
+        </p:spPr>
+        <p:txBody>
+          <a:bodyPr wrap="square" rtlCol="0">
+            <a:spAutoFit/>
+          </a:bodyPr>
+          <a:lstStyle/>
+          <a:p>
+            <a:r>
+              <a:rPr kumimoji="1" lang="ja-JP" altLang="en-US" sz="3200" b="1" dirty="0" smtClean="0">
+                <a:latin typeface="メイリオ" panose="020B0604030504040204" pitchFamily="50" charset="-128"/>
+                <a:ea typeface="メイリオ" panose="020B0604030504040204" pitchFamily="50" charset="-128"/>
+              </a:rPr>
+              <a:t>モデルエビデンス</a:t>
+            </a:r>
+            <a:endParaRPr kumimoji="1" lang="ja-JP" altLang="en-US" sz="3200" b="1" dirty="0">
+              <a:latin typeface="メイリオ" panose="020B0604030504040204" pitchFamily="50" charset="-128"/>
+              <a:ea typeface="メイリオ" panose="020B0604030504040204" pitchFamily="50" charset="-128"/>
+            </a:endParaRPr>
+          </a:p>
+        </p:txBody>
+      </p:sp>
+      <p:pic>
+        <p:nvPicPr>
+          <p:cNvPr id="1026" name="Picture 2" descr="$p(\mathcal{D})=\int p(\mathcal{D}|{\bf w})p({\bf w})d{\bf w}$">
+            <a:hlinkClick r:id="rId2"/>
+          </p:cNvPr>
+          <p:cNvPicPr>
+            <a:picLocks noChangeAspect="1" noChangeArrowheads="1"/>
+          </p:cNvPicPr>
+          <p:nvPr/>
+        </p:nvPicPr>
+        <p:blipFill>
+          <a:blip r:embed="rId3">
+            <a:extLst>
+              <a:ext uri="{28A0092B-C50C-407E-A947-70E740481C1C}">
+                <a14:useLocalDpi xmlns:a14="http://schemas.microsoft.com/office/drawing/2010/main" val="0"/>
+              </a:ext>
+            </a:extLst>
+          </a:blip>
+          <a:srcRect/>
+          <a:stretch>
+            <a:fillRect/>
+          </a:stretch>
+        </p:blipFill>
+        <p:spPr bwMode="auto">
+          <a:xfrm>
+            <a:off x="1845964" y="1287886"/>
+            <a:ext cx="5258887" cy="553567"/>
+          </a:xfrm>
+          <a:prstGeom prst="rect">
+            <a:avLst/>
+          </a:prstGeom>
+          <a:noFill/>
+          <a:extLst>
+            <a:ext uri="{909E8E84-426E-40DD-AFC4-6F175D3DCCD1}">
+              <a14:hiddenFill xmlns:a14="http://schemas.microsoft.com/office/drawing/2010/main">
+                <a:solidFill>
+                  <a:srgbClr val="FFFFFF"/>
+                </a:solidFill>
+              </a14:hiddenFill>
+            </a:ext>
+          </a:extLst>
+        </p:spPr>
+      </p:pic>
+      <p:sp>
+        <p:nvSpPr>
+          <p:cNvPr id="3" name="テキスト ボックス 2"/>
+          <p:cNvSpPr txBox="1"/>
+          <p:nvPr/>
+        </p:nvSpPr>
+        <p:spPr>
+          <a:xfrm>
+            <a:off x="4906851" y="2125013"/>
+            <a:ext cx="3953814" cy="830997"/>
+          </a:xfrm>
+          <a:prstGeom prst="rect">
+            <a:avLst/>
+          </a:prstGeom>
+          <a:noFill/>
+        </p:spPr>
+        <p:txBody>
+          <a:bodyPr wrap="square" rtlCol="0">
+            <a:spAutoFit/>
+          </a:bodyPr>
+          <a:lstStyle/>
+          <a:p>
+            <a:r>
+              <a:rPr kumimoji="1" lang="en-US" altLang="ja-JP" sz="2400" b="1" dirty="0" smtClean="0">
+                <a:solidFill>
+                  <a:schemeClr val="tx2"/>
+                </a:solidFill>
+                <a:latin typeface="メイリオ" panose="020B0604030504040204" pitchFamily="50" charset="-128"/>
+                <a:ea typeface="メイリオ" panose="020B0604030504040204" pitchFamily="50" charset="-128"/>
+              </a:rPr>
+              <a:t>※</a:t>
+            </a:r>
+            <a:r>
+              <a:rPr kumimoji="1" lang="ja-JP" altLang="en-US" sz="2400" b="1" dirty="0" smtClean="0">
+                <a:solidFill>
+                  <a:schemeClr val="tx2"/>
+                </a:solidFill>
+                <a:latin typeface="メイリオ" panose="020B0604030504040204" pitchFamily="50" charset="-128"/>
+                <a:ea typeface="メイリオ" panose="020B0604030504040204" pitchFamily="50" charset="-128"/>
+              </a:rPr>
+              <a:t>表記を簡便化するために</a:t>
+            </a:r>
+            <a:endParaRPr kumimoji="1" lang="en-US" altLang="ja-JP" sz="2400" b="1" dirty="0" smtClean="0">
+              <a:solidFill>
+                <a:schemeClr val="tx2"/>
+              </a:solidFill>
+              <a:latin typeface="メイリオ" panose="020B0604030504040204" pitchFamily="50" charset="-128"/>
+              <a:ea typeface="メイリオ" panose="020B0604030504040204" pitchFamily="50" charset="-128"/>
+            </a:endParaRPr>
+          </a:p>
+          <a:p>
+            <a:r>
+              <a:rPr lang="ja-JP" altLang="en-US" sz="2400" b="1" dirty="0">
+                <a:solidFill>
+                  <a:schemeClr val="tx2"/>
+                </a:solidFill>
+                <a:latin typeface="メイリオ" panose="020B0604030504040204" pitchFamily="50" charset="-128"/>
+                <a:ea typeface="メイリオ" panose="020B0604030504040204" pitchFamily="50" charset="-128"/>
+              </a:rPr>
+              <a:t>　</a:t>
+            </a:r>
+            <a:r>
+              <a:rPr kumimoji="1" lang="ja-JP" altLang="en-US" sz="2400" b="1" dirty="0" smtClean="0">
+                <a:solidFill>
+                  <a:schemeClr val="tx2"/>
+                </a:solidFill>
+                <a:latin typeface="メイリオ" panose="020B0604030504040204" pitchFamily="50" charset="-128"/>
+                <a:ea typeface="メイリオ" panose="020B0604030504040204" pitchFamily="50" charset="-128"/>
+              </a:rPr>
+              <a:t>モデル依存性を省略</a:t>
+            </a:r>
+            <a:endParaRPr kumimoji="1" lang="ja-JP" altLang="en-US" sz="2400" b="1" dirty="0">
+              <a:solidFill>
+                <a:schemeClr val="tx2"/>
+              </a:solidFill>
+              <a:latin typeface="メイリオ" panose="020B0604030504040204" pitchFamily="50" charset="-128"/>
+              <a:ea typeface="メイリオ" panose="020B0604030504040204" pitchFamily="50" charset="-128"/>
+            </a:endParaRPr>
+          </a:p>
+        </p:txBody>
+      </p:sp>
+      <p:sp>
+        <p:nvSpPr>
+          <p:cNvPr id="4" name="テキスト ボックス 3"/>
+          <p:cNvSpPr txBox="1"/>
+          <p:nvPr/>
+        </p:nvSpPr>
+        <p:spPr>
+          <a:xfrm>
+            <a:off x="431440" y="4206886"/>
+            <a:ext cx="8545134" cy="1077218"/>
+          </a:xfrm>
+          <a:prstGeom prst="rect">
+            <a:avLst/>
+          </a:prstGeom>
+          <a:noFill/>
+        </p:spPr>
+        <p:txBody>
+          <a:bodyPr wrap="square" rtlCol="0">
+            <a:spAutoFit/>
+          </a:bodyPr>
+          <a:lstStyle/>
+          <a:p>
+            <a:r>
+              <a:rPr lang="ja-JP" altLang="en-US" sz="3200" b="1" dirty="0">
+                <a:latin typeface="メイリオ" panose="020B0604030504040204" pitchFamily="50" charset="-128"/>
+                <a:ea typeface="メイリオ" panose="020B0604030504040204" pitchFamily="50" charset="-128"/>
+              </a:rPr>
+              <a:t>・</a:t>
+            </a:r>
+            <a:r>
+              <a:rPr kumimoji="1" lang="ja-JP" altLang="en-US" sz="3200" b="1" dirty="0" smtClean="0">
+                <a:latin typeface="メイリオ" panose="020B0604030504040204" pitchFamily="50" charset="-128"/>
+                <a:ea typeface="メイリオ" panose="020B0604030504040204" pitchFamily="50" charset="-128"/>
+              </a:rPr>
+              <a:t>事後分布がモード近傍で鋭くとがっている</a:t>
+            </a:r>
+            <a:endParaRPr kumimoji="1" lang="en-US" altLang="ja-JP" sz="3200" b="1" dirty="0" smtClean="0">
+              <a:latin typeface="メイリオ" panose="020B0604030504040204" pitchFamily="50" charset="-128"/>
+              <a:ea typeface="メイリオ" panose="020B0604030504040204" pitchFamily="50" charset="-128"/>
+            </a:endParaRPr>
+          </a:p>
+          <a:p>
+            <a:r>
+              <a:rPr kumimoji="1" lang="ja-JP" altLang="en-US" sz="3200" b="1" dirty="0" smtClean="0">
+                <a:latin typeface="メイリオ" panose="020B0604030504040204" pitchFamily="50" charset="-128"/>
+                <a:ea typeface="メイリオ" panose="020B0604030504040204" pitchFamily="50" charset="-128"/>
+              </a:rPr>
+              <a:t>・事前分布が平坦である</a:t>
+            </a:r>
+            <a:endParaRPr kumimoji="1" lang="ja-JP" altLang="en-US" sz="3200" b="1" dirty="0">
+              <a:latin typeface="メイリオ" panose="020B0604030504040204" pitchFamily="50" charset="-128"/>
+              <a:ea typeface="メイリオ" panose="020B0604030504040204" pitchFamily="50" charset="-128"/>
+            </a:endParaRPr>
+          </a:p>
+        </p:txBody>
+      </p:sp>
+      <p:sp>
+        <p:nvSpPr>
+          <p:cNvPr id="5" name="テキスト ボックス 4"/>
+          <p:cNvSpPr txBox="1"/>
+          <p:nvPr/>
+        </p:nvSpPr>
+        <p:spPr>
+          <a:xfrm>
+            <a:off x="431440" y="5728924"/>
+            <a:ext cx="8822028" cy="584775"/>
+          </a:xfrm>
+          <a:prstGeom prst="rect">
+            <a:avLst/>
+          </a:prstGeom>
+          <a:noFill/>
+        </p:spPr>
+        <p:txBody>
+          <a:bodyPr wrap="square" rtlCol="0">
+            <a:spAutoFit/>
+          </a:bodyPr>
+          <a:lstStyle/>
+          <a:p>
+            <a:r>
+              <a:rPr kumimoji="1" lang="ja-JP" altLang="en-US" sz="3200" b="1" dirty="0" smtClean="0">
+                <a:latin typeface="メイリオ" panose="020B0604030504040204" pitchFamily="50" charset="-128"/>
+                <a:ea typeface="メイリオ" panose="020B0604030504040204" pitchFamily="50" charset="-128"/>
+              </a:rPr>
+              <a:t>→積分を長方形型の分布で近似</a:t>
+            </a:r>
+            <a:r>
+              <a:rPr kumimoji="1" lang="en-US" altLang="ja-JP" sz="3200" b="1" dirty="0" smtClean="0">
+                <a:latin typeface="メイリオ" panose="020B0604030504040204" pitchFamily="50" charset="-128"/>
+                <a:ea typeface="メイリオ" panose="020B0604030504040204" pitchFamily="50" charset="-128"/>
+              </a:rPr>
+              <a:t>(</a:t>
+            </a:r>
+            <a:r>
+              <a:rPr kumimoji="1" lang="ja-JP" altLang="en-US" sz="3200" b="1" dirty="0" smtClean="0">
+                <a:latin typeface="メイリオ" panose="020B0604030504040204" pitchFamily="50" charset="-128"/>
+                <a:ea typeface="メイリオ" panose="020B0604030504040204" pitchFamily="50" charset="-128"/>
+              </a:rPr>
+              <a:t>図</a:t>
+            </a:r>
+            <a:r>
+              <a:rPr kumimoji="1" lang="en-US" altLang="ja-JP" sz="3200" b="1" dirty="0" smtClean="0">
+                <a:latin typeface="メイリオ" panose="020B0604030504040204" pitchFamily="50" charset="-128"/>
+                <a:ea typeface="メイリオ" panose="020B0604030504040204" pitchFamily="50" charset="-128"/>
+              </a:rPr>
+              <a:t>3.12</a:t>
+            </a:r>
+            <a:r>
+              <a:rPr kumimoji="1" lang="ja-JP" altLang="en-US" sz="3200" b="1" dirty="0" smtClean="0">
+                <a:latin typeface="メイリオ" panose="020B0604030504040204" pitchFamily="50" charset="-128"/>
+                <a:ea typeface="メイリオ" panose="020B0604030504040204" pitchFamily="50" charset="-128"/>
+              </a:rPr>
+              <a:t>参照</a:t>
+            </a:r>
+            <a:r>
+              <a:rPr kumimoji="1" lang="en-US" altLang="ja-JP" sz="3200" b="1" dirty="0" smtClean="0">
+                <a:latin typeface="メイリオ" panose="020B0604030504040204" pitchFamily="50" charset="-128"/>
+                <a:ea typeface="メイリオ" panose="020B0604030504040204" pitchFamily="50" charset="-128"/>
+              </a:rPr>
+              <a:t>)</a:t>
+            </a:r>
+            <a:endParaRPr kumimoji="1" lang="ja-JP" altLang="en-US" sz="3200" b="1" dirty="0">
+              <a:latin typeface="メイリオ" panose="020B0604030504040204" pitchFamily="50" charset="-128"/>
+              <a:ea typeface="メイリオ" panose="020B0604030504040204" pitchFamily="50" charset="-128"/>
+            </a:endParaRPr>
+          </a:p>
+        </p:txBody>
+      </p:sp>
+      <p:sp>
+        <p:nvSpPr>
+          <p:cNvPr id="6" name="テキスト ボックス 5"/>
+          <p:cNvSpPr txBox="1"/>
+          <p:nvPr/>
+        </p:nvSpPr>
+        <p:spPr>
+          <a:xfrm>
+            <a:off x="1580880" y="2968889"/>
+            <a:ext cx="6352506" cy="584775"/>
+          </a:xfrm>
+          <a:prstGeom prst="rect">
+            <a:avLst/>
+          </a:prstGeom>
+          <a:noFill/>
+        </p:spPr>
+        <p:txBody>
+          <a:bodyPr wrap="square" rtlCol="0">
+            <a:spAutoFit/>
+          </a:bodyPr>
+          <a:lstStyle/>
+          <a:p>
+            <a:r>
+              <a:rPr kumimoji="1" lang="ja-JP" altLang="en-US" sz="3200" b="1" dirty="0" smtClean="0">
+                <a:latin typeface="メイリオ" panose="020B0604030504040204" pitchFamily="50" charset="-128"/>
+                <a:ea typeface="メイリオ" panose="020B0604030504040204" pitchFamily="50" charset="-128"/>
+              </a:rPr>
+              <a:t>を具体的に計算することを考える</a:t>
+            </a:r>
+            <a:endParaRPr kumimoji="1" lang="ja-JP" altLang="en-US" sz="3200" b="1" dirty="0">
+              <a:latin typeface="メイリオ" panose="020B0604030504040204" pitchFamily="50" charset="-128"/>
+              <a:ea typeface="メイリオ" panose="020B0604030504040204" pitchFamily="50" charset="-128"/>
+            </a:endParaRPr>
+          </a:p>
+        </p:txBody>
+      </p:sp>
+      <p:sp>
+        <p:nvSpPr>
+          <p:cNvPr id="7" name="正方形/長方形 6"/>
+          <p:cNvSpPr/>
+          <p:nvPr/>
+        </p:nvSpPr>
+        <p:spPr>
+          <a:xfrm>
+            <a:off x="405682" y="3913681"/>
+            <a:ext cx="8609529" cy="1431051"/>
+          </a:xfrm>
+          <a:prstGeom prst="rect">
+            <a:avLst/>
+          </a:prstGeom>
+          <a:noFill/>
+          <a:ln>
+            <a:solidFill>
+              <a:schemeClr val="tx1"/>
+            </a:solidFill>
+          </a:ln>
+        </p:spPr>
+        <p:style>
+          <a:lnRef idx="2">
+            <a:schemeClr val="accent1">
+              <a:shade val="50000"/>
+            </a:schemeClr>
+          </a:lnRef>
+          <a:fillRef idx="1">
+            <a:schemeClr val="accent1"/>
+          </a:fillRef>
+          <a:effectRef idx="0">
+            <a:schemeClr val="accent1"/>
+          </a:effectRef>
+          <a:fontRef idx="minor">
+            <a:schemeClr val="lt1"/>
+          </a:fontRef>
+        </p:style>
+        <p:txBody>
+          <a:bodyPr rtlCol="0" anchor="ctr"/>
+          <a:lstStyle/>
+          <a:p>
+            <a:pPr algn="ctr"/>
+            <a:endParaRPr kumimoji="1" lang="ja-JP" altLang="en-US"/>
+          </a:p>
+        </p:txBody>
+      </p:sp>
+      <p:sp>
+        <p:nvSpPr>
+          <p:cNvPr id="8" name="正方形/長方形 7"/>
+          <p:cNvSpPr/>
+          <p:nvPr/>
+        </p:nvSpPr>
+        <p:spPr>
+          <a:xfrm>
+            <a:off x="3915176" y="3812158"/>
+            <a:ext cx="1429552" cy="245530"/>
+          </a:xfrm>
+          <a:prstGeom prst="rect">
+            <a:avLst/>
+          </a:prstGeom>
+          <a:solidFill>
+            <a:schemeClr val="bg1"/>
+          </a:solidFill>
+          <a:ln>
+            <a:solidFill>
+              <a:schemeClr val="bg1"/>
+            </a:solidFill>
+          </a:ln>
+        </p:spPr>
+        <p:style>
+          <a:lnRef idx="2">
+            <a:schemeClr val="accent1">
+              <a:shade val="50000"/>
+            </a:schemeClr>
+          </a:lnRef>
+          <a:fillRef idx="1">
+            <a:schemeClr val="accent1"/>
+          </a:fillRef>
+          <a:effectRef idx="0">
+            <a:schemeClr val="accent1"/>
+          </a:effectRef>
+          <a:fontRef idx="minor">
+            <a:schemeClr val="lt1"/>
+          </a:fontRef>
+        </p:style>
+        <p:txBody>
+          <a:bodyPr rtlCol="0" anchor="ctr"/>
+          <a:lstStyle/>
+          <a:p>
+            <a:pPr algn="ctr"/>
+            <a:endParaRPr kumimoji="1" lang="ja-JP" altLang="en-US"/>
+          </a:p>
+        </p:txBody>
+      </p:sp>
+      <p:sp>
+        <p:nvSpPr>
+          <p:cNvPr id="9" name="テキスト ボックス 8"/>
+          <p:cNvSpPr txBox="1"/>
+          <p:nvPr/>
+        </p:nvSpPr>
+        <p:spPr>
+          <a:xfrm>
+            <a:off x="4172752" y="3681025"/>
+            <a:ext cx="1017432" cy="584775"/>
+          </a:xfrm>
+          <a:prstGeom prst="rect">
+            <a:avLst/>
+          </a:prstGeom>
+          <a:noFill/>
+        </p:spPr>
+        <p:txBody>
+          <a:bodyPr wrap="square" rtlCol="0">
+            <a:spAutoFit/>
+          </a:bodyPr>
+          <a:lstStyle/>
+          <a:p>
+            <a:r>
+              <a:rPr kumimoji="1" lang="ja-JP" altLang="en-US" sz="3200" b="1" dirty="0" smtClean="0">
+                <a:latin typeface="メイリオ" panose="020B0604030504040204" pitchFamily="50" charset="-128"/>
+                <a:ea typeface="メイリオ" panose="020B0604030504040204" pitchFamily="50" charset="-128"/>
+              </a:rPr>
+              <a:t>仮定</a:t>
+            </a:r>
+            <a:endParaRPr kumimoji="1" lang="ja-JP" altLang="en-US" sz="3200" b="1" dirty="0">
+              <a:latin typeface="メイリオ" panose="020B0604030504040204" pitchFamily="50" charset="-128"/>
+              <a:ea typeface="メイリオ" panose="020B0604030504040204" pitchFamily="50" charset="-128"/>
+            </a:endParaRPr>
+          </a:p>
+        </p:txBody>
+      </p:sp>
     </p:spTree>
     <p:extLst>
       <p:ext uri="{BB962C8B-B14F-4D97-AF65-F5344CB8AC3E}">
         <p14:creationId xmlns:p14="http://schemas.microsoft.com/office/powerpoint/2010/main" val="3111853086"/>
+      </p:ext>
+    </p:extLst>
+  </p:cSld>
+  <p:clrMapOvr>
+    <a:masterClrMapping/>
+  </p:clrMapOvr>
+</p:sld>
+</file>
+
+<file path=ppt/slides/slide35.xml><?xml version="1.0" encoding="utf-8"?>
+<p:sld xmlns:a="http://schemas.openxmlformats.org/drawingml/2006/main" xmlns:r="http://schemas.openxmlformats.org/officeDocument/2006/relationships" xmlns:p="http://schemas.openxmlformats.org/presentationml/2006/main">
+  <p:cSld>
+    <p:spTree>
+      <p:nvGrpSpPr>
+        <p:cNvPr id="1" name=""/>
+        <p:cNvGrpSpPr/>
+        <p:nvPr/>
+      </p:nvGrpSpPr>
+      <p:grpSpPr>
+        <a:xfrm>
+          <a:off x="0" y="0"/>
+          <a:ext cx="0" cy="0"/>
+          <a:chOff x="0" y="0"/>
+          <a:chExt cx="0" cy="0"/>
+        </a:xfrm>
+      </p:grpSpPr>
+      <p:sp>
+        <p:nvSpPr>
+          <p:cNvPr id="2" name="テキスト ボックス 1"/>
+          <p:cNvSpPr txBox="1"/>
+          <p:nvPr/>
+        </p:nvSpPr>
+        <p:spPr>
+          <a:xfrm>
+            <a:off x="1036749" y="562547"/>
+            <a:ext cx="7315200" cy="1077218"/>
+          </a:xfrm>
+          <a:prstGeom prst="rect">
+            <a:avLst/>
+          </a:prstGeom>
+          <a:noFill/>
+        </p:spPr>
+        <p:txBody>
+          <a:bodyPr wrap="square" rtlCol="0">
+            <a:spAutoFit/>
+          </a:bodyPr>
+          <a:lstStyle/>
+          <a:p>
+            <a:r>
+              <a:rPr lang="ja-JP" altLang="en-US" sz="3200" b="1" dirty="0" smtClean="0">
+                <a:latin typeface="メイリオ" panose="020B0604030504040204" pitchFamily="50" charset="-128"/>
+                <a:ea typeface="メイリオ" panose="020B0604030504040204" pitchFamily="50" charset="-128"/>
+              </a:rPr>
+              <a:t>パラメータが</a:t>
+            </a:r>
+            <a:r>
+              <a:rPr lang="en-US" altLang="ja-JP" sz="3200" b="1" dirty="0" smtClean="0">
+                <a:latin typeface="メイリオ" panose="020B0604030504040204" pitchFamily="50" charset="-128"/>
+                <a:ea typeface="メイリオ" panose="020B0604030504040204" pitchFamily="50" charset="-128"/>
+              </a:rPr>
+              <a:t>1</a:t>
+            </a:r>
+            <a:r>
+              <a:rPr lang="ja-JP" altLang="en-US" sz="3200" b="1" dirty="0" smtClean="0">
+                <a:latin typeface="メイリオ" panose="020B0604030504040204" pitchFamily="50" charset="-128"/>
+                <a:ea typeface="メイリオ" panose="020B0604030504040204" pitchFamily="50" charset="-128"/>
+              </a:rPr>
+              <a:t>つしかないとして、</a:t>
+            </a:r>
+            <a:endParaRPr lang="en-US" altLang="ja-JP" sz="3200" b="1" dirty="0" smtClean="0">
+              <a:latin typeface="メイリオ" panose="020B0604030504040204" pitchFamily="50" charset="-128"/>
+              <a:ea typeface="メイリオ" panose="020B0604030504040204" pitchFamily="50" charset="-128"/>
+            </a:endParaRPr>
+          </a:p>
+          <a:p>
+            <a:r>
+              <a:rPr lang="ja-JP" altLang="en-US" sz="3200" b="1" dirty="0" smtClean="0">
+                <a:latin typeface="メイリオ" panose="020B0604030504040204" pitchFamily="50" charset="-128"/>
+                <a:ea typeface="メイリオ" panose="020B0604030504040204" pitchFamily="50" charset="-128"/>
+              </a:rPr>
+              <a:t>エビデンス</a:t>
+            </a:r>
+            <a:r>
+              <a:rPr kumimoji="1" lang="ja-JP" altLang="en-US" sz="3200" b="1" dirty="0" smtClean="0">
+                <a:latin typeface="メイリオ" panose="020B0604030504040204" pitchFamily="50" charset="-128"/>
+                <a:ea typeface="メイリオ" panose="020B0604030504040204" pitchFamily="50" charset="-128"/>
+              </a:rPr>
+              <a:t>は</a:t>
+            </a:r>
+            <a:r>
+              <a:rPr kumimoji="1" lang="ja-JP" altLang="en-US" sz="3200" b="1" dirty="0" smtClean="0">
+                <a:latin typeface="メイリオ" panose="020B0604030504040204" pitchFamily="50" charset="-128"/>
+                <a:ea typeface="メイリオ" panose="020B0604030504040204" pitchFamily="50" charset="-128"/>
+              </a:rPr>
+              <a:t>以下のよう</a:t>
+            </a:r>
+            <a:r>
+              <a:rPr kumimoji="1" lang="ja-JP" altLang="en-US" sz="3200" b="1" dirty="0" smtClean="0">
+                <a:latin typeface="メイリオ" panose="020B0604030504040204" pitchFamily="50" charset="-128"/>
+                <a:ea typeface="メイリオ" panose="020B0604030504040204" pitchFamily="50" charset="-128"/>
+              </a:rPr>
+              <a:t>に</a:t>
+            </a:r>
+            <a:r>
+              <a:rPr lang="ja-JP" altLang="en-US" sz="3200" b="1" dirty="0">
+                <a:latin typeface="メイリオ" panose="020B0604030504040204" pitchFamily="50" charset="-128"/>
+                <a:ea typeface="メイリオ" panose="020B0604030504040204" pitchFamily="50" charset="-128"/>
+              </a:rPr>
+              <a:t>近似</a:t>
+            </a:r>
+            <a:r>
+              <a:rPr kumimoji="1" lang="ja-JP" altLang="en-US" sz="3200" b="1" dirty="0" smtClean="0">
+                <a:latin typeface="メイリオ" panose="020B0604030504040204" pitchFamily="50" charset="-128"/>
+                <a:ea typeface="メイリオ" panose="020B0604030504040204" pitchFamily="50" charset="-128"/>
+              </a:rPr>
+              <a:t>できる</a:t>
+            </a:r>
+            <a:endParaRPr kumimoji="1" lang="ja-JP" altLang="en-US" sz="3200" b="1" dirty="0">
+              <a:latin typeface="メイリオ" panose="020B0604030504040204" pitchFamily="50" charset="-128"/>
+              <a:ea typeface="メイリオ" panose="020B0604030504040204" pitchFamily="50" charset="-128"/>
+            </a:endParaRPr>
+          </a:p>
+        </p:txBody>
+      </p:sp>
+      <p:pic>
+        <p:nvPicPr>
+          <p:cNvPr id="1030" name="Picture 6" descr="$ p(\mathcal{D})\simeq p(\mathcal{D}|w_{{\rm MAP}})\frac{\Delta w_{{\rm posterior}}}{\Delta w_{{\rm prior}}} $">
+            <a:hlinkClick r:id="rId2"/>
+          </p:cNvPr>
+          <p:cNvPicPr>
+            <a:picLocks noChangeAspect="1" noChangeArrowheads="1"/>
+          </p:cNvPicPr>
+          <p:nvPr/>
+        </p:nvPicPr>
+        <p:blipFill>
+          <a:blip r:embed="rId3">
+            <a:extLst>
+              <a:ext uri="{28A0092B-C50C-407E-A947-70E740481C1C}">
+                <a14:useLocalDpi xmlns:a14="http://schemas.microsoft.com/office/drawing/2010/main" val="0"/>
+              </a:ext>
+            </a:extLst>
+          </a:blip>
+          <a:srcRect/>
+          <a:stretch>
+            <a:fillRect/>
+          </a:stretch>
+        </p:blipFill>
+        <p:spPr bwMode="auto">
+          <a:xfrm>
+            <a:off x="1934515" y="1938733"/>
+            <a:ext cx="4953000" cy="628651"/>
+          </a:xfrm>
+          <a:prstGeom prst="rect">
+            <a:avLst/>
+          </a:prstGeom>
+          <a:noFill/>
+          <a:extLst>
+            <a:ext uri="{909E8E84-426E-40DD-AFC4-6F175D3DCCD1}">
+              <a14:hiddenFill xmlns:a14="http://schemas.microsoft.com/office/drawing/2010/main">
+                <a:solidFill>
+                  <a:srgbClr val="FFFFFF"/>
+                </a:solidFill>
+              </a14:hiddenFill>
+            </a:ext>
+          </a:extLst>
+        </p:spPr>
+      </p:pic>
+      <p:pic>
+        <p:nvPicPr>
+          <p:cNvPr id="1032" name="Picture 8" descr="$\ln p(\mathcal{D})\simeq  \ln p(\mathcal{D}|w_{{\rm MAP}})+\ln \left( \frac{\Delta w_{{\rm posterior}}}{\Delta w_{{\rm prior}}}\right) $">
+            <a:hlinkClick r:id="rId4"/>
+          </p:cNvPr>
+          <p:cNvPicPr>
+            <a:picLocks noChangeAspect="1" noChangeArrowheads="1"/>
+          </p:cNvPicPr>
+          <p:nvPr/>
+        </p:nvPicPr>
+        <p:blipFill>
+          <a:blip r:embed="rId5">
+            <a:extLst>
+              <a:ext uri="{28A0092B-C50C-407E-A947-70E740481C1C}">
+                <a14:useLocalDpi xmlns:a14="http://schemas.microsoft.com/office/drawing/2010/main" val="0"/>
+              </a:ext>
+            </a:extLst>
+          </a:blip>
+          <a:srcRect/>
+          <a:stretch>
+            <a:fillRect/>
+          </a:stretch>
+        </p:blipFill>
+        <p:spPr bwMode="auto">
+          <a:xfrm>
+            <a:off x="1036749" y="3750095"/>
+            <a:ext cx="7038975" cy="714375"/>
+          </a:xfrm>
+          <a:prstGeom prst="rect">
+            <a:avLst/>
+          </a:prstGeom>
+          <a:noFill/>
+          <a:extLst>
+            <a:ext uri="{909E8E84-426E-40DD-AFC4-6F175D3DCCD1}">
+              <a14:hiddenFill xmlns:a14="http://schemas.microsoft.com/office/drawing/2010/main">
+                <a:solidFill>
+                  <a:srgbClr val="FFFFFF"/>
+                </a:solidFill>
+              </a14:hiddenFill>
+            </a:ext>
+          </a:extLst>
+        </p:spPr>
+      </p:pic>
+      <p:sp>
+        <p:nvSpPr>
+          <p:cNvPr id="3" name="テキスト ボックス 2"/>
+          <p:cNvSpPr txBox="1"/>
+          <p:nvPr/>
+        </p:nvSpPr>
+        <p:spPr>
+          <a:xfrm>
+            <a:off x="1036749" y="2866352"/>
+            <a:ext cx="3889419" cy="584775"/>
+          </a:xfrm>
+          <a:prstGeom prst="rect">
+            <a:avLst/>
+          </a:prstGeom>
+          <a:noFill/>
+        </p:spPr>
+        <p:txBody>
+          <a:bodyPr wrap="square" rtlCol="0">
+            <a:spAutoFit/>
+          </a:bodyPr>
+          <a:lstStyle/>
+          <a:p>
+            <a:r>
+              <a:rPr kumimoji="1" lang="ja-JP" altLang="en-US" sz="3200" b="1" dirty="0" smtClean="0">
+                <a:latin typeface="メイリオ" panose="020B0604030504040204" pitchFamily="50" charset="-128"/>
+                <a:ea typeface="メイリオ" panose="020B0604030504040204" pitchFamily="50" charset="-128"/>
+              </a:rPr>
+              <a:t>対数をとって</a:t>
+            </a:r>
+            <a:endParaRPr kumimoji="1" lang="ja-JP" altLang="en-US" sz="3200" b="1" dirty="0">
+              <a:latin typeface="メイリオ" panose="020B0604030504040204" pitchFamily="50" charset="-128"/>
+              <a:ea typeface="メイリオ" panose="020B0604030504040204" pitchFamily="50" charset="-128"/>
+            </a:endParaRPr>
+          </a:p>
+        </p:txBody>
+      </p:sp>
+      <p:cxnSp>
+        <p:nvCxnSpPr>
+          <p:cNvPr id="5" name="直線コネクタ 4"/>
+          <p:cNvCxnSpPr/>
+          <p:nvPr/>
+        </p:nvCxnSpPr>
+        <p:spPr>
+          <a:xfrm flipV="1">
+            <a:off x="2723883" y="4451591"/>
+            <a:ext cx="2395470" cy="0"/>
+          </a:xfrm>
+          <a:prstGeom prst="line">
+            <a:avLst/>
+          </a:prstGeom>
+          <a:ln w="19050">
+            <a:solidFill>
+              <a:srgbClr val="FF0000"/>
+            </a:solidFill>
+          </a:ln>
+        </p:spPr>
+        <p:style>
+          <a:lnRef idx="1">
+            <a:schemeClr val="accent1"/>
+          </a:lnRef>
+          <a:fillRef idx="0">
+            <a:schemeClr val="accent1"/>
+          </a:fillRef>
+          <a:effectRef idx="0">
+            <a:schemeClr val="accent1"/>
+          </a:effectRef>
+          <a:fontRef idx="minor">
+            <a:schemeClr val="tx1"/>
+          </a:fontRef>
+        </p:style>
+      </p:cxnSp>
+      <p:sp>
+        <p:nvSpPr>
+          <p:cNvPr id="6" name="テキスト ボックス 5"/>
+          <p:cNvSpPr txBox="1"/>
+          <p:nvPr/>
+        </p:nvSpPr>
+        <p:spPr>
+          <a:xfrm>
+            <a:off x="1442433" y="4608082"/>
+            <a:ext cx="4134119" cy="830997"/>
+          </a:xfrm>
+          <a:prstGeom prst="rect">
+            <a:avLst/>
+          </a:prstGeom>
+          <a:noFill/>
+        </p:spPr>
+        <p:txBody>
+          <a:bodyPr wrap="square" rtlCol="0">
+            <a:spAutoFit/>
+          </a:bodyPr>
+          <a:lstStyle/>
+          <a:p>
+            <a:r>
+              <a:rPr kumimoji="1" lang="en-US" altLang="ja-JP" sz="2400" b="1" dirty="0" smtClean="0">
+                <a:latin typeface="メイリオ" panose="020B0604030504040204" pitchFamily="50" charset="-128"/>
+                <a:ea typeface="メイリオ" panose="020B0604030504040204" pitchFamily="50" charset="-128"/>
+              </a:rPr>
+              <a:t>MAP</a:t>
+            </a:r>
+            <a:r>
+              <a:rPr kumimoji="1" lang="ja-JP" altLang="en-US" sz="2400" b="1" dirty="0" smtClean="0">
+                <a:latin typeface="メイリオ" panose="020B0604030504040204" pitchFamily="50" charset="-128"/>
+                <a:ea typeface="メイリオ" panose="020B0604030504040204" pitchFamily="50" charset="-128"/>
+              </a:rPr>
+              <a:t>推定値における</a:t>
+            </a:r>
+            <a:endParaRPr kumimoji="1" lang="en-US" altLang="ja-JP" sz="2400" b="1" dirty="0" smtClean="0">
+              <a:latin typeface="メイリオ" panose="020B0604030504040204" pitchFamily="50" charset="-128"/>
+              <a:ea typeface="メイリオ" panose="020B0604030504040204" pitchFamily="50" charset="-128"/>
+            </a:endParaRPr>
+          </a:p>
+          <a:p>
+            <a:r>
+              <a:rPr kumimoji="1" lang="ja-JP" altLang="en-US" sz="2400" b="1" dirty="0" smtClean="0">
+                <a:latin typeface="メイリオ" panose="020B0604030504040204" pitchFamily="50" charset="-128"/>
+                <a:ea typeface="メイリオ" panose="020B0604030504040204" pitchFamily="50" charset="-128"/>
+              </a:rPr>
+              <a:t>データへの当てはまり度</a:t>
+            </a:r>
+            <a:endParaRPr kumimoji="1" lang="ja-JP" altLang="en-US" sz="2400" b="1" dirty="0">
+              <a:latin typeface="メイリオ" panose="020B0604030504040204" pitchFamily="50" charset="-128"/>
+              <a:ea typeface="メイリオ" panose="020B0604030504040204" pitchFamily="50" charset="-128"/>
+            </a:endParaRPr>
+          </a:p>
+        </p:txBody>
+      </p:sp>
+      <p:cxnSp>
+        <p:nvCxnSpPr>
+          <p:cNvPr id="8" name="直線コネクタ 7"/>
+          <p:cNvCxnSpPr/>
+          <p:nvPr/>
+        </p:nvCxnSpPr>
+        <p:spPr>
+          <a:xfrm>
+            <a:off x="5576552" y="4451591"/>
+            <a:ext cx="2460535" cy="0"/>
+          </a:xfrm>
+          <a:prstGeom prst="line">
+            <a:avLst/>
+          </a:prstGeom>
+          <a:ln w="19050">
+            <a:solidFill>
+              <a:schemeClr val="accent4"/>
+            </a:solidFill>
+          </a:ln>
+        </p:spPr>
+        <p:style>
+          <a:lnRef idx="1">
+            <a:schemeClr val="accent1"/>
+          </a:lnRef>
+          <a:fillRef idx="0">
+            <a:schemeClr val="accent1"/>
+          </a:fillRef>
+          <a:effectRef idx="0">
+            <a:schemeClr val="accent1"/>
+          </a:effectRef>
+          <a:fontRef idx="minor">
+            <a:schemeClr val="tx1"/>
+          </a:fontRef>
+        </p:style>
+      </p:cxnSp>
+      <p:sp>
+        <p:nvSpPr>
+          <p:cNvPr id="9" name="テキスト ボックス 8"/>
+          <p:cNvSpPr txBox="1"/>
+          <p:nvPr/>
+        </p:nvSpPr>
+        <p:spPr>
+          <a:xfrm>
+            <a:off x="5241702" y="4620960"/>
+            <a:ext cx="3902298" cy="830997"/>
+          </a:xfrm>
+          <a:prstGeom prst="rect">
+            <a:avLst/>
+          </a:prstGeom>
+          <a:noFill/>
+        </p:spPr>
+        <p:txBody>
+          <a:bodyPr wrap="square" rtlCol="0">
+            <a:spAutoFit/>
+          </a:bodyPr>
+          <a:lstStyle/>
+          <a:p>
+            <a:r>
+              <a:rPr kumimoji="1" lang="ja-JP" altLang="en-US" sz="2400" b="1" dirty="0" smtClean="0">
+                <a:latin typeface="メイリオ" panose="020B0604030504040204" pitchFamily="50" charset="-128"/>
+                <a:ea typeface="メイリオ" panose="020B0604030504040204" pitchFamily="50" charset="-128"/>
+              </a:rPr>
+              <a:t>モデルが複雑になることに対するペナルティ</a:t>
+            </a:r>
+            <a:endParaRPr kumimoji="1" lang="ja-JP" altLang="en-US" sz="2400" b="1" dirty="0">
+              <a:latin typeface="メイリオ" panose="020B0604030504040204" pitchFamily="50" charset="-128"/>
+              <a:ea typeface="メイリオ" panose="020B0604030504040204" pitchFamily="50" charset="-128"/>
+            </a:endParaRPr>
+          </a:p>
+        </p:txBody>
+      </p:sp>
+    </p:spTree>
+    <p:extLst>
+      <p:ext uri="{BB962C8B-B14F-4D97-AF65-F5344CB8AC3E}">
+        <p14:creationId xmlns:p14="http://schemas.microsoft.com/office/powerpoint/2010/main" val="2562559352"/>
+      </p:ext>
+    </p:extLst>
+  </p:cSld>
+  <p:clrMapOvr>
+    <a:masterClrMapping/>
+  </p:clrMapOvr>
+</p:sld>
+</file>
+
+<file path=ppt/slides/slide36.xml><?xml version="1.0" encoding="utf-8"?>
+<p:sld xmlns:a="http://schemas.openxmlformats.org/drawingml/2006/main" xmlns:r="http://schemas.openxmlformats.org/officeDocument/2006/relationships" xmlns:p="http://schemas.openxmlformats.org/presentationml/2006/main">
+  <p:cSld>
+    <p:spTree>
+      <p:nvGrpSpPr>
+        <p:cNvPr id="1" name=""/>
+        <p:cNvGrpSpPr/>
+        <p:nvPr/>
+      </p:nvGrpSpPr>
+      <p:grpSpPr>
+        <a:xfrm>
+          <a:off x="0" y="0"/>
+          <a:ext cx="0" cy="0"/>
+          <a:chOff x="0" y="0"/>
+          <a:chExt cx="0" cy="0"/>
+        </a:xfrm>
+      </p:grpSpPr>
+      <p:sp>
+        <p:nvSpPr>
+          <p:cNvPr id="2" name="テキスト ボックス 1"/>
+          <p:cNvSpPr txBox="1"/>
+          <p:nvPr/>
+        </p:nvSpPr>
+        <p:spPr>
+          <a:xfrm>
+            <a:off x="1197734" y="502276"/>
+            <a:ext cx="7134896" cy="1569660"/>
+          </a:xfrm>
+          <a:prstGeom prst="rect">
+            <a:avLst/>
+          </a:prstGeom>
+          <a:noFill/>
+        </p:spPr>
+        <p:txBody>
+          <a:bodyPr wrap="square" rtlCol="0">
+            <a:spAutoFit/>
+          </a:bodyPr>
+          <a:lstStyle/>
+          <a:p>
+            <a:r>
+              <a:rPr kumimoji="1" lang="ja-JP" altLang="en-US" sz="3200" b="1" dirty="0" smtClean="0">
+                <a:latin typeface="メイリオ" panose="020B0604030504040204" pitchFamily="50" charset="-128"/>
+                <a:ea typeface="メイリオ" panose="020B0604030504040204" pitchFamily="50" charset="-128"/>
+              </a:rPr>
+              <a:t>同様に、パラメータが</a:t>
+            </a:r>
+            <a:r>
+              <a:rPr kumimoji="1" lang="en-US" altLang="ja-JP" sz="3200" b="1" dirty="0" smtClean="0">
+                <a:latin typeface="メイリオ" panose="020B0604030504040204" pitchFamily="50" charset="-128"/>
+                <a:ea typeface="メイリオ" panose="020B0604030504040204" pitchFamily="50" charset="-128"/>
+              </a:rPr>
+              <a:t>M</a:t>
+            </a:r>
+            <a:r>
+              <a:rPr kumimoji="1" lang="ja-JP" altLang="en-US" sz="3200" b="1" dirty="0" smtClean="0">
+                <a:latin typeface="メイリオ" panose="020B0604030504040204" pitchFamily="50" charset="-128"/>
+                <a:ea typeface="メイリオ" panose="020B0604030504040204" pitchFamily="50" charset="-128"/>
+              </a:rPr>
+              <a:t>個あるとき</a:t>
+            </a:r>
+            <a:endParaRPr kumimoji="1" lang="en-US" altLang="ja-JP" sz="3200" b="1" dirty="0" smtClean="0">
+              <a:latin typeface="メイリオ" panose="020B0604030504040204" pitchFamily="50" charset="-128"/>
+              <a:ea typeface="メイリオ" panose="020B0604030504040204" pitchFamily="50" charset="-128"/>
+            </a:endParaRPr>
+          </a:p>
+          <a:p>
+            <a:r>
+              <a:rPr lang="ja-JP" altLang="en-US" sz="3200" b="1" dirty="0" smtClean="0">
+                <a:latin typeface="メイリオ" panose="020B0604030504040204" pitchFamily="50" charset="-128"/>
+                <a:ea typeface="メイリオ" panose="020B0604030504040204" pitchFamily="50" charset="-128"/>
+              </a:rPr>
+              <a:t>すべてのパラメータに対して第二項が</a:t>
+            </a:r>
+            <a:endParaRPr lang="en-US" altLang="ja-JP" sz="3200" b="1" dirty="0" smtClean="0">
+              <a:latin typeface="メイリオ" panose="020B0604030504040204" pitchFamily="50" charset="-128"/>
+              <a:ea typeface="メイリオ" panose="020B0604030504040204" pitchFamily="50" charset="-128"/>
+            </a:endParaRPr>
+          </a:p>
+          <a:p>
+            <a:r>
+              <a:rPr kumimoji="1" lang="ja-JP" altLang="en-US" sz="3200" b="1" dirty="0">
+                <a:latin typeface="メイリオ" panose="020B0604030504040204" pitchFamily="50" charset="-128"/>
+                <a:ea typeface="メイリオ" panose="020B0604030504040204" pitchFamily="50" charset="-128"/>
+              </a:rPr>
+              <a:t>一定</a:t>
+            </a:r>
+            <a:r>
+              <a:rPr kumimoji="1" lang="ja-JP" altLang="en-US" sz="3200" b="1" dirty="0" smtClean="0">
+                <a:latin typeface="メイリオ" panose="020B0604030504040204" pitchFamily="50" charset="-128"/>
+                <a:ea typeface="メイリオ" panose="020B0604030504040204" pitchFamily="50" charset="-128"/>
+              </a:rPr>
+              <a:t>であるとして以下が得られる</a:t>
+            </a:r>
+            <a:endParaRPr kumimoji="1" lang="en-US" altLang="ja-JP" sz="3200" b="1" dirty="0" smtClean="0">
+              <a:latin typeface="メイリオ" panose="020B0604030504040204" pitchFamily="50" charset="-128"/>
+              <a:ea typeface="メイリオ" panose="020B0604030504040204" pitchFamily="50" charset="-128"/>
+            </a:endParaRPr>
+          </a:p>
+        </p:txBody>
+      </p:sp>
+      <p:pic>
+        <p:nvPicPr>
+          <p:cNvPr id="2050" name="Picture 2" descr="$\ln p(\mathcal{D})\simeq  \ln p(\mathcal{D}|{\bf w}_{{\rm MAP}})+M\ln \left( \frac{\Delta w_{{\rm posterior}}}{\Delta w_{{\rm prior}}}\right) $">
+            <a:hlinkClick r:id="rId2"/>
+          </p:cNvPr>
+          <p:cNvPicPr>
+            <a:picLocks noChangeAspect="1" noChangeArrowheads="1"/>
+          </p:cNvPicPr>
+          <p:nvPr/>
+        </p:nvPicPr>
+        <p:blipFill>
+          <a:blip r:embed="rId3">
+            <a:extLst>
+              <a:ext uri="{28A0092B-C50C-407E-A947-70E740481C1C}">
+                <a14:useLocalDpi xmlns:a14="http://schemas.microsoft.com/office/drawing/2010/main" val="0"/>
+              </a:ext>
+            </a:extLst>
+          </a:blip>
+          <a:srcRect/>
+          <a:stretch>
+            <a:fillRect/>
+          </a:stretch>
+        </p:blipFill>
+        <p:spPr bwMode="auto">
+          <a:xfrm>
+            <a:off x="776488" y="2301743"/>
+            <a:ext cx="7581900" cy="714375"/>
+          </a:xfrm>
+          <a:prstGeom prst="rect">
+            <a:avLst/>
+          </a:prstGeom>
+          <a:noFill/>
+          <a:extLst>
+            <a:ext uri="{909E8E84-426E-40DD-AFC4-6F175D3DCCD1}">
+              <a14:hiddenFill xmlns:a14="http://schemas.microsoft.com/office/drawing/2010/main">
+                <a:solidFill>
+                  <a:srgbClr val="FFFFFF"/>
+                </a:solidFill>
+              </a14:hiddenFill>
+            </a:ext>
+          </a:extLst>
+        </p:spPr>
+      </p:pic>
+      <p:sp>
+        <p:nvSpPr>
+          <p:cNvPr id="3" name="テキスト ボックス 2"/>
+          <p:cNvSpPr txBox="1"/>
+          <p:nvPr/>
+        </p:nvSpPr>
+        <p:spPr>
+          <a:xfrm>
+            <a:off x="1036748" y="3554569"/>
+            <a:ext cx="7456867" cy="1077218"/>
+          </a:xfrm>
+          <a:prstGeom prst="rect">
+            <a:avLst/>
+          </a:prstGeom>
+          <a:noFill/>
+        </p:spPr>
+        <p:txBody>
+          <a:bodyPr wrap="square" rtlCol="0">
+            <a:spAutoFit/>
+          </a:bodyPr>
+          <a:lstStyle/>
+          <a:p>
+            <a:r>
+              <a:rPr kumimoji="1" lang="en-US" altLang="ja-JP" sz="3200" b="1" dirty="0" smtClean="0">
+                <a:latin typeface="メイリオ" panose="020B0604030504040204" pitchFamily="50" charset="-128"/>
+                <a:ea typeface="メイリオ" panose="020B0604030504040204" pitchFamily="50" charset="-128"/>
+              </a:rPr>
+              <a:t>M</a:t>
+            </a:r>
+            <a:r>
+              <a:rPr kumimoji="1" lang="ja-JP" altLang="en-US" sz="3200" b="1" dirty="0" smtClean="0">
+                <a:latin typeface="メイリオ" panose="020B0604030504040204" pitchFamily="50" charset="-128"/>
+                <a:ea typeface="メイリオ" panose="020B0604030504040204" pitchFamily="50" charset="-128"/>
+              </a:rPr>
+              <a:t>が大きくなる</a:t>
+            </a:r>
+            <a:r>
+              <a:rPr kumimoji="1" lang="en-US" altLang="ja-JP" sz="3200" b="1" dirty="0" smtClean="0">
+                <a:latin typeface="メイリオ" panose="020B0604030504040204" pitchFamily="50" charset="-128"/>
+                <a:ea typeface="メイリオ" panose="020B0604030504040204" pitchFamily="50" charset="-128"/>
+              </a:rPr>
+              <a:t>(</a:t>
+            </a:r>
+            <a:r>
+              <a:rPr kumimoji="1" lang="ja-JP" altLang="en-US" sz="3200" b="1" dirty="0" smtClean="0">
+                <a:latin typeface="メイリオ" panose="020B0604030504040204" pitchFamily="50" charset="-128"/>
+                <a:ea typeface="メイリオ" panose="020B0604030504040204" pitchFamily="50" charset="-128"/>
+              </a:rPr>
+              <a:t>モデルが複雑になる</a:t>
+            </a:r>
+            <a:r>
+              <a:rPr kumimoji="1" lang="en-US" altLang="ja-JP" sz="3200" b="1" dirty="0" smtClean="0">
+                <a:latin typeface="メイリオ" panose="020B0604030504040204" pitchFamily="50" charset="-128"/>
+                <a:ea typeface="メイリオ" panose="020B0604030504040204" pitchFamily="50" charset="-128"/>
+              </a:rPr>
+              <a:t>)</a:t>
+            </a:r>
+          </a:p>
+          <a:p>
+            <a:r>
+              <a:rPr lang="ja-JP" altLang="en-US" sz="3200" b="1" dirty="0" smtClean="0">
+                <a:latin typeface="メイリオ" panose="020B0604030504040204" pitchFamily="50" charset="-128"/>
+                <a:ea typeface="メイリオ" panose="020B0604030504040204" pitchFamily="50" charset="-128"/>
+              </a:rPr>
+              <a:t>→第一項</a:t>
+            </a:r>
+            <a:r>
+              <a:rPr lang="ja-JP" altLang="en-US" sz="3200" b="1" dirty="0" smtClean="0">
+                <a:solidFill>
+                  <a:srgbClr val="FF0000"/>
+                </a:solidFill>
+                <a:latin typeface="メイリオ" panose="020B0604030504040204" pitchFamily="50" charset="-128"/>
+                <a:ea typeface="メイリオ" panose="020B0604030504040204" pitchFamily="50" charset="-128"/>
+              </a:rPr>
+              <a:t>↑</a:t>
+            </a:r>
+            <a:r>
+              <a:rPr lang="ja-JP" altLang="en-US" sz="3200" b="1" dirty="0" smtClean="0">
+                <a:latin typeface="メイリオ" panose="020B0604030504040204" pitchFamily="50" charset="-128"/>
+                <a:ea typeface="メイリオ" panose="020B0604030504040204" pitchFamily="50" charset="-128"/>
+              </a:rPr>
+              <a:t>、第二項</a:t>
+            </a:r>
+            <a:r>
+              <a:rPr lang="ja-JP" altLang="en-US" sz="3200" b="1" dirty="0" smtClean="0">
+                <a:solidFill>
+                  <a:srgbClr val="002060"/>
+                </a:solidFill>
+                <a:latin typeface="メイリオ" panose="020B0604030504040204" pitchFamily="50" charset="-128"/>
+                <a:ea typeface="メイリオ" panose="020B0604030504040204" pitchFamily="50" charset="-128"/>
+              </a:rPr>
+              <a:t>↓</a:t>
+            </a:r>
+            <a:endParaRPr kumimoji="1" lang="ja-JP" altLang="en-US" sz="3200" b="1" dirty="0">
+              <a:solidFill>
+                <a:srgbClr val="002060"/>
+              </a:solidFill>
+              <a:latin typeface="メイリオ" panose="020B0604030504040204" pitchFamily="50" charset="-128"/>
+              <a:ea typeface="メイリオ" panose="020B0604030504040204" pitchFamily="50" charset="-128"/>
+            </a:endParaRPr>
+          </a:p>
+        </p:txBody>
+      </p:sp>
+      <p:sp>
+        <p:nvSpPr>
+          <p:cNvPr id="4" name="テキスト ボックス 3"/>
+          <p:cNvSpPr txBox="1"/>
+          <p:nvPr/>
+        </p:nvSpPr>
+        <p:spPr>
+          <a:xfrm>
+            <a:off x="1036748" y="5286148"/>
+            <a:ext cx="7592097" cy="1077218"/>
+          </a:xfrm>
+          <a:prstGeom prst="rect">
+            <a:avLst/>
+          </a:prstGeom>
+          <a:noFill/>
+        </p:spPr>
+        <p:txBody>
+          <a:bodyPr wrap="square" rtlCol="0">
+            <a:spAutoFit/>
+          </a:bodyPr>
+          <a:lstStyle/>
+          <a:p>
+            <a:r>
+              <a:rPr kumimoji="1" lang="ja-JP" altLang="en-US" sz="3200" b="1" dirty="0" smtClean="0">
+                <a:latin typeface="メイリオ" panose="020B0604030504040204" pitchFamily="50" charset="-128"/>
+                <a:ea typeface="メイリオ" panose="020B0604030504040204" pitchFamily="50" charset="-128"/>
+              </a:rPr>
+              <a:t>モデルエビデンスの最大化によって、</a:t>
+            </a:r>
+            <a:endParaRPr kumimoji="1" lang="en-US" altLang="ja-JP" sz="3200" b="1" dirty="0" smtClean="0">
+              <a:latin typeface="メイリオ" panose="020B0604030504040204" pitchFamily="50" charset="-128"/>
+              <a:ea typeface="メイリオ" panose="020B0604030504040204" pitchFamily="50" charset="-128"/>
+            </a:endParaRPr>
+          </a:p>
+          <a:p>
+            <a:r>
+              <a:rPr kumimoji="1" lang="ja-JP" altLang="en-US" sz="3200" b="1" dirty="0" smtClean="0">
+                <a:latin typeface="メイリオ" panose="020B0604030504040204" pitchFamily="50" charset="-128"/>
+                <a:ea typeface="メイリオ" panose="020B0604030504040204" pitchFamily="50" charset="-128"/>
+              </a:rPr>
+              <a:t>ちょうどよい表現力のモデルを選べる</a:t>
+            </a:r>
+            <a:endParaRPr kumimoji="1" lang="ja-JP" altLang="en-US" sz="3200" b="1" dirty="0">
+              <a:latin typeface="メイリオ" panose="020B0604030504040204" pitchFamily="50" charset="-128"/>
+              <a:ea typeface="メイリオ" panose="020B0604030504040204" pitchFamily="50" charset="-128"/>
+            </a:endParaRPr>
+          </a:p>
+        </p:txBody>
+      </p:sp>
+    </p:spTree>
+    <p:extLst>
+      <p:ext uri="{BB962C8B-B14F-4D97-AF65-F5344CB8AC3E}">
+        <p14:creationId xmlns:p14="http://schemas.microsoft.com/office/powerpoint/2010/main" val="1776157319"/>
+      </p:ext>
+    </p:extLst>
+  </p:cSld>
+  <p:clrMapOvr>
+    <a:masterClrMapping/>
+  </p:clrMapOvr>
+</p:sld>
+</file>
+
+<file path=ppt/slides/slide37.xml><?xml version="1.0" encoding="utf-8"?>
+<p:sld xmlns:a="http://schemas.openxmlformats.org/drawingml/2006/main" xmlns:r="http://schemas.openxmlformats.org/officeDocument/2006/relationships" xmlns:p="http://schemas.openxmlformats.org/presentationml/2006/main">
+  <p:cSld>
+    <p:spTree>
+      <p:nvGrpSpPr>
+        <p:cNvPr id="1" name=""/>
+        <p:cNvGrpSpPr/>
+        <p:nvPr/>
+      </p:nvGrpSpPr>
+      <p:grpSpPr>
+        <a:xfrm>
+          <a:off x="0" y="0"/>
+          <a:ext cx="0" cy="0"/>
+          <a:chOff x="0" y="0"/>
+          <a:chExt cx="0" cy="0"/>
+        </a:xfrm>
+      </p:grpSpPr>
+      <p:sp>
+        <p:nvSpPr>
+          <p:cNvPr id="2" name="テキスト ボックス 1"/>
+          <p:cNvSpPr txBox="1"/>
+          <p:nvPr/>
+        </p:nvSpPr>
+        <p:spPr>
+          <a:xfrm>
+            <a:off x="1120464" y="1558343"/>
+            <a:ext cx="6903076" cy="646331"/>
+          </a:xfrm>
+          <a:prstGeom prst="rect">
+            <a:avLst/>
+          </a:prstGeom>
+          <a:noFill/>
+        </p:spPr>
+        <p:txBody>
+          <a:bodyPr wrap="square" rtlCol="0">
+            <a:spAutoFit/>
+          </a:bodyPr>
+          <a:lstStyle/>
+          <a:p>
+            <a:r>
+              <a:rPr kumimoji="1" lang="ja-JP" altLang="en-US" sz="3600" b="1" dirty="0" smtClean="0">
+                <a:latin typeface="メイリオ" panose="020B0604030504040204" pitchFamily="50" charset="-128"/>
+                <a:ea typeface="メイリオ" panose="020B0604030504040204" pitchFamily="50" charset="-128"/>
+              </a:rPr>
+              <a:t>ベイズモデル比較における注意</a:t>
+            </a:r>
+            <a:endParaRPr kumimoji="1" lang="ja-JP" altLang="en-US" sz="3600" b="1" dirty="0">
+              <a:latin typeface="メイリオ" panose="020B0604030504040204" pitchFamily="50" charset="-128"/>
+              <a:ea typeface="メイリオ" panose="020B0604030504040204" pitchFamily="50" charset="-128"/>
+            </a:endParaRPr>
+          </a:p>
+        </p:txBody>
+      </p:sp>
+      <p:sp>
+        <p:nvSpPr>
+          <p:cNvPr id="3" name="テキスト ボックス 2"/>
+          <p:cNvSpPr txBox="1"/>
+          <p:nvPr/>
+        </p:nvSpPr>
+        <p:spPr>
+          <a:xfrm>
+            <a:off x="103031" y="2421227"/>
+            <a:ext cx="9929611" cy="1977464"/>
+          </a:xfrm>
+          <a:prstGeom prst="rect">
+            <a:avLst/>
+          </a:prstGeom>
+          <a:noFill/>
+        </p:spPr>
+        <p:txBody>
+          <a:bodyPr wrap="square" rtlCol="0">
+            <a:spAutoFit/>
+          </a:bodyPr>
+          <a:lstStyle/>
+          <a:p>
+            <a:pPr>
+              <a:lnSpc>
+                <a:spcPct val="150000"/>
+              </a:lnSpc>
+            </a:pPr>
+            <a:r>
+              <a:rPr kumimoji="1" lang="ja-JP" altLang="en-US" sz="2800" b="1" dirty="0" smtClean="0">
+                <a:latin typeface="メイリオ" panose="020B0604030504040204" pitchFamily="50" charset="-128"/>
+                <a:ea typeface="メイリオ" panose="020B0604030504040204" pitchFamily="50" charset="-128"/>
+              </a:rPr>
+              <a:t>・考えているモデルの中に真の分布があることを</a:t>
+            </a:r>
+            <a:r>
+              <a:rPr lang="ja-JP" altLang="en-US" sz="2800" b="1" dirty="0" smtClean="0">
+                <a:latin typeface="メイリオ" panose="020B0604030504040204" pitchFamily="50" charset="-128"/>
+                <a:ea typeface="メイリオ" panose="020B0604030504040204" pitchFamily="50" charset="-128"/>
+              </a:rPr>
+              <a:t>仮定</a:t>
+            </a:r>
+            <a:endParaRPr lang="en-US" altLang="ja-JP" sz="2800" b="1" dirty="0" smtClean="0">
+              <a:latin typeface="メイリオ" panose="020B0604030504040204" pitchFamily="50" charset="-128"/>
+              <a:ea typeface="メイリオ" panose="020B0604030504040204" pitchFamily="50" charset="-128"/>
+            </a:endParaRPr>
+          </a:p>
+          <a:p>
+            <a:pPr>
+              <a:lnSpc>
+                <a:spcPct val="150000"/>
+              </a:lnSpc>
+            </a:pPr>
+            <a:r>
+              <a:rPr kumimoji="1" lang="ja-JP" altLang="en-US" sz="2800" b="1" dirty="0" smtClean="0">
+                <a:latin typeface="メイリオ" panose="020B0604030504040204" pitchFamily="50" charset="-128"/>
+                <a:ea typeface="メイリオ" panose="020B0604030504040204" pitchFamily="50" charset="-128"/>
+              </a:rPr>
+              <a:t>→そうでない場合、誤った結果が得られることも</a:t>
+            </a:r>
+            <a:endParaRPr kumimoji="1" lang="en-US" altLang="ja-JP" sz="2800" b="1" dirty="0" smtClean="0">
+              <a:latin typeface="メイリオ" panose="020B0604030504040204" pitchFamily="50" charset="-128"/>
+              <a:ea typeface="メイリオ" panose="020B0604030504040204" pitchFamily="50" charset="-128"/>
+            </a:endParaRPr>
+          </a:p>
+          <a:p>
+            <a:pPr>
+              <a:lnSpc>
+                <a:spcPct val="150000"/>
+              </a:lnSpc>
+            </a:pPr>
+            <a:r>
+              <a:rPr lang="ja-JP" altLang="en-US" sz="2800" b="1" dirty="0" smtClean="0">
+                <a:latin typeface="メイリオ" panose="020B0604030504040204" pitchFamily="50" charset="-128"/>
+                <a:ea typeface="メイリオ" panose="020B0604030504040204" pitchFamily="50" charset="-128"/>
+              </a:rPr>
+              <a:t>・用いる事前分布によってはうまくいかない</a:t>
+            </a:r>
+            <a:endParaRPr kumimoji="1" lang="ja-JP" altLang="en-US" sz="2800" b="1" dirty="0">
+              <a:latin typeface="メイリオ" panose="020B0604030504040204" pitchFamily="50" charset="-128"/>
+              <a:ea typeface="メイリオ" panose="020B0604030504040204" pitchFamily="50" charset="-128"/>
+            </a:endParaRPr>
+          </a:p>
+        </p:txBody>
+      </p:sp>
+      <p:sp>
+        <p:nvSpPr>
+          <p:cNvPr id="4" name="テキスト ボックス 3"/>
+          <p:cNvSpPr txBox="1"/>
+          <p:nvPr/>
+        </p:nvSpPr>
+        <p:spPr>
+          <a:xfrm>
+            <a:off x="1120464" y="4726545"/>
+            <a:ext cx="6941713" cy="584775"/>
+          </a:xfrm>
+          <a:prstGeom prst="rect">
+            <a:avLst/>
+          </a:prstGeom>
+          <a:noFill/>
+        </p:spPr>
+        <p:txBody>
+          <a:bodyPr wrap="square" rtlCol="0">
+            <a:spAutoFit/>
+          </a:bodyPr>
+          <a:lstStyle/>
+          <a:p>
+            <a:r>
+              <a:rPr kumimoji="1" lang="ja-JP" altLang="en-US" sz="3200" b="1" dirty="0" smtClean="0">
+                <a:latin typeface="メイリオ" panose="020B0604030504040204" pitchFamily="50" charset="-128"/>
+                <a:ea typeface="メイリオ" panose="020B0604030504040204" pitchFamily="50" charset="-128"/>
+              </a:rPr>
+              <a:t>応用上テストデータは用意すべき</a:t>
+            </a:r>
+            <a:endParaRPr kumimoji="1" lang="ja-JP" altLang="en-US" sz="3200" b="1" dirty="0">
+              <a:latin typeface="メイリオ" panose="020B0604030504040204" pitchFamily="50" charset="-128"/>
+              <a:ea typeface="メイリオ" panose="020B0604030504040204" pitchFamily="50" charset="-128"/>
+            </a:endParaRPr>
+          </a:p>
+        </p:txBody>
+      </p:sp>
+    </p:spTree>
+    <p:extLst>
+      <p:ext uri="{BB962C8B-B14F-4D97-AF65-F5344CB8AC3E}">
+        <p14:creationId xmlns:p14="http://schemas.microsoft.com/office/powerpoint/2010/main" val="3305015604"/>
+      </p:ext>
+    </p:extLst>
+  </p:cSld>
+  <p:clrMapOvr>
+    <a:masterClrMapping/>
+  </p:clrMapOvr>
+</p:sld>
+</file>
+
+<file path=ppt/slides/slide38.xml><?xml version="1.0" encoding="utf-8"?>
+<p:sld xmlns:a="http://schemas.openxmlformats.org/drawingml/2006/main" xmlns:r="http://schemas.openxmlformats.org/officeDocument/2006/relationships" xmlns:p="http://schemas.openxmlformats.org/presentationml/2006/main">
+  <p:cSld>
+    <p:spTree>
+      <p:nvGrpSpPr>
+        <p:cNvPr id="1" name=""/>
+        <p:cNvGrpSpPr/>
+        <p:nvPr/>
+      </p:nvGrpSpPr>
+      <p:grpSpPr>
+        <a:xfrm>
+          <a:off x="0" y="0"/>
+          <a:ext cx="0" cy="0"/>
+          <a:chOff x="0" y="0"/>
+          <a:chExt cx="0" cy="0"/>
+        </a:xfrm>
+      </p:grpSpPr>
+      <p:sp>
+        <p:nvSpPr>
+          <p:cNvPr id="3" name="テキスト ボックス 2"/>
+          <p:cNvSpPr txBox="1"/>
+          <p:nvPr/>
+        </p:nvSpPr>
+        <p:spPr>
+          <a:xfrm>
+            <a:off x="1365159" y="1171978"/>
+            <a:ext cx="7225048" cy="4247317"/>
+          </a:xfrm>
+          <a:prstGeom prst="rect">
+            <a:avLst/>
+          </a:prstGeom>
+          <a:noFill/>
+        </p:spPr>
+        <p:txBody>
+          <a:bodyPr wrap="square" rtlCol="0">
+            <a:spAutoFit/>
+          </a:bodyPr>
+          <a:lstStyle/>
+          <a:p>
+            <a:pPr>
+              <a:lnSpc>
+                <a:spcPct val="150000"/>
+              </a:lnSpc>
+            </a:pPr>
+            <a:r>
+              <a:rPr lang="en-US" altLang="ja-JP" sz="3600" b="1" dirty="0" smtClean="0">
+                <a:solidFill>
+                  <a:schemeClr val="bg2"/>
+                </a:solidFill>
+                <a:latin typeface="メイリオ" panose="020B0604030504040204" pitchFamily="50" charset="-128"/>
+                <a:ea typeface="メイリオ" panose="020B0604030504040204" pitchFamily="50" charset="-128"/>
+              </a:rPr>
+              <a:t>3.1 </a:t>
+            </a:r>
+            <a:r>
+              <a:rPr lang="ja-JP" altLang="en-US" sz="3600" b="1" dirty="0" smtClean="0">
+                <a:solidFill>
+                  <a:schemeClr val="bg2"/>
+                </a:solidFill>
+                <a:latin typeface="メイリオ" panose="020B0604030504040204" pitchFamily="50" charset="-128"/>
+                <a:ea typeface="メイリオ" panose="020B0604030504040204" pitchFamily="50" charset="-128"/>
+              </a:rPr>
+              <a:t>線形基底関数モデル</a:t>
+            </a:r>
+            <a:endParaRPr lang="en-US" altLang="ja-JP" sz="3600" b="1" dirty="0" smtClean="0">
+              <a:solidFill>
+                <a:schemeClr val="bg2"/>
+              </a:solidFill>
+              <a:latin typeface="メイリオ" panose="020B0604030504040204" pitchFamily="50" charset="-128"/>
+              <a:ea typeface="メイリオ" panose="020B0604030504040204" pitchFamily="50" charset="-128"/>
+            </a:endParaRPr>
+          </a:p>
+          <a:p>
+            <a:pPr>
+              <a:lnSpc>
+                <a:spcPct val="150000"/>
+              </a:lnSpc>
+            </a:pPr>
+            <a:r>
+              <a:rPr lang="en-US" altLang="ja-JP" sz="3600" b="1" dirty="0" smtClean="0">
+                <a:solidFill>
+                  <a:schemeClr val="bg2"/>
+                </a:solidFill>
+                <a:latin typeface="メイリオ" panose="020B0604030504040204" pitchFamily="50" charset="-128"/>
+                <a:ea typeface="メイリオ" panose="020B0604030504040204" pitchFamily="50" charset="-128"/>
+              </a:rPr>
+              <a:t>3.2 </a:t>
+            </a:r>
+            <a:r>
+              <a:rPr lang="ja-JP" altLang="en-US" sz="3600" b="1" dirty="0" smtClean="0">
+                <a:solidFill>
+                  <a:schemeClr val="bg2"/>
+                </a:solidFill>
+                <a:latin typeface="メイリオ" panose="020B0604030504040204" pitchFamily="50" charset="-128"/>
+                <a:ea typeface="メイリオ" panose="020B0604030504040204" pitchFamily="50" charset="-128"/>
+              </a:rPr>
+              <a:t>バイアス・バリアンス分解</a:t>
+            </a:r>
+            <a:endParaRPr lang="en-US" altLang="ja-JP" sz="3600" b="1" dirty="0" smtClean="0">
+              <a:solidFill>
+                <a:schemeClr val="bg2"/>
+              </a:solidFill>
+              <a:latin typeface="メイリオ" panose="020B0604030504040204" pitchFamily="50" charset="-128"/>
+              <a:ea typeface="メイリオ" panose="020B0604030504040204" pitchFamily="50" charset="-128"/>
+            </a:endParaRPr>
+          </a:p>
+          <a:p>
+            <a:pPr>
+              <a:lnSpc>
+                <a:spcPct val="150000"/>
+              </a:lnSpc>
+            </a:pPr>
+            <a:r>
+              <a:rPr lang="en-US" altLang="ja-JP" sz="3600" b="1" dirty="0" smtClean="0">
+                <a:solidFill>
+                  <a:schemeClr val="bg2"/>
+                </a:solidFill>
+                <a:latin typeface="メイリオ" panose="020B0604030504040204" pitchFamily="50" charset="-128"/>
+                <a:ea typeface="メイリオ" panose="020B0604030504040204" pitchFamily="50" charset="-128"/>
+              </a:rPr>
+              <a:t>3.3 </a:t>
+            </a:r>
+            <a:r>
+              <a:rPr lang="ja-JP" altLang="en-US" sz="3600" b="1" dirty="0" smtClean="0">
+                <a:solidFill>
+                  <a:schemeClr val="bg2"/>
+                </a:solidFill>
+                <a:latin typeface="メイリオ" panose="020B0604030504040204" pitchFamily="50" charset="-128"/>
+                <a:ea typeface="メイリオ" panose="020B0604030504040204" pitchFamily="50" charset="-128"/>
+              </a:rPr>
+              <a:t>ベイズ線形回帰</a:t>
+            </a:r>
+            <a:endParaRPr lang="en-US" altLang="ja-JP" sz="3600" b="1" dirty="0" smtClean="0">
+              <a:solidFill>
+                <a:schemeClr val="bg2"/>
+              </a:solidFill>
+              <a:latin typeface="メイリオ" panose="020B0604030504040204" pitchFamily="50" charset="-128"/>
+              <a:ea typeface="メイリオ" panose="020B0604030504040204" pitchFamily="50" charset="-128"/>
+            </a:endParaRPr>
+          </a:p>
+          <a:p>
+            <a:pPr>
+              <a:lnSpc>
+                <a:spcPct val="150000"/>
+              </a:lnSpc>
+            </a:pPr>
+            <a:r>
+              <a:rPr lang="en-US" altLang="ja-JP" sz="3600" b="1" dirty="0" smtClean="0">
+                <a:solidFill>
+                  <a:schemeClr val="bg2"/>
+                </a:solidFill>
+                <a:latin typeface="メイリオ" panose="020B0604030504040204" pitchFamily="50" charset="-128"/>
+                <a:ea typeface="メイリオ" panose="020B0604030504040204" pitchFamily="50" charset="-128"/>
+              </a:rPr>
+              <a:t>3.4 </a:t>
+            </a:r>
+            <a:r>
+              <a:rPr lang="ja-JP" altLang="en-US" sz="3600" b="1" dirty="0" smtClean="0">
+                <a:solidFill>
+                  <a:schemeClr val="bg2"/>
+                </a:solidFill>
+                <a:latin typeface="メイリオ" panose="020B0604030504040204" pitchFamily="50" charset="-128"/>
+                <a:ea typeface="メイリオ" panose="020B0604030504040204" pitchFamily="50" charset="-128"/>
+              </a:rPr>
+              <a:t>ベイズモデル比較</a:t>
+            </a:r>
+            <a:endParaRPr lang="en-US" altLang="ja-JP" sz="3600" b="1" dirty="0" smtClean="0">
+              <a:solidFill>
+                <a:schemeClr val="bg2"/>
+              </a:solidFill>
+              <a:latin typeface="メイリオ" panose="020B0604030504040204" pitchFamily="50" charset="-128"/>
+              <a:ea typeface="メイリオ" panose="020B0604030504040204" pitchFamily="50" charset="-128"/>
+            </a:endParaRPr>
+          </a:p>
+          <a:p>
+            <a:pPr>
+              <a:lnSpc>
+                <a:spcPct val="150000"/>
+              </a:lnSpc>
+            </a:pPr>
+            <a:r>
+              <a:rPr lang="en-US" altLang="ja-JP" sz="3600" b="1" dirty="0" smtClean="0">
+                <a:latin typeface="メイリオ" panose="020B0604030504040204" pitchFamily="50" charset="-128"/>
+                <a:ea typeface="メイリオ" panose="020B0604030504040204" pitchFamily="50" charset="-128"/>
+              </a:rPr>
+              <a:t>3.5 </a:t>
+            </a:r>
+            <a:r>
+              <a:rPr lang="ja-JP" altLang="en-US" sz="3600" b="1" dirty="0" smtClean="0">
+                <a:latin typeface="メイリオ" panose="020B0604030504040204" pitchFamily="50" charset="-128"/>
+                <a:ea typeface="メイリオ" panose="020B0604030504040204" pitchFamily="50" charset="-128"/>
+              </a:rPr>
+              <a:t>エビデンス近似</a:t>
+            </a:r>
+            <a:endParaRPr lang="ja-JP" altLang="en-US" sz="3600" b="1" dirty="0">
+              <a:latin typeface="メイリオ" panose="020B0604030504040204" pitchFamily="50" charset="-128"/>
+              <a:ea typeface="メイリオ" panose="020B0604030504040204" pitchFamily="50" charset="-128"/>
+            </a:endParaRPr>
+          </a:p>
+        </p:txBody>
+      </p:sp>
+    </p:spTree>
+    <p:extLst>
+      <p:ext uri="{BB962C8B-B14F-4D97-AF65-F5344CB8AC3E}">
+        <p14:creationId xmlns:p14="http://schemas.microsoft.com/office/powerpoint/2010/main" val="2045230369"/>
+      </p:ext>
+    </p:extLst>
+  </p:cSld>
+  <p:clrMapOvr>
+    <a:masterClrMapping/>
+  </p:clrMapOvr>
+</p:sld>
+</file>
+
+<file path=ppt/slides/slide39.xml><?xml version="1.0" encoding="utf-8"?>
+<p:sld xmlns:a="http://schemas.openxmlformats.org/drawingml/2006/main" xmlns:r="http://schemas.openxmlformats.org/officeDocument/2006/relationships" xmlns:p="http://schemas.openxmlformats.org/presentationml/2006/main">
+  <p:cSld>
+    <p:spTree>
+      <p:nvGrpSpPr>
+        <p:cNvPr id="1" name=""/>
+        <p:cNvGrpSpPr/>
+        <p:nvPr/>
+      </p:nvGrpSpPr>
+      <p:grpSpPr>
+        <a:xfrm>
+          <a:off x="0" y="0"/>
+          <a:ext cx="0" cy="0"/>
+          <a:chOff x="0" y="0"/>
+          <a:chExt cx="0" cy="0"/>
+        </a:xfrm>
+      </p:grpSpPr>
+      <p:sp>
+        <p:nvSpPr>
+          <p:cNvPr id="2" name="テキスト ボックス 1"/>
+          <p:cNvSpPr txBox="1"/>
+          <p:nvPr/>
+        </p:nvSpPr>
+        <p:spPr>
+          <a:xfrm>
+            <a:off x="1834086" y="1532592"/>
+            <a:ext cx="6542468" cy="1077218"/>
+          </a:xfrm>
+          <a:prstGeom prst="rect">
+            <a:avLst/>
+          </a:prstGeom>
+          <a:noFill/>
+        </p:spPr>
+        <p:txBody>
+          <a:bodyPr wrap="square" rtlCol="0">
+            <a:spAutoFit/>
+          </a:bodyPr>
+          <a:lstStyle/>
+          <a:p>
+            <a:r>
+              <a:rPr kumimoji="1" lang="ja-JP" altLang="en-US" sz="3200" b="1" dirty="0" smtClean="0">
+                <a:latin typeface="メイリオ" panose="020B0604030504040204" pitchFamily="50" charset="-128"/>
+                <a:ea typeface="メイリオ" panose="020B0604030504040204" pitchFamily="50" charset="-128"/>
+              </a:rPr>
+              <a:t>これまで、パラメータ</a:t>
+            </a:r>
+            <a:r>
+              <a:rPr kumimoji="1" lang="en-US" altLang="ja-JP" sz="3200" b="1" dirty="0" smtClean="0">
+                <a:latin typeface="メイリオ" panose="020B0604030504040204" pitchFamily="50" charset="-128"/>
+                <a:ea typeface="メイリオ" panose="020B0604030504040204" pitchFamily="50" charset="-128"/>
+              </a:rPr>
+              <a:t>w</a:t>
+            </a:r>
+            <a:r>
+              <a:rPr kumimoji="1" lang="ja-JP" altLang="en-US" sz="3200" b="1" dirty="0" smtClean="0">
+                <a:latin typeface="メイリオ" panose="020B0604030504040204" pitchFamily="50" charset="-128"/>
+                <a:ea typeface="メイリオ" panose="020B0604030504040204" pitchFamily="50" charset="-128"/>
+              </a:rPr>
+              <a:t>に対する周辺化を行ってきた</a:t>
+            </a:r>
+            <a:endParaRPr kumimoji="1" lang="ja-JP" altLang="en-US" sz="3200" b="1" dirty="0">
+              <a:latin typeface="メイリオ" panose="020B0604030504040204" pitchFamily="50" charset="-128"/>
+              <a:ea typeface="メイリオ" panose="020B0604030504040204" pitchFamily="50" charset="-128"/>
+            </a:endParaRPr>
+          </a:p>
+        </p:txBody>
+      </p:sp>
+      <mc:AlternateContent xmlns:mc="http://schemas.openxmlformats.org/markup-compatibility/2006">
+        <mc:Choice xmlns:a14="http://schemas.microsoft.com/office/drawing/2010/main" Requires="a14">
+          <p:sp>
+            <p:nvSpPr>
+              <p:cNvPr id="3" name="テキスト ボックス 2"/>
+              <p:cNvSpPr txBox="1"/>
+              <p:nvPr/>
+            </p:nvSpPr>
+            <p:spPr>
+              <a:xfrm>
+                <a:off x="1970467" y="4314424"/>
+                <a:ext cx="5705341" cy="1077218"/>
+              </a:xfrm>
+              <a:prstGeom prst="rect">
+                <a:avLst/>
+              </a:prstGeom>
+              <a:noFill/>
+            </p:spPr>
+            <p:txBody>
+              <a:bodyPr wrap="square" rtlCol="0">
+                <a:spAutoFit/>
+              </a:bodyPr>
+              <a:lstStyle/>
+              <a:p>
+                <a:r>
+                  <a:rPr kumimoji="1" lang="ja-JP" altLang="en-US" sz="3200" b="1" dirty="0" smtClean="0">
+                    <a:latin typeface="メイリオ" panose="020B0604030504040204" pitchFamily="50" charset="-128"/>
+                    <a:ea typeface="メイリオ" panose="020B0604030504040204" pitchFamily="50" charset="-128"/>
+                  </a:rPr>
+                  <a:t>超パラメータ</a:t>
+                </a:r>
+                <a14:m>
+                  <m:oMath xmlns:m="http://schemas.openxmlformats.org/officeDocument/2006/math">
+                    <m:r>
+                      <a:rPr kumimoji="1" lang="en-US" altLang="ja-JP" sz="3200" b="0" i="1" smtClean="0">
+                        <a:latin typeface="Cambria Math" panose="02040503050406030204" pitchFamily="18" charset="0"/>
+                        <a:ea typeface="メイリオ" panose="020B0604030504040204" pitchFamily="50" charset="-128"/>
+                      </a:rPr>
+                      <m:t>𝛼</m:t>
+                    </m:r>
+                    <m:r>
+                      <a:rPr kumimoji="1" lang="en-US" altLang="ja-JP" sz="3200" b="0" i="0" smtClean="0">
+                        <a:latin typeface="Cambria Math" panose="02040503050406030204" pitchFamily="18" charset="0"/>
+                        <a:ea typeface="メイリオ" panose="020B0604030504040204" pitchFamily="50" charset="-128"/>
+                      </a:rPr>
+                      <m:t>,</m:t>
+                    </m:r>
+                    <m:r>
+                      <a:rPr kumimoji="1" lang="en-US" altLang="ja-JP" sz="3200" b="0" i="1" smtClean="0">
+                        <a:latin typeface="Cambria Math" panose="02040503050406030204" pitchFamily="18" charset="0"/>
+                        <a:ea typeface="メイリオ" panose="020B0604030504040204" pitchFamily="50" charset="-128"/>
+                      </a:rPr>
+                      <m:t>𝛽</m:t>
+                    </m:r>
+                  </m:oMath>
+                </a14:m>
+                <a:r>
+                  <a:rPr kumimoji="1" lang="ja-JP" altLang="en-US" sz="3200" b="1" dirty="0" smtClean="0">
+                    <a:latin typeface="メイリオ" panose="020B0604030504040204" pitchFamily="50" charset="-128"/>
+                    <a:ea typeface="メイリオ" panose="020B0604030504040204" pitchFamily="50" charset="-128"/>
+                  </a:rPr>
+                  <a:t>に対しても</a:t>
+                </a:r>
+                <a:endParaRPr kumimoji="1" lang="en-US" altLang="ja-JP" sz="3200" b="1" dirty="0" smtClean="0">
+                  <a:latin typeface="メイリオ" panose="020B0604030504040204" pitchFamily="50" charset="-128"/>
+                  <a:ea typeface="メイリオ" panose="020B0604030504040204" pitchFamily="50" charset="-128"/>
+                </a:endParaRPr>
+              </a:p>
+              <a:p>
+                <a:r>
+                  <a:rPr lang="ja-JP" altLang="en-US" sz="3200" b="1" dirty="0" smtClean="0">
+                    <a:latin typeface="メイリオ" panose="020B0604030504040204" pitchFamily="50" charset="-128"/>
+                    <a:ea typeface="メイリオ" panose="020B0604030504040204" pitchFamily="50" charset="-128"/>
+                  </a:rPr>
+                  <a:t>周辺化予測を行う</a:t>
+                </a:r>
+                <a:endParaRPr kumimoji="1" lang="ja-JP" altLang="en-US" sz="3200" b="1" dirty="0">
+                  <a:latin typeface="メイリオ" panose="020B0604030504040204" pitchFamily="50" charset="-128"/>
+                  <a:ea typeface="メイリオ" panose="020B0604030504040204" pitchFamily="50" charset="-128"/>
+                </a:endParaRPr>
+              </a:p>
+            </p:txBody>
+          </p:sp>
+        </mc:Choice>
+        <mc:Fallback>
+          <p:sp>
+            <p:nvSpPr>
+              <p:cNvPr id="3" name="テキスト ボックス 2"/>
+              <p:cNvSpPr txBox="1">
+                <a:spLocks noRot="1" noChangeAspect="1" noMove="1" noResize="1" noEditPoints="1" noAdjustHandles="1" noChangeArrowheads="1" noChangeShapeType="1" noTextEdit="1"/>
+              </p:cNvSpPr>
+              <p:nvPr/>
+            </p:nvSpPr>
+            <p:spPr>
+              <a:xfrm>
+                <a:off x="1970467" y="4314424"/>
+                <a:ext cx="5705341" cy="1077218"/>
+              </a:xfrm>
+              <a:prstGeom prst="rect">
+                <a:avLst/>
+              </a:prstGeom>
+              <a:blipFill rotWithShape="0">
+                <a:blip r:embed="rId2"/>
+                <a:stretch>
+                  <a:fillRect l="-2671" t="-6818" b="-18182"/>
+                </a:stretch>
+              </a:blipFill>
+            </p:spPr>
+            <p:txBody>
+              <a:bodyPr/>
+              <a:lstStyle/>
+              <a:p>
+                <a:r>
+                  <a:rPr lang="ja-JP" altLang="en-US">
+                    <a:noFill/>
+                  </a:rPr>
+                  <a:t> </a:t>
+                </a:r>
+              </a:p>
+            </p:txBody>
+          </p:sp>
+        </mc:Fallback>
+      </mc:AlternateContent>
+      <p:sp>
+        <p:nvSpPr>
+          <p:cNvPr id="4" name="右矢印 3"/>
+          <p:cNvSpPr/>
+          <p:nvPr/>
+        </p:nvSpPr>
+        <p:spPr>
+          <a:xfrm rot="5400000">
+            <a:off x="3966691" y="2845083"/>
+            <a:ext cx="1043189" cy="1234068"/>
+          </a:xfrm>
+          <a:prstGeom prst="rightArrow">
+            <a:avLst/>
+          </a:prstGeom>
+          <a:ln>
+            <a:solidFill>
+              <a:schemeClr val="tx1"/>
+            </a:solidFill>
+          </a:ln>
+        </p:spPr>
+        <p:style>
+          <a:lnRef idx="2">
+            <a:schemeClr val="accent1">
+              <a:shade val="50000"/>
+            </a:schemeClr>
+          </a:lnRef>
+          <a:fillRef idx="1">
+            <a:schemeClr val="accent1"/>
+          </a:fillRef>
+          <a:effectRef idx="0">
+            <a:schemeClr val="accent1"/>
+          </a:effectRef>
+          <a:fontRef idx="minor">
+            <a:schemeClr val="lt1"/>
+          </a:fontRef>
+        </p:style>
+        <p:txBody>
+          <a:bodyPr rtlCol="0" anchor="ctr"/>
+          <a:lstStyle/>
+          <a:p>
+            <a:pPr algn="ctr"/>
+            <a:endParaRPr kumimoji="1" lang="ja-JP" altLang="en-US">
+              <a:solidFill>
+                <a:schemeClr val="tx1"/>
+              </a:solidFill>
+            </a:endParaRPr>
+          </a:p>
+        </p:txBody>
+      </p:sp>
+    </p:spTree>
+    <p:extLst>
+      <p:ext uri="{BB962C8B-B14F-4D97-AF65-F5344CB8AC3E}">
+        <p14:creationId xmlns:p14="http://schemas.microsoft.com/office/powerpoint/2010/main" val="604566453"/>
       </p:ext>
     </p:extLst>
   </p:cSld>
@@ -13891,6 +15787,4058 @@
     <p:extLst>
       <p:ext uri="{BB962C8B-B14F-4D97-AF65-F5344CB8AC3E}">
         <p14:creationId xmlns:p14="http://schemas.microsoft.com/office/powerpoint/2010/main" val="2263982944"/>
+      </p:ext>
+    </p:extLst>
+  </p:cSld>
+  <p:clrMapOvr>
+    <a:masterClrMapping/>
+  </p:clrMapOvr>
+</p:sld>
+</file>
+
+<file path=ppt/slides/slide40.xml><?xml version="1.0" encoding="utf-8"?>
+<p:sld xmlns:a="http://schemas.openxmlformats.org/drawingml/2006/main" xmlns:r="http://schemas.openxmlformats.org/officeDocument/2006/relationships" xmlns:p="http://schemas.openxmlformats.org/presentationml/2006/main">
+  <p:cSld>
+    <p:spTree>
+      <p:nvGrpSpPr>
+        <p:cNvPr id="1" name=""/>
+        <p:cNvGrpSpPr/>
+        <p:nvPr/>
+      </p:nvGrpSpPr>
+      <p:grpSpPr>
+        <a:xfrm>
+          <a:off x="0" y="0"/>
+          <a:ext cx="0" cy="0"/>
+          <a:chOff x="0" y="0"/>
+          <a:chExt cx="0" cy="0"/>
+        </a:xfrm>
+      </p:grpSpPr>
+      <p:sp>
+        <p:nvSpPr>
+          <p:cNvPr id="2" name="テキスト ボックス 1"/>
+          <p:cNvSpPr txBox="1"/>
+          <p:nvPr/>
+        </p:nvSpPr>
+        <p:spPr>
+          <a:xfrm>
+            <a:off x="746976" y="1560647"/>
+            <a:ext cx="5769734" cy="1077218"/>
+          </a:xfrm>
+          <a:prstGeom prst="rect">
+            <a:avLst/>
+          </a:prstGeom>
+          <a:noFill/>
+        </p:spPr>
+        <p:txBody>
+          <a:bodyPr wrap="square" rtlCol="0">
+            <a:spAutoFit/>
+          </a:bodyPr>
+          <a:lstStyle/>
+          <a:p>
+            <a:r>
+              <a:rPr lang="ja-JP" altLang="en-US" sz="3200" b="1" dirty="0" smtClean="0">
+                <a:latin typeface="メイリオ" panose="020B0604030504040204" pitchFamily="50" charset="-128"/>
+                <a:ea typeface="メイリオ" panose="020B0604030504040204" pitchFamily="50" charset="-128"/>
+              </a:rPr>
+              <a:t>すべてのパラメータに対して</a:t>
+            </a:r>
+            <a:endParaRPr lang="en-US" altLang="ja-JP" sz="3200" b="1" dirty="0" smtClean="0">
+              <a:latin typeface="メイリオ" panose="020B0604030504040204" pitchFamily="50" charset="-128"/>
+              <a:ea typeface="メイリオ" panose="020B0604030504040204" pitchFamily="50" charset="-128"/>
+            </a:endParaRPr>
+          </a:p>
+          <a:p>
+            <a:r>
+              <a:rPr lang="ja-JP" altLang="en-US" sz="3200" b="1" dirty="0" smtClean="0">
+                <a:latin typeface="メイリオ" panose="020B0604030504040204" pitchFamily="50" charset="-128"/>
+                <a:ea typeface="メイリオ" panose="020B0604030504040204" pitchFamily="50" charset="-128"/>
+              </a:rPr>
+              <a:t>解析的に周辺化</a:t>
+            </a:r>
+            <a:endParaRPr kumimoji="1" lang="ja-JP" altLang="en-US" sz="3200" b="1" dirty="0">
+              <a:latin typeface="メイリオ" panose="020B0604030504040204" pitchFamily="50" charset="-128"/>
+              <a:ea typeface="メイリオ" panose="020B0604030504040204" pitchFamily="50" charset="-128"/>
+            </a:endParaRPr>
+          </a:p>
+        </p:txBody>
+      </p:sp>
+      <p:sp>
+        <p:nvSpPr>
+          <p:cNvPr id="3" name="乗算記号 2"/>
+          <p:cNvSpPr/>
+          <p:nvPr/>
+        </p:nvSpPr>
+        <p:spPr>
+          <a:xfrm>
+            <a:off x="6412006" y="1019103"/>
+            <a:ext cx="1980000" cy="1980000"/>
+          </a:xfrm>
+          <a:prstGeom prst="mathMultiply">
+            <a:avLst>
+              <a:gd name="adj1" fmla="val 15064"/>
+            </a:avLst>
+          </a:prstGeom>
+          <a:solidFill>
+            <a:srgbClr val="FF0000"/>
+          </a:solidFill>
+          <a:ln>
+            <a:solidFill>
+              <a:schemeClr val="tx1"/>
+            </a:solidFill>
+          </a:ln>
+        </p:spPr>
+        <p:style>
+          <a:lnRef idx="2">
+            <a:schemeClr val="accent1">
+              <a:shade val="50000"/>
+            </a:schemeClr>
+          </a:lnRef>
+          <a:fillRef idx="1">
+            <a:schemeClr val="accent1"/>
+          </a:fillRef>
+          <a:effectRef idx="0">
+            <a:schemeClr val="accent1"/>
+          </a:effectRef>
+          <a:fontRef idx="minor">
+            <a:schemeClr val="lt1"/>
+          </a:fontRef>
+        </p:style>
+        <p:txBody>
+          <a:bodyPr rtlCol="0" anchor="ctr"/>
+          <a:lstStyle/>
+          <a:p>
+            <a:pPr algn="ctr"/>
+            <a:endParaRPr kumimoji="1" lang="ja-JP" altLang="en-US"/>
+          </a:p>
+        </p:txBody>
+      </p:sp>
+      <p:sp>
+        <p:nvSpPr>
+          <p:cNvPr id="4" name="テキスト ボックス 3"/>
+          <p:cNvSpPr txBox="1"/>
+          <p:nvPr/>
+        </p:nvSpPr>
+        <p:spPr>
+          <a:xfrm>
+            <a:off x="1751527" y="3412901"/>
+            <a:ext cx="6078828" cy="1569660"/>
+          </a:xfrm>
+          <a:prstGeom prst="rect">
+            <a:avLst/>
+          </a:prstGeom>
+          <a:noFill/>
+        </p:spPr>
+        <p:txBody>
+          <a:bodyPr wrap="square" rtlCol="0">
+            <a:spAutoFit/>
+          </a:bodyPr>
+          <a:lstStyle/>
+          <a:p>
+            <a:r>
+              <a:rPr kumimoji="1" lang="ja-JP" altLang="en-US" sz="3200" b="1" dirty="0" smtClean="0">
+                <a:latin typeface="メイリオ" panose="020B0604030504040204" pitchFamily="50" charset="-128"/>
+                <a:ea typeface="メイリオ" panose="020B0604030504040204" pitchFamily="50" charset="-128"/>
+              </a:rPr>
+              <a:t>かわりに、パラメータ</a:t>
+            </a:r>
+            <a:r>
+              <a:rPr kumimoji="1" lang="en-US" altLang="ja-JP" sz="3200" b="1" dirty="0" smtClean="0">
+                <a:latin typeface="メイリオ" panose="020B0604030504040204" pitchFamily="50" charset="-128"/>
+                <a:ea typeface="メイリオ" panose="020B0604030504040204" pitchFamily="50" charset="-128"/>
+              </a:rPr>
+              <a:t>w</a:t>
+            </a:r>
+            <a:r>
+              <a:rPr lang="ja-JP" altLang="en-US" sz="3200" b="1" dirty="0" smtClean="0">
+                <a:latin typeface="メイリオ" panose="020B0604030504040204" pitchFamily="50" charset="-128"/>
+                <a:ea typeface="メイリオ" panose="020B0604030504040204" pitchFamily="50" charset="-128"/>
+              </a:rPr>
+              <a:t>の</a:t>
+            </a:r>
+            <a:r>
+              <a:rPr lang="ja-JP" altLang="en-US" sz="3200" b="1" dirty="0">
+                <a:latin typeface="メイリオ" panose="020B0604030504040204" pitchFamily="50" charset="-128"/>
+                <a:ea typeface="メイリオ" panose="020B0604030504040204" pitchFamily="50" charset="-128"/>
+              </a:rPr>
+              <a:t>み</a:t>
+            </a:r>
+            <a:r>
+              <a:rPr lang="ja-JP" altLang="en-US" sz="3200" b="1" dirty="0" smtClean="0">
+                <a:latin typeface="メイリオ" panose="020B0604030504040204" pitchFamily="50" charset="-128"/>
+                <a:ea typeface="メイリオ" panose="020B0604030504040204" pitchFamily="50" charset="-128"/>
+              </a:rPr>
+              <a:t>に関して周辺化した周辺尤度を</a:t>
+            </a:r>
+            <a:endParaRPr lang="en-US" altLang="ja-JP" sz="3200" b="1" dirty="0" smtClean="0">
+              <a:latin typeface="メイリオ" panose="020B0604030504040204" pitchFamily="50" charset="-128"/>
+              <a:ea typeface="メイリオ" panose="020B0604030504040204" pitchFamily="50" charset="-128"/>
+            </a:endParaRPr>
+          </a:p>
+          <a:p>
+            <a:r>
+              <a:rPr kumimoji="1" lang="ja-JP" altLang="en-US" sz="3200" b="1" dirty="0" smtClean="0">
+                <a:latin typeface="メイリオ" panose="020B0604030504040204" pitchFamily="50" charset="-128"/>
+                <a:ea typeface="メイリオ" panose="020B0604030504040204" pitchFamily="50" charset="-128"/>
+              </a:rPr>
+              <a:t>超パラメータを動かして最大化</a:t>
+            </a:r>
+            <a:endParaRPr kumimoji="1" lang="ja-JP" altLang="en-US" sz="3200" b="1" dirty="0">
+              <a:latin typeface="メイリオ" panose="020B0604030504040204" pitchFamily="50" charset="-128"/>
+              <a:ea typeface="メイリオ" panose="020B0604030504040204" pitchFamily="50" charset="-128"/>
+            </a:endParaRPr>
+          </a:p>
+        </p:txBody>
+      </p:sp>
+      <p:sp>
+        <p:nvSpPr>
+          <p:cNvPr id="5" name="下矢印 4"/>
+          <p:cNvSpPr/>
+          <p:nvPr/>
+        </p:nvSpPr>
+        <p:spPr>
+          <a:xfrm rot="16200000">
+            <a:off x="419477" y="3830552"/>
+            <a:ext cx="1196954" cy="541956"/>
+          </a:xfrm>
+          <a:prstGeom prst="downArrow">
+            <a:avLst/>
+          </a:prstGeom>
+          <a:solidFill>
+            <a:schemeClr val="tx2"/>
+          </a:solidFill>
+          <a:ln>
+            <a:solidFill>
+              <a:schemeClr val="tx1"/>
+            </a:solidFill>
+          </a:ln>
+        </p:spPr>
+        <p:style>
+          <a:lnRef idx="2">
+            <a:schemeClr val="accent1">
+              <a:shade val="50000"/>
+            </a:schemeClr>
+          </a:lnRef>
+          <a:fillRef idx="1">
+            <a:schemeClr val="accent1"/>
+          </a:fillRef>
+          <a:effectRef idx="0">
+            <a:schemeClr val="accent1"/>
+          </a:effectRef>
+          <a:fontRef idx="minor">
+            <a:schemeClr val="lt1"/>
+          </a:fontRef>
+        </p:style>
+        <p:txBody>
+          <a:bodyPr rtlCol="0" anchor="ctr"/>
+          <a:lstStyle/>
+          <a:p>
+            <a:pPr algn="ctr"/>
+            <a:endParaRPr kumimoji="1" lang="ja-JP" altLang="en-US"/>
+          </a:p>
+        </p:txBody>
+      </p:sp>
+      <p:sp>
+        <p:nvSpPr>
+          <p:cNvPr id="7" name="テキスト ボックス 6"/>
+          <p:cNvSpPr txBox="1"/>
+          <p:nvPr/>
+        </p:nvSpPr>
+        <p:spPr>
+          <a:xfrm>
+            <a:off x="2498502" y="5770476"/>
+            <a:ext cx="4056845" cy="707886"/>
+          </a:xfrm>
+          <a:prstGeom prst="rect">
+            <a:avLst/>
+          </a:prstGeom>
+          <a:noFill/>
+        </p:spPr>
+        <p:txBody>
+          <a:bodyPr wrap="square" rtlCol="0">
+            <a:spAutoFit/>
+          </a:bodyPr>
+          <a:lstStyle/>
+          <a:p>
+            <a:r>
+              <a:rPr kumimoji="1" lang="ja-JP" altLang="en-US" sz="4000" b="1" dirty="0" smtClean="0">
+                <a:latin typeface="メイリオ" panose="020B0604030504040204" pitchFamily="50" charset="-128"/>
+                <a:ea typeface="メイリオ" panose="020B0604030504040204" pitchFamily="50" charset="-128"/>
+              </a:rPr>
+              <a:t>エビデンス近似</a:t>
+            </a:r>
+            <a:endParaRPr kumimoji="1" lang="ja-JP" altLang="en-US" sz="4000" b="1" dirty="0">
+              <a:latin typeface="メイリオ" panose="020B0604030504040204" pitchFamily="50" charset="-128"/>
+              <a:ea typeface="メイリオ" panose="020B0604030504040204" pitchFamily="50" charset="-128"/>
+            </a:endParaRPr>
+          </a:p>
+        </p:txBody>
+      </p:sp>
+      <p:sp>
+        <p:nvSpPr>
+          <p:cNvPr id="8" name="円/楕円 7"/>
+          <p:cNvSpPr/>
+          <p:nvPr/>
+        </p:nvSpPr>
+        <p:spPr>
+          <a:xfrm>
+            <a:off x="1751527" y="5564243"/>
+            <a:ext cx="5177307" cy="1094593"/>
+          </a:xfrm>
+          <a:prstGeom prst="ellipse">
+            <a:avLst/>
+          </a:prstGeom>
+          <a:noFill/>
+          <a:ln w="38100">
+            <a:solidFill>
+              <a:srgbClr val="FF0000"/>
+            </a:solidFill>
+          </a:ln>
+        </p:spPr>
+        <p:style>
+          <a:lnRef idx="2">
+            <a:schemeClr val="accent1">
+              <a:shade val="50000"/>
+            </a:schemeClr>
+          </a:lnRef>
+          <a:fillRef idx="1">
+            <a:schemeClr val="accent1"/>
+          </a:fillRef>
+          <a:effectRef idx="0">
+            <a:schemeClr val="accent1"/>
+          </a:effectRef>
+          <a:fontRef idx="minor">
+            <a:schemeClr val="lt1"/>
+          </a:fontRef>
+        </p:style>
+        <p:txBody>
+          <a:bodyPr rtlCol="0" anchor="ctr"/>
+          <a:lstStyle/>
+          <a:p>
+            <a:pPr algn="ctr"/>
+            <a:endParaRPr kumimoji="1" lang="ja-JP" altLang="en-US"/>
+          </a:p>
+        </p:txBody>
+      </p:sp>
+    </p:spTree>
+    <p:extLst>
+      <p:ext uri="{BB962C8B-B14F-4D97-AF65-F5344CB8AC3E}">
+        <p14:creationId xmlns:p14="http://schemas.microsoft.com/office/powerpoint/2010/main" val="2622597413"/>
+      </p:ext>
+    </p:extLst>
+  </p:cSld>
+  <p:clrMapOvr>
+    <a:masterClrMapping/>
+  </p:clrMapOvr>
+</p:sld>
+</file>
+
+<file path=ppt/slides/slide41.xml><?xml version="1.0" encoding="utf-8"?>
+<p:sld xmlns:a="http://schemas.openxmlformats.org/drawingml/2006/main" xmlns:r="http://schemas.openxmlformats.org/officeDocument/2006/relationships" xmlns:p="http://schemas.openxmlformats.org/presentationml/2006/main">
+  <p:cSld>
+    <p:spTree>
+      <p:nvGrpSpPr>
+        <p:cNvPr id="1" name=""/>
+        <p:cNvGrpSpPr/>
+        <p:nvPr/>
+      </p:nvGrpSpPr>
+      <p:grpSpPr>
+        <a:xfrm>
+          <a:off x="0" y="0"/>
+          <a:ext cx="0" cy="0"/>
+          <a:chOff x="0" y="0"/>
+          <a:chExt cx="0" cy="0"/>
+        </a:xfrm>
+      </p:grpSpPr>
+      <p:sp>
+        <p:nvSpPr>
+          <p:cNvPr id="2" name="テキスト ボックス 1"/>
+          <p:cNvSpPr txBox="1"/>
+          <p:nvPr/>
+        </p:nvSpPr>
+        <p:spPr>
+          <a:xfrm>
+            <a:off x="1017431" y="695459"/>
+            <a:ext cx="7340958" cy="584775"/>
+          </a:xfrm>
+          <a:prstGeom prst="rect">
+            <a:avLst/>
+          </a:prstGeom>
+          <a:noFill/>
+        </p:spPr>
+        <p:txBody>
+          <a:bodyPr wrap="square" rtlCol="0">
+            <a:spAutoFit/>
+          </a:bodyPr>
+          <a:lstStyle/>
+          <a:p>
+            <a:r>
+              <a:rPr kumimoji="1" lang="ja-JP" altLang="en-US" sz="3200" b="1" dirty="0" smtClean="0">
+                <a:latin typeface="メイリオ" panose="020B0604030504040204" pitchFamily="50" charset="-128"/>
+                <a:ea typeface="メイリオ" panose="020B0604030504040204" pitchFamily="50" charset="-128"/>
+              </a:rPr>
+              <a:t>超パラメータに対して事前分布を導入</a:t>
+            </a:r>
+            <a:endParaRPr kumimoji="1" lang="ja-JP" altLang="en-US" sz="3200" b="1" dirty="0">
+              <a:latin typeface="メイリオ" panose="020B0604030504040204" pitchFamily="50" charset="-128"/>
+              <a:ea typeface="メイリオ" panose="020B0604030504040204" pitchFamily="50" charset="-128"/>
+            </a:endParaRPr>
+          </a:p>
+        </p:txBody>
+      </p:sp>
+      <p:sp>
+        <p:nvSpPr>
+          <p:cNvPr id="3" name="テキスト ボックス 2"/>
+          <p:cNvSpPr txBox="1"/>
+          <p:nvPr/>
+        </p:nvSpPr>
+        <p:spPr>
+          <a:xfrm>
+            <a:off x="3387144" y="1596980"/>
+            <a:ext cx="1944709" cy="584775"/>
+          </a:xfrm>
+          <a:prstGeom prst="rect">
+            <a:avLst/>
+          </a:prstGeom>
+          <a:noFill/>
+        </p:spPr>
+        <p:txBody>
+          <a:bodyPr wrap="square" rtlCol="0">
+            <a:spAutoFit/>
+          </a:bodyPr>
+          <a:lstStyle/>
+          <a:p>
+            <a:r>
+              <a:rPr kumimoji="1" lang="ja-JP" altLang="en-US" sz="3200" b="1" dirty="0" smtClean="0">
+                <a:latin typeface="メイリオ" panose="020B0604030504040204" pitchFamily="50" charset="-128"/>
+                <a:ea typeface="メイリオ" panose="020B0604030504040204" pitchFamily="50" charset="-128"/>
+              </a:rPr>
+              <a:t>予測分布</a:t>
+            </a:r>
+            <a:endParaRPr kumimoji="1" lang="ja-JP" altLang="en-US" sz="3200" b="1" dirty="0">
+              <a:latin typeface="メイリオ" panose="020B0604030504040204" pitchFamily="50" charset="-128"/>
+              <a:ea typeface="メイリオ" panose="020B0604030504040204" pitchFamily="50" charset="-128"/>
+            </a:endParaRPr>
+          </a:p>
+        </p:txBody>
+      </p:sp>
+      <p:pic>
+        <p:nvPicPr>
+          <p:cNvPr id="3074" name="Picture 2" descr="$p(t|{\bf t})=\int p(t|{\bf w},\beta)p({\bf w}|{\bf t},\alpha,\beta)p(\alpha,\beta|{\bf t})d{\bf w}d\alpha d\beta$">
+            <a:hlinkClick r:id="rId2"/>
+          </p:cNvPr>
+          <p:cNvPicPr>
+            <a:picLocks noChangeAspect="1" noChangeArrowheads="1"/>
+          </p:cNvPicPr>
+          <p:nvPr/>
+        </p:nvPicPr>
+        <p:blipFill>
+          <a:blip r:embed="rId3">
+            <a:extLst>
+              <a:ext uri="{28A0092B-C50C-407E-A947-70E740481C1C}">
+                <a14:useLocalDpi xmlns:a14="http://schemas.microsoft.com/office/drawing/2010/main" val="0"/>
+              </a:ext>
+            </a:extLst>
+          </a:blip>
+          <a:srcRect/>
+          <a:stretch>
+            <a:fillRect/>
+          </a:stretch>
+        </p:blipFill>
+        <p:spPr bwMode="auto">
+          <a:xfrm>
+            <a:off x="357254" y="2421227"/>
+            <a:ext cx="8210550" cy="457200"/>
+          </a:xfrm>
+          <a:prstGeom prst="rect">
+            <a:avLst/>
+          </a:prstGeom>
+          <a:noFill/>
+          <a:extLst>
+            <a:ext uri="{909E8E84-426E-40DD-AFC4-6F175D3DCCD1}">
+              <a14:hiddenFill xmlns:a14="http://schemas.microsoft.com/office/drawing/2010/main">
+                <a:solidFill>
+                  <a:srgbClr val="FFFFFF"/>
+                </a:solidFill>
+              </a14:hiddenFill>
+            </a:ext>
+          </a:extLst>
+        </p:spPr>
+      </p:pic>
+      <p:grpSp>
+        <p:nvGrpSpPr>
+          <p:cNvPr id="5" name="グループ化 4"/>
+          <p:cNvGrpSpPr/>
+          <p:nvPr/>
+        </p:nvGrpSpPr>
+        <p:grpSpPr>
+          <a:xfrm>
+            <a:off x="1506830" y="3533847"/>
+            <a:ext cx="6143222" cy="1077218"/>
+            <a:chOff x="1326524" y="3727032"/>
+            <a:chExt cx="6143222" cy="1077218"/>
+          </a:xfrm>
+        </p:grpSpPr>
+        <p:sp>
+          <p:nvSpPr>
+            <p:cNvPr id="4" name="テキスト ボックス 3"/>
+            <p:cNvSpPr txBox="1"/>
+            <p:nvPr/>
+          </p:nvSpPr>
+          <p:spPr>
+            <a:xfrm>
+              <a:off x="1326524" y="3727032"/>
+              <a:ext cx="6143222" cy="1077218"/>
+            </a:xfrm>
+            <a:prstGeom prst="rect">
+              <a:avLst/>
+            </a:prstGeom>
+            <a:noFill/>
+          </p:spPr>
+          <p:txBody>
+            <a:bodyPr wrap="square" rtlCol="0">
+              <a:spAutoFit/>
+            </a:bodyPr>
+            <a:lstStyle/>
+            <a:p>
+              <a:r>
+                <a:rPr kumimoji="1" lang="ja-JP" altLang="en-US" sz="3200" b="1" dirty="0" smtClean="0">
+                  <a:latin typeface="メイリオ" panose="020B0604030504040204" pitchFamily="50" charset="-128"/>
+                  <a:ea typeface="メイリオ" panose="020B0604030504040204" pitchFamily="50" charset="-128"/>
+                </a:rPr>
+                <a:t>事後分布が       の周りでデルタ関数的に尖っているとすると</a:t>
+              </a:r>
+              <a:endParaRPr kumimoji="1" lang="ja-JP" altLang="en-US" sz="3200" b="1" dirty="0">
+                <a:latin typeface="メイリオ" panose="020B0604030504040204" pitchFamily="50" charset="-128"/>
+                <a:ea typeface="メイリオ" panose="020B0604030504040204" pitchFamily="50" charset="-128"/>
+              </a:endParaRPr>
+            </a:p>
+          </p:txBody>
+        </p:sp>
+        <p:pic>
+          <p:nvPicPr>
+            <p:cNvPr id="3078" name="Picture 6" descr="$\hat{\alpha},\hat{\beta}$">
+              <a:hlinkClick r:id="rId4"/>
+            </p:cNvPr>
+            <p:cNvPicPr>
+              <a:picLocks noChangeAspect="1" noChangeArrowheads="1"/>
+            </p:cNvPicPr>
+            <p:nvPr/>
+          </p:nvPicPr>
+          <p:blipFill>
+            <a:blip r:embed="rId5">
+              <a:extLst>
+                <a:ext uri="{28A0092B-C50C-407E-A947-70E740481C1C}">
+                  <a14:useLocalDpi xmlns:a14="http://schemas.microsoft.com/office/drawing/2010/main" val="0"/>
+                </a:ext>
+              </a:extLst>
+            </a:blip>
+            <a:srcRect/>
+            <a:stretch>
+              <a:fillRect/>
+            </a:stretch>
+          </p:blipFill>
+          <p:spPr bwMode="auto">
+            <a:xfrm>
+              <a:off x="3618964" y="3727032"/>
+              <a:ext cx="647700" cy="466726"/>
+            </a:xfrm>
+            <a:prstGeom prst="rect">
+              <a:avLst/>
+            </a:prstGeom>
+            <a:noFill/>
+            <a:extLst>
+              <a:ext uri="{909E8E84-426E-40DD-AFC4-6F175D3DCCD1}">
+                <a14:hiddenFill xmlns:a14="http://schemas.microsoft.com/office/drawing/2010/main">
+                  <a:solidFill>
+                    <a:srgbClr val="FFFFFF"/>
+                  </a:solidFill>
+                </a14:hiddenFill>
+              </a:ext>
+            </a:extLst>
+          </p:spPr>
+        </p:pic>
+      </p:grpSp>
+      <p:pic>
+        <p:nvPicPr>
+          <p:cNvPr id="3080" name="Picture 8" descr="$p(t|{\bf t})\simeq p(t|{\bf t},\hat{\alpha},\hat{\beta})=\int p(t|{\bf w},\hat{\beta})p({\bf w}|{\bf t},\hat{\alpha},\hat{\beta})d{\bf w}$">
+            <a:hlinkClick r:id="rId6"/>
+          </p:cNvPr>
+          <p:cNvPicPr>
+            <a:picLocks noChangeAspect="1" noChangeArrowheads="1"/>
+          </p:cNvPicPr>
+          <p:nvPr/>
+        </p:nvPicPr>
+        <p:blipFill>
+          <a:blip r:embed="rId7">
+            <a:extLst>
+              <a:ext uri="{28A0092B-C50C-407E-A947-70E740481C1C}">
+                <a14:useLocalDpi xmlns:a14="http://schemas.microsoft.com/office/drawing/2010/main" val="0"/>
+              </a:ext>
+            </a:extLst>
+          </a:blip>
+          <a:srcRect/>
+          <a:stretch>
+            <a:fillRect/>
+          </a:stretch>
+        </p:blipFill>
+        <p:spPr bwMode="auto">
+          <a:xfrm>
+            <a:off x="414404" y="4752134"/>
+            <a:ext cx="8153400" cy="514351"/>
+          </a:xfrm>
+          <a:prstGeom prst="rect">
+            <a:avLst/>
+          </a:prstGeom>
+          <a:noFill/>
+          <a:extLst>
+            <a:ext uri="{909E8E84-426E-40DD-AFC4-6F175D3DCCD1}">
+              <a14:hiddenFill xmlns:a14="http://schemas.microsoft.com/office/drawing/2010/main">
+                <a:solidFill>
+                  <a:srgbClr val="FFFFFF"/>
+                </a:solidFill>
+              </a14:hiddenFill>
+            </a:ext>
+          </a:extLst>
+        </p:spPr>
+      </p:pic>
+      <p:sp>
+        <p:nvSpPr>
+          <p:cNvPr id="6" name="テキスト ボックス 5"/>
+          <p:cNvSpPr txBox="1"/>
+          <p:nvPr/>
+        </p:nvSpPr>
+        <p:spPr>
+          <a:xfrm>
+            <a:off x="605307" y="5795493"/>
+            <a:ext cx="2021983" cy="584775"/>
+          </a:xfrm>
+          <a:prstGeom prst="rect">
+            <a:avLst/>
+          </a:prstGeom>
+          <a:noFill/>
+        </p:spPr>
+        <p:txBody>
+          <a:bodyPr wrap="square" rtlCol="0">
+            <a:spAutoFit/>
+          </a:bodyPr>
+          <a:lstStyle/>
+          <a:p>
+            <a:r>
+              <a:rPr kumimoji="1" lang="ja-JP" altLang="en-US" sz="3200" b="1" dirty="0" smtClean="0">
+                <a:latin typeface="メイリオ" panose="020B0604030504040204" pitchFamily="50" charset="-128"/>
+                <a:ea typeface="メイリオ" panose="020B0604030504040204" pitchFamily="50" charset="-128"/>
+              </a:rPr>
+              <a:t>と書ける</a:t>
+            </a:r>
+            <a:endParaRPr kumimoji="1" lang="ja-JP" altLang="en-US" sz="3200" b="1" dirty="0">
+              <a:latin typeface="メイリオ" panose="020B0604030504040204" pitchFamily="50" charset="-128"/>
+              <a:ea typeface="メイリオ" panose="020B0604030504040204" pitchFamily="50" charset="-128"/>
+            </a:endParaRPr>
+          </a:p>
+        </p:txBody>
+      </p:sp>
+    </p:spTree>
+    <p:extLst>
+      <p:ext uri="{BB962C8B-B14F-4D97-AF65-F5344CB8AC3E}">
+        <p14:creationId xmlns:p14="http://schemas.microsoft.com/office/powerpoint/2010/main" val="1632449819"/>
+      </p:ext>
+    </p:extLst>
+  </p:cSld>
+  <p:clrMapOvr>
+    <a:masterClrMapping/>
+  </p:clrMapOvr>
+</p:sld>
+</file>
+
+<file path=ppt/slides/slide42.xml><?xml version="1.0" encoding="utf-8"?>
+<p:sld xmlns:a="http://schemas.openxmlformats.org/drawingml/2006/main" xmlns:r="http://schemas.openxmlformats.org/officeDocument/2006/relationships" xmlns:p="http://schemas.openxmlformats.org/presentationml/2006/main">
+  <p:cSld>
+    <p:spTree>
+      <p:nvGrpSpPr>
+        <p:cNvPr id="1" name=""/>
+        <p:cNvGrpSpPr/>
+        <p:nvPr/>
+      </p:nvGrpSpPr>
+      <p:grpSpPr>
+        <a:xfrm>
+          <a:off x="0" y="0"/>
+          <a:ext cx="0" cy="0"/>
+          <a:chOff x="0" y="0"/>
+          <a:chExt cx="0" cy="0"/>
+        </a:xfrm>
+      </p:grpSpPr>
+      <p:sp>
+        <p:nvSpPr>
+          <p:cNvPr id="2" name="テキスト ボックス 1"/>
+          <p:cNvSpPr txBox="1"/>
+          <p:nvPr/>
+        </p:nvSpPr>
+        <p:spPr>
+          <a:xfrm>
+            <a:off x="2086376" y="965916"/>
+            <a:ext cx="5357611" cy="584775"/>
+          </a:xfrm>
+          <a:prstGeom prst="rect">
+            <a:avLst/>
+          </a:prstGeom>
+          <a:noFill/>
+        </p:spPr>
+        <p:txBody>
+          <a:bodyPr wrap="square" rtlCol="0">
+            <a:spAutoFit/>
+          </a:bodyPr>
+          <a:lstStyle/>
+          <a:p>
+            <a:r>
+              <a:rPr kumimoji="1" lang="ja-JP" altLang="en-US" sz="3200" b="1" dirty="0" smtClean="0">
+                <a:latin typeface="メイリオ" panose="020B0604030504040204" pitchFamily="50" charset="-128"/>
+                <a:ea typeface="メイリオ" panose="020B0604030504040204" pitchFamily="50" charset="-128"/>
+              </a:rPr>
+              <a:t>ここで、ベイズの定理から</a:t>
+            </a:r>
+            <a:endParaRPr kumimoji="1" lang="ja-JP" altLang="en-US" sz="3200" b="1" dirty="0">
+              <a:latin typeface="メイリオ" panose="020B0604030504040204" pitchFamily="50" charset="-128"/>
+              <a:ea typeface="メイリオ" panose="020B0604030504040204" pitchFamily="50" charset="-128"/>
+            </a:endParaRPr>
+          </a:p>
+        </p:txBody>
+      </p:sp>
+      <p:pic>
+        <p:nvPicPr>
+          <p:cNvPr id="4098" name="Picture 2" descr="$p(\alpha,\beta|{\bf t}) \propto p({\bf t}|\alpha,\beta)p(\alpha,\beta)$">
+            <a:hlinkClick r:id="rId2"/>
+          </p:cNvPr>
+          <p:cNvPicPr>
+            <a:picLocks noChangeAspect="1" noChangeArrowheads="1"/>
+          </p:cNvPicPr>
+          <p:nvPr/>
+        </p:nvPicPr>
+        <p:blipFill>
+          <a:blip r:embed="rId3">
+            <a:extLst>
+              <a:ext uri="{28A0092B-C50C-407E-A947-70E740481C1C}">
+                <a14:useLocalDpi xmlns:a14="http://schemas.microsoft.com/office/drawing/2010/main" val="0"/>
+              </a:ext>
+            </a:extLst>
+          </a:blip>
+          <a:srcRect/>
+          <a:stretch>
+            <a:fillRect/>
+          </a:stretch>
+        </p:blipFill>
+        <p:spPr bwMode="auto">
+          <a:xfrm>
+            <a:off x="2292439" y="1741330"/>
+            <a:ext cx="4619625" cy="409575"/>
+          </a:xfrm>
+          <a:prstGeom prst="rect">
+            <a:avLst/>
+          </a:prstGeom>
+          <a:noFill/>
+          <a:extLst>
+            <a:ext uri="{909E8E84-426E-40DD-AFC4-6F175D3DCCD1}">
+              <a14:hiddenFill xmlns:a14="http://schemas.microsoft.com/office/drawing/2010/main">
+                <a:solidFill>
+                  <a:srgbClr val="FFFFFF"/>
+                </a:solidFill>
+              </a14:hiddenFill>
+            </a:ext>
+          </a:extLst>
+        </p:spPr>
+      </p:pic>
+      <mc:AlternateContent xmlns:mc="http://schemas.openxmlformats.org/markup-compatibility/2006">
+        <mc:Choice xmlns:a14="http://schemas.microsoft.com/office/drawing/2010/main" Requires="a14">
+          <p:sp>
+            <p:nvSpPr>
+              <p:cNvPr id="4" name="テキスト ボックス 3"/>
+              <p:cNvSpPr txBox="1"/>
+              <p:nvPr/>
+            </p:nvSpPr>
+            <p:spPr>
+              <a:xfrm>
+                <a:off x="2086376" y="2627290"/>
+                <a:ext cx="6387921" cy="2581156"/>
+              </a:xfrm>
+              <a:prstGeom prst="rect">
+                <a:avLst/>
+              </a:prstGeom>
+              <a:noFill/>
+            </p:spPr>
+            <p:txBody>
+              <a:bodyPr wrap="square" rtlCol="0">
+                <a:spAutoFit/>
+              </a:bodyPr>
+              <a:lstStyle/>
+              <a:p>
+                <a:r>
+                  <a:rPr kumimoji="1" lang="ja-JP" altLang="en-US" sz="3200" b="1" dirty="0" smtClean="0">
+                    <a:latin typeface="メイリオ" panose="020B0604030504040204" pitchFamily="50" charset="-128"/>
+                    <a:ea typeface="メイリオ" panose="020B0604030504040204" pitchFamily="50" charset="-128"/>
+                  </a:rPr>
+                  <a:t>事前分布がフラットなら、</a:t>
+                </a:r>
+                <a:endParaRPr kumimoji="1" lang="en-US" altLang="ja-JP" sz="3200" b="1" dirty="0" smtClean="0">
+                  <a:latin typeface="メイリオ" panose="020B0604030504040204" pitchFamily="50" charset="-128"/>
+                  <a:ea typeface="メイリオ" panose="020B0604030504040204" pitchFamily="50" charset="-128"/>
+                </a:endParaRPr>
+              </a:p>
+              <a:p>
+                <a:r>
+                  <a:rPr lang="en-US" altLang="ja-JP" sz="3200" b="1" dirty="0" smtClean="0">
+                    <a:latin typeface="メイリオ" panose="020B0604030504040204" pitchFamily="50" charset="-128"/>
+                    <a:ea typeface="メイリオ" panose="020B0604030504040204" pitchFamily="50" charset="-128"/>
+                  </a:rPr>
+                  <a:t>MAP=MLE</a:t>
+                </a:r>
+                <a:r>
+                  <a:rPr lang="ja-JP" altLang="en-US" sz="3200" b="1" dirty="0" smtClean="0">
+                    <a:latin typeface="メイリオ" panose="020B0604030504040204" pitchFamily="50" charset="-128"/>
+                    <a:ea typeface="メイリオ" panose="020B0604030504040204" pitchFamily="50" charset="-128"/>
+                  </a:rPr>
+                  <a:t>であったことから</a:t>
+                </a:r>
+                <a:endParaRPr lang="en-US" altLang="ja-JP" sz="3200" b="1" dirty="0" smtClean="0">
+                  <a:latin typeface="メイリオ" panose="020B0604030504040204" pitchFamily="50" charset="-128"/>
+                  <a:ea typeface="メイリオ" panose="020B0604030504040204" pitchFamily="50" charset="-128"/>
+                </a:endParaRPr>
+              </a:p>
+              <a:p>
+                <a:r>
+                  <a:rPr lang="ja-JP" altLang="en-US" sz="3200" b="1" dirty="0" smtClean="0">
+                    <a:latin typeface="メイリオ" panose="020B0604030504040204" pitchFamily="50" charset="-128"/>
+                    <a:ea typeface="メイリオ" panose="020B0604030504040204" pitchFamily="50" charset="-128"/>
+                  </a:rPr>
+                  <a:t>事後</a:t>
+                </a:r>
+                <a:r>
+                  <a:rPr lang="ja-JP" altLang="en-US" sz="3200" b="1" dirty="0">
+                    <a:latin typeface="メイリオ" panose="020B0604030504040204" pitchFamily="50" charset="-128"/>
+                    <a:ea typeface="メイリオ" panose="020B0604030504040204" pitchFamily="50" charset="-128"/>
+                  </a:rPr>
+                  <a:t>分布</a:t>
+                </a:r>
+                <a:r>
+                  <a:rPr lang="ja-JP" altLang="en-US" sz="3200" b="1" dirty="0" smtClean="0">
+                    <a:latin typeface="メイリオ" panose="020B0604030504040204" pitchFamily="50" charset="-128"/>
+                    <a:ea typeface="メイリオ" panose="020B0604030504040204" pitchFamily="50" charset="-128"/>
+                  </a:rPr>
+                  <a:t>を</a:t>
+                </a:r>
+                <a:r>
+                  <a:rPr lang="ja-JP" altLang="en-US" sz="3200" b="1" dirty="0">
+                    <a:latin typeface="メイリオ" panose="020B0604030504040204" pitchFamily="50" charset="-128"/>
+                    <a:ea typeface="メイリオ" panose="020B0604030504040204" pitchFamily="50" charset="-128"/>
+                  </a:rPr>
+                  <a:t>最大化</a:t>
+                </a:r>
+                <a:r>
+                  <a:rPr lang="ja-JP" altLang="en-US" sz="3200" b="1" dirty="0" smtClean="0">
+                    <a:latin typeface="メイリオ" panose="020B0604030504040204" pitchFamily="50" charset="-128"/>
+                    <a:ea typeface="メイリオ" panose="020B0604030504040204" pitchFamily="50" charset="-128"/>
+                  </a:rPr>
+                  <a:t>する</a:t>
+                </a:r>
+                <a14:m>
+                  <m:oMath xmlns:m="http://schemas.openxmlformats.org/officeDocument/2006/math">
+                    <m:acc>
+                      <m:accPr>
+                        <m:chr m:val="̂"/>
+                        <m:ctrlPr>
+                          <a:rPr kumimoji="1" lang="en-US" altLang="ja-JP" sz="3200" b="1" i="1" smtClean="0">
+                            <a:latin typeface="Cambria Math" panose="02040503050406030204" pitchFamily="18" charset="0"/>
+                            <a:ea typeface="メイリオ" panose="020B0604030504040204" pitchFamily="50" charset="-128"/>
+                          </a:rPr>
+                        </m:ctrlPr>
+                      </m:accPr>
+                      <m:e>
+                        <m:r>
+                          <a:rPr kumimoji="1" lang="en-US" altLang="ja-JP" sz="3200" b="1" i="1" smtClean="0">
+                            <a:latin typeface="Cambria Math" panose="02040503050406030204" pitchFamily="18" charset="0"/>
+                            <a:ea typeface="メイリオ" panose="020B0604030504040204" pitchFamily="50" charset="-128"/>
+                          </a:rPr>
+                          <m:t>𝜶</m:t>
+                        </m:r>
+                      </m:e>
+                    </m:acc>
+                    <m:r>
+                      <a:rPr kumimoji="1" lang="en-US" altLang="ja-JP" sz="3200" b="1" i="1" dirty="0" smtClean="0">
+                        <a:latin typeface="Cambria Math" panose="02040503050406030204" pitchFamily="18" charset="0"/>
+                        <a:ea typeface="メイリオ" panose="020B0604030504040204" pitchFamily="50" charset="-128"/>
+                      </a:rPr>
+                      <m:t>,</m:t>
+                    </m:r>
+                    <m:acc>
+                      <m:accPr>
+                        <m:chr m:val="̂"/>
+                        <m:ctrlPr>
+                          <a:rPr kumimoji="1" lang="en-US" altLang="ja-JP" sz="3200" b="0" i="1" dirty="0" smtClean="0">
+                            <a:latin typeface="Cambria Math" panose="02040503050406030204" pitchFamily="18" charset="0"/>
+                            <a:ea typeface="メイリオ" panose="020B0604030504040204" pitchFamily="50" charset="-128"/>
+                          </a:rPr>
+                        </m:ctrlPr>
+                      </m:accPr>
+                      <m:e>
+                        <m:r>
+                          <a:rPr kumimoji="1" lang="en-US" altLang="ja-JP" sz="3200" b="1" i="1" dirty="0" smtClean="0">
+                            <a:latin typeface="Cambria Math" panose="02040503050406030204" pitchFamily="18" charset="0"/>
+                            <a:ea typeface="メイリオ" panose="020B0604030504040204" pitchFamily="50" charset="-128"/>
+                          </a:rPr>
+                          <m:t>𝜷</m:t>
+                        </m:r>
+                      </m:e>
+                    </m:acc>
+                  </m:oMath>
+                </a14:m>
+                <a:r>
+                  <a:rPr kumimoji="1" lang="ja-JP" altLang="en-US" sz="3200" b="1" dirty="0" smtClean="0">
+                    <a:latin typeface="メイリオ" panose="020B0604030504040204" pitchFamily="50" charset="-128"/>
+                    <a:ea typeface="メイリオ" panose="020B0604030504040204" pitchFamily="50" charset="-128"/>
+                  </a:rPr>
+                  <a:t>は</a:t>
+                </a:r>
+                <a:endParaRPr kumimoji="1" lang="en-US" altLang="ja-JP" sz="3200" b="1" dirty="0" smtClean="0">
+                  <a:latin typeface="メイリオ" panose="020B0604030504040204" pitchFamily="50" charset="-128"/>
+                  <a:ea typeface="メイリオ" panose="020B0604030504040204" pitchFamily="50" charset="-128"/>
+                </a:endParaRPr>
+              </a:p>
+              <a:p>
+                <a:r>
+                  <a:rPr lang="ja-JP" altLang="en-US" sz="3200" b="1" dirty="0" smtClean="0">
+                    <a:latin typeface="メイリオ" panose="020B0604030504040204" pitchFamily="50" charset="-128"/>
+                    <a:ea typeface="メイリオ" panose="020B0604030504040204" pitchFamily="50" charset="-128"/>
+                  </a:rPr>
+                  <a:t>周辺</a:t>
+                </a:r>
+                <a:r>
+                  <a:rPr lang="ja-JP" altLang="en-US" sz="3200" b="1" dirty="0">
+                    <a:latin typeface="メイリオ" panose="020B0604030504040204" pitchFamily="50" charset="-128"/>
+                    <a:ea typeface="メイリオ" panose="020B0604030504040204" pitchFamily="50" charset="-128"/>
+                  </a:rPr>
+                  <a:t>尤度</a:t>
+                </a:r>
+                <a:r>
+                  <a:rPr lang="ja-JP" altLang="en-US" sz="3200" b="1" dirty="0" smtClean="0">
+                    <a:latin typeface="メイリオ" panose="020B0604030504040204" pitchFamily="50" charset="-128"/>
+                    <a:ea typeface="メイリオ" panose="020B0604030504040204" pitchFamily="50" charset="-128"/>
+                  </a:rPr>
+                  <a:t>を</a:t>
+                </a:r>
+                <a:r>
+                  <a:rPr lang="ja-JP" altLang="en-US" sz="3200" b="1" dirty="0">
+                    <a:latin typeface="メイリオ" panose="020B0604030504040204" pitchFamily="50" charset="-128"/>
+                    <a:ea typeface="メイリオ" panose="020B0604030504040204" pitchFamily="50" charset="-128"/>
+                  </a:rPr>
+                  <a:t>最大化</a:t>
+                </a:r>
+                <a:r>
+                  <a:rPr lang="ja-JP" altLang="en-US" sz="3200" b="1" dirty="0" smtClean="0">
+                    <a:latin typeface="メイリオ" panose="020B0604030504040204" pitchFamily="50" charset="-128"/>
+                    <a:ea typeface="メイリオ" panose="020B0604030504040204" pitchFamily="50" charset="-128"/>
+                  </a:rPr>
+                  <a:t>して得られる</a:t>
+                </a:r>
+                <a:endParaRPr lang="en-US" altLang="ja-JP" sz="3200" b="1" dirty="0" smtClean="0">
+                  <a:latin typeface="メイリオ" panose="020B0604030504040204" pitchFamily="50" charset="-128"/>
+                  <a:ea typeface="メイリオ" panose="020B0604030504040204" pitchFamily="50" charset="-128"/>
+                </a:endParaRPr>
+              </a:p>
+              <a:p>
+                <a:r>
+                  <a:rPr kumimoji="1" lang="ja-JP" altLang="en-US" sz="3200" b="1" dirty="0" smtClean="0">
+                    <a:latin typeface="メイリオ" panose="020B0604030504040204" pitchFamily="50" charset="-128"/>
+                    <a:ea typeface="メイリオ" panose="020B0604030504040204" pitchFamily="50" charset="-128"/>
+                  </a:rPr>
+                  <a:t>→周辺尤度を最大化</a:t>
+                </a:r>
+                <a:endParaRPr kumimoji="1" lang="ja-JP" altLang="en-US" sz="3200" b="1" dirty="0">
+                  <a:latin typeface="メイリオ" panose="020B0604030504040204" pitchFamily="50" charset="-128"/>
+                  <a:ea typeface="メイリオ" panose="020B0604030504040204" pitchFamily="50" charset="-128"/>
+                </a:endParaRPr>
+              </a:p>
+            </p:txBody>
+          </p:sp>
+        </mc:Choice>
+        <mc:Fallback>
+          <p:sp>
+            <p:nvSpPr>
+              <p:cNvPr id="4" name="テキスト ボックス 3"/>
+              <p:cNvSpPr txBox="1">
+                <a:spLocks noRot="1" noChangeAspect="1" noMove="1" noResize="1" noEditPoints="1" noAdjustHandles="1" noChangeArrowheads="1" noChangeShapeType="1" noTextEdit="1"/>
+              </p:cNvSpPr>
+              <p:nvPr/>
+            </p:nvSpPr>
+            <p:spPr>
+              <a:xfrm>
+                <a:off x="2086376" y="2627290"/>
+                <a:ext cx="6387921" cy="2581156"/>
+              </a:xfrm>
+              <a:prstGeom prst="rect">
+                <a:avLst/>
+              </a:prstGeom>
+              <a:blipFill rotWithShape="0">
+                <a:blip r:embed="rId4"/>
+                <a:stretch>
+                  <a:fillRect l="-2385" t="-3073" b="-6856"/>
+                </a:stretch>
+              </a:blipFill>
+            </p:spPr>
+            <p:txBody>
+              <a:bodyPr/>
+              <a:lstStyle/>
+              <a:p>
+                <a:r>
+                  <a:rPr lang="ja-JP" altLang="en-US">
+                    <a:noFill/>
+                  </a:rPr>
+                  <a:t> </a:t>
+                </a:r>
+              </a:p>
+            </p:txBody>
+          </p:sp>
+        </mc:Fallback>
+      </mc:AlternateContent>
+      <p:sp>
+        <p:nvSpPr>
+          <p:cNvPr id="5" name="テキスト ボックス 4"/>
+          <p:cNvSpPr txBox="1"/>
+          <p:nvPr/>
+        </p:nvSpPr>
+        <p:spPr>
+          <a:xfrm>
+            <a:off x="2292439" y="5208446"/>
+            <a:ext cx="4477957" cy="584775"/>
+          </a:xfrm>
+          <a:prstGeom prst="rect">
+            <a:avLst/>
+          </a:prstGeom>
+          <a:noFill/>
+        </p:spPr>
+        <p:txBody>
+          <a:bodyPr wrap="square" rtlCol="0">
+            <a:spAutoFit/>
+          </a:bodyPr>
+          <a:lstStyle/>
+          <a:p>
+            <a:r>
+              <a:rPr kumimoji="1" lang="ja-JP" altLang="en-US" sz="3200" b="1" dirty="0" smtClean="0">
+                <a:solidFill>
+                  <a:srgbClr val="FF0000"/>
+                </a:solidFill>
+                <a:latin typeface="メイリオ" panose="020B0604030504040204" pitchFamily="50" charset="-128"/>
+                <a:ea typeface="メイリオ" panose="020B0604030504040204" pitchFamily="50" charset="-128"/>
+              </a:rPr>
+              <a:t>モデルエビデンス</a:t>
+            </a:r>
+            <a:endParaRPr kumimoji="1" lang="ja-JP" altLang="en-US" sz="3200" b="1" dirty="0">
+              <a:solidFill>
+                <a:srgbClr val="FF0000"/>
+              </a:solidFill>
+              <a:latin typeface="メイリオ" panose="020B0604030504040204" pitchFamily="50" charset="-128"/>
+              <a:ea typeface="メイリオ" panose="020B0604030504040204" pitchFamily="50" charset="-128"/>
+            </a:endParaRPr>
+          </a:p>
+        </p:txBody>
+      </p:sp>
+      <p:cxnSp>
+        <p:nvCxnSpPr>
+          <p:cNvPr id="7" name="直線コネクタ 6"/>
+          <p:cNvCxnSpPr/>
+          <p:nvPr/>
+        </p:nvCxnSpPr>
+        <p:spPr>
+          <a:xfrm>
+            <a:off x="2550017" y="5087155"/>
+            <a:ext cx="1620000" cy="0"/>
+          </a:xfrm>
+          <a:prstGeom prst="line">
+            <a:avLst/>
+          </a:prstGeom>
+          <a:ln>
+            <a:solidFill>
+              <a:srgbClr val="FF0000"/>
+            </a:solidFill>
+          </a:ln>
+        </p:spPr>
+        <p:style>
+          <a:lnRef idx="1">
+            <a:schemeClr val="accent1"/>
+          </a:lnRef>
+          <a:fillRef idx="0">
+            <a:schemeClr val="accent1"/>
+          </a:fillRef>
+          <a:effectRef idx="0">
+            <a:schemeClr val="accent1"/>
+          </a:effectRef>
+          <a:fontRef idx="minor">
+            <a:schemeClr val="tx1"/>
+          </a:fontRef>
+        </p:style>
+      </p:cxnSp>
+    </p:spTree>
+    <p:extLst>
+      <p:ext uri="{BB962C8B-B14F-4D97-AF65-F5344CB8AC3E}">
+        <p14:creationId xmlns:p14="http://schemas.microsoft.com/office/powerpoint/2010/main" val="2533027908"/>
+      </p:ext>
+    </p:extLst>
+  </p:cSld>
+  <p:clrMapOvr>
+    <a:masterClrMapping/>
+  </p:clrMapOvr>
+</p:sld>
+</file>
+
+<file path=ppt/slides/slide43.xml><?xml version="1.0" encoding="utf-8"?>
+<p:sld xmlns:a="http://schemas.openxmlformats.org/drawingml/2006/main" xmlns:r="http://schemas.openxmlformats.org/officeDocument/2006/relationships" xmlns:p="http://schemas.openxmlformats.org/presentationml/2006/main">
+  <p:cSld>
+    <p:spTree>
+      <p:nvGrpSpPr>
+        <p:cNvPr id="1" name=""/>
+        <p:cNvGrpSpPr/>
+        <p:nvPr/>
+      </p:nvGrpSpPr>
+      <p:grpSpPr>
+        <a:xfrm>
+          <a:off x="0" y="0"/>
+          <a:ext cx="0" cy="0"/>
+          <a:chOff x="0" y="0"/>
+          <a:chExt cx="0" cy="0"/>
+        </a:xfrm>
+      </p:grpSpPr>
+      <p:sp>
+        <p:nvSpPr>
+          <p:cNvPr id="2" name="テキスト ボックス 1"/>
+          <p:cNvSpPr txBox="1"/>
+          <p:nvPr/>
+        </p:nvSpPr>
+        <p:spPr>
+          <a:xfrm>
+            <a:off x="3058730" y="345550"/>
+            <a:ext cx="3284112" cy="584775"/>
+          </a:xfrm>
+          <a:prstGeom prst="rect">
+            <a:avLst/>
+          </a:prstGeom>
+          <a:noFill/>
+        </p:spPr>
+        <p:txBody>
+          <a:bodyPr wrap="square" rtlCol="0">
+            <a:spAutoFit/>
+          </a:bodyPr>
+          <a:lstStyle/>
+          <a:p>
+            <a:r>
+              <a:rPr kumimoji="1" lang="ja-JP" altLang="en-US" sz="3200" b="1" dirty="0" smtClean="0">
+                <a:latin typeface="メイリオ" panose="020B0604030504040204" pitchFamily="50" charset="-128"/>
+                <a:ea typeface="メイリオ" panose="020B0604030504040204" pitchFamily="50" charset="-128"/>
+              </a:rPr>
+              <a:t>ここまでの流れ</a:t>
+            </a:r>
+            <a:endParaRPr kumimoji="1" lang="ja-JP" altLang="en-US" sz="3200" b="1" dirty="0">
+              <a:latin typeface="メイリオ" panose="020B0604030504040204" pitchFamily="50" charset="-128"/>
+              <a:ea typeface="メイリオ" panose="020B0604030504040204" pitchFamily="50" charset="-128"/>
+            </a:endParaRPr>
+          </a:p>
+        </p:txBody>
+      </p:sp>
+      <mc:AlternateContent xmlns:mc="http://schemas.openxmlformats.org/markup-compatibility/2006">
+        <mc:Choice xmlns:a14="http://schemas.microsoft.com/office/drawing/2010/main" Requires="a14">
+          <p:sp>
+            <p:nvSpPr>
+              <p:cNvPr id="3" name="テキスト ボックス 2"/>
+              <p:cNvSpPr txBox="1"/>
+              <p:nvPr/>
+            </p:nvSpPr>
+            <p:spPr>
+              <a:xfrm>
+                <a:off x="1081826" y="1121676"/>
+                <a:ext cx="6967470" cy="1077218"/>
+              </a:xfrm>
+              <a:prstGeom prst="rect">
+                <a:avLst/>
+              </a:prstGeom>
+              <a:noFill/>
+            </p:spPr>
+            <p:txBody>
+              <a:bodyPr wrap="square" rtlCol="0">
+                <a:spAutoFit/>
+              </a:bodyPr>
+              <a:lstStyle/>
+              <a:p>
+                <a:r>
+                  <a:rPr kumimoji="1" lang="en-US" altLang="ja-JP" sz="3200" b="1" dirty="0" smtClean="0">
+                    <a:latin typeface="メイリオ" panose="020B0604030504040204" pitchFamily="50" charset="-128"/>
+                    <a:ea typeface="メイリオ" panose="020B0604030504040204" pitchFamily="50" charset="-128"/>
+                  </a:rPr>
+                  <a:t>(3.57)</a:t>
+                </a:r>
+                <a:r>
+                  <a:rPr kumimoji="1" lang="ja-JP" altLang="en-US" sz="3200" b="1" dirty="0" smtClean="0">
+                    <a:latin typeface="メイリオ" panose="020B0604030504040204" pitchFamily="50" charset="-128"/>
+                    <a:ea typeface="メイリオ" panose="020B0604030504040204" pitchFamily="50" charset="-128"/>
+                  </a:rPr>
+                  <a:t>の予測分布で</a:t>
+                </a:r>
+                <a14:m>
+                  <m:oMath xmlns:m="http://schemas.openxmlformats.org/officeDocument/2006/math">
+                    <m:r>
+                      <a:rPr kumimoji="1" lang="en-US" altLang="ja-JP" sz="3200" b="1" i="1" smtClean="0">
+                        <a:latin typeface="Cambria Math" panose="02040503050406030204" pitchFamily="18" charset="0"/>
+                        <a:ea typeface="メイリオ" panose="020B0604030504040204" pitchFamily="50" charset="-128"/>
+                      </a:rPr>
+                      <m:t>𝜶</m:t>
+                    </m:r>
+                    <m:r>
+                      <a:rPr kumimoji="1" lang="en-US" altLang="ja-JP" sz="3200" b="1" i="1" smtClean="0">
+                        <a:latin typeface="Cambria Math" panose="02040503050406030204" pitchFamily="18" charset="0"/>
+                        <a:ea typeface="メイリオ" panose="020B0604030504040204" pitchFamily="50" charset="-128"/>
+                      </a:rPr>
+                      <m:t>,</m:t>
+                    </m:r>
+                    <m:r>
+                      <a:rPr kumimoji="1" lang="en-US" altLang="ja-JP" sz="3200" b="1" i="1" smtClean="0">
+                        <a:latin typeface="Cambria Math" panose="02040503050406030204" pitchFamily="18" charset="0"/>
+                        <a:ea typeface="メイリオ" panose="020B0604030504040204" pitchFamily="50" charset="-128"/>
+                      </a:rPr>
+                      <m:t>𝜷</m:t>
+                    </m:r>
+                  </m:oMath>
+                </a14:m>
+                <a:r>
+                  <a:rPr kumimoji="1" lang="ja-JP" altLang="en-US" sz="3200" b="1" dirty="0" smtClean="0">
+                    <a:latin typeface="メイリオ" panose="020B0604030504040204" pitchFamily="50" charset="-128"/>
+                    <a:ea typeface="メイリオ" panose="020B0604030504040204" pitchFamily="50" charset="-128"/>
+                  </a:rPr>
+                  <a:t>に対しても</a:t>
+                </a:r>
+                <a:endParaRPr kumimoji="1" lang="en-US" altLang="ja-JP" sz="3200" b="1" dirty="0" smtClean="0">
+                  <a:latin typeface="メイリオ" panose="020B0604030504040204" pitchFamily="50" charset="-128"/>
+                  <a:ea typeface="メイリオ" panose="020B0604030504040204" pitchFamily="50" charset="-128"/>
+                </a:endParaRPr>
+              </a:p>
+              <a:p>
+                <a:r>
+                  <a:rPr lang="ja-JP" altLang="en-US" sz="3200" b="1" dirty="0">
+                    <a:latin typeface="メイリオ" panose="020B0604030504040204" pitchFamily="50" charset="-128"/>
+                    <a:ea typeface="メイリオ" panose="020B0604030504040204" pitchFamily="50" charset="-128"/>
+                  </a:rPr>
+                  <a:t>周辺化</a:t>
+                </a:r>
+                <a:r>
+                  <a:rPr lang="ja-JP" altLang="en-US" sz="3200" b="1" dirty="0" smtClean="0">
+                    <a:latin typeface="メイリオ" panose="020B0604030504040204" pitchFamily="50" charset="-128"/>
+                    <a:ea typeface="メイリオ" panose="020B0604030504040204" pitchFamily="50" charset="-128"/>
+                  </a:rPr>
+                  <a:t>したい</a:t>
+                </a:r>
+                <a:endParaRPr kumimoji="1" lang="ja-JP" altLang="en-US" sz="3200" b="1" dirty="0">
+                  <a:latin typeface="メイリオ" panose="020B0604030504040204" pitchFamily="50" charset="-128"/>
+                  <a:ea typeface="メイリオ" panose="020B0604030504040204" pitchFamily="50" charset="-128"/>
+                </a:endParaRPr>
+              </a:p>
+            </p:txBody>
+          </p:sp>
+        </mc:Choice>
+        <mc:Fallback>
+          <p:sp>
+            <p:nvSpPr>
+              <p:cNvPr id="3" name="テキスト ボックス 2"/>
+              <p:cNvSpPr txBox="1">
+                <a:spLocks noRot="1" noChangeAspect="1" noMove="1" noResize="1" noEditPoints="1" noAdjustHandles="1" noChangeArrowheads="1" noChangeShapeType="1" noTextEdit="1"/>
+              </p:cNvSpPr>
+              <p:nvPr/>
+            </p:nvSpPr>
+            <p:spPr>
+              <a:xfrm>
+                <a:off x="1081826" y="1121676"/>
+                <a:ext cx="6967470" cy="1077218"/>
+              </a:xfrm>
+              <a:prstGeom prst="rect">
+                <a:avLst/>
+              </a:prstGeom>
+              <a:blipFill rotWithShape="0">
+                <a:blip r:embed="rId2"/>
+                <a:stretch>
+                  <a:fillRect l="-2187" t="-6780" b="-17514"/>
+                </a:stretch>
+              </a:blipFill>
+            </p:spPr>
+            <p:txBody>
+              <a:bodyPr/>
+              <a:lstStyle/>
+              <a:p>
+                <a:r>
+                  <a:rPr lang="ja-JP" altLang="en-US">
+                    <a:noFill/>
+                  </a:rPr>
+                  <a:t> </a:t>
+                </a:r>
+              </a:p>
+            </p:txBody>
+          </p:sp>
+        </mc:Fallback>
+      </mc:AlternateContent>
+      <p:grpSp>
+        <p:nvGrpSpPr>
+          <p:cNvPr id="5" name="グループ化 4"/>
+          <p:cNvGrpSpPr/>
+          <p:nvPr/>
+        </p:nvGrpSpPr>
+        <p:grpSpPr>
+          <a:xfrm>
+            <a:off x="476517" y="3123734"/>
+            <a:ext cx="8834907" cy="1077218"/>
+            <a:chOff x="1249250" y="3425780"/>
+            <a:chExt cx="8834907" cy="1077218"/>
+          </a:xfrm>
+        </p:grpSpPr>
+        <mc:AlternateContent xmlns:mc="http://schemas.openxmlformats.org/markup-compatibility/2006">
+          <mc:Choice xmlns:a14="http://schemas.microsoft.com/office/drawing/2010/main" Requires="a14">
+            <p:sp>
+              <p:nvSpPr>
+                <p:cNvPr id="4" name="テキスト ボックス 3"/>
+                <p:cNvSpPr txBox="1"/>
+                <p:nvPr/>
+              </p:nvSpPr>
+              <p:spPr>
+                <a:xfrm>
+                  <a:off x="1249250" y="3425780"/>
+                  <a:ext cx="8834907" cy="1077218"/>
+                </a:xfrm>
+                <a:prstGeom prst="rect">
+                  <a:avLst/>
+                </a:prstGeom>
+                <a:noFill/>
+              </p:spPr>
+              <p:txBody>
+                <a:bodyPr wrap="square" rtlCol="0">
+                  <a:spAutoFit/>
+                </a:bodyPr>
+                <a:lstStyle/>
+                <a:p>
+                  <a:r>
+                    <a:rPr kumimoji="1" lang="ja-JP" altLang="en-US" sz="3200" b="1" dirty="0" smtClean="0">
+                      <a:latin typeface="メイリオ" panose="020B0604030504040204" pitchFamily="50" charset="-128"/>
+                      <a:ea typeface="メイリオ" panose="020B0604030504040204" pitchFamily="50" charset="-128"/>
+                    </a:rPr>
+                    <a:t>事後分布　　　   がデルタ関数的であるなら、そのピークでの</a:t>
+                  </a:r>
+                  <a14:m>
+                    <m:oMath xmlns:m="http://schemas.openxmlformats.org/officeDocument/2006/math">
+                      <m:r>
+                        <a:rPr kumimoji="1" lang="en-US" altLang="ja-JP" sz="3200" b="1" i="1" smtClean="0">
+                          <a:latin typeface="Cambria Math" panose="02040503050406030204" pitchFamily="18" charset="0"/>
+                          <a:ea typeface="メイリオ" panose="020B0604030504040204" pitchFamily="50" charset="-128"/>
+                        </a:rPr>
+                        <m:t>𝜶</m:t>
+                      </m:r>
+                      <m:r>
+                        <a:rPr kumimoji="1" lang="en-US" altLang="ja-JP" sz="3200" b="1" i="1" smtClean="0">
+                          <a:latin typeface="Cambria Math" panose="02040503050406030204" pitchFamily="18" charset="0"/>
+                          <a:ea typeface="メイリオ" panose="020B0604030504040204" pitchFamily="50" charset="-128"/>
+                        </a:rPr>
+                        <m:t>,</m:t>
+                      </m:r>
+                      <m:r>
+                        <a:rPr kumimoji="1" lang="en-US" altLang="ja-JP" sz="3200" b="1" i="1" smtClean="0">
+                          <a:latin typeface="Cambria Math" panose="02040503050406030204" pitchFamily="18" charset="0"/>
+                          <a:ea typeface="メイリオ" panose="020B0604030504040204" pitchFamily="50" charset="-128"/>
+                        </a:rPr>
+                        <m:t>𝜷</m:t>
+                      </m:r>
+                    </m:oMath>
+                  </a14:m>
+                  <a:r>
+                    <a:rPr kumimoji="1" lang="ja-JP" altLang="en-US" sz="3200" b="1" dirty="0" smtClean="0">
+                      <a:latin typeface="メイリオ" panose="020B0604030504040204" pitchFamily="50" charset="-128"/>
+                      <a:ea typeface="メイリオ" panose="020B0604030504040204" pitchFamily="50" charset="-128"/>
+                    </a:rPr>
+                    <a:t>で予測分布は近似できる</a:t>
+                  </a:r>
+                  <a:endParaRPr kumimoji="1" lang="ja-JP" altLang="en-US" sz="3200" b="1" dirty="0">
+                    <a:latin typeface="メイリオ" panose="020B0604030504040204" pitchFamily="50" charset="-128"/>
+                    <a:ea typeface="メイリオ" panose="020B0604030504040204" pitchFamily="50" charset="-128"/>
+                  </a:endParaRPr>
+                </a:p>
+              </p:txBody>
+            </p:sp>
+          </mc:Choice>
+          <mc:Fallback>
+            <p:sp>
+              <p:nvSpPr>
+                <p:cNvPr id="4" name="テキスト ボックス 3"/>
+                <p:cNvSpPr txBox="1">
+                  <a:spLocks noRot="1" noChangeAspect="1" noMove="1" noResize="1" noEditPoints="1" noAdjustHandles="1" noChangeArrowheads="1" noChangeShapeType="1" noTextEdit="1"/>
+                </p:cNvSpPr>
+                <p:nvPr/>
+              </p:nvSpPr>
+              <p:spPr>
+                <a:xfrm>
+                  <a:off x="1249250" y="3425780"/>
+                  <a:ext cx="8834907" cy="1077218"/>
+                </a:xfrm>
+                <a:prstGeom prst="rect">
+                  <a:avLst/>
+                </a:prstGeom>
+                <a:blipFill rotWithShape="0">
+                  <a:blip r:embed="rId3"/>
+                  <a:stretch>
+                    <a:fillRect l="-1725" t="-7345" r="-690" b="-18079"/>
+                  </a:stretch>
+                </a:blipFill>
+              </p:spPr>
+              <p:txBody>
+                <a:bodyPr/>
+                <a:lstStyle/>
+                <a:p>
+                  <a:r>
+                    <a:rPr lang="ja-JP" altLang="en-US">
+                      <a:noFill/>
+                    </a:rPr>
+                    <a:t> </a:t>
+                  </a:r>
+                </a:p>
+              </p:txBody>
+            </p:sp>
+          </mc:Fallback>
+        </mc:AlternateContent>
+        <p:pic>
+          <p:nvPicPr>
+            <p:cNvPr id="5122" name="Picture 2" descr="$p(\alpha,\beta|{\bf t})$">
+              <a:hlinkClick r:id="rId4"/>
+            </p:cNvPr>
+            <p:cNvPicPr>
+              <a:picLocks noChangeAspect="1" noChangeArrowheads="1"/>
+            </p:cNvPicPr>
+            <p:nvPr/>
+          </p:nvPicPr>
+          <p:blipFill>
+            <a:blip r:embed="rId5">
+              <a:extLst>
+                <a:ext uri="{28A0092B-C50C-407E-A947-70E740481C1C}">
+                  <a14:useLocalDpi xmlns:a14="http://schemas.microsoft.com/office/drawing/2010/main" val="0"/>
+                </a:ext>
+              </a:extLst>
+            </a:blip>
+            <a:srcRect/>
+            <a:stretch>
+              <a:fillRect/>
+            </a:stretch>
+          </p:blipFill>
+          <p:spPr bwMode="auto">
+            <a:xfrm>
+              <a:off x="3069600" y="3467464"/>
+              <a:ext cx="1457325" cy="409575"/>
+            </a:xfrm>
+            <a:prstGeom prst="rect">
+              <a:avLst/>
+            </a:prstGeom>
+            <a:noFill/>
+            <a:extLst>
+              <a:ext uri="{909E8E84-426E-40DD-AFC4-6F175D3DCCD1}">
+                <a14:hiddenFill xmlns:a14="http://schemas.microsoft.com/office/drawing/2010/main">
+                  <a:solidFill>
+                    <a:srgbClr val="FFFFFF"/>
+                  </a:solidFill>
+                </a14:hiddenFill>
+              </a:ext>
+            </a:extLst>
+          </p:spPr>
+        </p:pic>
+      </p:grpSp>
+      <mc:AlternateContent xmlns:mc="http://schemas.openxmlformats.org/markup-compatibility/2006">
+        <mc:Choice xmlns:a14="http://schemas.microsoft.com/office/drawing/2010/main" Requires="a14">
+          <p:sp>
+            <p:nvSpPr>
+              <p:cNvPr id="6" name="テキスト ボックス 5"/>
+              <p:cNvSpPr txBox="1"/>
+              <p:nvPr/>
+            </p:nvSpPr>
+            <p:spPr>
+              <a:xfrm>
+                <a:off x="2253803" y="5549571"/>
+                <a:ext cx="4623515" cy="584775"/>
+              </a:xfrm>
+              <a:prstGeom prst="rect">
+                <a:avLst/>
+              </a:prstGeom>
+              <a:noFill/>
+            </p:spPr>
+            <p:txBody>
+              <a:bodyPr wrap="square" rtlCol="0">
+                <a:spAutoFit/>
+              </a:bodyPr>
+              <a:lstStyle/>
+              <a:p>
+                <a:r>
+                  <a:rPr kumimoji="1" lang="ja-JP" altLang="en-US" sz="3200" b="1" dirty="0" smtClean="0">
+                    <a:latin typeface="メイリオ" panose="020B0604030504040204" pitchFamily="50" charset="-128"/>
+                    <a:ea typeface="メイリオ" panose="020B0604030504040204" pitchFamily="50" charset="-128"/>
+                  </a:rPr>
+                  <a:t>その</a:t>
+                </a:r>
+                <a14:m>
+                  <m:oMath xmlns:m="http://schemas.openxmlformats.org/officeDocument/2006/math">
+                    <m:r>
+                      <a:rPr kumimoji="1" lang="en-US" altLang="ja-JP" sz="3200" b="1" i="1" smtClean="0">
+                        <a:latin typeface="Cambria Math" panose="02040503050406030204" pitchFamily="18" charset="0"/>
+                        <a:ea typeface="メイリオ" panose="020B0604030504040204" pitchFamily="50" charset="-128"/>
+                      </a:rPr>
+                      <m:t>𝜶</m:t>
+                    </m:r>
+                    <m:r>
+                      <a:rPr kumimoji="1" lang="en-US" altLang="ja-JP" sz="3200" b="1" i="1" smtClean="0">
+                        <a:latin typeface="Cambria Math" panose="02040503050406030204" pitchFamily="18" charset="0"/>
+                        <a:ea typeface="メイリオ" panose="020B0604030504040204" pitchFamily="50" charset="-128"/>
+                      </a:rPr>
+                      <m:t>,</m:t>
+                    </m:r>
+                    <m:r>
+                      <a:rPr kumimoji="1" lang="en-US" altLang="ja-JP" sz="3200" b="1" i="1" smtClean="0">
+                        <a:latin typeface="Cambria Math" panose="02040503050406030204" pitchFamily="18" charset="0"/>
+                        <a:ea typeface="メイリオ" panose="020B0604030504040204" pitchFamily="50" charset="-128"/>
+                      </a:rPr>
+                      <m:t>𝜷</m:t>
+                    </m:r>
+                  </m:oMath>
+                </a14:m>
+                <a:r>
+                  <a:rPr kumimoji="1" lang="ja-JP" altLang="en-US" sz="3200" b="1" dirty="0" smtClean="0">
+                    <a:latin typeface="メイリオ" panose="020B0604030504040204" pitchFamily="50" charset="-128"/>
+                    <a:ea typeface="メイリオ" panose="020B0604030504040204" pitchFamily="50" charset="-128"/>
+                  </a:rPr>
+                  <a:t>の値を求めよう</a:t>
+                </a:r>
+                <a:endParaRPr kumimoji="1" lang="ja-JP" altLang="en-US" sz="3200" b="1" dirty="0">
+                  <a:latin typeface="メイリオ" panose="020B0604030504040204" pitchFamily="50" charset="-128"/>
+                  <a:ea typeface="メイリオ" panose="020B0604030504040204" pitchFamily="50" charset="-128"/>
+                </a:endParaRPr>
+              </a:p>
+            </p:txBody>
+          </p:sp>
+        </mc:Choice>
+        <mc:Fallback>
+          <p:sp>
+            <p:nvSpPr>
+              <p:cNvPr id="6" name="テキスト ボックス 5"/>
+              <p:cNvSpPr txBox="1">
+                <a:spLocks noRot="1" noChangeAspect="1" noMove="1" noResize="1" noEditPoints="1" noAdjustHandles="1" noChangeArrowheads="1" noChangeShapeType="1" noTextEdit="1"/>
+              </p:cNvSpPr>
+              <p:nvPr/>
+            </p:nvSpPr>
+            <p:spPr>
+              <a:xfrm>
+                <a:off x="2253803" y="5549571"/>
+                <a:ext cx="4623515" cy="584775"/>
+              </a:xfrm>
+              <a:prstGeom prst="rect">
+                <a:avLst/>
+              </a:prstGeom>
+              <a:blipFill rotWithShape="0">
+                <a:blip r:embed="rId6"/>
+                <a:stretch>
+                  <a:fillRect l="-3430" t="-12500" r="-1979" b="-34375"/>
+                </a:stretch>
+              </a:blipFill>
+            </p:spPr>
+            <p:txBody>
+              <a:bodyPr/>
+              <a:lstStyle/>
+              <a:p>
+                <a:r>
+                  <a:rPr lang="ja-JP" altLang="en-US">
+                    <a:noFill/>
+                  </a:rPr>
+                  <a:t> </a:t>
+                </a:r>
+              </a:p>
+            </p:txBody>
+          </p:sp>
+        </mc:Fallback>
+      </mc:AlternateContent>
+      <p:sp>
+        <p:nvSpPr>
+          <p:cNvPr id="7" name="下矢印 6"/>
+          <p:cNvSpPr/>
+          <p:nvPr/>
+        </p:nvSpPr>
+        <p:spPr>
+          <a:xfrm>
+            <a:off x="4172755" y="2198894"/>
+            <a:ext cx="656821" cy="708338"/>
+          </a:xfrm>
+          <a:prstGeom prst="downArrow">
+            <a:avLst/>
+          </a:prstGeom>
+          <a:solidFill>
+            <a:schemeClr val="accent1"/>
+          </a:solidFill>
+          <a:ln>
+            <a:solidFill>
+              <a:schemeClr val="tx1"/>
+            </a:solidFill>
+          </a:ln>
+        </p:spPr>
+        <p:style>
+          <a:lnRef idx="2">
+            <a:schemeClr val="accent1">
+              <a:shade val="50000"/>
+            </a:schemeClr>
+          </a:lnRef>
+          <a:fillRef idx="1">
+            <a:schemeClr val="accent1"/>
+          </a:fillRef>
+          <a:effectRef idx="0">
+            <a:schemeClr val="accent1"/>
+          </a:effectRef>
+          <a:fontRef idx="minor">
+            <a:schemeClr val="lt1"/>
+          </a:fontRef>
+        </p:style>
+        <p:txBody>
+          <a:bodyPr rtlCol="0" anchor="ctr"/>
+          <a:lstStyle/>
+          <a:p>
+            <a:pPr algn="ctr"/>
+            <a:endParaRPr kumimoji="1" lang="ja-JP" altLang="en-US"/>
+          </a:p>
+        </p:txBody>
+      </p:sp>
+      <p:sp>
+        <p:nvSpPr>
+          <p:cNvPr id="9" name="下矢印 8"/>
+          <p:cNvSpPr/>
+          <p:nvPr/>
+        </p:nvSpPr>
+        <p:spPr>
+          <a:xfrm>
+            <a:off x="4172754" y="4514653"/>
+            <a:ext cx="656821" cy="708338"/>
+          </a:xfrm>
+          <a:prstGeom prst="downArrow">
+            <a:avLst/>
+          </a:prstGeom>
+          <a:solidFill>
+            <a:schemeClr val="accent1"/>
+          </a:solidFill>
+          <a:ln>
+            <a:solidFill>
+              <a:schemeClr val="tx1"/>
+            </a:solidFill>
+          </a:ln>
+        </p:spPr>
+        <p:style>
+          <a:lnRef idx="2">
+            <a:schemeClr val="accent1">
+              <a:shade val="50000"/>
+            </a:schemeClr>
+          </a:lnRef>
+          <a:fillRef idx="1">
+            <a:schemeClr val="accent1"/>
+          </a:fillRef>
+          <a:effectRef idx="0">
+            <a:schemeClr val="accent1"/>
+          </a:effectRef>
+          <a:fontRef idx="minor">
+            <a:schemeClr val="lt1"/>
+          </a:fontRef>
+        </p:style>
+        <p:txBody>
+          <a:bodyPr rtlCol="0" anchor="ctr"/>
+          <a:lstStyle/>
+          <a:p>
+            <a:pPr algn="ctr"/>
+            <a:endParaRPr kumimoji="1" lang="ja-JP" altLang="en-US"/>
+          </a:p>
+        </p:txBody>
+      </p:sp>
+      <p:sp>
+        <p:nvSpPr>
+          <p:cNvPr id="8" name="テキスト ボックス 7"/>
+          <p:cNvSpPr txBox="1"/>
+          <p:nvPr/>
+        </p:nvSpPr>
+        <p:spPr>
+          <a:xfrm>
+            <a:off x="4829575" y="2322986"/>
+            <a:ext cx="3670479" cy="461665"/>
+          </a:xfrm>
+          <a:prstGeom prst="rect">
+            <a:avLst/>
+          </a:prstGeom>
+          <a:noFill/>
+        </p:spPr>
+        <p:txBody>
+          <a:bodyPr wrap="square" rtlCol="0">
+            <a:spAutoFit/>
+          </a:bodyPr>
+          <a:lstStyle/>
+          <a:p>
+            <a:r>
+              <a:rPr kumimoji="1" lang="ja-JP" altLang="en-US" sz="2400" b="1" dirty="0" smtClean="0">
+                <a:solidFill>
+                  <a:schemeClr val="tx2"/>
+                </a:solidFill>
+                <a:latin typeface="メイリオ" panose="020B0604030504040204" pitchFamily="50" charset="-128"/>
+                <a:ea typeface="メイリオ" panose="020B0604030504040204" pitchFamily="50" charset="-128"/>
+              </a:rPr>
+              <a:t>解析計算きついので近似</a:t>
+            </a:r>
+            <a:endParaRPr kumimoji="1" lang="ja-JP" altLang="en-US" sz="2400" b="1" dirty="0">
+              <a:solidFill>
+                <a:schemeClr val="tx2"/>
+              </a:solidFill>
+              <a:latin typeface="メイリオ" panose="020B0604030504040204" pitchFamily="50" charset="-128"/>
+              <a:ea typeface="メイリオ" panose="020B0604030504040204" pitchFamily="50" charset="-128"/>
+            </a:endParaRPr>
+          </a:p>
+        </p:txBody>
+      </p:sp>
+    </p:spTree>
+    <p:extLst>
+      <p:ext uri="{BB962C8B-B14F-4D97-AF65-F5344CB8AC3E}">
+        <p14:creationId xmlns:p14="http://schemas.microsoft.com/office/powerpoint/2010/main" val="391037144"/>
+      </p:ext>
+    </p:extLst>
+  </p:cSld>
+  <p:clrMapOvr>
+    <a:masterClrMapping/>
+  </p:clrMapOvr>
+</p:sld>
+</file>
+
+<file path=ppt/slides/slide44.xml><?xml version="1.0" encoding="utf-8"?>
+<p:sld xmlns:a="http://schemas.openxmlformats.org/drawingml/2006/main" xmlns:r="http://schemas.openxmlformats.org/officeDocument/2006/relationships" xmlns:p="http://schemas.openxmlformats.org/presentationml/2006/main">
+  <p:cSld>
+    <p:spTree>
+      <p:nvGrpSpPr>
+        <p:cNvPr id="1" name=""/>
+        <p:cNvGrpSpPr/>
+        <p:nvPr/>
+      </p:nvGrpSpPr>
+      <p:grpSpPr>
+        <a:xfrm>
+          <a:off x="0" y="0"/>
+          <a:ext cx="0" cy="0"/>
+          <a:chOff x="0" y="0"/>
+          <a:chExt cx="0" cy="0"/>
+        </a:xfrm>
+      </p:grpSpPr>
+      <p:sp>
+        <p:nvSpPr>
+          <p:cNvPr id="2" name="テキスト ボックス 1"/>
+          <p:cNvSpPr txBox="1"/>
+          <p:nvPr/>
+        </p:nvSpPr>
+        <p:spPr>
+          <a:xfrm>
+            <a:off x="1738647" y="811370"/>
+            <a:ext cx="5859888" cy="1077218"/>
+          </a:xfrm>
+          <a:prstGeom prst="rect">
+            <a:avLst/>
+          </a:prstGeom>
+          <a:noFill/>
+        </p:spPr>
+        <p:txBody>
+          <a:bodyPr wrap="square" rtlCol="0">
+            <a:spAutoFit/>
+          </a:bodyPr>
+          <a:lstStyle/>
+          <a:p>
+            <a:r>
+              <a:rPr kumimoji="1" lang="ja-JP" altLang="en-US" sz="3200" b="1" dirty="0" smtClean="0">
+                <a:latin typeface="メイリオ" panose="020B0604030504040204" pitchFamily="50" charset="-128"/>
+                <a:ea typeface="メイリオ" panose="020B0604030504040204" pitchFamily="50" charset="-128"/>
+              </a:rPr>
+              <a:t>ここでも、対数をとって</a:t>
+            </a:r>
+            <a:endParaRPr kumimoji="1" lang="en-US" altLang="ja-JP" sz="3200" b="1" dirty="0" smtClean="0">
+              <a:latin typeface="メイリオ" panose="020B0604030504040204" pitchFamily="50" charset="-128"/>
+              <a:ea typeface="メイリオ" panose="020B0604030504040204" pitchFamily="50" charset="-128"/>
+            </a:endParaRPr>
+          </a:p>
+          <a:p>
+            <a:r>
+              <a:rPr kumimoji="1" lang="ja-JP" altLang="en-US" sz="3200" b="1" dirty="0" smtClean="0">
+                <a:latin typeface="メイリオ" panose="020B0604030504040204" pitchFamily="50" charset="-128"/>
+                <a:ea typeface="メイリオ" panose="020B0604030504040204" pitchFamily="50" charset="-128"/>
+              </a:rPr>
+              <a:t>対数エビデンスを最大化する</a:t>
+            </a:r>
+            <a:endParaRPr kumimoji="1" lang="ja-JP" altLang="en-US" sz="3200" b="1" dirty="0">
+              <a:latin typeface="メイリオ" panose="020B0604030504040204" pitchFamily="50" charset="-128"/>
+              <a:ea typeface="メイリオ" panose="020B0604030504040204" pitchFamily="50" charset="-128"/>
+            </a:endParaRPr>
+          </a:p>
+        </p:txBody>
+      </p:sp>
+      <p:sp>
+        <p:nvSpPr>
+          <p:cNvPr id="3" name="テキスト ボックス 2"/>
+          <p:cNvSpPr txBox="1"/>
+          <p:nvPr/>
+        </p:nvSpPr>
+        <p:spPr>
+          <a:xfrm>
+            <a:off x="3129565" y="2306929"/>
+            <a:ext cx="2691685" cy="584775"/>
+          </a:xfrm>
+          <a:prstGeom prst="rect">
+            <a:avLst/>
+          </a:prstGeom>
+          <a:noFill/>
+        </p:spPr>
+        <p:txBody>
+          <a:bodyPr wrap="square" rtlCol="0">
+            <a:spAutoFit/>
+          </a:bodyPr>
+          <a:lstStyle/>
+          <a:p>
+            <a:r>
+              <a:rPr kumimoji="1" lang="ja-JP" altLang="en-US" sz="3200" b="1" dirty="0" smtClean="0">
+                <a:latin typeface="メイリオ" panose="020B0604030504040204" pitchFamily="50" charset="-128"/>
+                <a:ea typeface="メイリオ" panose="020B0604030504040204" pitchFamily="50" charset="-128"/>
+              </a:rPr>
+              <a:t>周辺尤度関数</a:t>
+            </a:r>
+            <a:endParaRPr kumimoji="1" lang="ja-JP" altLang="en-US" sz="3200" b="1" dirty="0">
+              <a:latin typeface="メイリオ" panose="020B0604030504040204" pitchFamily="50" charset="-128"/>
+              <a:ea typeface="メイリオ" panose="020B0604030504040204" pitchFamily="50" charset="-128"/>
+            </a:endParaRPr>
+          </a:p>
+        </p:txBody>
+      </p:sp>
+      <p:pic>
+        <p:nvPicPr>
+          <p:cNvPr id="6146" name="Picture 2" descr="$p({\bf t}|\alpha,\beta)=\int p({\bf t}|{\bf w},\beta)p({\bf w}|\alpha)d{\bf w}$">
+            <a:hlinkClick r:id="rId2"/>
+          </p:cNvPr>
+          <p:cNvPicPr>
+            <a:picLocks noChangeAspect="1" noChangeArrowheads="1"/>
+          </p:cNvPicPr>
+          <p:nvPr/>
+        </p:nvPicPr>
+        <p:blipFill>
+          <a:blip r:embed="rId3">
+            <a:extLst>
+              <a:ext uri="{28A0092B-C50C-407E-A947-70E740481C1C}">
+                <a14:useLocalDpi xmlns:a14="http://schemas.microsoft.com/office/drawing/2010/main" val="0"/>
+              </a:ext>
+            </a:extLst>
+          </a:blip>
+          <a:srcRect/>
+          <a:stretch>
+            <a:fillRect/>
+          </a:stretch>
+        </p:blipFill>
+        <p:spPr bwMode="auto">
+          <a:xfrm>
+            <a:off x="1609253" y="3132961"/>
+            <a:ext cx="5629275" cy="457200"/>
+          </a:xfrm>
+          <a:prstGeom prst="rect">
+            <a:avLst/>
+          </a:prstGeom>
+          <a:noFill/>
+          <a:extLst>
+            <a:ext uri="{909E8E84-426E-40DD-AFC4-6F175D3DCCD1}">
+              <a14:hiddenFill xmlns:a14="http://schemas.microsoft.com/office/drawing/2010/main">
+                <a:solidFill>
+                  <a:srgbClr val="FFFFFF"/>
+                </a:solidFill>
+              </a14:hiddenFill>
+            </a:ext>
+          </a:extLst>
+        </p:spPr>
+      </p:pic>
+      <p:sp>
+        <p:nvSpPr>
+          <p:cNvPr id="4" name="テキスト ボックス 3"/>
+          <p:cNvSpPr txBox="1"/>
+          <p:nvPr/>
+        </p:nvSpPr>
+        <p:spPr>
+          <a:xfrm>
+            <a:off x="450761" y="4542146"/>
+            <a:ext cx="8796270" cy="584775"/>
+          </a:xfrm>
+          <a:prstGeom prst="rect">
+            <a:avLst/>
+          </a:prstGeom>
+          <a:noFill/>
+        </p:spPr>
+        <p:txBody>
+          <a:bodyPr wrap="square" rtlCol="0">
+            <a:spAutoFit/>
+          </a:bodyPr>
+          <a:lstStyle/>
+          <a:p>
+            <a:r>
+              <a:rPr kumimoji="1" lang="ja-JP" altLang="en-US" sz="3200" b="1" dirty="0" smtClean="0">
+                <a:latin typeface="メイリオ" panose="020B0604030504040204" pitchFamily="50" charset="-128"/>
+                <a:ea typeface="メイリオ" panose="020B0604030504040204" pitchFamily="50" charset="-128"/>
+              </a:rPr>
+              <a:t>これの停留点での超パラメータの値を求める</a:t>
+            </a:r>
+            <a:endParaRPr kumimoji="1" lang="ja-JP" altLang="en-US" sz="3200" b="1" dirty="0">
+              <a:latin typeface="メイリオ" panose="020B0604030504040204" pitchFamily="50" charset="-128"/>
+              <a:ea typeface="メイリオ" panose="020B0604030504040204" pitchFamily="50" charset="-128"/>
+            </a:endParaRPr>
+          </a:p>
+        </p:txBody>
+      </p:sp>
+      <p:sp>
+        <p:nvSpPr>
+          <p:cNvPr id="5" name="テキスト ボックス 4"/>
+          <p:cNvSpPr txBox="1"/>
+          <p:nvPr/>
+        </p:nvSpPr>
+        <p:spPr>
+          <a:xfrm>
+            <a:off x="2852668" y="5278632"/>
+            <a:ext cx="2646611" cy="584775"/>
+          </a:xfrm>
+          <a:prstGeom prst="rect">
+            <a:avLst/>
+          </a:prstGeom>
+          <a:noFill/>
+        </p:spPr>
+        <p:txBody>
+          <a:bodyPr wrap="square" rtlCol="0">
+            <a:spAutoFit/>
+          </a:bodyPr>
+          <a:lstStyle/>
+          <a:p>
+            <a:r>
+              <a:rPr kumimoji="1" lang="ja-JP" altLang="en-US" sz="3200" b="1" dirty="0" smtClean="0">
+                <a:latin typeface="メイリオ" panose="020B0604030504040204" pitchFamily="50" charset="-128"/>
+                <a:ea typeface="メイリオ" panose="020B0604030504040204" pitchFamily="50" charset="-128"/>
+              </a:rPr>
+              <a:t>→計算ノート</a:t>
+            </a:r>
+            <a:endParaRPr kumimoji="1" lang="ja-JP" altLang="en-US" sz="3200" b="1" dirty="0">
+              <a:latin typeface="メイリオ" panose="020B0604030504040204" pitchFamily="50" charset="-128"/>
+              <a:ea typeface="メイリオ" panose="020B0604030504040204" pitchFamily="50" charset="-128"/>
+            </a:endParaRPr>
+          </a:p>
+        </p:txBody>
+      </p:sp>
+    </p:spTree>
+    <p:extLst>
+      <p:ext uri="{BB962C8B-B14F-4D97-AF65-F5344CB8AC3E}">
+        <p14:creationId xmlns:p14="http://schemas.microsoft.com/office/powerpoint/2010/main" val="334795993"/>
+      </p:ext>
+    </p:extLst>
+  </p:cSld>
+  <p:clrMapOvr>
+    <a:masterClrMapping/>
+  </p:clrMapOvr>
+</p:sld>
+</file>
+
+<file path=ppt/slides/slide45.xml><?xml version="1.0" encoding="utf-8"?>
+<p:sld xmlns:a="http://schemas.openxmlformats.org/drawingml/2006/main" xmlns:r="http://schemas.openxmlformats.org/officeDocument/2006/relationships" xmlns:p="http://schemas.openxmlformats.org/presentationml/2006/main">
+  <p:cSld>
+    <p:spTree>
+      <p:nvGrpSpPr>
+        <p:cNvPr id="1" name=""/>
+        <p:cNvGrpSpPr/>
+        <p:nvPr/>
+      </p:nvGrpSpPr>
+      <p:grpSpPr>
+        <a:xfrm>
+          <a:off x="0" y="0"/>
+          <a:ext cx="0" cy="0"/>
+          <a:chOff x="0" y="0"/>
+          <a:chExt cx="0" cy="0"/>
+        </a:xfrm>
+      </p:grpSpPr>
+      <p:sp>
+        <p:nvSpPr>
+          <p:cNvPr id="3" name="テキスト ボックス 2"/>
+          <p:cNvSpPr txBox="1"/>
+          <p:nvPr/>
+        </p:nvSpPr>
+        <p:spPr>
+          <a:xfrm>
+            <a:off x="1146220" y="1378039"/>
+            <a:ext cx="7199290" cy="1569660"/>
+          </a:xfrm>
+          <a:prstGeom prst="rect">
+            <a:avLst/>
+          </a:prstGeom>
+          <a:noFill/>
+        </p:spPr>
+        <p:txBody>
+          <a:bodyPr wrap="square" rtlCol="0">
+            <a:spAutoFit/>
+          </a:bodyPr>
+          <a:lstStyle/>
+          <a:p>
+            <a:r>
+              <a:rPr kumimoji="1" lang="ja-JP" altLang="en-US" sz="3200" b="1" dirty="0" smtClean="0">
+                <a:latin typeface="メイリオ" panose="020B0604030504040204" pitchFamily="50" charset="-128"/>
+                <a:ea typeface="メイリオ" panose="020B0604030504040204" pitchFamily="50" charset="-128"/>
+              </a:rPr>
+              <a:t>注：求まったパラメータは</a:t>
+            </a:r>
+            <a:endParaRPr kumimoji="1" lang="en-US" altLang="ja-JP" sz="3200" b="1" dirty="0" smtClean="0">
+              <a:latin typeface="メイリオ" panose="020B0604030504040204" pitchFamily="50" charset="-128"/>
+              <a:ea typeface="メイリオ" panose="020B0604030504040204" pitchFamily="50" charset="-128"/>
+            </a:endParaRPr>
+          </a:p>
+          <a:p>
+            <a:r>
+              <a:rPr lang="en-US" altLang="ja-JP" sz="3200" b="1" dirty="0" smtClean="0">
+                <a:latin typeface="メイリオ" panose="020B0604030504040204" pitchFamily="50" charset="-128"/>
+                <a:ea typeface="メイリオ" panose="020B0604030504040204" pitchFamily="50" charset="-128"/>
+              </a:rPr>
+              <a:t>(3.92),(3.95)</a:t>
+            </a:r>
+            <a:r>
+              <a:rPr lang="ja-JP" altLang="en-US" sz="3200" b="1" dirty="0" err="1" smtClean="0">
+                <a:latin typeface="メイリオ" panose="020B0604030504040204" pitchFamily="50" charset="-128"/>
+                <a:ea typeface="メイリオ" panose="020B0604030504040204" pitchFamily="50" charset="-128"/>
+              </a:rPr>
+              <a:t>のように</a:t>
+            </a:r>
+            <a:r>
+              <a:rPr lang="ja-JP" altLang="en-US" sz="3200" b="1" dirty="0" smtClean="0">
+                <a:latin typeface="メイリオ" panose="020B0604030504040204" pitchFamily="50" charset="-128"/>
+                <a:ea typeface="メイリオ" panose="020B0604030504040204" pitchFamily="50" charset="-128"/>
+              </a:rPr>
+              <a:t>与えられる</a:t>
+            </a:r>
+            <a:endParaRPr lang="en-US" altLang="ja-JP" sz="3200" b="1" dirty="0" smtClean="0">
+              <a:latin typeface="メイリオ" panose="020B0604030504040204" pitchFamily="50" charset="-128"/>
+              <a:ea typeface="メイリオ" panose="020B0604030504040204" pitchFamily="50" charset="-128"/>
+            </a:endParaRPr>
+          </a:p>
+          <a:p>
+            <a:r>
+              <a:rPr kumimoji="1" lang="ja-JP" altLang="en-US" sz="3200" b="1" dirty="0" smtClean="0">
+                <a:latin typeface="メイリオ" panose="020B0604030504040204" pitchFamily="50" charset="-128"/>
+                <a:ea typeface="メイリオ" panose="020B0604030504040204" pitchFamily="50" charset="-128"/>
+              </a:rPr>
+              <a:t>これは、セルフコンシステントな解</a:t>
+            </a:r>
+            <a:endParaRPr kumimoji="1" lang="en-US" altLang="ja-JP" sz="3200" b="1" dirty="0" smtClean="0">
+              <a:latin typeface="メイリオ" panose="020B0604030504040204" pitchFamily="50" charset="-128"/>
+              <a:ea typeface="メイリオ" panose="020B0604030504040204" pitchFamily="50" charset="-128"/>
+            </a:endParaRPr>
+          </a:p>
+        </p:txBody>
+      </p:sp>
+      <p:sp>
+        <p:nvSpPr>
+          <p:cNvPr id="6" name="テキスト ボックス 5"/>
+          <p:cNvSpPr txBox="1"/>
+          <p:nvPr/>
+        </p:nvSpPr>
+        <p:spPr>
+          <a:xfrm>
+            <a:off x="888642" y="3709116"/>
+            <a:ext cx="8435662" cy="1569660"/>
+          </a:xfrm>
+          <a:prstGeom prst="rect">
+            <a:avLst/>
+          </a:prstGeom>
+          <a:noFill/>
+        </p:spPr>
+        <p:txBody>
+          <a:bodyPr wrap="square" rtlCol="0">
+            <a:spAutoFit/>
+          </a:bodyPr>
+          <a:lstStyle/>
+          <a:p>
+            <a:r>
+              <a:rPr lang="ja-JP" altLang="en-US" sz="3200" b="1" dirty="0" smtClean="0">
+                <a:latin typeface="メイリオ" panose="020B0604030504040204" pitchFamily="50" charset="-128"/>
+                <a:ea typeface="メイリオ" panose="020B0604030504040204" pitchFamily="50" charset="-128"/>
+              </a:rPr>
+              <a:t>エビデンス近似によって</a:t>
+            </a:r>
+            <a:r>
+              <a:rPr kumimoji="1" lang="ja-JP" altLang="en-US" sz="3200" b="1" dirty="0" smtClean="0">
+                <a:latin typeface="メイリオ" panose="020B0604030504040204" pitchFamily="50" charset="-128"/>
+                <a:ea typeface="メイリオ" panose="020B0604030504040204" pitchFamily="50" charset="-128"/>
+              </a:rPr>
+              <a:t>求めた解</a:t>
+            </a:r>
+            <a:endParaRPr kumimoji="1" lang="en-US" altLang="ja-JP" sz="3200" b="1" dirty="0" smtClean="0">
+              <a:latin typeface="メイリオ" panose="020B0604030504040204" pitchFamily="50" charset="-128"/>
+              <a:ea typeface="メイリオ" panose="020B0604030504040204" pitchFamily="50" charset="-128"/>
+            </a:endParaRPr>
+          </a:p>
+          <a:p>
+            <a:r>
+              <a:rPr lang="ja-JP" altLang="en-US" sz="3200" b="1" dirty="0" smtClean="0">
+                <a:latin typeface="メイリオ" panose="020B0604030504040204" pitchFamily="50" charset="-128"/>
+                <a:ea typeface="メイリオ" panose="020B0604030504040204" pitchFamily="50" charset="-128"/>
+              </a:rPr>
+              <a:t>→モデルの複雑さを最適化するために</a:t>
+            </a:r>
+            <a:endParaRPr lang="en-US" altLang="ja-JP" sz="3200" b="1" dirty="0" smtClean="0">
+              <a:latin typeface="メイリオ" panose="020B0604030504040204" pitchFamily="50" charset="-128"/>
+              <a:ea typeface="メイリオ" panose="020B0604030504040204" pitchFamily="50" charset="-128"/>
+            </a:endParaRPr>
+          </a:p>
+          <a:p>
+            <a:r>
+              <a:rPr lang="ja-JP" altLang="en-US" sz="3200" b="1" dirty="0" smtClean="0">
+                <a:latin typeface="メイリオ" panose="020B0604030504040204" pitchFamily="50" charset="-128"/>
+                <a:ea typeface="メイリオ" panose="020B0604030504040204" pitchFamily="50" charset="-128"/>
+              </a:rPr>
+              <a:t>テストデータを用いて検証する必要がない</a:t>
+            </a:r>
+            <a:endParaRPr lang="en-US" altLang="ja-JP" sz="3200" b="1" dirty="0" smtClean="0">
+              <a:latin typeface="メイリオ" panose="020B0604030504040204" pitchFamily="50" charset="-128"/>
+              <a:ea typeface="メイリオ" panose="020B0604030504040204" pitchFamily="50" charset="-128"/>
+            </a:endParaRPr>
+          </a:p>
+        </p:txBody>
+      </p:sp>
+    </p:spTree>
+    <p:extLst>
+      <p:ext uri="{BB962C8B-B14F-4D97-AF65-F5344CB8AC3E}">
+        <p14:creationId xmlns:p14="http://schemas.microsoft.com/office/powerpoint/2010/main" val="149394235"/>
+      </p:ext>
+    </p:extLst>
+  </p:cSld>
+  <p:clrMapOvr>
+    <a:masterClrMapping/>
+  </p:clrMapOvr>
+</p:sld>
+</file>
+
+<file path=ppt/slides/slide46.xml><?xml version="1.0" encoding="utf-8"?>
+<p:sld xmlns:a="http://schemas.openxmlformats.org/drawingml/2006/main" xmlns:r="http://schemas.openxmlformats.org/officeDocument/2006/relationships" xmlns:p="http://schemas.openxmlformats.org/presentationml/2006/main">
+  <p:cSld>
+    <p:spTree>
+      <p:nvGrpSpPr>
+        <p:cNvPr id="1" name=""/>
+        <p:cNvGrpSpPr/>
+        <p:nvPr/>
+      </p:nvGrpSpPr>
+      <p:grpSpPr>
+        <a:xfrm>
+          <a:off x="0" y="0"/>
+          <a:ext cx="0" cy="0"/>
+          <a:chOff x="0" y="0"/>
+          <a:chExt cx="0" cy="0"/>
+        </a:xfrm>
+      </p:grpSpPr>
+      <p:sp>
+        <p:nvSpPr>
+          <p:cNvPr id="2" name="テキスト ボックス 1"/>
+          <p:cNvSpPr txBox="1"/>
+          <p:nvPr/>
+        </p:nvSpPr>
+        <p:spPr>
+          <a:xfrm>
+            <a:off x="1159099" y="824248"/>
+            <a:ext cx="7070501" cy="584775"/>
+          </a:xfrm>
+          <a:prstGeom prst="rect">
+            <a:avLst/>
+          </a:prstGeom>
+          <a:noFill/>
+        </p:spPr>
+        <p:txBody>
+          <a:bodyPr wrap="square" rtlCol="0">
+            <a:spAutoFit/>
+          </a:bodyPr>
+          <a:lstStyle/>
+          <a:p>
+            <a:r>
+              <a:rPr kumimoji="1" lang="ja-JP" altLang="en-US" sz="3200" b="1" dirty="0" smtClean="0">
+                <a:latin typeface="メイリオ" panose="020B0604030504040204" pitchFamily="50" charset="-128"/>
+                <a:ea typeface="メイリオ" panose="020B0604030504040204" pitchFamily="50" charset="-128"/>
+              </a:rPr>
+              <a:t>これらの解についての解釈を考える</a:t>
+            </a:r>
+            <a:endParaRPr kumimoji="1" lang="ja-JP" altLang="en-US" sz="3200" b="1" dirty="0">
+              <a:latin typeface="メイリオ" panose="020B0604030504040204" pitchFamily="50" charset="-128"/>
+              <a:ea typeface="メイリオ" panose="020B0604030504040204" pitchFamily="50" charset="-128"/>
+            </a:endParaRPr>
+          </a:p>
+        </p:txBody>
+      </p:sp>
+      <mc:AlternateContent xmlns:mc="http://schemas.openxmlformats.org/markup-compatibility/2006">
+        <mc:Choice xmlns:a14="http://schemas.microsoft.com/office/drawing/2010/main" Requires="a14">
+          <p:sp>
+            <p:nvSpPr>
+              <p:cNvPr id="3" name="テキスト ボックス 2"/>
+              <p:cNvSpPr txBox="1"/>
+              <p:nvPr/>
+            </p:nvSpPr>
+            <p:spPr>
+              <a:xfrm>
+                <a:off x="3000776" y="1573651"/>
+                <a:ext cx="3090929" cy="584775"/>
+              </a:xfrm>
+              <a:prstGeom prst="rect">
+                <a:avLst/>
+              </a:prstGeom>
+              <a:noFill/>
+            </p:spPr>
+            <p:txBody>
+              <a:bodyPr wrap="square" rtlCol="0">
+                <a:spAutoFit/>
+              </a:bodyPr>
+              <a:lstStyle/>
+              <a:p>
+                <a:r>
+                  <a:rPr kumimoji="1" lang="ja-JP" altLang="en-US" sz="3200" b="1" dirty="0" smtClean="0">
+                    <a:latin typeface="メイリオ" panose="020B0604030504040204" pitchFamily="50" charset="-128"/>
+                    <a:ea typeface="メイリオ" panose="020B0604030504040204" pitchFamily="50" charset="-128"/>
+                  </a:rPr>
+                  <a:t>まず</a:t>
+                </a:r>
+                <a14:m>
+                  <m:oMath xmlns:m="http://schemas.openxmlformats.org/officeDocument/2006/math">
+                    <m:r>
+                      <a:rPr kumimoji="1" lang="en-US" altLang="ja-JP" sz="3200" b="1" i="1" smtClean="0">
+                        <a:latin typeface="Cambria Math" panose="02040503050406030204" pitchFamily="18" charset="0"/>
+                        <a:ea typeface="メイリオ" panose="020B0604030504040204" pitchFamily="50" charset="-128"/>
+                      </a:rPr>
+                      <m:t>𝜶</m:t>
+                    </m:r>
+                  </m:oMath>
+                </a14:m>
+                <a:r>
+                  <a:rPr kumimoji="1" lang="ja-JP" altLang="en-US" sz="3200" b="1" dirty="0" smtClean="0">
+                    <a:latin typeface="メイリオ" panose="020B0604030504040204" pitchFamily="50" charset="-128"/>
+                    <a:ea typeface="メイリオ" panose="020B0604030504040204" pitchFamily="50" charset="-128"/>
+                  </a:rPr>
+                  <a:t>について</a:t>
+                </a:r>
+                <a:endParaRPr kumimoji="1" lang="ja-JP" altLang="en-US" sz="3200" b="1" dirty="0">
+                  <a:latin typeface="メイリオ" panose="020B0604030504040204" pitchFamily="50" charset="-128"/>
+                  <a:ea typeface="メイリオ" panose="020B0604030504040204" pitchFamily="50" charset="-128"/>
+                </a:endParaRPr>
+              </a:p>
+            </p:txBody>
+          </p:sp>
+        </mc:Choice>
+        <mc:Fallback>
+          <p:sp>
+            <p:nvSpPr>
+              <p:cNvPr id="3" name="テキスト ボックス 2"/>
+              <p:cNvSpPr txBox="1">
+                <a:spLocks noRot="1" noChangeAspect="1" noMove="1" noResize="1" noEditPoints="1" noAdjustHandles="1" noChangeArrowheads="1" noChangeShapeType="1" noTextEdit="1"/>
+              </p:cNvSpPr>
+              <p:nvPr/>
+            </p:nvSpPr>
+            <p:spPr>
+              <a:xfrm>
+                <a:off x="3000776" y="1573651"/>
+                <a:ext cx="3090929" cy="584775"/>
+              </a:xfrm>
+              <a:prstGeom prst="rect">
+                <a:avLst/>
+              </a:prstGeom>
+              <a:blipFill rotWithShape="0">
+                <a:blip r:embed="rId2"/>
+                <a:stretch>
+                  <a:fillRect l="-4931" t="-12500" b="-34375"/>
+                </a:stretch>
+              </a:blipFill>
+            </p:spPr>
+            <p:txBody>
+              <a:bodyPr/>
+              <a:lstStyle/>
+              <a:p>
+                <a:r>
+                  <a:rPr lang="ja-JP" altLang="en-US">
+                    <a:noFill/>
+                  </a:rPr>
+                  <a:t> </a:t>
+                </a:r>
+              </a:p>
+            </p:txBody>
+          </p:sp>
+        </mc:Fallback>
+      </mc:AlternateContent>
+      <p:grpSp>
+        <p:nvGrpSpPr>
+          <p:cNvPr id="7" name="グループ化 6"/>
+          <p:cNvGrpSpPr/>
+          <p:nvPr/>
+        </p:nvGrpSpPr>
+        <p:grpSpPr>
+          <a:xfrm>
+            <a:off x="1887780" y="3454670"/>
+            <a:ext cx="5343704" cy="548978"/>
+            <a:chOff x="1417705" y="2704564"/>
+            <a:chExt cx="5343704" cy="548978"/>
+          </a:xfrm>
+        </p:grpSpPr>
+        <p:grpSp>
+          <p:nvGrpSpPr>
+            <p:cNvPr id="5" name="グループ化 4"/>
+            <p:cNvGrpSpPr/>
+            <p:nvPr/>
+          </p:nvGrpSpPr>
+          <p:grpSpPr>
+            <a:xfrm>
+              <a:off x="1417705" y="2730322"/>
+              <a:ext cx="4042936" cy="523220"/>
+              <a:chOff x="1494978" y="2730322"/>
+              <a:chExt cx="4042936" cy="523220"/>
+            </a:xfrm>
+          </p:grpSpPr>
+          <p:pic>
+            <p:nvPicPr>
+              <p:cNvPr id="9218" name="Picture 2" descr="$\beta{\bf \Phi^{\mathrm{T}}\Phi}$">
+                <a:hlinkClick r:id="rId3"/>
+              </p:cNvPr>
+              <p:cNvPicPr>
+                <a:picLocks noChangeAspect="1" noChangeArrowheads="1"/>
+              </p:cNvPicPr>
+              <p:nvPr/>
+            </p:nvPicPr>
+            <p:blipFill>
+              <a:blip r:embed="rId4">
+                <a:extLst>
+                  <a:ext uri="{28A0092B-C50C-407E-A947-70E740481C1C}">
+                    <a14:useLocalDpi xmlns:a14="http://schemas.microsoft.com/office/drawing/2010/main" val="0"/>
+                  </a:ext>
+                </a:extLst>
+              </a:blip>
+              <a:srcRect/>
+              <a:stretch>
+                <a:fillRect/>
+              </a:stretch>
+            </p:blipFill>
+            <p:spPr bwMode="auto">
+              <a:xfrm>
+                <a:off x="1494978" y="2730322"/>
+                <a:ext cx="1209585" cy="454888"/>
+              </a:xfrm>
+              <a:prstGeom prst="rect">
+                <a:avLst/>
+              </a:prstGeom>
+              <a:noFill/>
+              <a:extLst>
+                <a:ext uri="{909E8E84-426E-40DD-AFC4-6F175D3DCCD1}">
+                  <a14:hiddenFill xmlns:a14="http://schemas.microsoft.com/office/drawing/2010/main">
+                    <a:solidFill>
+                      <a:srgbClr val="FFFFFF"/>
+                    </a:solidFill>
+                  </a14:hiddenFill>
+                </a:ext>
+              </a:extLst>
+            </p:spPr>
+          </p:pic>
+          <p:sp>
+            <p:nvSpPr>
+              <p:cNvPr id="4" name="テキスト ボックス 3"/>
+              <p:cNvSpPr txBox="1"/>
+              <p:nvPr/>
+            </p:nvSpPr>
+            <p:spPr>
+              <a:xfrm>
+                <a:off x="2781835" y="2730322"/>
+                <a:ext cx="2756079" cy="523220"/>
+              </a:xfrm>
+              <a:prstGeom prst="rect">
+                <a:avLst/>
+              </a:prstGeom>
+              <a:noFill/>
+            </p:spPr>
+            <p:txBody>
+              <a:bodyPr wrap="square" rtlCol="0">
+                <a:spAutoFit/>
+              </a:bodyPr>
+              <a:lstStyle/>
+              <a:p>
+                <a:r>
+                  <a:rPr kumimoji="1" lang="ja-JP" altLang="en-US" sz="2800" b="1" dirty="0" smtClean="0">
+                    <a:latin typeface="メイリオ" panose="020B0604030504040204" pitchFamily="50" charset="-128"/>
+                    <a:ea typeface="メイリオ" panose="020B0604030504040204" pitchFamily="50" charset="-128"/>
+                  </a:rPr>
+                  <a:t>が正定値行列→</a:t>
+                </a:r>
+                <a:endParaRPr kumimoji="1" lang="ja-JP" altLang="en-US" sz="2800" b="1" dirty="0">
+                  <a:latin typeface="メイリオ" panose="020B0604030504040204" pitchFamily="50" charset="-128"/>
+                  <a:ea typeface="メイリオ" panose="020B0604030504040204" pitchFamily="50" charset="-128"/>
+                </a:endParaRPr>
+              </a:p>
+            </p:txBody>
+          </p:sp>
+        </p:grpSp>
+        <mc:AlternateContent xmlns:mc="http://schemas.openxmlformats.org/markup-compatibility/2006">
+          <mc:Choice xmlns:a14="http://schemas.microsoft.com/office/drawing/2010/main" Requires="a14">
+            <p:sp>
+              <p:nvSpPr>
+                <p:cNvPr id="6" name="テキスト ボックス 5"/>
+                <p:cNvSpPr txBox="1"/>
+                <p:nvPr/>
+              </p:nvSpPr>
+              <p:spPr>
+                <a:xfrm>
+                  <a:off x="5280338" y="2704564"/>
+                  <a:ext cx="1481071" cy="523220"/>
+                </a:xfrm>
+                <a:prstGeom prst="rect">
+                  <a:avLst/>
+                </a:prstGeom>
+                <a:noFill/>
+              </p:spPr>
+              <p:txBody>
+                <a:bodyPr wrap="square" rtlCol="0">
+                  <a:spAutoFit/>
+                </a:bodyPr>
+                <a:lstStyle/>
+                <a:p>
+                  <a14:m>
+                    <m:oMath xmlns:m="http://schemas.openxmlformats.org/officeDocument/2006/math">
+                      <m:sSub>
+                        <m:sSubPr>
+                          <m:ctrlPr>
+                            <a:rPr kumimoji="1" lang="en-US" altLang="ja-JP" sz="2800" b="1" i="1" smtClean="0">
+                              <a:latin typeface="Cambria Math" panose="02040503050406030204" pitchFamily="18" charset="0"/>
+                              <a:ea typeface="メイリオ" panose="020B0604030504040204" pitchFamily="50" charset="-128"/>
+                            </a:rPr>
+                          </m:ctrlPr>
+                        </m:sSubPr>
+                        <m:e>
+                          <m:r>
+                            <a:rPr kumimoji="1" lang="en-US" altLang="ja-JP" sz="2800" b="1" i="1" smtClean="0">
+                              <a:latin typeface="Cambria Math" panose="02040503050406030204" pitchFamily="18" charset="0"/>
+                              <a:ea typeface="メイリオ" panose="020B0604030504040204" pitchFamily="50" charset="-128"/>
+                            </a:rPr>
+                            <m:t>𝝀</m:t>
+                          </m:r>
+                        </m:e>
+                        <m:sub>
+                          <m:r>
+                            <a:rPr kumimoji="1" lang="en-US" altLang="ja-JP" sz="2800" b="1" i="1" smtClean="0">
+                              <a:latin typeface="Cambria Math" panose="02040503050406030204" pitchFamily="18" charset="0"/>
+                              <a:ea typeface="メイリオ" panose="020B0604030504040204" pitchFamily="50" charset="-128"/>
+                            </a:rPr>
+                            <m:t>𝒊</m:t>
+                          </m:r>
+                        </m:sub>
+                      </m:sSub>
+                      <m:r>
+                        <a:rPr kumimoji="1" lang="en-US" altLang="ja-JP" sz="2800" b="1" i="1" smtClean="0">
+                          <a:latin typeface="Cambria Math" panose="02040503050406030204" pitchFamily="18" charset="0"/>
+                          <a:ea typeface="メイリオ" panose="020B0604030504040204" pitchFamily="50" charset="-128"/>
+                        </a:rPr>
+                        <m:t> </m:t>
+                      </m:r>
+                    </m:oMath>
+                  </a14:m>
+                  <a:r>
+                    <a:rPr lang="ja-JP" altLang="en-US" sz="2800" b="1" dirty="0" smtClean="0">
+                      <a:latin typeface="メイリオ" panose="020B0604030504040204" pitchFamily="50" charset="-128"/>
+                      <a:ea typeface="メイリオ" panose="020B0604030504040204" pitchFamily="50" charset="-128"/>
+                    </a:rPr>
+                    <a:t>は正</a:t>
+                  </a:r>
+                  <a:endParaRPr kumimoji="1" lang="en-US" altLang="ja-JP" sz="2800" b="1" dirty="0" smtClean="0">
+                    <a:latin typeface="メイリオ" panose="020B0604030504040204" pitchFamily="50" charset="-128"/>
+                    <a:ea typeface="メイリオ" panose="020B0604030504040204" pitchFamily="50" charset="-128"/>
+                  </a:endParaRPr>
+                </a:p>
+              </p:txBody>
+            </p:sp>
+          </mc:Choice>
+          <mc:Fallback>
+            <p:sp>
+              <p:nvSpPr>
+                <p:cNvPr id="6" name="テキスト ボックス 5"/>
+                <p:cNvSpPr txBox="1">
+                  <a:spLocks noRot="1" noChangeAspect="1" noMove="1" noResize="1" noEditPoints="1" noAdjustHandles="1" noChangeArrowheads="1" noChangeShapeType="1" noTextEdit="1"/>
+                </p:cNvSpPr>
+                <p:nvPr/>
+              </p:nvSpPr>
+              <p:spPr>
+                <a:xfrm>
+                  <a:off x="5280338" y="2704564"/>
+                  <a:ext cx="1481071" cy="523220"/>
+                </a:xfrm>
+                <a:prstGeom prst="rect">
+                  <a:avLst/>
+                </a:prstGeom>
+                <a:blipFill rotWithShape="0">
+                  <a:blip r:embed="rId5"/>
+                  <a:stretch>
+                    <a:fillRect l="-2469" t="-10465" b="-33721"/>
+                  </a:stretch>
+                </a:blipFill>
+              </p:spPr>
+              <p:txBody>
+                <a:bodyPr/>
+                <a:lstStyle/>
+                <a:p>
+                  <a:r>
+                    <a:rPr lang="ja-JP" altLang="en-US">
+                      <a:noFill/>
+                    </a:rPr>
+                    <a:t> </a:t>
+                  </a:r>
+                </a:p>
+              </p:txBody>
+            </p:sp>
+          </mc:Fallback>
+        </mc:AlternateContent>
+      </p:grpSp>
+      <mc:AlternateContent xmlns:mc="http://schemas.openxmlformats.org/markup-compatibility/2006">
+        <mc:Choice xmlns:a14="http://schemas.microsoft.com/office/drawing/2010/main" Requires="a14">
+          <p:sp>
+            <p:nvSpPr>
+              <p:cNvPr id="9" name="テキスト ボックス 8"/>
+              <p:cNvSpPr txBox="1"/>
+              <p:nvPr/>
+            </p:nvSpPr>
+            <p:spPr>
+              <a:xfrm>
+                <a:off x="1886752" y="2323055"/>
+                <a:ext cx="5318976" cy="954107"/>
+              </a:xfrm>
+              <a:prstGeom prst="rect">
+                <a:avLst/>
+              </a:prstGeom>
+              <a:noFill/>
+            </p:spPr>
+            <p:txBody>
+              <a:bodyPr wrap="square" rtlCol="0">
+                <a:spAutoFit/>
+              </a:bodyPr>
+              <a:lstStyle/>
+              <a:p>
+                <a14:m>
+                  <m:oMath xmlns:m="http://schemas.openxmlformats.org/officeDocument/2006/math">
+                    <m:sSub>
+                      <m:sSubPr>
+                        <m:ctrlPr>
+                          <a:rPr kumimoji="1" lang="en-US" altLang="ja-JP" sz="2800" b="1" i="1" smtClean="0">
+                            <a:latin typeface="Cambria Math" panose="02040503050406030204" pitchFamily="18" charset="0"/>
+                            <a:ea typeface="メイリオ" panose="020B0604030504040204" pitchFamily="50" charset="-128"/>
+                          </a:rPr>
+                        </m:ctrlPr>
+                      </m:sSubPr>
+                      <m:e>
+                        <m:r>
+                          <a:rPr kumimoji="1" lang="en-US" altLang="ja-JP" sz="2800" b="1" i="1" smtClean="0">
+                            <a:latin typeface="Cambria Math" panose="02040503050406030204" pitchFamily="18" charset="0"/>
+                            <a:ea typeface="メイリオ" panose="020B0604030504040204" pitchFamily="50" charset="-128"/>
+                          </a:rPr>
+                          <m:t>𝝀</m:t>
+                        </m:r>
+                      </m:e>
+                      <m:sub>
+                        <m:r>
+                          <a:rPr kumimoji="1" lang="en-US" altLang="ja-JP" sz="2800" b="1" i="1" smtClean="0">
+                            <a:latin typeface="Cambria Math" panose="02040503050406030204" pitchFamily="18" charset="0"/>
+                            <a:ea typeface="メイリオ" panose="020B0604030504040204" pitchFamily="50" charset="-128"/>
+                          </a:rPr>
+                          <m:t>𝒊</m:t>
+                        </m:r>
+                      </m:sub>
+                    </m:sSub>
+                    <m:r>
+                      <a:rPr kumimoji="1" lang="en-US" altLang="ja-JP" sz="2800" b="1" i="1" smtClean="0">
+                        <a:latin typeface="Cambria Math" panose="02040503050406030204" pitchFamily="18" charset="0"/>
+                        <a:ea typeface="メイリオ" panose="020B0604030504040204" pitchFamily="50" charset="-128"/>
+                      </a:rPr>
+                      <m:t>∝</m:t>
+                    </m:r>
+                  </m:oMath>
+                </a14:m>
+                <a:r>
+                  <a:rPr kumimoji="1" lang="ja-JP" altLang="en-US" sz="2800" b="1" dirty="0" smtClean="0">
+                    <a:latin typeface="メイリオ" panose="020B0604030504040204" pitchFamily="50" charset="-128"/>
+                    <a:ea typeface="メイリオ" panose="020B0604030504040204" pitchFamily="50" charset="-128"/>
+                  </a:rPr>
+                  <a:t> 尤度関数の歪み具合</a:t>
+                </a:r>
+                <a:r>
+                  <a:rPr kumimoji="1" lang="en-US" altLang="ja-JP" sz="2800" b="1" dirty="0" smtClean="0">
+                    <a:latin typeface="メイリオ" panose="020B0604030504040204" pitchFamily="50" charset="-128"/>
+                    <a:ea typeface="メイリオ" panose="020B0604030504040204" pitchFamily="50" charset="-128"/>
+                  </a:rPr>
+                  <a:t>(</a:t>
+                </a:r>
+                <a:r>
+                  <a:rPr kumimoji="1" lang="ja-JP" altLang="en-US" sz="2800" b="1" dirty="0" smtClean="0">
+                    <a:latin typeface="メイリオ" panose="020B0604030504040204" pitchFamily="50" charset="-128"/>
+                    <a:ea typeface="メイリオ" panose="020B0604030504040204" pitchFamily="50" charset="-128"/>
+                  </a:rPr>
+                  <a:t>曲率</a:t>
+                </a:r>
+                <a:r>
+                  <a:rPr kumimoji="1" lang="en-US" altLang="ja-JP" sz="2800" b="1" dirty="0" smtClean="0">
+                    <a:latin typeface="メイリオ" panose="020B0604030504040204" pitchFamily="50" charset="-128"/>
+                    <a:ea typeface="メイリオ" panose="020B0604030504040204" pitchFamily="50" charset="-128"/>
+                  </a:rPr>
+                  <a:t>)</a:t>
+                </a:r>
+              </a:p>
+              <a:p>
+                <a:r>
+                  <a:rPr lang="ja-JP" altLang="en-US" sz="2800" b="1" dirty="0" smtClean="0">
+                    <a:latin typeface="メイリオ" panose="020B0604030504040204" pitchFamily="50" charset="-128"/>
+                    <a:ea typeface="メイリオ" panose="020B0604030504040204" pitchFamily="50" charset="-128"/>
+                  </a:rPr>
+                  <a:t>→図</a:t>
+                </a:r>
+                <a:r>
+                  <a:rPr lang="en-US" altLang="ja-JP" sz="2800" b="1" dirty="0" smtClean="0">
+                    <a:latin typeface="メイリオ" panose="020B0604030504040204" pitchFamily="50" charset="-128"/>
+                    <a:ea typeface="メイリオ" panose="020B0604030504040204" pitchFamily="50" charset="-128"/>
+                  </a:rPr>
+                  <a:t>3.15</a:t>
+                </a:r>
+                <a:r>
+                  <a:rPr lang="ja-JP" altLang="en-US" sz="2800" b="1" dirty="0" smtClean="0">
+                    <a:latin typeface="メイリオ" panose="020B0604030504040204" pitchFamily="50" charset="-128"/>
+                    <a:ea typeface="メイリオ" panose="020B0604030504040204" pitchFamily="50" charset="-128"/>
+                  </a:rPr>
+                  <a:t>より</a:t>
+                </a:r>
+                <a14:m>
+                  <m:oMath xmlns:m="http://schemas.openxmlformats.org/officeDocument/2006/math">
+                    <m:sSub>
+                      <m:sSubPr>
+                        <m:ctrlPr>
+                          <a:rPr lang="en-US" altLang="ja-JP" sz="2800" b="1" i="1" smtClean="0">
+                            <a:latin typeface="Cambria Math" panose="02040503050406030204" pitchFamily="18" charset="0"/>
+                            <a:ea typeface="メイリオ" panose="020B0604030504040204" pitchFamily="50" charset="-128"/>
+                          </a:rPr>
+                        </m:ctrlPr>
+                      </m:sSubPr>
+                      <m:e>
+                        <m:r>
+                          <a:rPr lang="en-US" altLang="ja-JP" sz="2800" b="1" i="1" smtClean="0">
+                            <a:latin typeface="Cambria Math" panose="02040503050406030204" pitchFamily="18" charset="0"/>
+                            <a:ea typeface="メイリオ" panose="020B0604030504040204" pitchFamily="50" charset="-128"/>
+                          </a:rPr>
+                          <m:t>𝝀</m:t>
+                        </m:r>
+                      </m:e>
+                      <m:sub>
+                        <m:r>
+                          <a:rPr lang="en-US" altLang="ja-JP" sz="2800" b="1" i="1" smtClean="0">
+                            <a:latin typeface="Cambria Math" panose="02040503050406030204" pitchFamily="18" charset="0"/>
+                            <a:ea typeface="メイリオ" panose="020B0604030504040204" pitchFamily="50" charset="-128"/>
+                          </a:rPr>
+                          <m:t>𝟏</m:t>
+                        </m:r>
+                      </m:sub>
+                    </m:sSub>
+                    <m:r>
+                      <a:rPr lang="en-US" altLang="ja-JP" sz="2800" b="1" i="1" smtClean="0">
+                        <a:latin typeface="Cambria Math" panose="02040503050406030204" pitchFamily="18" charset="0"/>
+                        <a:ea typeface="Cambria Math" panose="02040503050406030204" pitchFamily="18" charset="0"/>
+                      </a:rPr>
+                      <m:t>&lt;</m:t>
+                    </m:r>
+                    <m:sSub>
+                      <m:sSubPr>
+                        <m:ctrlPr>
+                          <a:rPr lang="en-US" altLang="ja-JP" sz="2800" b="1" i="1" smtClean="0">
+                            <a:latin typeface="Cambria Math" panose="02040503050406030204" pitchFamily="18" charset="0"/>
+                            <a:ea typeface="Cambria Math" panose="02040503050406030204" pitchFamily="18" charset="0"/>
+                          </a:rPr>
+                        </m:ctrlPr>
+                      </m:sSubPr>
+                      <m:e>
+                        <m:r>
+                          <a:rPr lang="en-US" altLang="ja-JP" sz="2800" b="1" i="1" smtClean="0">
+                            <a:latin typeface="Cambria Math" panose="02040503050406030204" pitchFamily="18" charset="0"/>
+                            <a:ea typeface="Cambria Math" panose="02040503050406030204" pitchFamily="18" charset="0"/>
+                          </a:rPr>
+                          <m:t>𝝀</m:t>
+                        </m:r>
+                      </m:e>
+                      <m:sub>
+                        <m:r>
+                          <a:rPr lang="en-US" altLang="ja-JP" sz="2800" b="1" i="1" smtClean="0">
+                            <a:latin typeface="Cambria Math" panose="02040503050406030204" pitchFamily="18" charset="0"/>
+                            <a:ea typeface="Cambria Math" panose="02040503050406030204" pitchFamily="18" charset="0"/>
+                          </a:rPr>
+                          <m:t>𝟐</m:t>
+                        </m:r>
+                      </m:sub>
+                    </m:sSub>
+                  </m:oMath>
+                </a14:m>
+                <a:endParaRPr kumimoji="1" lang="ja-JP" altLang="en-US" sz="2800" b="1" dirty="0">
+                  <a:latin typeface="メイリオ" panose="020B0604030504040204" pitchFamily="50" charset="-128"/>
+                  <a:ea typeface="メイリオ" panose="020B0604030504040204" pitchFamily="50" charset="-128"/>
+                </a:endParaRPr>
+              </a:p>
+            </p:txBody>
+          </p:sp>
+        </mc:Choice>
+        <mc:Fallback>
+          <p:sp>
+            <p:nvSpPr>
+              <p:cNvPr id="9" name="テキスト ボックス 8"/>
+              <p:cNvSpPr txBox="1">
+                <a:spLocks noRot="1" noChangeAspect="1" noMove="1" noResize="1" noEditPoints="1" noAdjustHandles="1" noChangeArrowheads="1" noChangeShapeType="1" noTextEdit="1"/>
+              </p:cNvSpPr>
+              <p:nvPr/>
+            </p:nvSpPr>
+            <p:spPr>
+              <a:xfrm>
+                <a:off x="1886752" y="2323055"/>
+                <a:ext cx="5318976" cy="954107"/>
+              </a:xfrm>
+              <a:prstGeom prst="rect">
+                <a:avLst/>
+              </a:prstGeom>
+              <a:blipFill rotWithShape="0">
+                <a:blip r:embed="rId6"/>
+                <a:stretch>
+                  <a:fillRect l="-2408" t="-5096" r="-115" b="-17834"/>
+                </a:stretch>
+              </a:blipFill>
+            </p:spPr>
+            <p:txBody>
+              <a:bodyPr/>
+              <a:lstStyle/>
+              <a:p>
+                <a:r>
+                  <a:rPr lang="ja-JP" altLang="en-US">
+                    <a:noFill/>
+                  </a:rPr>
+                  <a:t> </a:t>
+                </a:r>
+              </a:p>
+            </p:txBody>
+          </p:sp>
+        </mc:Fallback>
+      </mc:AlternateContent>
+      <p:pic>
+        <p:nvPicPr>
+          <p:cNvPr id="9222" name="Picture 6" descr="$0&lt; \frac{\lambda_{i}}{\lambda_{i}+\alpha}&lt;1$">
+            <a:hlinkClick r:id="rId7"/>
+          </p:cNvPr>
+          <p:cNvPicPr>
+            <a:picLocks noChangeAspect="1" noChangeArrowheads="1"/>
+          </p:cNvPicPr>
+          <p:nvPr/>
+        </p:nvPicPr>
+        <p:blipFill>
+          <a:blip r:embed="rId8">
+            <a:extLst>
+              <a:ext uri="{28A0092B-C50C-407E-A947-70E740481C1C}">
+                <a14:useLocalDpi xmlns:a14="http://schemas.microsoft.com/office/drawing/2010/main" val="0"/>
+              </a:ext>
+            </a:extLst>
+          </a:blip>
+          <a:srcRect/>
+          <a:stretch>
+            <a:fillRect/>
+          </a:stretch>
+        </p:blipFill>
+        <p:spPr bwMode="auto">
+          <a:xfrm>
+            <a:off x="3824755" y="4116761"/>
+            <a:ext cx="2266950" cy="533400"/>
+          </a:xfrm>
+          <a:prstGeom prst="rect">
+            <a:avLst/>
+          </a:prstGeom>
+          <a:noFill/>
+          <a:extLst>
+            <a:ext uri="{909E8E84-426E-40DD-AFC4-6F175D3DCCD1}">
+              <a14:hiddenFill xmlns:a14="http://schemas.microsoft.com/office/drawing/2010/main">
+                <a:solidFill>
+                  <a:srgbClr val="FFFFFF"/>
+                </a:solidFill>
+              </a14:hiddenFill>
+            </a:ext>
+          </a:extLst>
+        </p:spPr>
+      </p:pic>
+      <p:sp>
+        <p:nvSpPr>
+          <p:cNvPr id="10" name="テキスト ボックス 9"/>
+          <p:cNvSpPr txBox="1"/>
+          <p:nvPr/>
+        </p:nvSpPr>
+        <p:spPr>
+          <a:xfrm>
+            <a:off x="1886752" y="4155925"/>
+            <a:ext cx="1545465" cy="523220"/>
+          </a:xfrm>
+          <a:prstGeom prst="rect">
+            <a:avLst/>
+          </a:prstGeom>
+          <a:noFill/>
+        </p:spPr>
+        <p:txBody>
+          <a:bodyPr wrap="square" rtlCol="0">
+            <a:spAutoFit/>
+          </a:bodyPr>
+          <a:lstStyle/>
+          <a:p>
+            <a:r>
+              <a:rPr kumimoji="1" lang="ja-JP" altLang="en-US" sz="2800" b="1" dirty="0" smtClean="0">
+                <a:latin typeface="メイリオ" panose="020B0604030504040204" pitchFamily="50" charset="-128"/>
+                <a:ea typeface="メイリオ" panose="020B0604030504040204" pitchFamily="50" charset="-128"/>
+              </a:rPr>
+              <a:t>よって</a:t>
+            </a:r>
+            <a:endParaRPr kumimoji="1" lang="ja-JP" altLang="en-US" sz="2800" b="1" dirty="0">
+              <a:latin typeface="メイリオ" panose="020B0604030504040204" pitchFamily="50" charset="-128"/>
+              <a:ea typeface="メイリオ" panose="020B0604030504040204" pitchFamily="50" charset="-128"/>
+            </a:endParaRPr>
+          </a:p>
+        </p:txBody>
+      </p:sp>
+      <p:sp>
+        <p:nvSpPr>
+          <p:cNvPr id="11" name="テキスト ボックス 10"/>
+          <p:cNvSpPr txBox="1"/>
+          <p:nvPr/>
+        </p:nvSpPr>
+        <p:spPr>
+          <a:xfrm>
+            <a:off x="2659484" y="5061199"/>
+            <a:ext cx="5808371" cy="523220"/>
+          </a:xfrm>
+          <a:prstGeom prst="rect">
+            <a:avLst/>
+          </a:prstGeom>
+          <a:noFill/>
+        </p:spPr>
+        <p:txBody>
+          <a:bodyPr wrap="square" rtlCol="0">
+            <a:spAutoFit/>
+          </a:bodyPr>
+          <a:lstStyle/>
+          <a:p>
+            <a:r>
+              <a:rPr kumimoji="1" lang="ja-JP" altLang="en-US" sz="2800" b="1" dirty="0" smtClean="0">
+                <a:latin typeface="メイリオ" panose="020B0604030504040204" pitchFamily="50" charset="-128"/>
+                <a:ea typeface="メイリオ" panose="020B0604030504040204" pitchFamily="50" charset="-128"/>
+              </a:rPr>
+              <a:t>パラメータは最尤推定値に近づく</a:t>
+            </a:r>
+            <a:endParaRPr kumimoji="1" lang="ja-JP" altLang="en-US" sz="2800" b="1" dirty="0">
+              <a:latin typeface="メイリオ" panose="020B0604030504040204" pitchFamily="50" charset="-128"/>
+              <a:ea typeface="メイリオ" panose="020B0604030504040204" pitchFamily="50" charset="-128"/>
+            </a:endParaRPr>
+          </a:p>
+        </p:txBody>
+      </p:sp>
+      <p:pic>
+        <p:nvPicPr>
+          <p:cNvPr id="9224" name="Picture 8" descr="$\lambda_{i}\ll \alpha$">
+            <a:hlinkClick r:id="rId9"/>
+          </p:cNvPr>
+          <p:cNvPicPr>
+            <a:picLocks noChangeAspect="1" noChangeArrowheads="1"/>
+          </p:cNvPicPr>
+          <p:nvPr/>
+        </p:nvPicPr>
+        <p:blipFill>
+          <a:blip r:embed="rId10">
+            <a:extLst>
+              <a:ext uri="{28A0092B-C50C-407E-A947-70E740481C1C}">
+                <a14:useLocalDpi xmlns:a14="http://schemas.microsoft.com/office/drawing/2010/main" val="0"/>
+              </a:ext>
+            </a:extLst>
+          </a:blip>
+          <a:srcRect/>
+          <a:stretch>
+            <a:fillRect/>
+          </a:stretch>
+        </p:blipFill>
+        <p:spPr bwMode="auto">
+          <a:xfrm>
+            <a:off x="1090501" y="5105448"/>
+            <a:ext cx="1200150" cy="333376"/>
+          </a:xfrm>
+          <a:prstGeom prst="rect">
+            <a:avLst/>
+          </a:prstGeom>
+          <a:noFill/>
+          <a:extLst>
+            <a:ext uri="{909E8E84-426E-40DD-AFC4-6F175D3DCCD1}">
+              <a14:hiddenFill xmlns:a14="http://schemas.microsoft.com/office/drawing/2010/main">
+                <a:solidFill>
+                  <a:srgbClr val="FFFFFF"/>
+                </a:solidFill>
+              </a14:hiddenFill>
+            </a:ext>
+          </a:extLst>
+        </p:spPr>
+      </p:pic>
+      <p:pic>
+        <p:nvPicPr>
+          <p:cNvPr id="9226" name="Picture 10" descr="$\lambda_{i}\gg \alpha$">
+            <a:hlinkClick r:id="rId11"/>
+          </p:cNvPr>
+          <p:cNvPicPr>
+            <a:picLocks noChangeAspect="1" noChangeArrowheads="1"/>
+          </p:cNvPicPr>
+          <p:nvPr/>
+        </p:nvPicPr>
+        <p:blipFill>
+          <a:blip r:embed="rId12">
+            <a:extLst>
+              <a:ext uri="{28A0092B-C50C-407E-A947-70E740481C1C}">
+                <a14:useLocalDpi xmlns:a14="http://schemas.microsoft.com/office/drawing/2010/main" val="0"/>
+              </a:ext>
+            </a:extLst>
+          </a:blip>
+          <a:srcRect/>
+          <a:stretch>
+            <a:fillRect/>
+          </a:stretch>
+        </p:blipFill>
+        <p:spPr bwMode="auto">
+          <a:xfrm>
+            <a:off x="1112056" y="5794941"/>
+            <a:ext cx="1200150" cy="333376"/>
+          </a:xfrm>
+          <a:prstGeom prst="rect">
+            <a:avLst/>
+          </a:prstGeom>
+          <a:noFill/>
+          <a:extLst>
+            <a:ext uri="{909E8E84-426E-40DD-AFC4-6F175D3DCCD1}">
+              <a14:hiddenFill xmlns:a14="http://schemas.microsoft.com/office/drawing/2010/main">
+                <a:solidFill>
+                  <a:srgbClr val="FFFFFF"/>
+                </a:solidFill>
+              </a14:hiddenFill>
+            </a:ext>
+          </a:extLst>
+        </p:spPr>
+      </p:pic>
+      <p:sp>
+        <p:nvSpPr>
+          <p:cNvPr id="12" name="テキスト ボックス 11"/>
+          <p:cNvSpPr txBox="1"/>
+          <p:nvPr/>
+        </p:nvSpPr>
+        <p:spPr>
+          <a:xfrm>
+            <a:off x="2659484" y="5746349"/>
+            <a:ext cx="4204952" cy="523220"/>
+          </a:xfrm>
+          <a:prstGeom prst="rect">
+            <a:avLst/>
+          </a:prstGeom>
+          <a:noFill/>
+        </p:spPr>
+        <p:txBody>
+          <a:bodyPr wrap="square" rtlCol="0">
+            <a:spAutoFit/>
+          </a:bodyPr>
+          <a:lstStyle/>
+          <a:p>
+            <a:r>
+              <a:rPr kumimoji="1" lang="ja-JP" altLang="en-US" sz="2800" b="1" dirty="0" smtClean="0">
+                <a:latin typeface="メイリオ" panose="020B0604030504040204" pitchFamily="50" charset="-128"/>
+                <a:ea typeface="メイリオ" panose="020B0604030504040204" pitchFamily="50" charset="-128"/>
+              </a:rPr>
+              <a:t>パラメータは</a:t>
+            </a:r>
+            <a:r>
+              <a:rPr kumimoji="1" lang="en-US" altLang="ja-JP" sz="2800" b="1" dirty="0" smtClean="0">
+                <a:latin typeface="メイリオ" panose="020B0604030504040204" pitchFamily="50" charset="-128"/>
+                <a:ea typeface="メイリオ" panose="020B0604030504040204" pitchFamily="50" charset="-128"/>
+              </a:rPr>
+              <a:t>0</a:t>
+            </a:r>
+            <a:r>
+              <a:rPr kumimoji="1" lang="ja-JP" altLang="en-US" sz="2800" b="1" dirty="0" smtClean="0">
+                <a:latin typeface="メイリオ" panose="020B0604030504040204" pitchFamily="50" charset="-128"/>
+                <a:ea typeface="メイリオ" panose="020B0604030504040204" pitchFamily="50" charset="-128"/>
+              </a:rPr>
+              <a:t>に近づく</a:t>
+            </a:r>
+            <a:endParaRPr kumimoji="1" lang="ja-JP" altLang="en-US" sz="2800" b="1" dirty="0">
+              <a:latin typeface="メイリオ" panose="020B0604030504040204" pitchFamily="50" charset="-128"/>
+              <a:ea typeface="メイリオ" panose="020B0604030504040204" pitchFamily="50" charset="-128"/>
+            </a:endParaRPr>
+          </a:p>
+        </p:txBody>
+      </p:sp>
+    </p:spTree>
+    <p:extLst>
+      <p:ext uri="{BB962C8B-B14F-4D97-AF65-F5344CB8AC3E}">
+        <p14:creationId xmlns:p14="http://schemas.microsoft.com/office/powerpoint/2010/main" val="3043167607"/>
+      </p:ext>
+    </p:extLst>
+  </p:cSld>
+  <p:clrMapOvr>
+    <a:masterClrMapping/>
+  </p:clrMapOvr>
+</p:sld>
+</file>
+
+<file path=ppt/slides/slide47.xml><?xml version="1.0" encoding="utf-8"?>
+<p:sld xmlns:a="http://schemas.openxmlformats.org/drawingml/2006/main" xmlns:r="http://schemas.openxmlformats.org/officeDocument/2006/relationships" xmlns:p="http://schemas.openxmlformats.org/presentationml/2006/main">
+  <p:cSld>
+    <p:spTree>
+      <p:nvGrpSpPr>
+        <p:cNvPr id="1" name=""/>
+        <p:cNvGrpSpPr/>
+        <p:nvPr/>
+      </p:nvGrpSpPr>
+      <p:grpSpPr>
+        <a:xfrm>
+          <a:off x="0" y="0"/>
+          <a:ext cx="0" cy="0"/>
+          <a:chOff x="0" y="0"/>
+          <a:chExt cx="0" cy="0"/>
+        </a:xfrm>
+      </p:grpSpPr>
+      <mc:AlternateContent xmlns:mc="http://schemas.openxmlformats.org/markup-compatibility/2006">
+        <mc:Choice xmlns:a14="http://schemas.microsoft.com/office/drawing/2010/main" Requires="a14">
+          <p:sp>
+            <p:nvSpPr>
+              <p:cNvPr id="2" name="テキスト ボックス 1"/>
+              <p:cNvSpPr txBox="1"/>
+              <p:nvPr/>
+            </p:nvSpPr>
+            <p:spPr>
+              <a:xfrm>
+                <a:off x="1558343" y="682580"/>
+                <a:ext cx="6555347" cy="1077218"/>
+              </a:xfrm>
+              <a:prstGeom prst="rect">
+                <a:avLst/>
+              </a:prstGeom>
+              <a:noFill/>
+            </p:spPr>
+            <p:txBody>
+              <a:bodyPr wrap="square" rtlCol="0">
+                <a:spAutoFit/>
+              </a:bodyPr>
+              <a:lstStyle/>
+              <a:p>
+                <a:r>
+                  <a:rPr kumimoji="1" lang="ja-JP" altLang="en-US" sz="3200" b="1" dirty="0" smtClean="0">
+                    <a:latin typeface="メイリオ" panose="020B0604030504040204" pitchFamily="50" charset="-128"/>
+                    <a:ea typeface="メイリオ" panose="020B0604030504040204" pitchFamily="50" charset="-128"/>
+                  </a:rPr>
+                  <a:t>続いて、</a:t>
+                </a:r>
+                <a14:m>
+                  <m:oMath xmlns:m="http://schemas.openxmlformats.org/officeDocument/2006/math">
+                    <m:r>
+                      <a:rPr kumimoji="1" lang="en-US" altLang="ja-JP" sz="3200" b="1" i="1" smtClean="0">
+                        <a:latin typeface="Cambria Math" panose="02040503050406030204" pitchFamily="18" charset="0"/>
+                        <a:ea typeface="メイリオ" panose="020B0604030504040204" pitchFamily="50" charset="-128"/>
+                      </a:rPr>
+                      <m:t>𝜷</m:t>
+                    </m:r>
+                  </m:oMath>
+                </a14:m>
+                <a:r>
+                  <a:rPr kumimoji="1" lang="ja-JP" altLang="en-US" sz="3200" b="1" dirty="0" smtClean="0">
+                    <a:latin typeface="メイリオ" panose="020B0604030504040204" pitchFamily="50" charset="-128"/>
+                    <a:ea typeface="メイリオ" panose="020B0604030504040204" pitchFamily="50" charset="-128"/>
+                  </a:rPr>
+                  <a:t>のベイズ推定量</a:t>
+                </a:r>
+                <a:r>
+                  <a:rPr kumimoji="1" lang="en-US" altLang="ja-JP" sz="3200" b="1" dirty="0" smtClean="0">
+                    <a:latin typeface="メイリオ" panose="020B0604030504040204" pitchFamily="50" charset="-128"/>
+                    <a:ea typeface="メイリオ" panose="020B0604030504040204" pitchFamily="50" charset="-128"/>
+                  </a:rPr>
+                  <a:t>(3.95)</a:t>
+                </a:r>
+              </a:p>
+              <a:p>
+                <a:r>
+                  <a:rPr lang="ja-JP" altLang="en-US" sz="3200" b="1" dirty="0" smtClean="0">
+                    <a:latin typeface="メイリオ" panose="020B0604030504040204" pitchFamily="50" charset="-128"/>
+                    <a:ea typeface="メイリオ" panose="020B0604030504040204" pitchFamily="50" charset="-128"/>
+                  </a:rPr>
+                  <a:t>についても考察</a:t>
+                </a:r>
+                <a:endParaRPr kumimoji="1" lang="ja-JP" altLang="en-US" sz="3200" b="1" dirty="0">
+                  <a:latin typeface="メイリオ" panose="020B0604030504040204" pitchFamily="50" charset="-128"/>
+                  <a:ea typeface="メイリオ" panose="020B0604030504040204" pitchFamily="50" charset="-128"/>
+                </a:endParaRPr>
+              </a:p>
+            </p:txBody>
+          </p:sp>
+        </mc:Choice>
+        <mc:Fallback>
+          <p:sp>
+            <p:nvSpPr>
+              <p:cNvPr id="2" name="テキスト ボックス 1"/>
+              <p:cNvSpPr txBox="1">
+                <a:spLocks noRot="1" noChangeAspect="1" noMove="1" noResize="1" noEditPoints="1" noAdjustHandles="1" noChangeArrowheads="1" noChangeShapeType="1" noTextEdit="1"/>
+              </p:cNvSpPr>
+              <p:nvPr/>
+            </p:nvSpPr>
+            <p:spPr>
+              <a:xfrm>
+                <a:off x="1558343" y="682580"/>
+                <a:ext cx="6555347" cy="1077218"/>
+              </a:xfrm>
+              <a:prstGeom prst="rect">
+                <a:avLst/>
+              </a:prstGeom>
+              <a:blipFill rotWithShape="0">
+                <a:blip r:embed="rId2"/>
+                <a:stretch>
+                  <a:fillRect l="-2419" t="-6780" b="-17514"/>
+                </a:stretch>
+              </a:blipFill>
+            </p:spPr>
+            <p:txBody>
+              <a:bodyPr/>
+              <a:lstStyle/>
+              <a:p>
+                <a:r>
+                  <a:rPr lang="ja-JP" altLang="en-US">
+                    <a:noFill/>
+                  </a:rPr>
+                  <a:t> </a:t>
+                </a:r>
+              </a:p>
+            </p:txBody>
+          </p:sp>
+        </mc:Fallback>
+      </mc:AlternateContent>
+      <p:sp>
+        <p:nvSpPr>
+          <p:cNvPr id="3" name="テキスト ボックス 2"/>
+          <p:cNvSpPr txBox="1"/>
+          <p:nvPr/>
+        </p:nvSpPr>
+        <p:spPr>
+          <a:xfrm>
+            <a:off x="2846230" y="2052640"/>
+            <a:ext cx="3979572" cy="584775"/>
+          </a:xfrm>
+          <a:prstGeom prst="rect">
+            <a:avLst/>
+          </a:prstGeom>
+          <a:noFill/>
+        </p:spPr>
+        <p:txBody>
+          <a:bodyPr wrap="square" rtlCol="0">
+            <a:spAutoFit/>
+          </a:bodyPr>
+          <a:lstStyle/>
+          <a:p>
+            <a:r>
+              <a:rPr kumimoji="1" lang="ja-JP" altLang="en-US" sz="3200" b="1" dirty="0" smtClean="0">
+                <a:latin typeface="メイリオ" panose="020B0604030504040204" pitchFamily="50" charset="-128"/>
+                <a:ea typeface="メイリオ" panose="020B0604030504040204" pitchFamily="50" charset="-128"/>
+              </a:rPr>
+              <a:t>分散の最尤推定量</a:t>
+            </a:r>
+            <a:endParaRPr kumimoji="1" lang="ja-JP" altLang="en-US" sz="3200" b="1" dirty="0">
+              <a:latin typeface="メイリオ" panose="020B0604030504040204" pitchFamily="50" charset="-128"/>
+              <a:ea typeface="メイリオ" panose="020B0604030504040204" pitchFamily="50" charset="-128"/>
+            </a:endParaRPr>
+          </a:p>
+        </p:txBody>
+      </p:sp>
+      <p:pic>
+        <p:nvPicPr>
+          <p:cNvPr id="7170" name="Picture 2" descr="$\sigma^{2}_{{\rm ML}}=\frac{1}{N}\sum_{n=1}^{N}(x_{n}-\mu_{{\rm ML}})^2$">
+            <a:hlinkClick r:id="rId3"/>
+          </p:cNvPr>
+          <p:cNvPicPr>
+            <a:picLocks noChangeAspect="1" noChangeArrowheads="1"/>
+          </p:cNvPicPr>
+          <p:nvPr/>
+        </p:nvPicPr>
+        <p:blipFill>
+          <a:blip r:embed="rId4">
+            <a:extLst>
+              <a:ext uri="{28A0092B-C50C-407E-A947-70E740481C1C}">
+                <a14:useLocalDpi xmlns:a14="http://schemas.microsoft.com/office/drawing/2010/main" val="0"/>
+              </a:ext>
+            </a:extLst>
+          </a:blip>
+          <a:srcRect/>
+          <a:stretch>
+            <a:fillRect/>
+          </a:stretch>
+        </p:blipFill>
+        <p:spPr bwMode="auto">
+          <a:xfrm>
+            <a:off x="1443463" y="2737789"/>
+            <a:ext cx="4829175" cy="523875"/>
+          </a:xfrm>
+          <a:prstGeom prst="rect">
+            <a:avLst/>
+          </a:prstGeom>
+          <a:noFill/>
+          <a:extLst>
+            <a:ext uri="{909E8E84-426E-40DD-AFC4-6F175D3DCCD1}">
+              <a14:hiddenFill xmlns:a14="http://schemas.microsoft.com/office/drawing/2010/main">
+                <a:solidFill>
+                  <a:srgbClr val="FFFFFF"/>
+                </a:solidFill>
+              </a14:hiddenFill>
+            </a:ext>
+          </a:extLst>
+        </p:spPr>
+      </p:pic>
+      <p:pic>
+        <p:nvPicPr>
+          <p:cNvPr id="7172" name="Picture 4" descr="$\sigma^{2}_{{\rm MAP}}=\frac{1}{N-1}\sum_{n=1}^{N}(x_{n}-\mu_{{\rm ML}})^2$">
+            <a:hlinkClick r:id="rId5"/>
+          </p:cNvPr>
+          <p:cNvPicPr>
+            <a:picLocks noChangeAspect="1" noChangeArrowheads="1"/>
+          </p:cNvPicPr>
+          <p:nvPr/>
+        </p:nvPicPr>
+        <p:blipFill>
+          <a:blip r:embed="rId6">
+            <a:extLst>
+              <a:ext uri="{28A0092B-C50C-407E-A947-70E740481C1C}">
+                <a14:useLocalDpi xmlns:a14="http://schemas.microsoft.com/office/drawing/2010/main" val="0"/>
+              </a:ext>
+            </a:extLst>
+          </a:blip>
+          <a:srcRect/>
+          <a:stretch>
+            <a:fillRect/>
+          </a:stretch>
+        </p:blipFill>
+        <p:spPr bwMode="auto">
+          <a:xfrm>
+            <a:off x="1114850" y="4279996"/>
+            <a:ext cx="5486400" cy="523875"/>
+          </a:xfrm>
+          <a:prstGeom prst="rect">
+            <a:avLst/>
+          </a:prstGeom>
+          <a:noFill/>
+          <a:extLst>
+            <a:ext uri="{909E8E84-426E-40DD-AFC4-6F175D3DCCD1}">
+              <a14:hiddenFill xmlns:a14="http://schemas.microsoft.com/office/drawing/2010/main">
+                <a:solidFill>
+                  <a:srgbClr val="FFFFFF"/>
+                </a:solidFill>
+              </a14:hiddenFill>
+            </a:ext>
+          </a:extLst>
+        </p:spPr>
+      </p:pic>
+      <p:sp>
+        <p:nvSpPr>
+          <p:cNvPr id="4" name="テキスト ボックス 3"/>
+          <p:cNvSpPr txBox="1"/>
+          <p:nvPr/>
+        </p:nvSpPr>
+        <p:spPr>
+          <a:xfrm>
+            <a:off x="2846230" y="3603418"/>
+            <a:ext cx="3657600" cy="584775"/>
+          </a:xfrm>
+          <a:prstGeom prst="rect">
+            <a:avLst/>
+          </a:prstGeom>
+          <a:noFill/>
+        </p:spPr>
+        <p:txBody>
+          <a:bodyPr wrap="square" rtlCol="0">
+            <a:spAutoFit/>
+          </a:bodyPr>
+          <a:lstStyle/>
+          <a:p>
+            <a:r>
+              <a:rPr kumimoji="1" lang="ja-JP" altLang="en-US" sz="3200" b="1" dirty="0" smtClean="0">
+                <a:latin typeface="メイリオ" panose="020B0604030504040204" pitchFamily="50" charset="-128"/>
+                <a:ea typeface="メイリオ" panose="020B0604030504040204" pitchFamily="50" charset="-128"/>
+              </a:rPr>
+              <a:t>分散の不偏推定量</a:t>
+            </a:r>
+            <a:endParaRPr kumimoji="1" lang="ja-JP" altLang="en-US" sz="3200" b="1" dirty="0">
+              <a:latin typeface="メイリオ" panose="020B0604030504040204" pitchFamily="50" charset="-128"/>
+              <a:ea typeface="メイリオ" panose="020B0604030504040204" pitchFamily="50" charset="-128"/>
+            </a:endParaRPr>
+          </a:p>
+        </p:txBody>
+      </p:sp>
+      <p:sp>
+        <p:nvSpPr>
+          <p:cNvPr id="5" name="テキスト ボックス 4"/>
+          <p:cNvSpPr txBox="1"/>
+          <p:nvPr/>
+        </p:nvSpPr>
+        <p:spPr>
+          <a:xfrm>
+            <a:off x="6980349" y="2770878"/>
+            <a:ext cx="2163651" cy="584775"/>
+          </a:xfrm>
+          <a:prstGeom prst="rect">
+            <a:avLst/>
+          </a:prstGeom>
+          <a:noFill/>
+        </p:spPr>
+        <p:txBody>
+          <a:bodyPr wrap="square" rtlCol="0">
+            <a:spAutoFit/>
+          </a:bodyPr>
+          <a:lstStyle/>
+          <a:p>
+            <a:r>
+              <a:rPr kumimoji="1" lang="en-US" altLang="ja-JP" sz="3200" b="1" dirty="0" smtClean="0">
+                <a:latin typeface="メイリオ" panose="020B0604030504040204" pitchFamily="50" charset="-128"/>
+                <a:ea typeface="メイリオ" panose="020B0604030504040204" pitchFamily="50" charset="-128"/>
+              </a:rPr>
+              <a:t>(3.96)</a:t>
+            </a:r>
+            <a:endParaRPr kumimoji="1" lang="ja-JP" altLang="en-US" sz="3200" b="1" dirty="0">
+              <a:latin typeface="メイリオ" panose="020B0604030504040204" pitchFamily="50" charset="-128"/>
+              <a:ea typeface="メイリオ" panose="020B0604030504040204" pitchFamily="50" charset="-128"/>
+            </a:endParaRPr>
+          </a:p>
+        </p:txBody>
+      </p:sp>
+      <p:sp>
+        <p:nvSpPr>
+          <p:cNvPr id="8" name="テキスト ボックス 7"/>
+          <p:cNvSpPr txBox="1"/>
+          <p:nvPr/>
+        </p:nvSpPr>
+        <p:spPr>
+          <a:xfrm>
+            <a:off x="6980349" y="4249545"/>
+            <a:ext cx="1724741" cy="584775"/>
+          </a:xfrm>
+          <a:prstGeom prst="rect">
+            <a:avLst/>
+          </a:prstGeom>
+          <a:noFill/>
+        </p:spPr>
+        <p:txBody>
+          <a:bodyPr wrap="square" rtlCol="0">
+            <a:spAutoFit/>
+          </a:bodyPr>
+          <a:lstStyle/>
+          <a:p>
+            <a:r>
+              <a:rPr kumimoji="1" lang="en-US" altLang="ja-JP" sz="3200" b="1" dirty="0" smtClean="0">
+                <a:latin typeface="メイリオ" panose="020B0604030504040204" pitchFamily="50" charset="-128"/>
+                <a:ea typeface="メイリオ" panose="020B0604030504040204" pitchFamily="50" charset="-128"/>
+              </a:rPr>
+              <a:t>(3.97)</a:t>
+            </a:r>
+            <a:endParaRPr kumimoji="1" lang="ja-JP" altLang="en-US" sz="3200" b="1" dirty="0">
+              <a:latin typeface="メイリオ" panose="020B0604030504040204" pitchFamily="50" charset="-128"/>
+              <a:ea typeface="メイリオ" panose="020B0604030504040204" pitchFamily="50" charset="-128"/>
+            </a:endParaRPr>
+          </a:p>
+        </p:txBody>
+      </p:sp>
+      <p:sp>
+        <p:nvSpPr>
+          <p:cNvPr id="6" name="テキスト ボックス 5"/>
+          <p:cNvSpPr txBox="1"/>
+          <p:nvPr/>
+        </p:nvSpPr>
+        <p:spPr>
+          <a:xfrm>
+            <a:off x="1011818" y="5206525"/>
+            <a:ext cx="7353838" cy="1384995"/>
+          </a:xfrm>
+          <a:prstGeom prst="rect">
+            <a:avLst/>
+          </a:prstGeom>
+          <a:noFill/>
+        </p:spPr>
+        <p:txBody>
+          <a:bodyPr wrap="square" rtlCol="0">
+            <a:spAutoFit/>
+          </a:bodyPr>
+          <a:lstStyle/>
+          <a:p>
+            <a:r>
+              <a:rPr kumimoji="1" lang="ja-JP" altLang="en-US" sz="2800" b="1" dirty="0" smtClean="0">
+                <a:latin typeface="メイリオ" panose="020B0604030504040204" pitchFamily="50" charset="-128"/>
+                <a:ea typeface="メイリオ" panose="020B0604030504040204" pitchFamily="50" charset="-128"/>
+              </a:rPr>
+              <a:t>最尤推定では、分散を過小評価している</a:t>
+            </a:r>
+            <a:endParaRPr kumimoji="1" lang="en-US" altLang="ja-JP" sz="2800" b="1" dirty="0" smtClean="0">
+              <a:latin typeface="メイリオ" panose="020B0604030504040204" pitchFamily="50" charset="-128"/>
+              <a:ea typeface="メイリオ" panose="020B0604030504040204" pitchFamily="50" charset="-128"/>
+            </a:endParaRPr>
+          </a:p>
+          <a:p>
+            <a:r>
+              <a:rPr lang="ja-JP" altLang="en-US" sz="2800" b="1" dirty="0">
+                <a:latin typeface="メイリオ" panose="020B0604030504040204" pitchFamily="50" charset="-128"/>
+                <a:ea typeface="メイリオ" panose="020B0604030504040204" pitchFamily="50" charset="-128"/>
+              </a:rPr>
+              <a:t>→</a:t>
+            </a:r>
+            <a:r>
+              <a:rPr kumimoji="1" lang="ja-JP" altLang="en-US" sz="2800" b="1" dirty="0" smtClean="0">
+                <a:latin typeface="メイリオ" panose="020B0604030504040204" pitchFamily="50" charset="-128"/>
+                <a:ea typeface="メイリオ" panose="020B0604030504040204" pitchFamily="50" charset="-128"/>
+              </a:rPr>
+              <a:t>バイアスを取り除くために自由度の１つを</a:t>
+            </a:r>
+            <a:endParaRPr kumimoji="1" lang="en-US" altLang="ja-JP" sz="2800" b="1" dirty="0" smtClean="0">
+              <a:latin typeface="メイリオ" panose="020B0604030504040204" pitchFamily="50" charset="-128"/>
+              <a:ea typeface="メイリオ" panose="020B0604030504040204" pitchFamily="50" charset="-128"/>
+            </a:endParaRPr>
+          </a:p>
+          <a:p>
+            <a:r>
+              <a:rPr kumimoji="1" lang="ja-JP" altLang="en-US" sz="2800" b="1" dirty="0" smtClean="0">
+                <a:latin typeface="メイリオ" panose="020B0604030504040204" pitchFamily="50" charset="-128"/>
+                <a:ea typeface="メイリオ" panose="020B0604030504040204" pitchFamily="50" charset="-128"/>
+              </a:rPr>
+              <a:t>用いていると解釈</a:t>
+            </a:r>
+            <a:endParaRPr kumimoji="1" lang="ja-JP" altLang="en-US" sz="2800" b="1" dirty="0">
+              <a:latin typeface="メイリオ" panose="020B0604030504040204" pitchFamily="50" charset="-128"/>
+              <a:ea typeface="メイリオ" panose="020B0604030504040204" pitchFamily="50" charset="-128"/>
+            </a:endParaRPr>
+          </a:p>
+        </p:txBody>
+      </p:sp>
+    </p:spTree>
+    <p:extLst>
+      <p:ext uri="{BB962C8B-B14F-4D97-AF65-F5344CB8AC3E}">
+        <p14:creationId xmlns:p14="http://schemas.microsoft.com/office/powerpoint/2010/main" val="2861259763"/>
+      </p:ext>
+    </p:extLst>
+  </p:cSld>
+  <p:clrMapOvr>
+    <a:masterClrMapping/>
+  </p:clrMapOvr>
+</p:sld>
+</file>
+
+<file path=ppt/slides/slide48.xml><?xml version="1.0" encoding="utf-8"?>
+<p:sld xmlns:a="http://schemas.openxmlformats.org/drawingml/2006/main" xmlns:r="http://schemas.openxmlformats.org/officeDocument/2006/relationships" xmlns:p="http://schemas.openxmlformats.org/presentationml/2006/main">
+  <p:cSld>
+    <p:spTree>
+      <p:nvGrpSpPr>
+        <p:cNvPr id="1" name=""/>
+        <p:cNvGrpSpPr/>
+        <p:nvPr/>
+      </p:nvGrpSpPr>
+      <p:grpSpPr>
+        <a:xfrm>
+          <a:off x="0" y="0"/>
+          <a:ext cx="0" cy="0"/>
+          <a:chOff x="0" y="0"/>
+          <a:chExt cx="0" cy="0"/>
+        </a:xfrm>
+      </p:grpSpPr>
+      <p:pic>
+        <p:nvPicPr>
+          <p:cNvPr id="8194" name="Picture 2" descr="$\frac{1}{\beta}=\frac{1}{N-\gamma}\sum_{n=1}^{N}(x_{n}-\mu_{{\rm ML}})^2$">
+            <a:hlinkClick r:id="rId2"/>
+          </p:cNvPr>
+          <p:cNvPicPr>
+            <a:picLocks noChangeAspect="1" noChangeArrowheads="1"/>
+          </p:cNvPicPr>
+          <p:nvPr/>
+        </p:nvPicPr>
+        <p:blipFill>
+          <a:blip r:embed="rId3">
+            <a:extLst>
+              <a:ext uri="{28A0092B-C50C-407E-A947-70E740481C1C}">
+                <a14:useLocalDpi xmlns:a14="http://schemas.microsoft.com/office/drawing/2010/main" val="0"/>
+              </a:ext>
+            </a:extLst>
+          </a:blip>
+          <a:srcRect/>
+          <a:stretch>
+            <a:fillRect/>
+          </a:stretch>
+        </p:blipFill>
+        <p:spPr bwMode="auto">
+          <a:xfrm>
+            <a:off x="1592703" y="1584102"/>
+            <a:ext cx="5701015" cy="692754"/>
+          </a:xfrm>
+          <a:prstGeom prst="rect">
+            <a:avLst/>
+          </a:prstGeom>
+          <a:noFill/>
+          <a:extLst>
+            <a:ext uri="{909E8E84-426E-40DD-AFC4-6F175D3DCCD1}">
+              <a14:hiddenFill xmlns:a14="http://schemas.microsoft.com/office/drawing/2010/main">
+                <a:solidFill>
+                  <a:srgbClr val="FFFFFF"/>
+                </a:solidFill>
+              </a14:hiddenFill>
+            </a:ext>
+          </a:extLst>
+        </p:spPr>
+      </p:pic>
+      <p:sp>
+        <p:nvSpPr>
+          <p:cNvPr id="2" name="テキスト ボックス 1"/>
+          <p:cNvSpPr txBox="1"/>
+          <p:nvPr/>
+        </p:nvSpPr>
+        <p:spPr>
+          <a:xfrm>
+            <a:off x="1442434" y="695459"/>
+            <a:ext cx="6001555" cy="584775"/>
+          </a:xfrm>
+          <a:prstGeom prst="rect">
+            <a:avLst/>
+          </a:prstGeom>
+          <a:noFill/>
+        </p:spPr>
+        <p:txBody>
+          <a:bodyPr wrap="square" rtlCol="0">
+            <a:spAutoFit/>
+          </a:bodyPr>
+          <a:lstStyle/>
+          <a:p>
+            <a:r>
+              <a:rPr kumimoji="1" lang="ja-JP" altLang="en-US" sz="3200" b="1" dirty="0" smtClean="0">
+                <a:latin typeface="メイリオ" panose="020B0604030504040204" pitchFamily="50" charset="-128"/>
+                <a:ea typeface="メイリオ" panose="020B0604030504040204" pitchFamily="50" charset="-128"/>
+              </a:rPr>
+              <a:t>一方、分散のベイズ推定量は</a:t>
+            </a:r>
+            <a:endParaRPr kumimoji="1" lang="ja-JP" altLang="en-US" sz="3200" b="1" dirty="0">
+              <a:latin typeface="メイリオ" panose="020B0604030504040204" pitchFamily="50" charset="-128"/>
+              <a:ea typeface="メイリオ" panose="020B0604030504040204" pitchFamily="50" charset="-128"/>
+            </a:endParaRPr>
+          </a:p>
+        </p:txBody>
+      </p:sp>
+      <mc:AlternateContent xmlns:mc="http://schemas.openxmlformats.org/markup-compatibility/2006">
+        <mc:Choice xmlns:a14="http://schemas.microsoft.com/office/drawing/2010/main" Requires="a14">
+          <p:sp>
+            <p:nvSpPr>
+              <p:cNvPr id="3" name="テキスト ボックス 2"/>
+              <p:cNvSpPr txBox="1"/>
+              <p:nvPr/>
+            </p:nvSpPr>
+            <p:spPr>
+              <a:xfrm>
+                <a:off x="540912" y="2833352"/>
+                <a:ext cx="7456867" cy="584775"/>
+              </a:xfrm>
+              <a:prstGeom prst="rect">
+                <a:avLst/>
+              </a:prstGeom>
+              <a:noFill/>
+            </p:spPr>
+            <p:txBody>
+              <a:bodyPr wrap="square" rtlCol="0">
+                <a:spAutoFit/>
+              </a:bodyPr>
+              <a:lstStyle/>
+              <a:p>
+                <a:r>
+                  <a:rPr kumimoji="1" lang="ja-JP" altLang="en-US" sz="3200" b="1" dirty="0" smtClean="0">
+                    <a:latin typeface="メイリオ" panose="020B0604030504040204" pitchFamily="50" charset="-128"/>
+                    <a:ea typeface="メイリオ" panose="020B0604030504040204" pitchFamily="50" charset="-128"/>
+                  </a:rPr>
+                  <a:t>→有効パラメータ数</a:t>
+                </a:r>
+                <a14:m>
+                  <m:oMath xmlns:m="http://schemas.openxmlformats.org/officeDocument/2006/math">
+                    <m:r>
+                      <a:rPr kumimoji="1" lang="en-US" altLang="ja-JP" sz="3200" b="1" i="1" smtClean="0">
+                        <a:latin typeface="Cambria Math" panose="02040503050406030204" pitchFamily="18" charset="0"/>
+                        <a:ea typeface="メイリオ" panose="020B0604030504040204" pitchFamily="50" charset="-128"/>
+                      </a:rPr>
+                      <m:t>𝜸</m:t>
+                    </m:r>
+                  </m:oMath>
+                </a14:m>
+                <a:r>
+                  <a:rPr kumimoji="1" lang="ja-JP" altLang="en-US" sz="3200" b="1" dirty="0" smtClean="0">
+                    <a:latin typeface="メイリオ" panose="020B0604030504040204" pitchFamily="50" charset="-128"/>
+                    <a:ea typeface="メイリオ" panose="020B0604030504040204" pitchFamily="50" charset="-128"/>
+                  </a:rPr>
+                  <a:t>がバイアス</a:t>
+                </a:r>
+                <a:r>
+                  <a:rPr lang="ja-JP" altLang="en-US" sz="3200" b="1" dirty="0">
+                    <a:latin typeface="メイリオ" panose="020B0604030504040204" pitchFamily="50" charset="-128"/>
+                    <a:ea typeface="メイリオ" panose="020B0604030504040204" pitchFamily="50" charset="-128"/>
+                  </a:rPr>
+                  <a:t>を</a:t>
+                </a:r>
+                <a:r>
+                  <a:rPr kumimoji="1" lang="ja-JP" altLang="en-US" sz="3200" b="1" dirty="0" smtClean="0">
+                    <a:latin typeface="メイリオ" panose="020B0604030504040204" pitchFamily="50" charset="-128"/>
+                    <a:ea typeface="メイリオ" panose="020B0604030504040204" pitchFamily="50" charset="-128"/>
+                  </a:rPr>
+                  <a:t>補正</a:t>
+                </a:r>
+                <a:endParaRPr kumimoji="1" lang="ja-JP" altLang="en-US" sz="3200" b="1" dirty="0">
+                  <a:latin typeface="メイリオ" panose="020B0604030504040204" pitchFamily="50" charset="-128"/>
+                  <a:ea typeface="メイリオ" panose="020B0604030504040204" pitchFamily="50" charset="-128"/>
+                </a:endParaRPr>
+              </a:p>
+            </p:txBody>
+          </p:sp>
+        </mc:Choice>
+        <mc:Fallback>
+          <p:sp>
+            <p:nvSpPr>
+              <p:cNvPr id="3" name="テキスト ボックス 2"/>
+              <p:cNvSpPr txBox="1">
+                <a:spLocks noRot="1" noChangeAspect="1" noMove="1" noResize="1" noEditPoints="1" noAdjustHandles="1" noChangeArrowheads="1" noChangeShapeType="1" noTextEdit="1"/>
+              </p:cNvSpPr>
+              <p:nvPr/>
+            </p:nvSpPr>
+            <p:spPr>
+              <a:xfrm>
+                <a:off x="540912" y="2833352"/>
+                <a:ext cx="7456867" cy="584775"/>
+              </a:xfrm>
+              <a:prstGeom prst="rect">
+                <a:avLst/>
+              </a:prstGeom>
+              <a:blipFill rotWithShape="0">
+                <a:blip r:embed="rId4"/>
+                <a:stretch>
+                  <a:fillRect l="-2126" t="-12500" r="-654" b="-34375"/>
+                </a:stretch>
+              </a:blipFill>
+            </p:spPr>
+            <p:txBody>
+              <a:bodyPr/>
+              <a:lstStyle/>
+              <a:p>
+                <a:r>
+                  <a:rPr lang="ja-JP" altLang="en-US">
+                    <a:noFill/>
+                  </a:rPr>
+                  <a:t> </a:t>
+                </a:r>
+              </a:p>
+            </p:txBody>
+          </p:sp>
+        </mc:Fallback>
+      </mc:AlternateContent>
+    </p:spTree>
+    <p:extLst>
+      <p:ext uri="{BB962C8B-B14F-4D97-AF65-F5344CB8AC3E}">
+        <p14:creationId xmlns:p14="http://schemas.microsoft.com/office/powerpoint/2010/main" val="2371379598"/>
+      </p:ext>
+    </p:extLst>
+  </p:cSld>
+  <p:clrMapOvr>
+    <a:masterClrMapping/>
+  </p:clrMapOvr>
+</p:sld>
+</file>
+
+<file path=ppt/slides/slide49.xml><?xml version="1.0" encoding="utf-8"?>
+<p:sld xmlns:a="http://schemas.openxmlformats.org/drawingml/2006/main" xmlns:r="http://schemas.openxmlformats.org/officeDocument/2006/relationships" xmlns:p="http://schemas.openxmlformats.org/presentationml/2006/main">
+  <p:cSld>
+    <p:spTree>
+      <p:nvGrpSpPr>
+        <p:cNvPr id="1" name=""/>
+        <p:cNvGrpSpPr/>
+        <p:nvPr/>
+      </p:nvGrpSpPr>
+      <p:grpSpPr>
+        <a:xfrm>
+          <a:off x="0" y="0"/>
+          <a:ext cx="0" cy="0"/>
+          <a:chOff x="0" y="0"/>
+          <a:chExt cx="0" cy="0"/>
+        </a:xfrm>
+      </p:grpSpPr>
+      <p:sp>
+        <p:nvSpPr>
+          <p:cNvPr id="2" name="テキスト ボックス 1"/>
+          <p:cNvSpPr txBox="1"/>
+          <p:nvPr/>
+        </p:nvSpPr>
+        <p:spPr>
+          <a:xfrm>
+            <a:off x="2034861" y="643944"/>
+            <a:ext cx="5589431" cy="584775"/>
+          </a:xfrm>
+          <a:prstGeom prst="rect">
+            <a:avLst/>
+          </a:prstGeom>
+          <a:noFill/>
+        </p:spPr>
+        <p:txBody>
+          <a:bodyPr wrap="square" rtlCol="0">
+            <a:spAutoFit/>
+          </a:bodyPr>
+          <a:lstStyle/>
+          <a:p>
+            <a:r>
+              <a:rPr kumimoji="1" lang="ja-JP" altLang="en-US" sz="3200" b="1" dirty="0" smtClean="0">
+                <a:latin typeface="メイリオ" panose="020B0604030504040204" pitchFamily="50" charset="-128"/>
+                <a:ea typeface="メイリオ" panose="020B0604030504040204" pitchFamily="50" charset="-128"/>
+              </a:rPr>
+              <a:t>固定された基底関数の限界</a:t>
+            </a:r>
+            <a:endParaRPr kumimoji="1" lang="ja-JP" altLang="en-US" sz="3200" b="1" dirty="0">
+              <a:latin typeface="メイリオ" panose="020B0604030504040204" pitchFamily="50" charset="-128"/>
+              <a:ea typeface="メイリオ" panose="020B0604030504040204" pitchFamily="50" charset="-128"/>
+            </a:endParaRPr>
+          </a:p>
+        </p:txBody>
+      </p:sp>
+      <p:sp>
+        <p:nvSpPr>
+          <p:cNvPr id="3" name="テキスト ボックス 2"/>
+          <p:cNvSpPr txBox="1"/>
+          <p:nvPr/>
+        </p:nvSpPr>
+        <p:spPr>
+          <a:xfrm>
+            <a:off x="425001" y="1535146"/>
+            <a:ext cx="8590207" cy="1077218"/>
+          </a:xfrm>
+          <a:prstGeom prst="rect">
+            <a:avLst/>
+          </a:prstGeom>
+          <a:noFill/>
+        </p:spPr>
+        <p:txBody>
+          <a:bodyPr wrap="square" rtlCol="0">
+            <a:spAutoFit/>
+          </a:bodyPr>
+          <a:lstStyle/>
+          <a:p>
+            <a:r>
+              <a:rPr kumimoji="1" lang="ja-JP" altLang="en-US" sz="3200" b="1" dirty="0" smtClean="0">
+                <a:latin typeface="メイリオ" panose="020B0604030504040204" pitchFamily="50" charset="-128"/>
+                <a:ea typeface="メイリオ" panose="020B0604030504040204" pitchFamily="50" charset="-128"/>
+              </a:rPr>
+              <a:t>固定された非線形関数を線形結合したモデル</a:t>
+            </a:r>
+            <a:endParaRPr kumimoji="1" lang="en-US" altLang="ja-JP" sz="3200" b="1" dirty="0" smtClean="0">
+              <a:latin typeface="メイリオ" panose="020B0604030504040204" pitchFamily="50" charset="-128"/>
+              <a:ea typeface="メイリオ" panose="020B0604030504040204" pitchFamily="50" charset="-128"/>
+            </a:endParaRPr>
+          </a:p>
+          <a:p>
+            <a:r>
+              <a:rPr kumimoji="1" lang="en-US" altLang="ja-JP" sz="3200" b="1" dirty="0" smtClean="0">
+                <a:latin typeface="メイリオ" panose="020B0604030504040204" pitchFamily="50" charset="-128"/>
+                <a:ea typeface="メイリオ" panose="020B0604030504040204" pitchFamily="50" charset="-128"/>
+              </a:rPr>
+              <a:t>(3</a:t>
+            </a:r>
+            <a:r>
+              <a:rPr kumimoji="1" lang="ja-JP" altLang="en-US" sz="3200" b="1" dirty="0" smtClean="0">
+                <a:latin typeface="メイリオ" panose="020B0604030504040204" pitchFamily="50" charset="-128"/>
+                <a:ea typeface="メイリオ" panose="020B0604030504040204" pitchFamily="50" charset="-128"/>
+              </a:rPr>
+              <a:t>章で扱った</a:t>
+            </a:r>
+            <a:r>
+              <a:rPr kumimoji="1" lang="en-US" altLang="ja-JP" sz="3200" b="1" dirty="0" smtClean="0">
+                <a:latin typeface="メイリオ" panose="020B0604030504040204" pitchFamily="50" charset="-128"/>
+                <a:ea typeface="メイリオ" panose="020B0604030504040204" pitchFamily="50" charset="-128"/>
+              </a:rPr>
+              <a:t>)</a:t>
+            </a:r>
+            <a:endParaRPr kumimoji="1" lang="ja-JP" altLang="en-US" sz="3200" b="1" dirty="0">
+              <a:latin typeface="メイリオ" panose="020B0604030504040204" pitchFamily="50" charset="-128"/>
+              <a:ea typeface="メイリオ" panose="020B0604030504040204" pitchFamily="50" charset="-128"/>
+            </a:endParaRPr>
+          </a:p>
+        </p:txBody>
+      </p:sp>
+      <p:sp>
+        <p:nvSpPr>
+          <p:cNvPr id="4" name="テキスト ボックス 3"/>
+          <p:cNvSpPr txBox="1"/>
+          <p:nvPr/>
+        </p:nvSpPr>
+        <p:spPr>
+          <a:xfrm>
+            <a:off x="1931830" y="2783359"/>
+            <a:ext cx="6400800" cy="1077218"/>
+          </a:xfrm>
+          <a:prstGeom prst="rect">
+            <a:avLst/>
+          </a:prstGeom>
+          <a:noFill/>
+        </p:spPr>
+        <p:txBody>
+          <a:bodyPr wrap="square" rtlCol="0">
+            <a:spAutoFit/>
+          </a:bodyPr>
+          <a:lstStyle/>
+          <a:p>
+            <a:r>
+              <a:rPr kumimoji="1" lang="ja-JP" altLang="en-US" sz="3200" b="1" dirty="0" smtClean="0">
+                <a:latin typeface="メイリオ" panose="020B0604030504040204" pitchFamily="50" charset="-128"/>
+                <a:ea typeface="メイリオ" panose="020B0604030504040204" pitchFamily="50" charset="-128"/>
+              </a:rPr>
+              <a:t>・閉じた解が求まる</a:t>
+            </a:r>
+            <a:endParaRPr kumimoji="1" lang="en-US" altLang="ja-JP" sz="3200" b="1" dirty="0" smtClean="0">
+              <a:latin typeface="メイリオ" panose="020B0604030504040204" pitchFamily="50" charset="-128"/>
+              <a:ea typeface="メイリオ" panose="020B0604030504040204" pitchFamily="50" charset="-128"/>
+            </a:endParaRPr>
+          </a:p>
+          <a:p>
+            <a:r>
+              <a:rPr lang="ja-JP" altLang="en-US" sz="3200" b="1" dirty="0" smtClean="0">
+                <a:latin typeface="メイリオ" panose="020B0604030504040204" pitchFamily="50" charset="-128"/>
+                <a:ea typeface="メイリオ" panose="020B0604030504040204" pitchFamily="50" charset="-128"/>
+              </a:rPr>
+              <a:t>・任意の非線形返変換を表現可能</a:t>
+            </a:r>
+            <a:endParaRPr kumimoji="1" lang="ja-JP" altLang="en-US" sz="3200" b="1" dirty="0">
+              <a:latin typeface="メイリオ" panose="020B0604030504040204" pitchFamily="50" charset="-128"/>
+              <a:ea typeface="メイリオ" panose="020B0604030504040204" pitchFamily="50" charset="-128"/>
+            </a:endParaRPr>
+          </a:p>
+        </p:txBody>
+      </p:sp>
+      <p:sp>
+        <p:nvSpPr>
+          <p:cNvPr id="5" name="テキスト ボックス 4"/>
+          <p:cNvSpPr txBox="1"/>
+          <p:nvPr/>
+        </p:nvSpPr>
+        <p:spPr>
+          <a:xfrm>
+            <a:off x="1944709" y="4137942"/>
+            <a:ext cx="6645497" cy="2062103"/>
+          </a:xfrm>
+          <a:prstGeom prst="rect">
+            <a:avLst/>
+          </a:prstGeom>
+          <a:noFill/>
+        </p:spPr>
+        <p:txBody>
+          <a:bodyPr wrap="square" rtlCol="0">
+            <a:spAutoFit/>
+          </a:bodyPr>
+          <a:lstStyle/>
+          <a:p>
+            <a:r>
+              <a:rPr kumimoji="1" lang="ja-JP" altLang="en-US" sz="3200" b="1" dirty="0" smtClean="0">
+                <a:latin typeface="メイリオ" panose="020B0604030504040204" pitchFamily="50" charset="-128"/>
+                <a:ea typeface="メイリオ" panose="020B0604030504040204" pitchFamily="50" charset="-128"/>
+              </a:rPr>
+              <a:t>・入力データの次元数に対して、</a:t>
+            </a:r>
+            <a:endParaRPr kumimoji="1" lang="en-US" altLang="ja-JP" sz="3200" b="1" dirty="0" smtClean="0">
+              <a:latin typeface="メイリオ" panose="020B0604030504040204" pitchFamily="50" charset="-128"/>
+              <a:ea typeface="メイリオ" panose="020B0604030504040204" pitchFamily="50" charset="-128"/>
+            </a:endParaRPr>
+          </a:p>
+          <a:p>
+            <a:r>
+              <a:rPr lang="ja-JP" altLang="en-US" sz="3200" b="1" dirty="0">
+                <a:latin typeface="メイリオ" panose="020B0604030504040204" pitchFamily="50" charset="-128"/>
+                <a:ea typeface="メイリオ" panose="020B0604030504040204" pitchFamily="50" charset="-128"/>
+              </a:rPr>
+              <a:t>　</a:t>
+            </a:r>
+            <a:r>
+              <a:rPr lang="ja-JP" altLang="en-US" sz="3200" b="1" dirty="0" smtClean="0">
+                <a:latin typeface="メイリオ" panose="020B0604030504040204" pitchFamily="50" charset="-128"/>
+                <a:ea typeface="メイリオ" panose="020B0604030504040204" pitchFamily="50" charset="-128"/>
+              </a:rPr>
+              <a:t>指数的に基底関数の数を増やす</a:t>
+            </a:r>
+            <a:endParaRPr lang="en-US" altLang="ja-JP" sz="3200" b="1" dirty="0" smtClean="0">
+              <a:latin typeface="メイリオ" panose="020B0604030504040204" pitchFamily="50" charset="-128"/>
+              <a:ea typeface="メイリオ" panose="020B0604030504040204" pitchFamily="50" charset="-128"/>
+            </a:endParaRPr>
+          </a:p>
+          <a:p>
+            <a:r>
+              <a:rPr lang="ja-JP" altLang="en-US" sz="3200" b="1" dirty="0" smtClean="0">
+                <a:latin typeface="メイリオ" panose="020B0604030504040204" pitchFamily="50" charset="-128"/>
+                <a:ea typeface="メイリオ" panose="020B0604030504040204" pitchFamily="50" charset="-128"/>
+              </a:rPr>
+              <a:t>　必要あり</a:t>
+            </a:r>
+            <a:r>
+              <a:rPr lang="en-US" altLang="ja-JP" sz="3200" b="1" dirty="0" smtClean="0">
+                <a:latin typeface="メイリオ" panose="020B0604030504040204" pitchFamily="50" charset="-128"/>
+                <a:ea typeface="メイリオ" panose="020B0604030504040204" pitchFamily="50" charset="-128"/>
+              </a:rPr>
+              <a:t>(</a:t>
+            </a:r>
+            <a:r>
+              <a:rPr lang="ja-JP" altLang="en-US" sz="3200" b="1" dirty="0" smtClean="0">
+                <a:latin typeface="メイリオ" panose="020B0604030504040204" pitchFamily="50" charset="-128"/>
+                <a:ea typeface="メイリオ" panose="020B0604030504040204" pitchFamily="50" charset="-128"/>
+              </a:rPr>
+              <a:t>次元の呪い</a:t>
+            </a:r>
+            <a:r>
+              <a:rPr lang="en-US" altLang="ja-JP" sz="3200" b="1" dirty="0" smtClean="0">
+                <a:latin typeface="メイリオ" panose="020B0604030504040204" pitchFamily="50" charset="-128"/>
+                <a:ea typeface="メイリオ" panose="020B0604030504040204" pitchFamily="50" charset="-128"/>
+              </a:rPr>
+              <a:t>)</a:t>
+            </a:r>
+          </a:p>
+          <a:p>
+            <a:endParaRPr kumimoji="1" lang="ja-JP" altLang="en-US" sz="3200" b="1" dirty="0">
+              <a:latin typeface="メイリオ" panose="020B0604030504040204" pitchFamily="50" charset="-128"/>
+              <a:ea typeface="メイリオ" panose="020B0604030504040204" pitchFamily="50" charset="-128"/>
+            </a:endParaRPr>
+          </a:p>
+        </p:txBody>
+      </p:sp>
+      <p:sp>
+        <p:nvSpPr>
+          <p:cNvPr id="6" name="テキスト ボックス 5"/>
+          <p:cNvSpPr txBox="1"/>
+          <p:nvPr/>
+        </p:nvSpPr>
+        <p:spPr>
+          <a:xfrm>
+            <a:off x="991672" y="3057157"/>
+            <a:ext cx="1223492" cy="584775"/>
+          </a:xfrm>
+          <a:prstGeom prst="rect">
+            <a:avLst/>
+          </a:prstGeom>
+          <a:noFill/>
+        </p:spPr>
+        <p:txBody>
+          <a:bodyPr wrap="square" rtlCol="0">
+            <a:spAutoFit/>
+          </a:bodyPr>
+          <a:lstStyle/>
+          <a:p>
+            <a:r>
+              <a:rPr kumimoji="1" lang="ja-JP" altLang="en-US" sz="3200" b="1" dirty="0" smtClean="0">
+                <a:solidFill>
+                  <a:srgbClr val="FF0000"/>
+                </a:solidFill>
+                <a:latin typeface="メイリオ" panose="020B0604030504040204" pitchFamily="50" charset="-128"/>
+                <a:ea typeface="メイリオ" panose="020B0604030504040204" pitchFamily="50" charset="-128"/>
+              </a:rPr>
+              <a:t>利点</a:t>
+            </a:r>
+            <a:endParaRPr kumimoji="1" lang="ja-JP" altLang="en-US" sz="3200" b="1" dirty="0">
+              <a:solidFill>
+                <a:srgbClr val="FF0000"/>
+              </a:solidFill>
+              <a:latin typeface="メイリオ" panose="020B0604030504040204" pitchFamily="50" charset="-128"/>
+              <a:ea typeface="メイリオ" panose="020B0604030504040204" pitchFamily="50" charset="-128"/>
+            </a:endParaRPr>
+          </a:p>
+        </p:txBody>
+      </p:sp>
+      <p:sp>
+        <p:nvSpPr>
+          <p:cNvPr id="7" name="テキスト ボックス 6"/>
+          <p:cNvSpPr txBox="1"/>
+          <p:nvPr/>
+        </p:nvSpPr>
+        <p:spPr>
+          <a:xfrm>
+            <a:off x="991672" y="4314420"/>
+            <a:ext cx="1287887" cy="584775"/>
+          </a:xfrm>
+          <a:prstGeom prst="rect">
+            <a:avLst/>
+          </a:prstGeom>
+          <a:noFill/>
+        </p:spPr>
+        <p:txBody>
+          <a:bodyPr wrap="square" rtlCol="0">
+            <a:spAutoFit/>
+          </a:bodyPr>
+          <a:lstStyle/>
+          <a:p>
+            <a:r>
+              <a:rPr kumimoji="1" lang="ja-JP" altLang="en-US" sz="3200" b="1" dirty="0" smtClean="0">
+                <a:solidFill>
+                  <a:schemeClr val="accent1"/>
+                </a:solidFill>
+                <a:latin typeface="メイリオ" panose="020B0604030504040204" pitchFamily="50" charset="-128"/>
+                <a:ea typeface="メイリオ" panose="020B0604030504040204" pitchFamily="50" charset="-128"/>
+              </a:rPr>
+              <a:t>欠点</a:t>
+            </a:r>
+            <a:endParaRPr kumimoji="1" lang="ja-JP" altLang="en-US" sz="3200" b="1" dirty="0">
+              <a:solidFill>
+                <a:schemeClr val="accent1"/>
+              </a:solidFill>
+              <a:latin typeface="メイリオ" panose="020B0604030504040204" pitchFamily="50" charset="-128"/>
+              <a:ea typeface="メイリオ" panose="020B0604030504040204" pitchFamily="50" charset="-128"/>
+            </a:endParaRPr>
+          </a:p>
+        </p:txBody>
+      </p:sp>
+      <p:sp>
+        <p:nvSpPr>
+          <p:cNvPr id="8" name="テキスト ボックス 7"/>
+          <p:cNvSpPr txBox="1"/>
+          <p:nvPr/>
+        </p:nvSpPr>
+        <p:spPr>
+          <a:xfrm>
+            <a:off x="1635615" y="5722991"/>
+            <a:ext cx="6220498" cy="954107"/>
+          </a:xfrm>
+          <a:prstGeom prst="rect">
+            <a:avLst/>
+          </a:prstGeom>
+          <a:noFill/>
+        </p:spPr>
+        <p:txBody>
+          <a:bodyPr wrap="square" rtlCol="0">
+            <a:spAutoFit/>
+          </a:bodyPr>
+          <a:lstStyle/>
+          <a:p>
+            <a:r>
+              <a:rPr kumimoji="1" lang="en-US" altLang="ja-JP" sz="2800" b="1" dirty="0" smtClean="0">
+                <a:latin typeface="メイリオ" panose="020B0604030504040204" pitchFamily="50" charset="-128"/>
+                <a:ea typeface="メイリオ" panose="020B0604030504040204" pitchFamily="50" charset="-128"/>
+              </a:rPr>
+              <a:t>※</a:t>
+            </a:r>
+            <a:r>
+              <a:rPr kumimoji="1" lang="ja-JP" altLang="en-US" sz="2800" b="1" dirty="0" smtClean="0">
+                <a:latin typeface="メイリオ" panose="020B0604030504040204" pitchFamily="50" charset="-128"/>
+                <a:ea typeface="メイリオ" panose="020B0604030504040204" pitchFamily="50" charset="-128"/>
+              </a:rPr>
+              <a:t>現実のデータの本質的な次元数は</a:t>
+            </a:r>
+            <a:endParaRPr kumimoji="1" lang="en-US" altLang="ja-JP" sz="2800" b="1" dirty="0" smtClean="0">
+              <a:latin typeface="メイリオ" panose="020B0604030504040204" pitchFamily="50" charset="-128"/>
+              <a:ea typeface="メイリオ" panose="020B0604030504040204" pitchFamily="50" charset="-128"/>
+            </a:endParaRPr>
+          </a:p>
+          <a:p>
+            <a:r>
+              <a:rPr kumimoji="1" lang="ja-JP" altLang="en-US" sz="2800" b="1" dirty="0" smtClean="0">
+                <a:latin typeface="メイリオ" panose="020B0604030504040204" pitchFamily="50" charset="-128"/>
+                <a:ea typeface="メイリオ" panose="020B0604030504040204" pitchFamily="50" charset="-128"/>
+              </a:rPr>
+              <a:t>概してあまり大きくない</a:t>
+            </a:r>
+            <a:endParaRPr kumimoji="1" lang="ja-JP" altLang="en-US" sz="2800" b="1" dirty="0">
+              <a:latin typeface="メイリオ" panose="020B0604030504040204" pitchFamily="50" charset="-128"/>
+              <a:ea typeface="メイリオ" panose="020B0604030504040204" pitchFamily="50" charset="-128"/>
+            </a:endParaRPr>
+          </a:p>
+        </p:txBody>
+      </p:sp>
+    </p:spTree>
+    <p:extLst>
+      <p:ext uri="{BB962C8B-B14F-4D97-AF65-F5344CB8AC3E}">
+        <p14:creationId xmlns:p14="http://schemas.microsoft.com/office/powerpoint/2010/main" val="3325803159"/>
       </p:ext>
     </p:extLst>
   </p:cSld>
@@ -15191,8 +21139,8 @@
           </a:extLst>
         </p:spPr>
       </p:pic>
-      <mc:AlternateContent xmlns:mc="http://schemas.openxmlformats.org/markup-compatibility/2006">
-        <mc:Choice xmlns:a14="http://schemas.microsoft.com/office/drawing/2010/main" Requires="a14">
+      <mc:AlternateContent xmlns:mc="http://schemas.openxmlformats.org/markup-compatibility/2006" xmlns:a14="http://schemas.microsoft.com/office/drawing/2010/main">
+        <mc:Choice Requires="a14">
           <p:sp>
             <p:nvSpPr>
               <p:cNvPr id="3" name="テキスト ボックス 2"/>
@@ -15335,7 +21283,7 @@
             </p:txBody>
           </p:sp>
         </mc:Choice>
-        <mc:Fallback>
+        <mc:Fallback xmlns="">
           <p:sp>
             <p:nvSpPr>
               <p:cNvPr id="3" name="テキスト ボックス 2"/>
